--- a/PowerPoint/Présentation soutenance.pptx
+++ b/PowerPoint/Présentation soutenance.pptx
@@ -2,7 +2,7 @@
 <file path=ppt/presentation.xml><?xml version="1.0" encoding="utf-8"?>
 <p:presentation xmlns:a="http://schemas.openxmlformats.org/drawingml/2006/main" xmlns:r="http://schemas.openxmlformats.org/officeDocument/2006/relationships" xmlns:p="http://schemas.openxmlformats.org/presentationml/2006/main" showSpecialPlsOnTitleSld="0" saveSubsetFonts="1">
   <p:sldMasterIdLst>
-    <p:sldMasterId id="2147483660" r:id="rId1"/>
+    <p:sldMasterId id="2147483672" r:id="rId1"/>
   </p:sldMasterIdLst>
   <p:notesMasterIdLst>
     <p:notesMasterId r:id="rId11"/>
@@ -555,11 +555,6 @@
 <file path=ppt/slideLayouts/slideLayout1.xml><?xml version="1.0" encoding="utf-8"?>
 <p:sldLayout xmlns:a="http://schemas.openxmlformats.org/drawingml/2006/main" xmlns:r="http://schemas.openxmlformats.org/officeDocument/2006/relationships" xmlns:p="http://schemas.openxmlformats.org/presentationml/2006/main" type="title" preserve="1">
   <p:cSld name="Diapositive de titre">
-    <p:bg>
-      <p:bgRef idx="1002">
-        <a:schemeClr val="bg2"/>
-      </p:bgRef>
-    </p:bg>
     <p:spTree>
       <p:nvGrpSpPr>
         <p:cNvPr id="1" name=""/>
@@ -1289,11 +1284,6 @@
 <file path=ppt/slideLayouts/slideLayout3.xml><?xml version="1.0" encoding="utf-8"?>
 <p:sldLayout xmlns:a="http://schemas.openxmlformats.org/drawingml/2006/main" xmlns:r="http://schemas.openxmlformats.org/officeDocument/2006/relationships" xmlns:p="http://schemas.openxmlformats.org/presentationml/2006/main" type="secHead" preserve="1">
   <p:cSld name="Titre de section">
-    <p:bg>
-      <p:bgRef idx="1002">
-        <a:schemeClr val="bg2"/>
-      </p:bgRef>
-    </p:bg>
     <p:spTree>
       <p:nvGrpSpPr>
         <p:cNvPr id="1" name=""/>
@@ -2672,7 +2662,7 @@
 </file>
 
 <file path=ppt/slideLayouts/slideLayout9.xml><?xml version="1.0" encoding="utf-8"?>
-<p:sldLayout xmlns:a="http://schemas.openxmlformats.org/drawingml/2006/main" xmlns:r="http://schemas.openxmlformats.org/officeDocument/2006/relationships" xmlns:p="http://schemas.openxmlformats.org/presentationml/2006/main" showMasterSp="0" type="picTx" preserve="1">
+<p:sldLayout xmlns:a="http://schemas.openxmlformats.org/drawingml/2006/main" xmlns:r="http://schemas.openxmlformats.org/officeDocument/2006/relationships" xmlns:p="http://schemas.openxmlformats.org/presentationml/2006/main" type="picTx" preserve="1">
   <p:cSld name="Image avec légende">
     <p:spTree>
       <p:nvGrpSpPr>
@@ -3270,9 +3260,12 @@
 <p:sldMaster xmlns:a="http://schemas.openxmlformats.org/drawingml/2006/main" xmlns:r="http://schemas.openxmlformats.org/officeDocument/2006/relationships" xmlns:p="http://schemas.openxmlformats.org/presentationml/2006/main">
   <p:cSld>
     <p:bg>
-      <p:bgRef idx="1003">
-        <a:schemeClr val="bg1"/>
-      </p:bgRef>
+      <p:bgPr>
+        <a:solidFill>
+          <a:schemeClr val="bg1"/>
+        </a:solidFill>
+        <a:effectLst/>
+      </p:bgPr>
     </p:bg>
     <p:spTree>
       <p:nvGrpSpPr>
@@ -3976,17 +3969,17 @@
   </p:cSld>
   <p:clrMap bg1="lt1" tx1="dk1" bg2="lt2" tx2="dk2" accent1="accent1" accent2="accent2" accent3="accent3" accent4="accent4" accent5="accent5" accent6="accent6" hlink="hlink" folHlink="folHlink"/>
   <p:sldLayoutIdLst>
-    <p:sldLayoutId id="2147483661" r:id="rId1"/>
-    <p:sldLayoutId id="2147483662" r:id="rId2"/>
-    <p:sldLayoutId id="2147483663" r:id="rId3"/>
-    <p:sldLayoutId id="2147483664" r:id="rId4"/>
-    <p:sldLayoutId id="2147483665" r:id="rId5"/>
-    <p:sldLayoutId id="2147483666" r:id="rId6"/>
-    <p:sldLayoutId id="2147483667" r:id="rId7"/>
-    <p:sldLayoutId id="2147483668" r:id="rId8"/>
-    <p:sldLayoutId id="2147483669" r:id="rId9"/>
-    <p:sldLayoutId id="2147483670" r:id="rId10"/>
-    <p:sldLayoutId id="2147483671" r:id="rId11"/>
+    <p:sldLayoutId id="2147483673" r:id="rId1"/>
+    <p:sldLayoutId id="2147483674" r:id="rId2"/>
+    <p:sldLayoutId id="2147483675" r:id="rId3"/>
+    <p:sldLayoutId id="2147483676" r:id="rId4"/>
+    <p:sldLayoutId id="2147483677" r:id="rId5"/>
+    <p:sldLayoutId id="2147483678" r:id="rId6"/>
+    <p:sldLayoutId id="2147483679" r:id="rId7"/>
+    <p:sldLayoutId id="2147483680" r:id="rId8"/>
+    <p:sldLayoutId id="2147483681" r:id="rId9"/>
+    <p:sldLayoutId id="2147483682" r:id="rId10"/>
+    <p:sldLayoutId id="2147483683" r:id="rId11"/>
   </p:sldLayoutIdLst>
   <p:hf hdr="0" ftr="0" dt="0"/>
   <p:txStyles>
@@ -4279,6 +4272,14 @@
 <file path=ppt/slides/slide1.xml><?xml version="1.0" encoding="utf-8"?>
 <p:sld xmlns:a="http://schemas.openxmlformats.org/drawingml/2006/main" xmlns:r="http://schemas.openxmlformats.org/officeDocument/2006/relationships" xmlns:p="http://schemas.openxmlformats.org/presentationml/2006/main">
   <p:cSld>
+    <p:bg>
+      <p:bgPr>
+        <a:solidFill>
+          <a:srgbClr val="0581A3"/>
+        </a:solidFill>
+        <a:effectLst/>
+      </p:bgPr>
+    </p:bg>
     <p:spTree>
       <p:nvGrpSpPr>
         <p:cNvPr id="1" name=""/>
@@ -4490,7 +4491,7 @@
           <a:p>
             <a:pPr algn="ctr"/>
             <a:r>
-              <a:rPr lang="fr-FR" dirty="0" smtClean="0">
+              <a:rPr lang="fr-FR" smtClean="0">
                 <a:latin typeface="Algerian" pitchFamily="82" charset="0"/>
               </a:rPr>
               <a:t>Plan</a:t>
@@ -4524,20 +4525,20 @@
             <a:pPr marL="0" indent="0" algn="ctr">
               <a:buNone/>
             </a:pPr>
-            <a:endParaRPr lang="fr-FR" dirty="0" smtClean="0"/>
+            <a:endParaRPr lang="fr-FR" smtClean="0"/>
           </a:p>
           <a:p>
             <a:pPr marL="0" indent="0" algn="ctr">
               <a:buNone/>
             </a:pPr>
-            <a:endParaRPr lang="fr-FR" dirty="0" smtClean="0"/>
+            <a:endParaRPr lang="fr-FR" smtClean="0"/>
           </a:p>
           <a:p>
             <a:pPr marL="0" indent="0" algn="ctr">
               <a:buNone/>
             </a:pPr>
             <a:r>
-              <a:rPr lang="fr-FR" dirty="0" smtClean="0"/>
+              <a:rPr lang="fr-FR" smtClean="0"/>
               <a:t>I)Présentation</a:t>
             </a:r>
           </a:p>
@@ -4546,7 +4547,7 @@
               <a:buNone/>
             </a:pPr>
             <a:r>
-              <a:rPr lang="fr-FR" dirty="0" smtClean="0"/>
+              <a:rPr lang="fr-FR" smtClean="0"/>
               <a:t>III)Implémentation</a:t>
             </a:r>
           </a:p>
@@ -4555,7 +4556,7 @@
               <a:buNone/>
             </a:pPr>
             <a:r>
-              <a:rPr lang="fr-FR" dirty="0" smtClean="0"/>
+              <a:rPr lang="fr-FR" smtClean="0"/>
               <a:t>V)Résultats</a:t>
             </a:r>
           </a:p>
@@ -4563,7 +4564,7 @@
             <a:pPr marL="0" indent="0" algn="ctr">
               <a:buNone/>
             </a:pPr>
-            <a:endParaRPr lang="fr-FR" dirty="0" smtClean="0"/>
+            <a:endParaRPr lang="fr-FR" smtClean="0"/>
           </a:p>
           <a:p>
             <a:pPr marL="0" indent="0" algn="ctr">
@@ -5381,6 +5382,35 @@
           </a:p>
         </p:txBody>
       </p:sp>
+      <p:pic>
+        <p:nvPicPr>
+          <p:cNvPr id="11" name="Espace réservé du contenu 10"/>
+          <p:cNvPicPr>
+            <a:picLocks noGrp="1" noChangeAspect="1"/>
+          </p:cNvPicPr>
+          <p:nvPr>
+            <p:ph idx="1"/>
+          </p:nvPr>
+        </p:nvPicPr>
+        <p:blipFill>
+          <a:blip r:embed="rId2" cstate="print">
+            <a:extLst>
+              <a:ext uri="{28A0092B-C50C-407E-A947-70E740481C1C}">
+                <a14:useLocalDpi xmlns:a14="http://schemas.microsoft.com/office/drawing/2010/main" val="0"/>
+              </a:ext>
+            </a:extLst>
+          </a:blip>
+          <a:stretch>
+            <a:fillRect/>
+          </a:stretch>
+        </p:blipFill>
+        <p:spPr>
+          <a:xfrm>
+            <a:off x="539552" y="3789040"/>
+            <a:ext cx="7821765" cy="1944216"/>
+          </a:xfrm>
+        </p:spPr>
+      </p:pic>
       <p:sp>
         <p:nvSpPr>
           <p:cNvPr id="4" name="Espace réservé du numéro de diapositive 3"/>
@@ -5511,35 +5541,6 @@
           </p:txBody>
         </p:sp>
       </p:grpSp>
-      <p:pic>
-        <p:nvPicPr>
-          <p:cNvPr id="11" name="Espace réservé du contenu 10"/>
-          <p:cNvPicPr>
-            <a:picLocks noGrp="1" noChangeAspect="1"/>
-          </p:cNvPicPr>
-          <p:nvPr>
-            <p:ph idx="1"/>
-          </p:nvPr>
-        </p:nvPicPr>
-        <p:blipFill>
-          <a:blip r:embed="rId2" cstate="print">
-            <a:extLst>
-              <a:ext uri="{28A0092B-C50C-407E-A947-70E740481C1C}">
-                <a14:useLocalDpi xmlns:a14="http://schemas.microsoft.com/office/drawing/2010/main" val="0"/>
-              </a:ext>
-            </a:extLst>
-          </a:blip>
-          <a:stretch>
-            <a:fillRect/>
-          </a:stretch>
-        </p:blipFill>
-        <p:spPr>
-          <a:xfrm>
-            <a:off x="539552" y="3789040"/>
-            <a:ext cx="7821765" cy="1944216"/>
-          </a:xfrm>
-        </p:spPr>
-      </p:pic>
       <p:sp>
         <p:nvSpPr>
           <p:cNvPr id="12" name="ZoneTexte 11"/>
@@ -5792,7 +5793,6 @@
                 <a:rPr lang="fr-FR" dirty="0" smtClean="0"/>
                 <a:t>Données réelles </a:t>
               </a:r>
-              <a:endParaRPr lang="fr-FR" dirty="0" smtClean="0"/>
             </a:p>
           </p:txBody>
         </p:sp>
@@ -6357,9 +6357,6 @@
               </a:rPr>
               <a:t>Conclusions </a:t>
             </a:r>
-            <a:endParaRPr lang="fr-FR" dirty="0">
-              <a:latin typeface="Algerian" pitchFamily="82" charset="0"/>
-            </a:endParaRPr>
           </a:p>
         </p:txBody>
       </p:sp>

--- a/PowerPoint/Présentation soutenance.pptx
+++ b/PowerPoint/Présentation soutenance.pptx
@@ -5,7 +5,7 @@
     <p:sldMasterId id="2147483672" r:id="rId1"/>
   </p:sldMasterIdLst>
   <p:notesMasterIdLst>
-    <p:notesMasterId r:id="rId11"/>
+    <p:notesMasterId r:id="rId15"/>
   </p:notesMasterIdLst>
   <p:sldIdLst>
     <p:sldId id="256" r:id="rId2"/>
@@ -13,10 +13,14 @@
     <p:sldId id="257" r:id="rId4"/>
     <p:sldId id="265" r:id="rId5"/>
     <p:sldId id="264" r:id="rId6"/>
-    <p:sldId id="260" r:id="rId7"/>
-    <p:sldId id="261" r:id="rId8"/>
-    <p:sldId id="262" r:id="rId9"/>
-    <p:sldId id="263" r:id="rId10"/>
+    <p:sldId id="268" r:id="rId7"/>
+    <p:sldId id="266" r:id="rId8"/>
+    <p:sldId id="269" r:id="rId9"/>
+    <p:sldId id="267" r:id="rId10"/>
+    <p:sldId id="270" r:id="rId11"/>
+    <p:sldId id="262" r:id="rId12"/>
+    <p:sldId id="263" r:id="rId13"/>
+    <p:sldId id="271" r:id="rId14"/>
   </p:sldIdLst>
   <p:sldSz cx="9144000" cy="6858000" type="screen4x3"/>
   <p:notesSz cx="6858000" cy="9144000"/>
@@ -200,7 +204,7 @@
           <a:p>
             <a:fld id="{84153858-5C42-4737-9E63-98A692F29591}" type="datetimeFigureOut">
               <a:rPr lang="fr-FR" smtClean="0"/>
-              <a:t>06/03/2013</a:t>
+              <a:t>09/03/2013</a:t>
             </a:fld>
             <a:endParaRPr lang="fr-FR"/>
           </a:p>
@@ -552,6 +556,98 @@
 </p:notes>
 </file>
 
+<file path=ppt/notesSlides/notesSlide2.xml><?xml version="1.0" encoding="utf-8"?>
+<p:notes xmlns:a="http://schemas.openxmlformats.org/drawingml/2006/main" xmlns:r="http://schemas.openxmlformats.org/officeDocument/2006/relationships" xmlns:p="http://schemas.openxmlformats.org/presentationml/2006/main">
+  <p:cSld>
+    <p:spTree>
+      <p:nvGrpSpPr>
+        <p:cNvPr id="1" name=""/>
+        <p:cNvGrpSpPr/>
+        <p:nvPr/>
+      </p:nvGrpSpPr>
+      <p:grpSpPr>
+        <a:xfrm>
+          <a:off x="0" y="0"/>
+          <a:ext cx="0" cy="0"/>
+          <a:chOff x="0" y="0"/>
+          <a:chExt cx="0" cy="0"/>
+        </a:xfrm>
+      </p:grpSpPr>
+      <p:sp>
+        <p:nvSpPr>
+          <p:cNvPr id="2" name="Espace réservé de l'image des diapositives 1"/>
+          <p:cNvSpPr>
+            <a:spLocks noGrp="1" noRot="1" noChangeAspect="1"/>
+          </p:cNvSpPr>
+          <p:nvPr>
+            <p:ph type="sldImg"/>
+          </p:nvPr>
+        </p:nvSpPr>
+        <p:spPr/>
+      </p:sp>
+      <p:sp>
+        <p:nvSpPr>
+          <p:cNvPr id="3" name="Espace réservé des commentaires 2"/>
+          <p:cNvSpPr>
+            <a:spLocks noGrp="1"/>
+          </p:cNvSpPr>
+          <p:nvPr>
+            <p:ph type="body" idx="1"/>
+          </p:nvPr>
+        </p:nvSpPr>
+        <p:spPr/>
+        <p:txBody>
+          <a:bodyPr/>
+          <a:lstStyle/>
+          <a:p>
+            <a:r>
+              <a:rPr lang="fr-FR" dirty="0" smtClean="0"/>
+              <a:t>K variant de 20</a:t>
+            </a:r>
+            <a:r>
+              <a:rPr lang="fr-FR" baseline="0" dirty="0" smtClean="0"/>
+              <a:t> , 10 , 5 pour conserver un nb de niveau raisonnable suivant la valeur du Nb de classes</a:t>
+            </a:r>
+            <a:endParaRPr lang="fr-FR" dirty="0"/>
+          </a:p>
+        </p:txBody>
+      </p:sp>
+      <p:sp>
+        <p:nvSpPr>
+          <p:cNvPr id="4" name="Espace réservé du numéro de diapositive 3"/>
+          <p:cNvSpPr>
+            <a:spLocks noGrp="1"/>
+          </p:cNvSpPr>
+          <p:nvPr>
+            <p:ph type="sldNum" sz="quarter" idx="10"/>
+          </p:nvPr>
+        </p:nvSpPr>
+        <p:spPr/>
+        <p:txBody>
+          <a:bodyPr/>
+          <a:lstStyle/>
+          <a:p>
+            <a:fld id="{9CF81B6A-693D-4A09-9A1D-3BB859544963}" type="slidenum">
+              <a:rPr lang="fr-FR" smtClean="0"/>
+              <a:t>6</a:t>
+            </a:fld>
+            <a:endParaRPr lang="fr-FR"/>
+          </a:p>
+        </p:txBody>
+      </p:sp>
+    </p:spTree>
+    <p:extLst>
+      <p:ext uri="{BB962C8B-B14F-4D97-AF65-F5344CB8AC3E}">
+        <p14:creationId xmlns:p14="http://schemas.microsoft.com/office/powerpoint/2010/main" val="914776798"/>
+      </p:ext>
+    </p:extLst>
+  </p:cSld>
+  <p:clrMapOvr>
+    <a:masterClrMapping/>
+  </p:clrMapOvr>
+</p:notes>
+</file>
+
 <file path=ppt/slideLayouts/slideLayout1.xml><?xml version="1.0" encoding="utf-8"?>
 <p:sldLayout xmlns:a="http://schemas.openxmlformats.org/drawingml/2006/main" xmlns:r="http://schemas.openxmlformats.org/officeDocument/2006/relationships" xmlns:p="http://schemas.openxmlformats.org/presentationml/2006/main" type="title" preserve="1">
   <p:cSld name="Diapositive de titre">
@@ -720,7 +816,7 @@
           <a:p>
             <a:fld id="{5BECF28A-961C-40F0-86FE-D4A0F2B923EB}" type="datetime1">
               <a:rPr lang="fr-FR" smtClean="0"/>
-              <a:t>06/03/2013</a:t>
+              <a:t>09/03/2013</a:t>
             </a:fld>
             <a:endParaRPr lang="fr-FR"/>
           </a:p>
@@ -885,7 +981,7 @@
           <a:p>
             <a:fld id="{E2310903-8430-42A3-B46F-82CCB2319E4A}" type="datetime1">
               <a:rPr lang="fr-FR" smtClean="0"/>
-              <a:t>06/03/2013</a:t>
+              <a:t>09/03/2013</a:t>
             </a:fld>
             <a:endParaRPr lang="fr-FR"/>
           </a:p>
@@ -1060,7 +1156,7 @@
           <a:p>
             <a:fld id="{045E1E8F-362E-460D-913B-5B41815CAA38}" type="datetime1">
               <a:rPr lang="fr-FR" smtClean="0"/>
-              <a:t>06/03/2013</a:t>
+              <a:t>09/03/2013</a:t>
             </a:fld>
             <a:endParaRPr lang="fr-FR"/>
           </a:p>
@@ -1225,7 +1321,7 @@
           <a:p>
             <a:fld id="{3F4A6872-72A1-4990-8DA5-AC8DCC02B2FD}" type="datetime1">
               <a:rPr lang="fr-FR" smtClean="0"/>
-              <a:t>06/03/2013</a:t>
+              <a:t>09/03/2013</a:t>
             </a:fld>
             <a:endParaRPr lang="fr-FR"/>
           </a:p>
@@ -1462,7 +1558,7 @@
           <a:p>
             <a:fld id="{AC87282C-A0EE-4936-97ED-C33B1869C294}" type="datetime1">
               <a:rPr lang="fr-FR" smtClean="0"/>
-              <a:t>06/03/2013</a:t>
+              <a:t>09/03/2013</a:t>
             </a:fld>
             <a:endParaRPr lang="fr-FR"/>
           </a:p>
@@ -1726,7 +1822,7 @@
           <a:p>
             <a:fld id="{99C3405A-D10A-4026-8896-0D3B0948454F}" type="datetime1">
               <a:rPr lang="fr-FR" smtClean="0"/>
-              <a:t>06/03/2013</a:t>
+              <a:t>09/03/2013</a:t>
             </a:fld>
             <a:endParaRPr lang="fr-FR"/>
           </a:p>
@@ -2104,7 +2200,7 @@
           <a:p>
             <a:fld id="{F604A74B-D6CD-40A9-84C3-6A9AA6563B56}" type="datetime1">
               <a:rPr lang="fr-FR" smtClean="0"/>
-              <a:t>06/03/2013</a:t>
+              <a:t>09/03/2013</a:t>
             </a:fld>
             <a:endParaRPr lang="fr-FR"/>
           </a:p>
@@ -2254,7 +2350,7 @@
           <a:p>
             <a:fld id="{3B1D31FE-F265-4900-8B57-8612E78ED14D}" type="datetime1">
               <a:rPr lang="fr-FR" smtClean="0"/>
-              <a:t>06/03/2013</a:t>
+              <a:t>09/03/2013</a:t>
             </a:fld>
             <a:endParaRPr lang="fr-FR"/>
           </a:p>
@@ -2344,7 +2440,7 @@
           <a:p>
             <a:fld id="{6D584B46-F975-4E4E-956E-44838D900733}" type="datetime1">
               <a:rPr lang="fr-FR" smtClean="0"/>
-              <a:t>06/03/2013</a:t>
+              <a:t>09/03/2013</a:t>
             </a:fld>
             <a:endParaRPr lang="fr-FR"/>
           </a:p>
@@ -2605,7 +2701,7 @@
           <a:p>
             <a:fld id="{8FA4A58C-1EEA-4F98-BA38-043E0512F7C6}" type="datetime1">
               <a:rPr lang="fr-FR" smtClean="0"/>
-              <a:t>06/03/2013</a:t>
+              <a:t>09/03/2013</a:t>
             </a:fld>
             <a:endParaRPr lang="fr-FR"/>
           </a:p>
@@ -2893,7 +2989,7 @@
           <a:p>
             <a:fld id="{F7900F7D-A084-41D0-9278-2618F8CF30C3}" type="datetime1">
               <a:rPr lang="fr-FR" smtClean="0"/>
-              <a:t>06/03/2013</a:t>
+              <a:t>09/03/2013</a:t>
             </a:fld>
             <a:endParaRPr lang="fr-FR"/>
           </a:p>
@@ -3667,7 +3763,7 @@
           <a:p>
             <a:fld id="{68FFDFF1-D346-4B45-99D2-B2FA1CC82298}" type="datetime1">
               <a:rPr lang="fr-FR" smtClean="0"/>
-              <a:t>06/03/2013</a:t>
+              <a:t>09/03/2013</a:t>
             </a:fld>
             <a:endParaRPr lang="fr-FR"/>
           </a:p>
@@ -4457,6 +4553,634 @@
 </p:sld>
 </file>
 
+<file path=ppt/slides/slide10.xml><?xml version="1.0" encoding="utf-8"?>
+<p:sld xmlns:a="http://schemas.openxmlformats.org/drawingml/2006/main" xmlns:r="http://schemas.openxmlformats.org/officeDocument/2006/relationships" xmlns:p="http://schemas.openxmlformats.org/presentationml/2006/main">
+  <p:cSld>
+    <p:spTree>
+      <p:nvGrpSpPr>
+        <p:cNvPr id="1" name=""/>
+        <p:cNvGrpSpPr/>
+        <p:nvPr/>
+      </p:nvGrpSpPr>
+      <p:grpSpPr>
+        <a:xfrm>
+          <a:off x="0" y="0"/>
+          <a:ext cx="0" cy="0"/>
+          <a:chOff x="0" y="0"/>
+          <a:chExt cx="0" cy="0"/>
+        </a:xfrm>
+      </p:grpSpPr>
+      <p:sp>
+        <p:nvSpPr>
+          <p:cNvPr id="2" name="Titre 1"/>
+          <p:cNvSpPr>
+            <a:spLocks noGrp="1"/>
+          </p:cNvSpPr>
+          <p:nvPr>
+            <p:ph type="title"/>
+          </p:nvPr>
+        </p:nvSpPr>
+        <p:spPr/>
+        <p:txBody>
+          <a:bodyPr>
+            <a:normAutofit/>
+          </a:bodyPr>
+          <a:lstStyle/>
+          <a:p>
+            <a:pPr marL="0" indent="0" algn="ctr"/>
+            <a:r>
+              <a:rPr lang="fr-FR" dirty="0" smtClean="0">
+                <a:latin typeface="Algerian" pitchFamily="82" charset="0"/>
+              </a:rPr>
+              <a:t>Etude théorique(suite)</a:t>
+            </a:r>
+            <a:endParaRPr lang="fr-FR" dirty="0">
+              <a:latin typeface="Algerian" pitchFamily="82" charset="0"/>
+            </a:endParaRPr>
+          </a:p>
+        </p:txBody>
+      </p:sp>
+      <p:sp>
+        <p:nvSpPr>
+          <p:cNvPr id="3" name="Espace réservé du contenu 2"/>
+          <p:cNvSpPr>
+            <a:spLocks noGrp="1"/>
+          </p:cNvSpPr>
+          <p:nvPr>
+            <p:ph idx="1"/>
+          </p:nvPr>
+        </p:nvSpPr>
+        <p:spPr>
+          <a:xfrm>
+            <a:off x="457200" y="1935480"/>
+            <a:ext cx="4330824" cy="629424"/>
+          </a:xfrm>
+        </p:spPr>
+        <p:txBody>
+          <a:bodyPr>
+            <a:normAutofit fontScale="92500"/>
+          </a:bodyPr>
+          <a:lstStyle/>
+          <a:p>
+            <a:pPr marL="0" indent="0">
+              <a:buNone/>
+            </a:pPr>
+            <a:r>
+              <a:rPr lang="fr-FR" u="sng" dirty="0" smtClean="0"/>
+              <a:t>Phase de raffinement: Principe</a:t>
+            </a:r>
+            <a:endParaRPr lang="fr-FR" u="sng" dirty="0"/>
+          </a:p>
+        </p:txBody>
+      </p:sp>
+      <p:sp>
+        <p:nvSpPr>
+          <p:cNvPr id="4" name="Espace réservé du numéro de diapositive 3"/>
+          <p:cNvSpPr>
+            <a:spLocks noGrp="1"/>
+          </p:cNvSpPr>
+          <p:nvPr>
+            <p:ph type="sldNum" sz="quarter" idx="12"/>
+          </p:nvPr>
+        </p:nvSpPr>
+        <p:spPr/>
+        <p:txBody>
+          <a:bodyPr/>
+          <a:lstStyle/>
+          <a:p>
+            <a:fld id="{A6C779B1-47AE-4282-925F-478598739DA8}" type="slidenum">
+              <a:rPr lang="fr-FR" sz="2000" smtClean="0"/>
+              <a:t>10</a:t>
+            </a:fld>
+            <a:endParaRPr lang="fr-FR" sz="2000" dirty="0"/>
+          </a:p>
+        </p:txBody>
+      </p:sp>
+      <p:grpSp>
+        <p:nvGrpSpPr>
+          <p:cNvPr id="28" name="Groupe 27"/>
+          <p:cNvGrpSpPr/>
+          <p:nvPr/>
+        </p:nvGrpSpPr>
+        <p:grpSpPr>
+          <a:xfrm>
+            <a:off x="395536" y="2852937"/>
+            <a:ext cx="7167694" cy="517086"/>
+            <a:chOff x="395536" y="2204864"/>
+            <a:chExt cx="5918917" cy="400110"/>
+          </a:xfrm>
+        </p:grpSpPr>
+        <p:sp>
+          <p:nvSpPr>
+            <p:cNvPr id="29" name="Rectangle 28"/>
+            <p:cNvSpPr/>
+            <p:nvPr/>
+          </p:nvSpPr>
+          <p:spPr>
+            <a:xfrm>
+              <a:off x="395536" y="2204864"/>
+              <a:ext cx="2662590" cy="400110"/>
+            </a:xfrm>
+            <a:prstGeom prst="rect">
+              <a:avLst/>
+            </a:prstGeom>
+          </p:spPr>
+          <p:txBody>
+            <a:bodyPr wrap="none">
+              <a:spAutoFit/>
+            </a:bodyPr>
+            <a:lstStyle/>
+            <a:p>
+              <a:r>
+                <a:rPr lang="fr-FR" sz="2000" dirty="0" smtClean="0"/>
+                <a:t>Points clés de cette phase:</a:t>
+              </a:r>
+              <a:endParaRPr lang="fr-FR" sz="2000" dirty="0" smtClean="0"/>
+            </a:p>
+          </p:txBody>
+        </p:sp>
+        <p:sp>
+          <p:nvSpPr>
+            <p:cNvPr id="30" name="ZoneTexte 29"/>
+            <p:cNvSpPr txBox="1"/>
+            <p:nvPr/>
+          </p:nvSpPr>
+          <p:spPr>
+            <a:xfrm>
+              <a:off x="2870813" y="2236034"/>
+              <a:ext cx="3443640" cy="309596"/>
+            </a:xfrm>
+            <a:prstGeom prst="rect">
+              <a:avLst/>
+            </a:prstGeom>
+            <a:noFill/>
+          </p:spPr>
+          <p:txBody>
+            <a:bodyPr wrap="none" rtlCol="0">
+              <a:spAutoFit/>
+            </a:bodyPr>
+            <a:lstStyle/>
+            <a:p>
+              <a:r>
+                <a:rPr lang="fr-FR" sz="2000" dirty="0" smtClean="0"/>
+                <a:t>-   Dépendance forte de l’agrégation.</a:t>
+              </a:r>
+              <a:endParaRPr lang="fr-FR" sz="2000" dirty="0" smtClean="0"/>
+            </a:p>
+          </p:txBody>
+        </p:sp>
+      </p:grpSp>
+      <p:grpSp>
+        <p:nvGrpSpPr>
+          <p:cNvPr id="31" name="Groupe 30"/>
+          <p:cNvGrpSpPr/>
+          <p:nvPr/>
+        </p:nvGrpSpPr>
+        <p:grpSpPr>
+          <a:xfrm>
+            <a:off x="398263" y="4439381"/>
+            <a:ext cx="7686333" cy="748169"/>
+            <a:chOff x="395536" y="2204864"/>
+            <a:chExt cx="6347201" cy="578918"/>
+          </a:xfrm>
+        </p:grpSpPr>
+        <p:sp>
+          <p:nvSpPr>
+            <p:cNvPr id="33" name="Rectangle 32"/>
+            <p:cNvSpPr/>
+            <p:nvPr/>
+          </p:nvSpPr>
+          <p:spPr>
+            <a:xfrm>
+              <a:off x="395536" y="2204864"/>
+              <a:ext cx="1436240" cy="309597"/>
+            </a:xfrm>
+            <a:prstGeom prst="rect">
+              <a:avLst/>
+            </a:prstGeom>
+          </p:spPr>
+          <p:txBody>
+            <a:bodyPr wrap="none">
+              <a:spAutoFit/>
+            </a:bodyPr>
+            <a:lstStyle/>
+            <a:p>
+              <a:r>
+                <a:rPr lang="fr-FR" sz="2000" dirty="0" smtClean="0">
+                  <a:solidFill>
+                    <a:srgbClr val="FF0000"/>
+                  </a:solidFill>
+                </a:rPr>
+                <a:t>IMPORTANT:</a:t>
+              </a:r>
+              <a:endParaRPr lang="fr-FR" sz="2000" dirty="0" smtClean="0">
+                <a:solidFill>
+                  <a:srgbClr val="FF0000"/>
+                </a:solidFill>
+              </a:endParaRPr>
+            </a:p>
+          </p:txBody>
+        </p:sp>
+        <p:sp>
+          <p:nvSpPr>
+            <p:cNvPr id="34" name="ZoneTexte 33"/>
+            <p:cNvSpPr txBox="1"/>
+            <p:nvPr/>
+          </p:nvSpPr>
+          <p:spPr>
+            <a:xfrm>
+              <a:off x="2117698" y="2236034"/>
+              <a:ext cx="4625039" cy="547748"/>
+            </a:xfrm>
+            <a:prstGeom prst="rect">
+              <a:avLst/>
+            </a:prstGeom>
+            <a:noFill/>
+          </p:spPr>
+          <p:txBody>
+            <a:bodyPr wrap="none" rtlCol="0">
+              <a:spAutoFit/>
+            </a:bodyPr>
+            <a:lstStyle/>
+            <a:p>
+              <a:pPr marL="285750" indent="-285750">
+                <a:buFontTx/>
+                <a:buChar char="-"/>
+              </a:pPr>
+              <a:r>
+                <a:rPr lang="fr-FR" sz="2000" dirty="0"/>
+                <a:t>Vérifier à chaque début de niveau, qu’on utilise</a:t>
+              </a:r>
+            </a:p>
+            <a:p>
+              <a:r>
+                <a:rPr lang="fr-FR" sz="2000" dirty="0"/>
+                <a:t>la partition de la fin du niveau précédent</a:t>
+              </a:r>
+              <a:r>
+                <a:rPr lang="fr-FR" sz="2000" dirty="0" smtClean="0"/>
+                <a:t>.</a:t>
+              </a:r>
+              <a:endParaRPr lang="fr-FR" sz="2000" dirty="0"/>
+            </a:p>
+          </p:txBody>
+        </p:sp>
+      </p:grpSp>
+    </p:spTree>
+    <p:extLst>
+      <p:ext uri="{BB962C8B-B14F-4D97-AF65-F5344CB8AC3E}">
+        <p14:creationId xmlns:p14="http://schemas.microsoft.com/office/powerpoint/2010/main" val="486147611"/>
+      </p:ext>
+    </p:extLst>
+  </p:cSld>
+  <p:clrMapOvr>
+    <a:masterClrMapping/>
+  </p:clrMapOvr>
+  <p:timing>
+    <p:tnLst>
+      <p:par>
+        <p:cTn id="1" dur="indefinite" restart="never" nodeType="tmRoot"/>
+      </p:par>
+    </p:tnLst>
+  </p:timing>
+</p:sld>
+</file>
+
+<file path=ppt/slides/slide11.xml><?xml version="1.0" encoding="utf-8"?>
+<p:sld xmlns:a="http://schemas.openxmlformats.org/drawingml/2006/main" xmlns:r="http://schemas.openxmlformats.org/officeDocument/2006/relationships" xmlns:p="http://schemas.openxmlformats.org/presentationml/2006/main">
+  <p:cSld>
+    <p:spTree>
+      <p:nvGrpSpPr>
+        <p:cNvPr id="1" name=""/>
+        <p:cNvGrpSpPr/>
+        <p:nvPr/>
+      </p:nvGrpSpPr>
+      <p:grpSpPr>
+        <a:xfrm>
+          <a:off x="0" y="0"/>
+          <a:ext cx="0" cy="0"/>
+          <a:chOff x="0" y="0"/>
+          <a:chExt cx="0" cy="0"/>
+        </a:xfrm>
+      </p:grpSpPr>
+      <p:sp>
+        <p:nvSpPr>
+          <p:cNvPr id="2" name="Titre 1"/>
+          <p:cNvSpPr>
+            <a:spLocks noGrp="1"/>
+          </p:cNvSpPr>
+          <p:nvPr>
+            <p:ph type="title"/>
+          </p:nvPr>
+        </p:nvSpPr>
+        <p:spPr/>
+        <p:txBody>
+          <a:bodyPr>
+            <a:normAutofit/>
+          </a:bodyPr>
+          <a:lstStyle/>
+          <a:p>
+            <a:pPr marL="0" indent="0" algn="ctr"/>
+            <a:r>
+              <a:rPr lang="fr-FR" dirty="0" smtClean="0">
+                <a:latin typeface="Algerian" pitchFamily="82" charset="0"/>
+              </a:rPr>
+              <a:t> </a:t>
+            </a:r>
+            <a:r>
+              <a:rPr lang="fr-FR" dirty="0" smtClean="0">
+                <a:latin typeface="Algerian" pitchFamily="82" charset="0"/>
+              </a:rPr>
+              <a:t>Résultats</a:t>
+            </a:r>
+            <a:endParaRPr lang="fr-FR" dirty="0">
+              <a:latin typeface="Algerian" pitchFamily="82" charset="0"/>
+            </a:endParaRPr>
+          </a:p>
+        </p:txBody>
+      </p:sp>
+      <p:sp>
+        <p:nvSpPr>
+          <p:cNvPr id="4" name="Espace réservé du numéro de diapositive 3"/>
+          <p:cNvSpPr>
+            <a:spLocks noGrp="1"/>
+          </p:cNvSpPr>
+          <p:nvPr>
+            <p:ph type="sldNum" sz="quarter" idx="12"/>
+          </p:nvPr>
+        </p:nvSpPr>
+        <p:spPr/>
+        <p:txBody>
+          <a:bodyPr/>
+          <a:lstStyle/>
+          <a:p>
+            <a:fld id="{A6C779B1-47AE-4282-925F-478598739DA8}" type="slidenum">
+              <a:rPr lang="fr-FR" sz="2000" smtClean="0"/>
+              <a:t>11</a:t>
+            </a:fld>
+            <a:endParaRPr lang="fr-FR" sz="2000" dirty="0"/>
+          </a:p>
+        </p:txBody>
+      </p:sp>
+    </p:spTree>
+    <p:extLst>
+      <p:ext uri="{BB962C8B-B14F-4D97-AF65-F5344CB8AC3E}">
+        <p14:creationId xmlns:p14="http://schemas.microsoft.com/office/powerpoint/2010/main" val="1193159331"/>
+      </p:ext>
+    </p:extLst>
+  </p:cSld>
+  <p:clrMapOvr>
+    <a:masterClrMapping/>
+  </p:clrMapOvr>
+  <p:timing>
+    <p:tnLst>
+      <p:par>
+        <p:cTn id="1" dur="indefinite" restart="never" nodeType="tmRoot"/>
+      </p:par>
+    </p:tnLst>
+  </p:timing>
+</p:sld>
+</file>
+
+<file path=ppt/slides/slide12.xml><?xml version="1.0" encoding="utf-8"?>
+<p:sld xmlns:a="http://schemas.openxmlformats.org/drawingml/2006/main" xmlns:r="http://schemas.openxmlformats.org/officeDocument/2006/relationships" xmlns:p="http://schemas.openxmlformats.org/presentationml/2006/main">
+  <p:cSld>
+    <p:spTree>
+      <p:nvGrpSpPr>
+        <p:cNvPr id="1" name=""/>
+        <p:cNvGrpSpPr/>
+        <p:nvPr/>
+      </p:nvGrpSpPr>
+      <p:grpSpPr>
+        <a:xfrm>
+          <a:off x="0" y="0"/>
+          <a:ext cx="0" cy="0"/>
+          <a:chOff x="0" y="0"/>
+          <a:chExt cx="0" cy="0"/>
+        </a:xfrm>
+      </p:grpSpPr>
+      <p:sp>
+        <p:nvSpPr>
+          <p:cNvPr id="2" name="Titre 1"/>
+          <p:cNvSpPr>
+            <a:spLocks noGrp="1"/>
+          </p:cNvSpPr>
+          <p:nvPr>
+            <p:ph type="title"/>
+          </p:nvPr>
+        </p:nvSpPr>
+        <p:spPr/>
+        <p:txBody>
+          <a:bodyPr>
+            <a:normAutofit/>
+          </a:bodyPr>
+          <a:lstStyle/>
+          <a:p>
+            <a:pPr marL="0" indent="0" algn="ctr"/>
+            <a:r>
+              <a:rPr lang="fr-FR" dirty="0" smtClean="0">
+                <a:latin typeface="Algerian" pitchFamily="82" charset="0"/>
+              </a:rPr>
+              <a:t> </a:t>
+            </a:r>
+            <a:r>
+              <a:rPr lang="fr-FR" dirty="0">
+                <a:latin typeface="Algerian" pitchFamily="82" charset="0"/>
+              </a:rPr>
+              <a:t>Conclusions </a:t>
+            </a:r>
+          </a:p>
+        </p:txBody>
+      </p:sp>
+      <p:sp>
+        <p:nvSpPr>
+          <p:cNvPr id="4" name="Espace réservé du numéro de diapositive 3"/>
+          <p:cNvSpPr>
+            <a:spLocks noGrp="1"/>
+          </p:cNvSpPr>
+          <p:nvPr>
+            <p:ph type="sldNum" sz="quarter" idx="12"/>
+          </p:nvPr>
+        </p:nvSpPr>
+        <p:spPr/>
+        <p:txBody>
+          <a:bodyPr/>
+          <a:lstStyle/>
+          <a:p>
+            <a:fld id="{A6C779B1-47AE-4282-925F-478598739DA8}" type="slidenum">
+              <a:rPr lang="fr-FR" sz="2000" smtClean="0"/>
+              <a:t>12</a:t>
+            </a:fld>
+            <a:endParaRPr lang="fr-FR" sz="2000" dirty="0"/>
+          </a:p>
+        </p:txBody>
+      </p:sp>
+    </p:spTree>
+    <p:extLst>
+      <p:ext uri="{BB962C8B-B14F-4D97-AF65-F5344CB8AC3E}">
+        <p14:creationId xmlns:p14="http://schemas.microsoft.com/office/powerpoint/2010/main" val="1193159331"/>
+      </p:ext>
+    </p:extLst>
+  </p:cSld>
+  <p:clrMapOvr>
+    <a:masterClrMapping/>
+  </p:clrMapOvr>
+  <p:timing>
+    <p:tnLst>
+      <p:par>
+        <p:cTn id="1" dur="indefinite" restart="never" nodeType="tmRoot"/>
+      </p:par>
+    </p:tnLst>
+  </p:timing>
+</p:sld>
+</file>
+
+<file path=ppt/slides/slide13.xml><?xml version="1.0" encoding="utf-8"?>
+<p:sld xmlns:a="http://schemas.openxmlformats.org/drawingml/2006/main" xmlns:r="http://schemas.openxmlformats.org/officeDocument/2006/relationships" xmlns:p="http://schemas.openxmlformats.org/presentationml/2006/main">
+  <p:cSld>
+    <p:bg>
+      <p:bgPr>
+        <a:solidFill>
+          <a:schemeClr val="tx1"/>
+        </a:solidFill>
+        <a:effectLst/>
+      </p:bgPr>
+    </p:bg>
+    <p:spTree>
+      <p:nvGrpSpPr>
+        <p:cNvPr id="1" name=""/>
+        <p:cNvGrpSpPr/>
+        <p:nvPr/>
+      </p:nvGrpSpPr>
+      <p:grpSpPr>
+        <a:xfrm>
+          <a:off x="0" y="0"/>
+          <a:ext cx="0" cy="0"/>
+          <a:chOff x="0" y="0"/>
+          <a:chExt cx="0" cy="0"/>
+        </a:xfrm>
+      </p:grpSpPr>
+      <p:sp>
+        <p:nvSpPr>
+          <p:cNvPr id="5" name="ZoneTexte 4"/>
+          <p:cNvSpPr txBox="1"/>
+          <p:nvPr/>
+        </p:nvSpPr>
+        <p:spPr>
+          <a:xfrm>
+            <a:off x="755576" y="1404059"/>
+            <a:ext cx="7632848" cy="4401205"/>
+          </a:xfrm>
+          <a:prstGeom prst="rect">
+            <a:avLst/>
+          </a:prstGeom>
+          <a:noFill/>
+        </p:spPr>
+        <p:txBody>
+          <a:bodyPr wrap="square" rtlCol="0">
+            <a:spAutoFit/>
+          </a:bodyPr>
+          <a:lstStyle/>
+          <a:p>
+            <a:pPr algn="ctr"/>
+            <a:r>
+              <a:rPr lang="fr-FR" sz="4000" dirty="0" smtClean="0">
+                <a:solidFill>
+                  <a:schemeClr val="bg1"/>
+                </a:solidFill>
+                <a:latin typeface="Algerian" pitchFamily="82" charset="0"/>
+              </a:rPr>
+              <a:t>MERCI DE VOTRE ATTENTION</a:t>
+            </a:r>
+          </a:p>
+          <a:p>
+            <a:pPr algn="ctr"/>
+            <a:endParaRPr lang="fr-FR" sz="4000" dirty="0">
+              <a:solidFill>
+                <a:schemeClr val="bg1"/>
+              </a:solidFill>
+              <a:latin typeface="Algerian" pitchFamily="82" charset="0"/>
+            </a:endParaRPr>
+          </a:p>
+          <a:p>
+            <a:pPr algn="ctr"/>
+            <a:endParaRPr lang="fr-FR" sz="4000" dirty="0" smtClean="0">
+              <a:solidFill>
+                <a:schemeClr val="bg1"/>
+              </a:solidFill>
+              <a:latin typeface="Algerian" pitchFamily="82" charset="0"/>
+            </a:endParaRPr>
+          </a:p>
+          <a:p>
+            <a:pPr algn="ctr"/>
+            <a:r>
+              <a:rPr lang="fr-FR" sz="4000" dirty="0" smtClean="0">
+                <a:solidFill>
+                  <a:schemeClr val="bg1"/>
+                </a:solidFill>
+                <a:latin typeface="Algerian" pitchFamily="82" charset="0"/>
+              </a:rPr>
+              <a:t>SI VOUS AVEZ DES QUESTION ?</a:t>
+            </a:r>
+          </a:p>
+          <a:p>
+            <a:pPr algn="ctr"/>
+            <a:endParaRPr lang="fr-FR" sz="4000" dirty="0" smtClean="0">
+              <a:solidFill>
+                <a:schemeClr val="bg1"/>
+              </a:solidFill>
+              <a:latin typeface="Algerian" pitchFamily="82" charset="0"/>
+            </a:endParaRPr>
+          </a:p>
+          <a:p>
+            <a:pPr algn="ctr"/>
+            <a:endParaRPr lang="fr-FR" sz="4000" dirty="0">
+              <a:solidFill>
+                <a:schemeClr val="bg1"/>
+              </a:solidFill>
+              <a:latin typeface="Algerian" pitchFamily="82" charset="0"/>
+            </a:endParaRPr>
+          </a:p>
+          <a:p>
+            <a:pPr algn="ctr"/>
+            <a:r>
+              <a:rPr lang="fr-FR" sz="4000" dirty="0" smtClean="0">
+                <a:solidFill>
+                  <a:schemeClr val="bg1"/>
+                </a:solidFill>
+                <a:latin typeface="Algerian" pitchFamily="82" charset="0"/>
+              </a:rPr>
+              <a:t>OU DES COMMENTAIRES ?</a:t>
+            </a:r>
+            <a:endParaRPr lang="fr-FR" sz="4000" dirty="0">
+              <a:solidFill>
+                <a:schemeClr val="bg1"/>
+              </a:solidFill>
+              <a:latin typeface="Algerian" pitchFamily="82" charset="0"/>
+            </a:endParaRPr>
+          </a:p>
+        </p:txBody>
+      </p:sp>
+    </p:spTree>
+    <p:extLst>
+      <p:ext uri="{BB962C8B-B14F-4D97-AF65-F5344CB8AC3E}">
+        <p14:creationId xmlns:p14="http://schemas.microsoft.com/office/powerpoint/2010/main" val="1056875509"/>
+      </p:ext>
+    </p:extLst>
+  </p:cSld>
+  <p:clrMapOvr>
+    <a:masterClrMapping/>
+  </p:clrMapOvr>
+  <p:timing>
+    <p:tnLst>
+      <p:par>
+        <p:cTn id="1" dur="indefinite" restart="never" nodeType="tmRoot"/>
+      </p:par>
+    </p:tnLst>
+  </p:timing>
+</p:sld>
+</file>
+
 <file path=ppt/slides/slide2.xml><?xml version="1.0" encoding="utf-8"?>
 <p:sld xmlns:a="http://schemas.openxmlformats.org/drawingml/2006/main" xmlns:r="http://schemas.openxmlformats.org/officeDocument/2006/relationships" xmlns:p="http://schemas.openxmlformats.org/presentationml/2006/main">
   <p:cSld>
@@ -4484,14 +5208,19 @@
             <p:ph type="title"/>
           </p:nvPr>
         </p:nvSpPr>
-        <p:spPr/>
+        <p:spPr>
+          <a:xfrm>
+            <a:off x="539552" y="476672"/>
+            <a:ext cx="8229600" cy="1143000"/>
+          </a:xfrm>
+        </p:spPr>
         <p:txBody>
           <a:bodyPr/>
           <a:lstStyle/>
           <a:p>
             <a:pPr algn="ctr"/>
             <a:r>
-              <a:rPr lang="fr-FR" smtClean="0">
+              <a:rPr lang="fr-FR" dirty="0" smtClean="0">
                 <a:latin typeface="Algerian" pitchFamily="82" charset="0"/>
               </a:rPr>
               <a:t>Plan</a:t>
@@ -4502,814 +5231,319 @@
           </a:p>
         </p:txBody>
       </p:sp>
-      <p:sp>
-        <p:nvSpPr>
-          <p:cNvPr id="3" name="Espace réservé du contenu 2"/>
-          <p:cNvSpPr>
-            <a:spLocks noGrp="1"/>
-          </p:cNvSpPr>
-          <p:nvPr>
-            <p:ph idx="1"/>
-          </p:nvPr>
-        </p:nvSpPr>
-        <p:spPr>
+      <p:grpSp>
+        <p:nvGrpSpPr>
+          <p:cNvPr id="24" name="Groupe 23"/>
+          <p:cNvGrpSpPr/>
+          <p:nvPr/>
+        </p:nvGrpSpPr>
+        <p:grpSpPr>
           <a:xfrm>
-            <a:off x="0" y="1988840"/>
-            <a:ext cx="4572000" cy="4389120"/>
+            <a:off x="1076184" y="1760586"/>
+            <a:ext cx="7200800" cy="4758658"/>
+            <a:chOff x="251520" y="1700808"/>
+            <a:chExt cx="7200800" cy="4758658"/>
           </a:xfrm>
-        </p:spPr>
-        <p:txBody>
-          <a:bodyPr/>
-          <a:lstStyle/>
-          <a:p>
-            <a:pPr marL="0" indent="0" algn="ctr">
-              <a:buNone/>
-            </a:pPr>
-            <a:endParaRPr lang="fr-FR" smtClean="0"/>
-          </a:p>
-          <a:p>
-            <a:pPr marL="0" indent="0" algn="ctr">
-              <a:buNone/>
-            </a:pPr>
-            <a:endParaRPr lang="fr-FR" smtClean="0"/>
-          </a:p>
-          <a:p>
-            <a:pPr marL="0" indent="0" algn="ctr">
-              <a:buNone/>
-            </a:pPr>
-            <a:r>
-              <a:rPr lang="fr-FR" smtClean="0"/>
-              <a:t>I)Présentation</a:t>
-            </a:r>
-          </a:p>
-          <a:p>
-            <a:pPr marL="0" indent="0" algn="ctr">
-              <a:buNone/>
-            </a:pPr>
-            <a:r>
-              <a:rPr lang="fr-FR" smtClean="0"/>
-              <a:t>III)Implémentation</a:t>
-            </a:r>
-          </a:p>
-          <a:p>
-            <a:pPr marL="0" indent="0" algn="ctr">
-              <a:buNone/>
-            </a:pPr>
-            <a:r>
-              <a:rPr lang="fr-FR" smtClean="0"/>
-              <a:t>V)Résultats</a:t>
-            </a:r>
-          </a:p>
-          <a:p>
-            <a:pPr marL="0" indent="0" algn="ctr">
-              <a:buNone/>
-            </a:pPr>
-            <a:endParaRPr lang="fr-FR" smtClean="0"/>
-          </a:p>
-          <a:p>
-            <a:pPr marL="0" indent="0" algn="ctr">
-              <a:buNone/>
-            </a:pPr>
-            <a:endParaRPr lang="fr-FR" dirty="0"/>
-          </a:p>
-        </p:txBody>
-      </p:sp>
-      <p:sp>
-        <p:nvSpPr>
-          <p:cNvPr id="4" name="Espace réservé du numéro de diapositive 3"/>
-          <p:cNvSpPr>
-            <a:spLocks noGrp="1"/>
-          </p:cNvSpPr>
-          <p:nvPr>
-            <p:ph type="sldNum" sz="quarter" idx="12"/>
-          </p:nvPr>
-        </p:nvSpPr>
-        <p:spPr/>
-        <p:txBody>
-          <a:bodyPr/>
-          <a:lstStyle/>
-          <a:p>
-            <a:fld id="{A6C779B1-47AE-4282-925F-478598739DA8}" type="slidenum">
-              <a:rPr lang="fr-FR" sz="2000" smtClean="0"/>
-              <a:t>2</a:t>
-            </a:fld>
-            <a:endParaRPr lang="fr-FR" sz="2000" dirty="0"/>
-          </a:p>
-        </p:txBody>
-      </p:sp>
-      <p:sp>
-        <p:nvSpPr>
-          <p:cNvPr id="5" name="Espace réservé du contenu 2"/>
-          <p:cNvSpPr txBox="1">
-            <a:spLocks/>
-          </p:cNvSpPr>
-          <p:nvPr/>
-        </p:nvSpPr>
-        <p:spPr>
-          <a:xfrm>
-            <a:off x="4572000" y="2204864"/>
-            <a:ext cx="4499992" cy="4173096"/>
-          </a:xfrm>
-          <a:prstGeom prst="rect">
-            <a:avLst/>
-          </a:prstGeom>
-        </p:spPr>
-        <p:txBody>
-          <a:bodyPr vert="horz">
-            <a:normAutofit/>
-          </a:bodyPr>
-          <a:lstStyle>
-            <a:lvl1pPr marL="274320" indent="-274320" algn="l" rtl="0" eaLnBrk="1" latinLnBrk="0" hangingPunct="1">
-              <a:spcBef>
-                <a:spcPct val="20000"/>
-              </a:spcBef>
-              <a:buClr>
-                <a:schemeClr val="accent3"/>
-              </a:buClr>
-              <a:buSzPct val="95000"/>
-              <a:buFont typeface="Wingdings 2"/>
-              <a:buChar char=""/>
-              <a:defRPr kumimoji="0" sz="2600" kern="1200">
-                <a:solidFill>
-                  <a:schemeClr val="tx1"/>
-                </a:solidFill>
-                <a:latin typeface="+mn-lt"/>
-                <a:ea typeface="+mn-ea"/>
-                <a:cs typeface="+mn-cs"/>
-              </a:defRPr>
-            </a:lvl1pPr>
-            <a:lvl2pPr marL="640080" indent="-246888" algn="l" rtl="0" eaLnBrk="1" latinLnBrk="0" hangingPunct="1">
-              <a:spcBef>
-                <a:spcPct val="20000"/>
-              </a:spcBef>
-              <a:buClr>
-                <a:schemeClr val="accent1"/>
-              </a:buClr>
-              <a:buSzPct val="85000"/>
-              <a:buFont typeface="Wingdings 2"/>
-              <a:buChar char=""/>
-              <a:defRPr kumimoji="0" sz="2400" kern="1200">
-                <a:solidFill>
-                  <a:schemeClr val="tx1"/>
-                </a:solidFill>
-                <a:latin typeface="+mn-lt"/>
-                <a:ea typeface="+mn-ea"/>
-                <a:cs typeface="+mn-cs"/>
-              </a:defRPr>
-            </a:lvl2pPr>
-            <a:lvl3pPr marL="914400" indent="-246888" algn="l" rtl="0" eaLnBrk="1" latinLnBrk="0" hangingPunct="1">
-              <a:spcBef>
-                <a:spcPct val="20000"/>
-              </a:spcBef>
-              <a:buClr>
-                <a:schemeClr val="accent2"/>
-              </a:buClr>
-              <a:buSzPct val="70000"/>
-              <a:buFont typeface="Wingdings 2"/>
-              <a:buChar char=""/>
-              <a:defRPr kumimoji="0" sz="2100" kern="1200">
-                <a:solidFill>
-                  <a:schemeClr val="tx1"/>
-                </a:solidFill>
-                <a:latin typeface="+mn-lt"/>
-                <a:ea typeface="+mn-ea"/>
-                <a:cs typeface="+mn-cs"/>
-              </a:defRPr>
-            </a:lvl3pPr>
-            <a:lvl4pPr marL="1188720" indent="-210312" algn="l" rtl="0" eaLnBrk="1" latinLnBrk="0" hangingPunct="1">
-              <a:spcBef>
-                <a:spcPct val="20000"/>
-              </a:spcBef>
-              <a:buClr>
-                <a:schemeClr val="accent3"/>
-              </a:buClr>
-              <a:buSzPct val="65000"/>
-              <a:buFont typeface="Wingdings 2"/>
-              <a:buChar char=""/>
-              <a:defRPr kumimoji="0" sz="2000" kern="1200">
-                <a:solidFill>
-                  <a:schemeClr val="tx1"/>
-                </a:solidFill>
-                <a:latin typeface="+mn-lt"/>
-                <a:ea typeface="+mn-ea"/>
-                <a:cs typeface="+mn-cs"/>
-              </a:defRPr>
-            </a:lvl4pPr>
-            <a:lvl5pPr marL="1463040" indent="-210312" algn="l" rtl="0" eaLnBrk="1" latinLnBrk="0" hangingPunct="1">
-              <a:spcBef>
-                <a:spcPct val="20000"/>
-              </a:spcBef>
-              <a:buClr>
-                <a:schemeClr val="accent4"/>
-              </a:buClr>
-              <a:buSzPct val="65000"/>
-              <a:buFont typeface="Wingdings 2"/>
-              <a:buChar char=""/>
-              <a:defRPr kumimoji="0" sz="2000" kern="1200">
-                <a:solidFill>
-                  <a:schemeClr val="tx1"/>
-                </a:solidFill>
-                <a:latin typeface="+mn-lt"/>
-                <a:ea typeface="+mn-ea"/>
-                <a:cs typeface="+mn-cs"/>
-              </a:defRPr>
-            </a:lvl5pPr>
-            <a:lvl6pPr marL="1737360" indent="-210312" algn="l" rtl="0" eaLnBrk="1" latinLnBrk="0" hangingPunct="1">
-              <a:spcBef>
-                <a:spcPct val="20000"/>
-              </a:spcBef>
-              <a:buClr>
-                <a:schemeClr val="accent5"/>
-              </a:buClr>
-              <a:buSzPct val="80000"/>
-              <a:buFont typeface="Wingdings 2"/>
-              <a:buChar char=""/>
-              <a:defRPr kumimoji="0" sz="1800" kern="1200">
-                <a:solidFill>
-                  <a:schemeClr val="tx1"/>
-                </a:solidFill>
-                <a:latin typeface="+mn-lt"/>
-                <a:ea typeface="+mn-ea"/>
-                <a:cs typeface="+mn-cs"/>
-              </a:defRPr>
-            </a:lvl6pPr>
-            <a:lvl7pPr marL="1920240" indent="-182880" algn="l" rtl="0" eaLnBrk="1" latinLnBrk="0" hangingPunct="1">
-              <a:spcBef>
-                <a:spcPct val="20000"/>
-              </a:spcBef>
-              <a:buClr>
-                <a:schemeClr val="accent6"/>
-              </a:buClr>
-              <a:buSzPct val="80000"/>
-              <a:buFont typeface="Wingdings 2"/>
-              <a:buChar char=""/>
-              <a:defRPr kumimoji="0" sz="1600" kern="1200" baseline="0">
-                <a:solidFill>
-                  <a:schemeClr val="tx1"/>
-                </a:solidFill>
-                <a:latin typeface="+mn-lt"/>
-                <a:ea typeface="+mn-ea"/>
-                <a:cs typeface="+mn-cs"/>
-              </a:defRPr>
-            </a:lvl7pPr>
-            <a:lvl8pPr marL="2194560" indent="-182880" algn="l" rtl="0" eaLnBrk="1" latinLnBrk="0" hangingPunct="1">
-              <a:spcBef>
-                <a:spcPct val="20000"/>
-              </a:spcBef>
-              <a:buClr>
-                <a:schemeClr val="tx2"/>
-              </a:buClr>
-              <a:buChar char="•"/>
-              <a:defRPr kumimoji="0" sz="1600" kern="1200">
-                <a:solidFill>
-                  <a:schemeClr val="tx1"/>
-                </a:solidFill>
-                <a:latin typeface="+mn-lt"/>
-                <a:ea typeface="+mn-ea"/>
-                <a:cs typeface="+mn-cs"/>
-              </a:defRPr>
-            </a:lvl8pPr>
-            <a:lvl9pPr marL="2468880" indent="-182880" algn="l" rtl="0" eaLnBrk="1" latinLnBrk="0" hangingPunct="1">
-              <a:spcBef>
-                <a:spcPct val="20000"/>
-              </a:spcBef>
-              <a:buClr>
-                <a:schemeClr val="tx2"/>
-              </a:buClr>
-              <a:buFontTx/>
-              <a:buChar char="•"/>
-              <a:defRPr kumimoji="0" sz="1400" kern="1200" baseline="0">
-                <a:solidFill>
-                  <a:schemeClr val="tx1"/>
-                </a:solidFill>
-                <a:latin typeface="+mn-lt"/>
-                <a:ea typeface="+mn-ea"/>
-                <a:cs typeface="+mn-cs"/>
-              </a:defRPr>
-            </a:lvl9pPr>
-          </a:lstStyle>
-          <a:p>
-            <a:pPr marL="0" indent="0" algn="ctr">
-              <a:buFont typeface="Wingdings 2"/>
-              <a:buNone/>
-            </a:pPr>
-            <a:endParaRPr lang="fr-FR" dirty="0" smtClean="0"/>
-          </a:p>
-          <a:p>
-            <a:pPr marL="0" indent="0" algn="ctr">
-              <a:buFont typeface="Wingdings 2"/>
-              <a:buNone/>
-            </a:pPr>
-            <a:endParaRPr lang="fr-FR" dirty="0" smtClean="0"/>
-          </a:p>
-          <a:p>
-            <a:pPr marL="0" indent="0" algn="ctr">
-              <a:buFont typeface="Wingdings 2"/>
-              <a:buNone/>
-            </a:pPr>
-            <a:r>
-              <a:rPr lang="fr-FR" dirty="0" smtClean="0"/>
-              <a:t>II)Etude théorique</a:t>
-            </a:r>
-          </a:p>
-          <a:p>
-            <a:pPr marL="0" indent="0" algn="ctr">
-              <a:buFont typeface="Wingdings 2"/>
-              <a:buNone/>
-            </a:pPr>
-            <a:r>
-              <a:rPr lang="fr-FR" dirty="0" smtClean="0"/>
-              <a:t>IV)Problèmes rencontrés</a:t>
-            </a:r>
-          </a:p>
-          <a:p>
-            <a:pPr marL="0" indent="0" algn="ctr">
-              <a:buFont typeface="Wingdings 2"/>
-              <a:buNone/>
-            </a:pPr>
-            <a:endParaRPr lang="fr-FR" dirty="0" smtClean="0"/>
-          </a:p>
-          <a:p>
-            <a:pPr marL="0" indent="0" algn="ctr">
-              <a:buFont typeface="Wingdings 2"/>
-              <a:buNone/>
-            </a:pPr>
-            <a:endParaRPr lang="fr-FR" dirty="0"/>
-          </a:p>
-        </p:txBody>
-      </p:sp>
-      <p:cxnSp>
-        <p:nvCxnSpPr>
-          <p:cNvPr id="7" name="Connecteur droit 6"/>
-          <p:cNvCxnSpPr/>
-          <p:nvPr/>
-        </p:nvCxnSpPr>
-        <p:spPr>
-          <a:xfrm>
-            <a:off x="4572000" y="2708920"/>
-            <a:ext cx="0" cy="2160240"/>
-          </a:xfrm>
-          <a:prstGeom prst="line">
-            <a:avLst/>
-          </a:prstGeom>
-          <a:ln w="28575"/>
-        </p:spPr>
-        <p:style>
-          <a:lnRef idx="1">
-            <a:schemeClr val="accent1"/>
-          </a:lnRef>
-          <a:fillRef idx="0">
-            <a:schemeClr val="accent1"/>
-          </a:fillRef>
-          <a:effectRef idx="0">
-            <a:schemeClr val="accent1"/>
-          </a:effectRef>
-          <a:fontRef idx="minor">
-            <a:schemeClr val="tx1"/>
-          </a:fontRef>
-        </p:style>
-      </p:cxnSp>
-      <p:sp>
-        <p:nvSpPr>
-          <p:cNvPr id="10" name="Espace réservé du contenu 2"/>
-          <p:cNvSpPr txBox="1">
-            <a:spLocks/>
-          </p:cNvSpPr>
-          <p:nvPr/>
-        </p:nvSpPr>
-        <p:spPr>
-          <a:xfrm>
-            <a:off x="0" y="1976540"/>
-            <a:ext cx="9144000" cy="567680"/>
-          </a:xfrm>
-          <a:prstGeom prst="rect">
-            <a:avLst/>
-          </a:prstGeom>
-        </p:spPr>
-        <p:txBody>
-          <a:bodyPr vert="horz">
-            <a:normAutofit/>
-          </a:bodyPr>
-          <a:lstStyle>
-            <a:lvl1pPr marL="274320" indent="-274320" algn="l" rtl="0" eaLnBrk="1" latinLnBrk="0" hangingPunct="1">
-              <a:spcBef>
-                <a:spcPct val="20000"/>
-              </a:spcBef>
-              <a:buClr>
-                <a:schemeClr val="accent3"/>
-              </a:buClr>
-              <a:buSzPct val="95000"/>
-              <a:buFont typeface="Wingdings 2"/>
-              <a:buChar char=""/>
-              <a:defRPr kumimoji="0" sz="2600" kern="1200">
-                <a:solidFill>
-                  <a:schemeClr val="tx1"/>
-                </a:solidFill>
-                <a:latin typeface="+mn-lt"/>
-                <a:ea typeface="+mn-ea"/>
-                <a:cs typeface="+mn-cs"/>
-              </a:defRPr>
-            </a:lvl1pPr>
-            <a:lvl2pPr marL="640080" indent="-246888" algn="l" rtl="0" eaLnBrk="1" latinLnBrk="0" hangingPunct="1">
-              <a:spcBef>
-                <a:spcPct val="20000"/>
-              </a:spcBef>
-              <a:buClr>
-                <a:schemeClr val="accent1"/>
-              </a:buClr>
-              <a:buSzPct val="85000"/>
-              <a:buFont typeface="Wingdings 2"/>
-              <a:buChar char=""/>
-              <a:defRPr kumimoji="0" sz="2400" kern="1200">
-                <a:solidFill>
-                  <a:schemeClr val="tx1"/>
-                </a:solidFill>
-                <a:latin typeface="+mn-lt"/>
-                <a:ea typeface="+mn-ea"/>
-                <a:cs typeface="+mn-cs"/>
-              </a:defRPr>
-            </a:lvl2pPr>
-            <a:lvl3pPr marL="914400" indent="-246888" algn="l" rtl="0" eaLnBrk="1" latinLnBrk="0" hangingPunct="1">
-              <a:spcBef>
-                <a:spcPct val="20000"/>
-              </a:spcBef>
-              <a:buClr>
-                <a:schemeClr val="accent2"/>
-              </a:buClr>
-              <a:buSzPct val="70000"/>
-              <a:buFont typeface="Wingdings 2"/>
-              <a:buChar char=""/>
-              <a:defRPr kumimoji="0" sz="2100" kern="1200">
-                <a:solidFill>
-                  <a:schemeClr val="tx1"/>
-                </a:solidFill>
-                <a:latin typeface="+mn-lt"/>
-                <a:ea typeface="+mn-ea"/>
-                <a:cs typeface="+mn-cs"/>
-              </a:defRPr>
-            </a:lvl3pPr>
-            <a:lvl4pPr marL="1188720" indent="-210312" algn="l" rtl="0" eaLnBrk="1" latinLnBrk="0" hangingPunct="1">
-              <a:spcBef>
-                <a:spcPct val="20000"/>
-              </a:spcBef>
-              <a:buClr>
-                <a:schemeClr val="accent3"/>
-              </a:buClr>
-              <a:buSzPct val="65000"/>
-              <a:buFont typeface="Wingdings 2"/>
-              <a:buChar char=""/>
-              <a:defRPr kumimoji="0" sz="2000" kern="1200">
-                <a:solidFill>
-                  <a:schemeClr val="tx1"/>
-                </a:solidFill>
-                <a:latin typeface="+mn-lt"/>
-                <a:ea typeface="+mn-ea"/>
-                <a:cs typeface="+mn-cs"/>
-              </a:defRPr>
-            </a:lvl4pPr>
-            <a:lvl5pPr marL="1463040" indent="-210312" algn="l" rtl="0" eaLnBrk="1" latinLnBrk="0" hangingPunct="1">
-              <a:spcBef>
-                <a:spcPct val="20000"/>
-              </a:spcBef>
-              <a:buClr>
-                <a:schemeClr val="accent4"/>
-              </a:buClr>
-              <a:buSzPct val="65000"/>
-              <a:buFont typeface="Wingdings 2"/>
-              <a:buChar char=""/>
-              <a:defRPr kumimoji="0" sz="2000" kern="1200">
-                <a:solidFill>
-                  <a:schemeClr val="tx1"/>
-                </a:solidFill>
-                <a:latin typeface="+mn-lt"/>
-                <a:ea typeface="+mn-ea"/>
-                <a:cs typeface="+mn-cs"/>
-              </a:defRPr>
-            </a:lvl5pPr>
-            <a:lvl6pPr marL="1737360" indent="-210312" algn="l" rtl="0" eaLnBrk="1" latinLnBrk="0" hangingPunct="1">
-              <a:spcBef>
-                <a:spcPct val="20000"/>
-              </a:spcBef>
-              <a:buClr>
-                <a:schemeClr val="accent5"/>
-              </a:buClr>
-              <a:buSzPct val="80000"/>
-              <a:buFont typeface="Wingdings 2"/>
-              <a:buChar char=""/>
-              <a:defRPr kumimoji="0" sz="1800" kern="1200">
-                <a:solidFill>
-                  <a:schemeClr val="tx1"/>
-                </a:solidFill>
-                <a:latin typeface="+mn-lt"/>
-                <a:ea typeface="+mn-ea"/>
-                <a:cs typeface="+mn-cs"/>
-              </a:defRPr>
-            </a:lvl6pPr>
-            <a:lvl7pPr marL="1920240" indent="-182880" algn="l" rtl="0" eaLnBrk="1" latinLnBrk="0" hangingPunct="1">
-              <a:spcBef>
-                <a:spcPct val="20000"/>
-              </a:spcBef>
-              <a:buClr>
-                <a:schemeClr val="accent6"/>
-              </a:buClr>
-              <a:buSzPct val="80000"/>
-              <a:buFont typeface="Wingdings 2"/>
-              <a:buChar char=""/>
-              <a:defRPr kumimoji="0" sz="1600" kern="1200" baseline="0">
-                <a:solidFill>
-                  <a:schemeClr val="tx1"/>
-                </a:solidFill>
-                <a:latin typeface="+mn-lt"/>
-                <a:ea typeface="+mn-ea"/>
-                <a:cs typeface="+mn-cs"/>
-              </a:defRPr>
-            </a:lvl7pPr>
-            <a:lvl8pPr marL="2194560" indent="-182880" algn="l" rtl="0" eaLnBrk="1" latinLnBrk="0" hangingPunct="1">
-              <a:spcBef>
-                <a:spcPct val="20000"/>
-              </a:spcBef>
-              <a:buClr>
-                <a:schemeClr val="tx2"/>
-              </a:buClr>
-              <a:buChar char="•"/>
-              <a:defRPr kumimoji="0" sz="1600" kern="1200">
-                <a:solidFill>
-                  <a:schemeClr val="tx1"/>
-                </a:solidFill>
-                <a:latin typeface="+mn-lt"/>
-                <a:ea typeface="+mn-ea"/>
-                <a:cs typeface="+mn-cs"/>
-              </a:defRPr>
-            </a:lvl8pPr>
-            <a:lvl9pPr marL="2468880" indent="-182880" algn="l" rtl="0" eaLnBrk="1" latinLnBrk="0" hangingPunct="1">
-              <a:spcBef>
-                <a:spcPct val="20000"/>
-              </a:spcBef>
-              <a:buClr>
-                <a:schemeClr val="tx2"/>
-              </a:buClr>
-              <a:buFontTx/>
-              <a:buChar char="•"/>
-              <a:defRPr kumimoji="0" sz="1400" kern="1200" baseline="0">
-                <a:solidFill>
-                  <a:schemeClr val="tx1"/>
-                </a:solidFill>
-                <a:latin typeface="+mn-lt"/>
-                <a:ea typeface="+mn-ea"/>
-                <a:cs typeface="+mn-cs"/>
-              </a:defRPr>
-            </a:lvl9pPr>
-          </a:lstStyle>
-          <a:p>
-            <a:pPr marL="0" indent="0" algn="ctr">
-              <a:buFont typeface="Wingdings 2"/>
-              <a:buNone/>
-            </a:pPr>
-            <a:r>
-              <a:rPr lang="fr-FR" dirty="0" smtClean="0"/>
-              <a:t>0)Introduction</a:t>
-            </a:r>
-          </a:p>
-          <a:p>
-            <a:pPr marL="0" indent="0" algn="ctr">
-              <a:buFont typeface="Wingdings 2"/>
-              <a:buNone/>
-            </a:pPr>
-            <a:endParaRPr lang="fr-FR" dirty="0" smtClean="0"/>
-          </a:p>
-          <a:p>
-            <a:pPr marL="0" indent="0" algn="ctr">
-              <a:buFont typeface="Wingdings 2"/>
-              <a:buNone/>
-            </a:pPr>
-            <a:endParaRPr lang="fr-FR" dirty="0" smtClean="0"/>
-          </a:p>
-          <a:p>
-            <a:pPr marL="0" indent="0" algn="ctr">
-              <a:buFont typeface="Wingdings 2"/>
-              <a:buNone/>
-            </a:pPr>
-            <a:endParaRPr lang="fr-FR" dirty="0"/>
-          </a:p>
-        </p:txBody>
-      </p:sp>
-      <p:sp>
-        <p:nvSpPr>
-          <p:cNvPr id="11" name="Espace réservé du contenu 2"/>
-          <p:cNvSpPr txBox="1">
-            <a:spLocks/>
-          </p:cNvSpPr>
-          <p:nvPr/>
-        </p:nvSpPr>
-        <p:spPr>
-          <a:xfrm>
-            <a:off x="-22433" y="5301208"/>
-            <a:ext cx="9144000" cy="567680"/>
-          </a:xfrm>
-          <a:prstGeom prst="rect">
-            <a:avLst/>
-          </a:prstGeom>
-        </p:spPr>
-        <p:txBody>
-          <a:bodyPr vert="horz">
-            <a:normAutofit/>
-          </a:bodyPr>
-          <a:lstStyle>
-            <a:lvl1pPr marL="274320" indent="-274320" algn="l" rtl="0" eaLnBrk="1" latinLnBrk="0" hangingPunct="1">
-              <a:spcBef>
-                <a:spcPct val="20000"/>
-              </a:spcBef>
-              <a:buClr>
-                <a:schemeClr val="accent3"/>
-              </a:buClr>
-              <a:buSzPct val="95000"/>
-              <a:buFont typeface="Wingdings 2"/>
-              <a:buChar char=""/>
-              <a:defRPr kumimoji="0" sz="2600" kern="1200">
-                <a:solidFill>
-                  <a:schemeClr val="tx1"/>
-                </a:solidFill>
-                <a:latin typeface="+mn-lt"/>
-                <a:ea typeface="+mn-ea"/>
-                <a:cs typeface="+mn-cs"/>
-              </a:defRPr>
-            </a:lvl1pPr>
-            <a:lvl2pPr marL="640080" indent="-246888" algn="l" rtl="0" eaLnBrk="1" latinLnBrk="0" hangingPunct="1">
-              <a:spcBef>
-                <a:spcPct val="20000"/>
-              </a:spcBef>
-              <a:buClr>
-                <a:schemeClr val="accent1"/>
-              </a:buClr>
-              <a:buSzPct val="85000"/>
-              <a:buFont typeface="Wingdings 2"/>
-              <a:buChar char=""/>
-              <a:defRPr kumimoji="0" sz="2400" kern="1200">
-                <a:solidFill>
-                  <a:schemeClr val="tx1"/>
-                </a:solidFill>
-                <a:latin typeface="+mn-lt"/>
-                <a:ea typeface="+mn-ea"/>
-                <a:cs typeface="+mn-cs"/>
-              </a:defRPr>
-            </a:lvl2pPr>
-            <a:lvl3pPr marL="914400" indent="-246888" algn="l" rtl="0" eaLnBrk="1" latinLnBrk="0" hangingPunct="1">
-              <a:spcBef>
-                <a:spcPct val="20000"/>
-              </a:spcBef>
-              <a:buClr>
-                <a:schemeClr val="accent2"/>
-              </a:buClr>
-              <a:buSzPct val="70000"/>
-              <a:buFont typeface="Wingdings 2"/>
-              <a:buChar char=""/>
-              <a:defRPr kumimoji="0" sz="2100" kern="1200">
-                <a:solidFill>
-                  <a:schemeClr val="tx1"/>
-                </a:solidFill>
-                <a:latin typeface="+mn-lt"/>
-                <a:ea typeface="+mn-ea"/>
-                <a:cs typeface="+mn-cs"/>
-              </a:defRPr>
-            </a:lvl3pPr>
-            <a:lvl4pPr marL="1188720" indent="-210312" algn="l" rtl="0" eaLnBrk="1" latinLnBrk="0" hangingPunct="1">
-              <a:spcBef>
-                <a:spcPct val="20000"/>
-              </a:spcBef>
-              <a:buClr>
-                <a:schemeClr val="accent3"/>
-              </a:buClr>
-              <a:buSzPct val="65000"/>
-              <a:buFont typeface="Wingdings 2"/>
-              <a:buChar char=""/>
-              <a:defRPr kumimoji="0" sz="2000" kern="1200">
-                <a:solidFill>
-                  <a:schemeClr val="tx1"/>
-                </a:solidFill>
-                <a:latin typeface="+mn-lt"/>
-                <a:ea typeface="+mn-ea"/>
-                <a:cs typeface="+mn-cs"/>
-              </a:defRPr>
-            </a:lvl4pPr>
-            <a:lvl5pPr marL="1463040" indent="-210312" algn="l" rtl="0" eaLnBrk="1" latinLnBrk="0" hangingPunct="1">
-              <a:spcBef>
-                <a:spcPct val="20000"/>
-              </a:spcBef>
-              <a:buClr>
-                <a:schemeClr val="accent4"/>
-              </a:buClr>
-              <a:buSzPct val="65000"/>
-              <a:buFont typeface="Wingdings 2"/>
-              <a:buChar char=""/>
-              <a:defRPr kumimoji="0" sz="2000" kern="1200">
-                <a:solidFill>
-                  <a:schemeClr val="tx1"/>
-                </a:solidFill>
-                <a:latin typeface="+mn-lt"/>
-                <a:ea typeface="+mn-ea"/>
-                <a:cs typeface="+mn-cs"/>
-              </a:defRPr>
-            </a:lvl5pPr>
-            <a:lvl6pPr marL="1737360" indent="-210312" algn="l" rtl="0" eaLnBrk="1" latinLnBrk="0" hangingPunct="1">
-              <a:spcBef>
-                <a:spcPct val="20000"/>
-              </a:spcBef>
-              <a:buClr>
-                <a:schemeClr val="accent5"/>
-              </a:buClr>
-              <a:buSzPct val="80000"/>
-              <a:buFont typeface="Wingdings 2"/>
-              <a:buChar char=""/>
-              <a:defRPr kumimoji="0" sz="1800" kern="1200">
-                <a:solidFill>
-                  <a:schemeClr val="tx1"/>
-                </a:solidFill>
-                <a:latin typeface="+mn-lt"/>
-                <a:ea typeface="+mn-ea"/>
-                <a:cs typeface="+mn-cs"/>
-              </a:defRPr>
-            </a:lvl6pPr>
-            <a:lvl7pPr marL="1920240" indent="-182880" algn="l" rtl="0" eaLnBrk="1" latinLnBrk="0" hangingPunct="1">
-              <a:spcBef>
-                <a:spcPct val="20000"/>
-              </a:spcBef>
-              <a:buClr>
-                <a:schemeClr val="accent6"/>
-              </a:buClr>
-              <a:buSzPct val="80000"/>
-              <a:buFont typeface="Wingdings 2"/>
-              <a:buChar char=""/>
-              <a:defRPr kumimoji="0" sz="1600" kern="1200" baseline="0">
-                <a:solidFill>
-                  <a:schemeClr val="tx1"/>
-                </a:solidFill>
-                <a:latin typeface="+mn-lt"/>
-                <a:ea typeface="+mn-ea"/>
-                <a:cs typeface="+mn-cs"/>
-              </a:defRPr>
-            </a:lvl7pPr>
-            <a:lvl8pPr marL="2194560" indent="-182880" algn="l" rtl="0" eaLnBrk="1" latinLnBrk="0" hangingPunct="1">
-              <a:spcBef>
-                <a:spcPct val="20000"/>
-              </a:spcBef>
-              <a:buClr>
-                <a:schemeClr val="tx2"/>
-              </a:buClr>
-              <a:buChar char="•"/>
-              <a:defRPr kumimoji="0" sz="1600" kern="1200">
-                <a:solidFill>
-                  <a:schemeClr val="tx1"/>
-                </a:solidFill>
-                <a:latin typeface="+mn-lt"/>
-                <a:ea typeface="+mn-ea"/>
-                <a:cs typeface="+mn-cs"/>
-              </a:defRPr>
-            </a:lvl8pPr>
-            <a:lvl9pPr marL="2468880" indent="-182880" algn="l" rtl="0" eaLnBrk="1" latinLnBrk="0" hangingPunct="1">
-              <a:spcBef>
-                <a:spcPct val="20000"/>
-              </a:spcBef>
-              <a:buClr>
-                <a:schemeClr val="tx2"/>
-              </a:buClr>
-              <a:buFontTx/>
-              <a:buChar char="•"/>
-              <a:defRPr kumimoji="0" sz="1400" kern="1200" baseline="0">
-                <a:solidFill>
-                  <a:schemeClr val="tx1"/>
-                </a:solidFill>
-                <a:latin typeface="+mn-lt"/>
-                <a:ea typeface="+mn-ea"/>
-                <a:cs typeface="+mn-cs"/>
-              </a:defRPr>
-            </a:lvl9pPr>
-          </a:lstStyle>
-          <a:p>
-            <a:pPr marL="0" indent="0" algn="ctr">
-              <a:buNone/>
-            </a:pPr>
-            <a:r>
-              <a:rPr lang="fr-FR" dirty="0"/>
-              <a:t>VI)Conclusions</a:t>
-            </a:r>
-            <a:endParaRPr lang="fr-FR" dirty="0" smtClean="0"/>
-          </a:p>
-          <a:p>
-            <a:pPr marL="0" indent="0" algn="ctr">
-              <a:buFont typeface="Wingdings 2"/>
-              <a:buNone/>
-            </a:pPr>
-            <a:endParaRPr lang="fr-FR" dirty="0" smtClean="0"/>
-          </a:p>
-          <a:p>
-            <a:pPr marL="0" indent="0" algn="ctr">
-              <a:buFont typeface="Wingdings 2"/>
-              <a:buNone/>
-            </a:pPr>
-            <a:endParaRPr lang="fr-FR" dirty="0"/>
-          </a:p>
-        </p:txBody>
-      </p:sp>
+        </p:grpSpPr>
+        <p:pic>
+          <p:nvPicPr>
+            <p:cNvPr id="23" name="Image 22"/>
+            <p:cNvPicPr>
+              <a:picLocks noChangeAspect="1"/>
+            </p:cNvPicPr>
+            <p:nvPr/>
+          </p:nvPicPr>
+          <p:blipFill>
+            <a:blip r:embed="rId3">
+              <a:extLst>
+                <a:ext uri="{28A0092B-C50C-407E-A947-70E740481C1C}">
+                  <a14:useLocalDpi xmlns:a14="http://schemas.microsoft.com/office/drawing/2010/main" val="0"/>
+                </a:ext>
+              </a:extLst>
+            </a:blip>
+            <a:stretch>
+              <a:fillRect/>
+            </a:stretch>
+          </p:blipFill>
+          <p:spPr>
+            <a:xfrm>
+              <a:off x="251520" y="1700808"/>
+              <a:ext cx="2990088" cy="2265617"/>
+            </a:xfrm>
+            <a:prstGeom prst="rect">
+              <a:avLst/>
+            </a:prstGeom>
+          </p:spPr>
+        </p:pic>
+        <p:grpSp>
+          <p:nvGrpSpPr>
+            <p:cNvPr id="22" name="Groupe 21"/>
+            <p:cNvGrpSpPr/>
+            <p:nvPr/>
+          </p:nvGrpSpPr>
+          <p:grpSpPr>
+            <a:xfrm>
+              <a:off x="1403648" y="2686208"/>
+              <a:ext cx="6048672" cy="3773258"/>
+              <a:chOff x="1806337" y="1655512"/>
+              <a:chExt cx="6048672" cy="3773258"/>
+            </a:xfrm>
+          </p:grpSpPr>
+          <p:grpSp>
+            <p:nvGrpSpPr>
+              <p:cNvPr id="12" name="Groupe 11"/>
+              <p:cNvGrpSpPr/>
+              <p:nvPr/>
+            </p:nvGrpSpPr>
+            <p:grpSpPr>
+              <a:xfrm>
+                <a:off x="1806337" y="1655512"/>
+                <a:ext cx="4536504" cy="1224136"/>
+                <a:chOff x="1043608" y="1655512"/>
+                <a:chExt cx="4536504" cy="1224136"/>
+              </a:xfrm>
+            </p:grpSpPr>
+            <p:pic>
+              <p:nvPicPr>
+                <p:cNvPr id="8" name="Image 7"/>
+                <p:cNvPicPr>
+                  <a:picLocks noChangeAspect="1"/>
+                </p:cNvPicPr>
+                <p:nvPr/>
+              </p:nvPicPr>
+              <p:blipFill>
+                <a:blip r:embed="rId4">
+                  <a:extLst>
+                    <a:ext uri="{28A0092B-C50C-407E-A947-70E740481C1C}">
+                      <a14:useLocalDpi xmlns:a14="http://schemas.microsoft.com/office/drawing/2010/main" val="0"/>
+                    </a:ext>
+                  </a:extLst>
+                </a:blip>
+                <a:stretch>
+                  <a:fillRect/>
+                </a:stretch>
+              </p:blipFill>
+              <p:spPr>
+                <a:xfrm>
+                  <a:off x="1043608" y="1655512"/>
+                  <a:ext cx="1224136" cy="1224136"/>
+                </a:xfrm>
+                <a:prstGeom prst="rect">
+                  <a:avLst/>
+                </a:prstGeom>
+              </p:spPr>
+            </p:pic>
+            <p:sp>
+              <p:nvSpPr>
+                <p:cNvPr id="9" name="ZoneTexte 8"/>
+                <p:cNvSpPr txBox="1"/>
+                <p:nvPr/>
+              </p:nvSpPr>
+              <p:spPr>
+                <a:xfrm>
+                  <a:off x="2339752" y="2015552"/>
+                  <a:ext cx="3240360" cy="369332"/>
+                </a:xfrm>
+                <a:prstGeom prst="rect">
+                  <a:avLst/>
+                </a:prstGeom>
+                <a:noFill/>
+              </p:spPr>
+              <p:txBody>
+                <a:bodyPr wrap="square" rtlCol="0">
+                  <a:spAutoFit/>
+                </a:bodyPr>
+                <a:lstStyle/>
+                <a:p>
+                  <a:r>
+                    <a:rPr lang="fr-FR" dirty="0" smtClean="0"/>
+                    <a:t>Présentation</a:t>
+                  </a:r>
+                  <a:endParaRPr lang="fr-FR" dirty="0"/>
+                </a:p>
+              </p:txBody>
+            </p:sp>
+          </p:grpSp>
+          <p:grpSp>
+            <p:nvGrpSpPr>
+              <p:cNvPr id="16" name="Groupe 15"/>
+              <p:cNvGrpSpPr/>
+              <p:nvPr/>
+            </p:nvGrpSpPr>
+            <p:grpSpPr>
+              <a:xfrm>
+                <a:off x="2958465" y="2554550"/>
+                <a:ext cx="3957012" cy="1008112"/>
+                <a:chOff x="1763688" y="2770574"/>
+                <a:chExt cx="3957012" cy="1008112"/>
+              </a:xfrm>
+            </p:grpSpPr>
+            <p:pic>
+              <p:nvPicPr>
+                <p:cNvPr id="13" name="Image 12"/>
+                <p:cNvPicPr>
+                  <a:picLocks noChangeAspect="1"/>
+                </p:cNvPicPr>
+                <p:nvPr/>
+              </p:nvPicPr>
+              <p:blipFill>
+                <a:blip r:embed="rId5" cstate="print">
+                  <a:extLst>
+                    <a:ext uri="{28A0092B-C50C-407E-A947-70E740481C1C}">
+                      <a14:useLocalDpi xmlns:a14="http://schemas.microsoft.com/office/drawing/2010/main" val="0"/>
+                    </a:ext>
+                  </a:extLst>
+                </a:blip>
+                <a:stretch>
+                  <a:fillRect/>
+                </a:stretch>
+              </p:blipFill>
+              <p:spPr>
+                <a:xfrm flipH="1">
+                  <a:off x="1763688" y="2770574"/>
+                  <a:ext cx="1008112" cy="1008112"/>
+                </a:xfrm>
+                <a:prstGeom prst="rect">
+                  <a:avLst/>
+                </a:prstGeom>
+              </p:spPr>
+            </p:pic>
+            <p:sp>
+              <p:nvSpPr>
+                <p:cNvPr id="15" name="ZoneTexte 14"/>
+                <p:cNvSpPr txBox="1"/>
+                <p:nvPr/>
+              </p:nvSpPr>
+              <p:spPr>
+                <a:xfrm>
+                  <a:off x="2912388" y="3131676"/>
+                  <a:ext cx="2808312" cy="369332"/>
+                </a:xfrm>
+                <a:prstGeom prst="rect">
+                  <a:avLst/>
+                </a:prstGeom>
+                <a:noFill/>
+              </p:spPr>
+              <p:txBody>
+                <a:bodyPr wrap="square" rtlCol="0">
+                  <a:spAutoFit/>
+                </a:bodyPr>
+                <a:lstStyle/>
+                <a:p>
+                  <a:r>
+                    <a:rPr lang="fr-FR" dirty="0" smtClean="0"/>
+                    <a:t>Etude Théorique</a:t>
+                  </a:r>
+                </a:p>
+              </p:txBody>
+            </p:sp>
+          </p:grpSp>
+          <p:grpSp>
+            <p:nvGrpSpPr>
+              <p:cNvPr id="20" name="Groupe 19"/>
+              <p:cNvGrpSpPr/>
+              <p:nvPr/>
+            </p:nvGrpSpPr>
+            <p:grpSpPr>
+              <a:xfrm>
+                <a:off x="3505171" y="3626605"/>
+                <a:ext cx="4349838" cy="1137295"/>
+                <a:chOff x="2094370" y="3626605"/>
+                <a:chExt cx="4349838" cy="1137295"/>
+              </a:xfrm>
+            </p:grpSpPr>
+            <p:pic>
+              <p:nvPicPr>
+                <p:cNvPr id="17" name="Image 16"/>
+                <p:cNvPicPr>
+                  <a:picLocks noChangeAspect="1"/>
+                </p:cNvPicPr>
+                <p:nvPr/>
+              </p:nvPicPr>
+              <p:blipFill>
+                <a:blip r:embed="rId6" cstate="print">
+                  <a:extLst>
+                    <a:ext uri="{28A0092B-C50C-407E-A947-70E740481C1C}">
+                      <a14:useLocalDpi xmlns:a14="http://schemas.microsoft.com/office/drawing/2010/main" val="0"/>
+                    </a:ext>
+                  </a:extLst>
+                </a:blip>
+                <a:stretch>
+                  <a:fillRect/>
+                </a:stretch>
+              </p:blipFill>
+              <p:spPr>
+                <a:xfrm>
+                  <a:off x="2094370" y="3626605"/>
+                  <a:ext cx="1516394" cy="1137295"/>
+                </a:xfrm>
+                <a:prstGeom prst="rect">
+                  <a:avLst/>
+                </a:prstGeom>
+              </p:spPr>
+            </p:pic>
+            <p:sp>
+              <p:nvSpPr>
+                <p:cNvPr id="18" name="ZoneTexte 17"/>
+                <p:cNvSpPr txBox="1"/>
+                <p:nvPr/>
+              </p:nvSpPr>
+              <p:spPr>
+                <a:xfrm>
+                  <a:off x="3635896" y="4010586"/>
+                  <a:ext cx="2808312" cy="369332"/>
+                </a:xfrm>
+                <a:prstGeom prst="rect">
+                  <a:avLst/>
+                </a:prstGeom>
+                <a:noFill/>
+              </p:spPr>
+              <p:txBody>
+                <a:bodyPr wrap="square" rtlCol="0">
+                  <a:spAutoFit/>
+                </a:bodyPr>
+                <a:lstStyle/>
+                <a:p>
+                  <a:r>
+                    <a:rPr lang="fr-FR" dirty="0" smtClean="0"/>
+                    <a:t>Résultats</a:t>
+                  </a:r>
+                </a:p>
+              </p:txBody>
+            </p:sp>
+          </p:grpSp>
+          <p:pic>
+            <p:nvPicPr>
+              <p:cNvPr id="21" name="Image 20"/>
+              <p:cNvPicPr>
+                <a:picLocks noChangeAspect="1"/>
+              </p:cNvPicPr>
+              <p:nvPr/>
+            </p:nvPicPr>
+            <p:blipFill>
+              <a:blip r:embed="rId7" cstate="print">
+                <a:extLst>
+                  <a:ext uri="{28A0092B-C50C-407E-A947-70E740481C1C}">
+                    <a14:useLocalDpi xmlns:a14="http://schemas.microsoft.com/office/drawing/2010/main" val="0"/>
+                  </a:ext>
+                </a:extLst>
+              </a:blip>
+              <a:stretch>
+                <a:fillRect/>
+              </a:stretch>
+            </p:blipFill>
+            <p:spPr>
+              <a:xfrm>
+                <a:off x="6138906" y="4392454"/>
+                <a:ext cx="1553142" cy="1036316"/>
+              </a:xfrm>
+              <a:prstGeom prst="rect">
+                <a:avLst/>
+              </a:prstGeom>
+            </p:spPr>
+          </p:pic>
+        </p:grpSp>
+      </p:grpSp>
     </p:spTree>
     <p:extLst>
       <p:ext uri="{BB962C8B-B14F-4D97-AF65-F5344CB8AC3E}">
@@ -5374,7 +5608,13 @@
               <a:rPr lang="fr-FR" sz="4000" dirty="0" smtClean="0">
                 <a:latin typeface="Algerian" pitchFamily="82" charset="0"/>
               </a:rPr>
-              <a:t>0) Introduction</a:t>
+              <a:t> </a:t>
+            </a:r>
+            <a:r>
+              <a:rPr lang="fr-FR" sz="4000" dirty="0" smtClean="0">
+                <a:latin typeface="Algerian" pitchFamily="82" charset="0"/>
+              </a:rPr>
+              <a:t>Introduction</a:t>
             </a:r>
             <a:endParaRPr lang="fr-FR" sz="4000" dirty="0">
               <a:latin typeface="Algerian" pitchFamily="82" charset="0"/>
@@ -5633,11 +5873,14 @@
           <a:p>
             <a:pPr marL="0" indent="0" algn="ctr"/>
             <a:r>
-              <a:rPr lang="fr-FR" sz="4000" dirty="0">
+              <a:rPr lang="fr-FR" sz="4000" dirty="0" smtClean="0">
                 <a:latin typeface="Algerian" pitchFamily="82" charset="0"/>
               </a:rPr>
-              <a:t>I) Présentation</a:t>
-            </a:r>
+              <a:t>Présentation</a:t>
+            </a:r>
+            <a:endParaRPr lang="fr-FR" sz="4000" dirty="0">
+              <a:latin typeface="Algerian" pitchFamily="82" charset="0"/>
+            </a:endParaRPr>
           </a:p>
         </p:txBody>
       </p:sp>
@@ -5886,7 +6129,13 @@
               <a:rPr lang="fr-FR" dirty="0" smtClean="0">
                 <a:latin typeface="Algerian" pitchFamily="82" charset="0"/>
               </a:rPr>
-              <a:t>II) Etude </a:t>
+              <a:t> </a:t>
+            </a:r>
+            <a:r>
+              <a:rPr lang="fr-FR" dirty="0" smtClean="0">
+                <a:latin typeface="Algerian" pitchFamily="82" charset="0"/>
+              </a:rPr>
+              <a:t>Etude </a:t>
             </a:r>
             <a:r>
               <a:rPr lang="fr-FR" dirty="0">
@@ -5907,15 +6156,26 @@
             <p:ph idx="1"/>
           </p:nvPr>
         </p:nvSpPr>
-        <p:spPr/>
-        <p:txBody>
-          <a:bodyPr/>
+        <p:spPr>
+          <a:xfrm>
+            <a:off x="457200" y="1935480"/>
+            <a:ext cx="4330824" cy="629424"/>
+          </a:xfrm>
+        </p:spPr>
+        <p:txBody>
+          <a:bodyPr>
+            <a:normAutofit/>
+          </a:bodyPr>
           <a:lstStyle/>
           <a:p>
             <a:pPr marL="0" indent="0">
               <a:buNone/>
             </a:pPr>
-            <a:endParaRPr lang="fr-FR" dirty="0"/>
+            <a:r>
+              <a:rPr lang="fr-FR" u="sng" dirty="0" smtClean="0"/>
+              <a:t>Phase d’agrégation: Principe</a:t>
+            </a:r>
+            <a:endParaRPr lang="fr-FR" u="sng" dirty="0"/>
           </a:p>
         </p:txBody>
       </p:sp>
@@ -5942,6 +6202,652 @@
           </a:p>
         </p:txBody>
       </p:sp>
+      <p:grpSp>
+        <p:nvGrpSpPr>
+          <p:cNvPr id="49" name="Groupe 48"/>
+          <p:cNvGrpSpPr/>
+          <p:nvPr/>
+        </p:nvGrpSpPr>
+        <p:grpSpPr>
+          <a:xfrm>
+            <a:off x="755576" y="2564904"/>
+            <a:ext cx="7632848" cy="3430939"/>
+            <a:chOff x="827584" y="2564904"/>
+            <a:chExt cx="7632848" cy="3430939"/>
+          </a:xfrm>
+        </p:grpSpPr>
+        <p:grpSp>
+          <p:nvGrpSpPr>
+            <p:cNvPr id="7" name="Groupe 6"/>
+            <p:cNvGrpSpPr/>
+            <p:nvPr/>
+          </p:nvGrpSpPr>
+          <p:grpSpPr>
+            <a:xfrm>
+              <a:off x="827584" y="2564904"/>
+              <a:ext cx="7632848" cy="720080"/>
+              <a:chOff x="961233" y="2420888"/>
+              <a:chExt cx="7128792" cy="720080"/>
+            </a:xfrm>
+          </p:grpSpPr>
+          <p:sp>
+            <p:nvSpPr>
+              <p:cNvPr id="5" name="Flèche droite 4"/>
+              <p:cNvSpPr/>
+              <p:nvPr/>
+            </p:nvSpPr>
+            <p:spPr>
+              <a:xfrm>
+                <a:off x="961233" y="2780928"/>
+                <a:ext cx="7128792" cy="360040"/>
+              </a:xfrm>
+              <a:prstGeom prst="rightArrow">
+                <a:avLst/>
+              </a:prstGeom>
+            </p:spPr>
+            <p:style>
+              <a:lnRef idx="2">
+                <a:schemeClr val="accent1">
+                  <a:shade val="50000"/>
+                </a:schemeClr>
+              </a:lnRef>
+              <a:fillRef idx="1">
+                <a:schemeClr val="accent1"/>
+              </a:fillRef>
+              <a:effectRef idx="0">
+                <a:schemeClr val="accent1"/>
+              </a:effectRef>
+              <a:fontRef idx="minor">
+                <a:schemeClr val="lt1"/>
+              </a:fontRef>
+            </p:style>
+            <p:txBody>
+              <a:bodyPr rtlCol="0" anchor="ctr"/>
+              <a:lstStyle/>
+              <a:p>
+                <a:pPr algn="ctr"/>
+                <a:endParaRPr lang="fr-FR"/>
+              </a:p>
+            </p:txBody>
+          </p:sp>
+          <p:sp>
+            <p:nvSpPr>
+              <p:cNvPr id="6" name="ZoneTexte 5"/>
+              <p:cNvSpPr txBox="1"/>
+              <p:nvPr/>
+            </p:nvSpPr>
+            <p:spPr>
+              <a:xfrm>
+                <a:off x="961233" y="2420888"/>
+                <a:ext cx="6707111" cy="369332"/>
+              </a:xfrm>
+              <a:prstGeom prst="rect">
+                <a:avLst/>
+              </a:prstGeom>
+              <a:noFill/>
+            </p:spPr>
+            <p:txBody>
+              <a:bodyPr wrap="square" rtlCol="0">
+                <a:spAutoFit/>
+              </a:bodyPr>
+              <a:lstStyle/>
+              <a:p>
+                <a:pPr algn="ctr"/>
+                <a:r>
+                  <a:rPr lang="fr-FR" dirty="0" smtClean="0"/>
+                  <a:t>Réduction des données par agrégation</a:t>
+                </a:r>
+                <a:endParaRPr lang="fr-FR" dirty="0"/>
+              </a:p>
+            </p:txBody>
+          </p:sp>
+        </p:grpSp>
+        <p:grpSp>
+          <p:nvGrpSpPr>
+            <p:cNvPr id="31" name="Groupe 30"/>
+            <p:cNvGrpSpPr/>
+            <p:nvPr/>
+          </p:nvGrpSpPr>
+          <p:grpSpPr>
+            <a:xfrm>
+              <a:off x="961233" y="5266471"/>
+              <a:ext cx="7128792" cy="729372"/>
+              <a:chOff x="961233" y="5331148"/>
+              <a:chExt cx="5480990" cy="729372"/>
+            </a:xfrm>
+          </p:grpSpPr>
+          <p:grpSp>
+            <p:nvGrpSpPr>
+              <p:cNvPr id="20" name="Groupe 19"/>
+              <p:cNvGrpSpPr/>
+              <p:nvPr/>
+            </p:nvGrpSpPr>
+            <p:grpSpPr>
+              <a:xfrm>
+                <a:off x="961233" y="5331148"/>
+                <a:ext cx="4104871" cy="729372"/>
+                <a:chOff x="1115616" y="5340440"/>
+                <a:chExt cx="4104871" cy="729372"/>
+              </a:xfrm>
+            </p:grpSpPr>
+            <p:grpSp>
+              <p:nvGrpSpPr>
+                <p:cNvPr id="8" name="Groupe 7"/>
+                <p:cNvGrpSpPr/>
+                <p:nvPr/>
+              </p:nvGrpSpPr>
+              <p:grpSpPr>
+                <a:xfrm>
+                  <a:off x="1115616" y="5349732"/>
+                  <a:ext cx="1296145" cy="720080"/>
+                  <a:chOff x="837949" y="2420888"/>
+                  <a:chExt cx="7252076" cy="720080"/>
+                </a:xfrm>
+              </p:grpSpPr>
+              <p:sp>
+                <p:nvSpPr>
+                  <p:cNvPr id="9" name="Flèche droite 8"/>
+                  <p:cNvSpPr/>
+                  <p:nvPr/>
+                </p:nvSpPr>
+                <p:spPr>
+                  <a:xfrm>
+                    <a:off x="961233" y="2780928"/>
+                    <a:ext cx="7128792" cy="360040"/>
+                  </a:xfrm>
+                  <a:prstGeom prst="rightArrow">
+                    <a:avLst/>
+                  </a:prstGeom>
+                </p:spPr>
+                <p:style>
+                  <a:lnRef idx="2">
+                    <a:schemeClr val="accent1">
+                      <a:shade val="50000"/>
+                    </a:schemeClr>
+                  </a:lnRef>
+                  <a:fillRef idx="1">
+                    <a:schemeClr val="accent1"/>
+                  </a:fillRef>
+                  <a:effectRef idx="0">
+                    <a:schemeClr val="accent1"/>
+                  </a:effectRef>
+                  <a:fontRef idx="minor">
+                    <a:schemeClr val="lt1"/>
+                  </a:fontRef>
+                </p:style>
+                <p:txBody>
+                  <a:bodyPr rtlCol="0" anchor="ctr"/>
+                  <a:lstStyle/>
+                  <a:p>
+                    <a:pPr algn="ctr"/>
+                    <a:endParaRPr lang="fr-FR"/>
+                  </a:p>
+                </p:txBody>
+              </p:sp>
+              <p:sp>
+                <p:nvSpPr>
+                  <p:cNvPr id="10" name="ZoneTexte 9"/>
+                  <p:cNvSpPr txBox="1"/>
+                  <p:nvPr/>
+                </p:nvSpPr>
+                <p:spPr>
+                  <a:xfrm>
+                    <a:off x="837949" y="2420888"/>
+                    <a:ext cx="7252074" cy="369332"/>
+                  </a:xfrm>
+                  <a:prstGeom prst="rect">
+                    <a:avLst/>
+                  </a:prstGeom>
+                  <a:noFill/>
+                </p:spPr>
+                <p:txBody>
+                  <a:bodyPr wrap="square" rtlCol="0">
+                    <a:spAutoFit/>
+                  </a:bodyPr>
+                  <a:lstStyle/>
+                  <a:p>
+                    <a:pPr algn="ctr"/>
+                    <a:r>
+                      <a:rPr lang="fr-FR" dirty="0" smtClean="0">
+                        <a:latin typeface="+mj-lt"/>
+                      </a:rPr>
+                      <a:t>Niveau 0</a:t>
+                    </a:r>
+                    <a:endParaRPr lang="fr-FR" dirty="0">
+                      <a:latin typeface="+mj-lt"/>
+                    </a:endParaRPr>
+                  </a:p>
+                </p:txBody>
+              </p:sp>
+            </p:grpSp>
+            <p:grpSp>
+              <p:nvGrpSpPr>
+                <p:cNvPr id="14" name="Groupe 13"/>
+                <p:cNvGrpSpPr/>
+                <p:nvPr/>
+              </p:nvGrpSpPr>
+              <p:grpSpPr>
+                <a:xfrm>
+                  <a:off x="2483767" y="5340440"/>
+                  <a:ext cx="1296145" cy="720080"/>
+                  <a:chOff x="837949" y="2420888"/>
+                  <a:chExt cx="7252076" cy="720080"/>
+                </a:xfrm>
+              </p:grpSpPr>
+              <p:sp>
+                <p:nvSpPr>
+                  <p:cNvPr id="15" name="Flèche droite 14"/>
+                  <p:cNvSpPr/>
+                  <p:nvPr/>
+                </p:nvSpPr>
+                <p:spPr>
+                  <a:xfrm>
+                    <a:off x="961233" y="2780928"/>
+                    <a:ext cx="7128792" cy="360040"/>
+                  </a:xfrm>
+                  <a:prstGeom prst="rightArrow">
+                    <a:avLst/>
+                  </a:prstGeom>
+                </p:spPr>
+                <p:style>
+                  <a:lnRef idx="2">
+                    <a:schemeClr val="accent1">
+                      <a:shade val="50000"/>
+                    </a:schemeClr>
+                  </a:lnRef>
+                  <a:fillRef idx="1">
+                    <a:schemeClr val="accent1"/>
+                  </a:fillRef>
+                  <a:effectRef idx="0">
+                    <a:schemeClr val="accent1"/>
+                  </a:effectRef>
+                  <a:fontRef idx="minor">
+                    <a:schemeClr val="lt1"/>
+                  </a:fontRef>
+                </p:style>
+                <p:txBody>
+                  <a:bodyPr rtlCol="0" anchor="ctr"/>
+                  <a:lstStyle/>
+                  <a:p>
+                    <a:pPr algn="ctr"/>
+                    <a:endParaRPr lang="fr-FR"/>
+                  </a:p>
+                </p:txBody>
+              </p:sp>
+              <p:sp>
+                <p:nvSpPr>
+                  <p:cNvPr id="16" name="ZoneTexte 15"/>
+                  <p:cNvSpPr txBox="1"/>
+                  <p:nvPr/>
+                </p:nvSpPr>
+                <p:spPr>
+                  <a:xfrm>
+                    <a:off x="837949" y="2420888"/>
+                    <a:ext cx="7252074" cy="369332"/>
+                  </a:xfrm>
+                  <a:prstGeom prst="rect">
+                    <a:avLst/>
+                  </a:prstGeom>
+                  <a:noFill/>
+                </p:spPr>
+                <p:txBody>
+                  <a:bodyPr wrap="square" rtlCol="0">
+                    <a:spAutoFit/>
+                  </a:bodyPr>
+                  <a:lstStyle/>
+                  <a:p>
+                    <a:pPr algn="ctr"/>
+                    <a:r>
+                      <a:rPr lang="fr-FR" dirty="0" smtClean="0">
+                        <a:latin typeface="+mj-lt"/>
+                      </a:rPr>
+                      <a:t>Niveau 1</a:t>
+                    </a:r>
+                    <a:endParaRPr lang="fr-FR" dirty="0">
+                      <a:latin typeface="+mj-lt"/>
+                    </a:endParaRPr>
+                  </a:p>
+                </p:txBody>
+              </p:sp>
+            </p:grpSp>
+            <p:grpSp>
+              <p:nvGrpSpPr>
+                <p:cNvPr id="17" name="Groupe 16"/>
+                <p:cNvGrpSpPr/>
+                <p:nvPr/>
+              </p:nvGrpSpPr>
+              <p:grpSpPr>
+                <a:xfrm>
+                  <a:off x="3877556" y="5340440"/>
+                  <a:ext cx="1342931" cy="720080"/>
+                  <a:chOff x="837949" y="2420888"/>
+                  <a:chExt cx="7513850" cy="720080"/>
+                </a:xfrm>
+              </p:grpSpPr>
+              <p:sp>
+                <p:nvSpPr>
+                  <p:cNvPr id="18" name="Flèche droite 17"/>
+                  <p:cNvSpPr/>
+                  <p:nvPr/>
+                </p:nvSpPr>
+                <p:spPr>
+                  <a:xfrm>
+                    <a:off x="961230" y="2780928"/>
+                    <a:ext cx="7390569" cy="360040"/>
+                  </a:xfrm>
+                  <a:prstGeom prst="rightArrow">
+                    <a:avLst/>
+                  </a:prstGeom>
+                </p:spPr>
+                <p:style>
+                  <a:lnRef idx="2">
+                    <a:schemeClr val="accent1">
+                      <a:shade val="50000"/>
+                    </a:schemeClr>
+                  </a:lnRef>
+                  <a:fillRef idx="1">
+                    <a:schemeClr val="accent1"/>
+                  </a:fillRef>
+                  <a:effectRef idx="0">
+                    <a:schemeClr val="accent1"/>
+                  </a:effectRef>
+                  <a:fontRef idx="minor">
+                    <a:schemeClr val="lt1"/>
+                  </a:fontRef>
+                </p:style>
+                <p:txBody>
+                  <a:bodyPr rtlCol="0" anchor="ctr"/>
+                  <a:lstStyle/>
+                  <a:p>
+                    <a:pPr algn="ctr"/>
+                    <a:endParaRPr lang="fr-FR"/>
+                  </a:p>
+                </p:txBody>
+              </p:sp>
+              <p:sp>
+                <p:nvSpPr>
+                  <p:cNvPr id="19" name="ZoneTexte 18"/>
+                  <p:cNvSpPr txBox="1"/>
+                  <p:nvPr/>
+                </p:nvSpPr>
+                <p:spPr>
+                  <a:xfrm>
+                    <a:off x="837949" y="2420888"/>
+                    <a:ext cx="7252074" cy="369332"/>
+                  </a:xfrm>
+                  <a:prstGeom prst="rect">
+                    <a:avLst/>
+                  </a:prstGeom>
+                  <a:noFill/>
+                </p:spPr>
+                <p:txBody>
+                  <a:bodyPr wrap="square" rtlCol="0">
+                    <a:spAutoFit/>
+                  </a:bodyPr>
+                  <a:lstStyle/>
+                  <a:p>
+                    <a:pPr algn="ctr"/>
+                    <a:r>
+                      <a:rPr lang="fr-FR" dirty="0" smtClean="0">
+                        <a:latin typeface="+mj-lt"/>
+                      </a:rPr>
+                      <a:t>Niveau 2</a:t>
+                    </a:r>
+                    <a:endParaRPr lang="fr-FR" dirty="0">
+                      <a:latin typeface="+mj-lt"/>
+                    </a:endParaRPr>
+                  </a:p>
+                </p:txBody>
+              </p:sp>
+            </p:grpSp>
+          </p:grpSp>
+          <p:grpSp>
+            <p:nvGrpSpPr>
+              <p:cNvPr id="22" name="Groupe 21"/>
+              <p:cNvGrpSpPr/>
+              <p:nvPr/>
+            </p:nvGrpSpPr>
+            <p:grpSpPr>
+              <a:xfrm>
+                <a:off x="5146078" y="5331148"/>
+                <a:ext cx="1296145" cy="720080"/>
+                <a:chOff x="837949" y="2420888"/>
+                <a:chExt cx="7252076" cy="720080"/>
+              </a:xfrm>
+            </p:grpSpPr>
+            <p:sp>
+              <p:nvSpPr>
+                <p:cNvPr id="29" name="Flèche droite 28"/>
+                <p:cNvSpPr/>
+                <p:nvPr/>
+              </p:nvSpPr>
+              <p:spPr>
+                <a:xfrm>
+                  <a:off x="961233" y="2780928"/>
+                  <a:ext cx="7128792" cy="360040"/>
+                </a:xfrm>
+                <a:prstGeom prst="rightArrow">
+                  <a:avLst/>
+                </a:prstGeom>
+              </p:spPr>
+              <p:style>
+                <a:lnRef idx="2">
+                  <a:schemeClr val="accent1">
+                    <a:shade val="50000"/>
+                  </a:schemeClr>
+                </a:lnRef>
+                <a:fillRef idx="1">
+                  <a:schemeClr val="accent1"/>
+                </a:fillRef>
+                <a:effectRef idx="0">
+                  <a:schemeClr val="accent1"/>
+                </a:effectRef>
+                <a:fontRef idx="minor">
+                  <a:schemeClr val="lt1"/>
+                </a:fontRef>
+              </p:style>
+              <p:txBody>
+                <a:bodyPr rtlCol="0" anchor="ctr"/>
+                <a:lstStyle/>
+                <a:p>
+                  <a:pPr algn="ctr"/>
+                  <a:endParaRPr lang="fr-FR"/>
+                </a:p>
+              </p:txBody>
+            </p:sp>
+            <p:sp>
+              <p:nvSpPr>
+                <p:cNvPr id="30" name="ZoneTexte 29"/>
+                <p:cNvSpPr txBox="1"/>
+                <p:nvPr/>
+              </p:nvSpPr>
+              <p:spPr>
+                <a:xfrm>
+                  <a:off x="837949" y="2420888"/>
+                  <a:ext cx="7252074" cy="369332"/>
+                </a:xfrm>
+                <a:prstGeom prst="rect">
+                  <a:avLst/>
+                </a:prstGeom>
+                <a:noFill/>
+              </p:spPr>
+              <p:txBody>
+                <a:bodyPr wrap="square" rtlCol="0">
+                  <a:spAutoFit/>
+                </a:bodyPr>
+                <a:lstStyle/>
+                <a:p>
+                  <a:pPr algn="ctr"/>
+                  <a:r>
+                    <a:rPr lang="fr-FR" dirty="0" smtClean="0">
+                      <a:latin typeface="+mj-lt"/>
+                    </a:rPr>
+                    <a:t>Niveau 3</a:t>
+                  </a:r>
+                  <a:endParaRPr lang="fr-FR" dirty="0">
+                    <a:latin typeface="+mj-lt"/>
+                  </a:endParaRPr>
+                </a:p>
+              </p:txBody>
+            </p:sp>
+          </p:grpSp>
+        </p:grpSp>
+        <p:cxnSp>
+          <p:nvCxnSpPr>
+            <p:cNvPr id="33" name="Connecteur droit 32"/>
+            <p:cNvCxnSpPr/>
+            <p:nvPr/>
+          </p:nvCxnSpPr>
+          <p:spPr>
+            <a:xfrm flipV="1">
+              <a:off x="2721466" y="3203686"/>
+              <a:ext cx="0" cy="2602845"/>
+            </a:xfrm>
+            <a:prstGeom prst="line">
+              <a:avLst/>
+            </a:prstGeom>
+            <a:ln w="38100"/>
+          </p:spPr>
+          <p:style>
+            <a:lnRef idx="1">
+              <a:schemeClr val="accent1"/>
+            </a:lnRef>
+            <a:fillRef idx="0">
+              <a:schemeClr val="accent1"/>
+            </a:fillRef>
+            <a:effectRef idx="0">
+              <a:schemeClr val="accent1"/>
+            </a:effectRef>
+            <a:fontRef idx="minor">
+              <a:schemeClr val="tx1"/>
+            </a:fontRef>
+          </p:style>
+        </p:cxnSp>
+        <p:cxnSp>
+          <p:nvCxnSpPr>
+            <p:cNvPr id="34" name="Connecteur droit 33"/>
+            <p:cNvCxnSpPr/>
+            <p:nvPr/>
+          </p:nvCxnSpPr>
+          <p:spPr>
+            <a:xfrm flipV="1">
+              <a:off x="4519470" y="3203686"/>
+              <a:ext cx="6159" cy="2612137"/>
+            </a:xfrm>
+            <a:prstGeom prst="line">
+              <a:avLst/>
+            </a:prstGeom>
+            <a:ln w="38100"/>
+          </p:spPr>
+          <p:style>
+            <a:lnRef idx="1">
+              <a:schemeClr val="accent1"/>
+            </a:lnRef>
+            <a:fillRef idx="0">
+              <a:schemeClr val="accent1"/>
+            </a:fillRef>
+            <a:effectRef idx="0">
+              <a:schemeClr val="accent1"/>
+            </a:effectRef>
+            <a:fontRef idx="minor">
+              <a:schemeClr val="tx1"/>
+            </a:fontRef>
+          </p:style>
+        </p:cxnSp>
+        <p:cxnSp>
+          <p:nvCxnSpPr>
+            <p:cNvPr id="35" name="Connecteur droit 34"/>
+            <p:cNvCxnSpPr/>
+            <p:nvPr/>
+          </p:nvCxnSpPr>
+          <p:spPr>
+            <a:xfrm flipV="1">
+              <a:off x="6375000" y="3203685"/>
+              <a:ext cx="0" cy="2602846"/>
+            </a:xfrm>
+            <a:prstGeom prst="line">
+              <a:avLst/>
+            </a:prstGeom>
+            <a:ln w="38100"/>
+          </p:spPr>
+          <p:style>
+            <a:lnRef idx="1">
+              <a:schemeClr val="accent1"/>
+            </a:lnRef>
+            <a:fillRef idx="0">
+              <a:schemeClr val="accent1"/>
+            </a:fillRef>
+            <a:effectRef idx="0">
+              <a:schemeClr val="accent1"/>
+            </a:effectRef>
+            <a:fontRef idx="minor">
+              <a:schemeClr val="tx1"/>
+            </a:fontRef>
+          </p:style>
+        </p:cxnSp>
+        <p:cxnSp>
+          <p:nvCxnSpPr>
+            <p:cNvPr id="47" name="Connecteur droit 46"/>
+            <p:cNvCxnSpPr/>
+            <p:nvPr/>
+          </p:nvCxnSpPr>
+          <p:spPr>
+            <a:xfrm flipV="1">
+              <a:off x="899592" y="3203685"/>
+              <a:ext cx="0" cy="2602845"/>
+            </a:xfrm>
+            <a:prstGeom prst="line">
+              <a:avLst/>
+            </a:prstGeom>
+            <a:ln w="38100"/>
+          </p:spPr>
+          <p:style>
+            <a:lnRef idx="1">
+              <a:schemeClr val="accent1"/>
+            </a:lnRef>
+            <a:fillRef idx="0">
+              <a:schemeClr val="accent1"/>
+            </a:fillRef>
+            <a:effectRef idx="0">
+              <a:schemeClr val="accent1"/>
+            </a:effectRef>
+            <a:fontRef idx="minor">
+              <a:schemeClr val="tx1"/>
+            </a:fontRef>
+          </p:style>
+        </p:cxnSp>
+        <p:cxnSp>
+          <p:nvCxnSpPr>
+            <p:cNvPr id="48" name="Connecteur droit 47"/>
+            <p:cNvCxnSpPr/>
+            <p:nvPr/>
+          </p:nvCxnSpPr>
+          <p:spPr>
+            <a:xfrm flipV="1">
+              <a:off x="8172400" y="3203686"/>
+              <a:ext cx="0" cy="2602845"/>
+            </a:xfrm>
+            <a:prstGeom prst="line">
+              <a:avLst/>
+            </a:prstGeom>
+            <a:ln w="38100"/>
+          </p:spPr>
+          <p:style>
+            <a:lnRef idx="1">
+              <a:schemeClr val="accent1"/>
+            </a:lnRef>
+            <a:fillRef idx="0">
+              <a:schemeClr val="accent1"/>
+            </a:fillRef>
+            <a:effectRef idx="0">
+              <a:schemeClr val="accent1"/>
+            </a:effectRef>
+            <a:fontRef idx="minor">
+              <a:schemeClr val="tx1"/>
+            </a:fontRef>
+          </p:style>
+        </p:cxnSp>
+      </p:grpSp>
     </p:spTree>
     <p:extLst>
       <p:ext uri="{BB962C8B-B14F-4D97-AF65-F5344CB8AC3E}">
@@ -5998,23 +6904,26 @@
           <a:p>
             <a:pPr marL="0" indent="0" algn="ctr"/>
             <a:r>
-              <a:rPr lang="fr-FR" dirty="0">
-                <a:latin typeface="Algerian" pitchFamily="82" charset="0"/>
-              </a:rPr>
-              <a:t>I</a:t>
-            </a:r>
-            <a:r>
               <a:rPr lang="fr-FR" dirty="0" smtClean="0">
                 <a:latin typeface="Algerian" pitchFamily="82" charset="0"/>
               </a:rPr>
-              <a:t>II</a:t>
-            </a:r>
-            <a:r>
-              <a:rPr lang="fr-FR" dirty="0">
+              <a:t> </a:t>
+            </a:r>
+            <a:r>
+              <a:rPr lang="fr-FR" dirty="0" smtClean="0">
                 <a:latin typeface="Algerian" pitchFamily="82" charset="0"/>
               </a:rPr>
-              <a:t>) Implémentation</a:t>
-            </a:r>
+              <a:t>Etude </a:t>
+            </a:r>
+            <a:r>
+              <a:rPr lang="fr-FR" dirty="0" smtClean="0">
+                <a:latin typeface="Algerian" pitchFamily="82" charset="0"/>
+              </a:rPr>
+              <a:t>théorique(suite)</a:t>
+            </a:r>
+            <a:endParaRPr lang="fr-FR" dirty="0">
+              <a:latin typeface="Algerian" pitchFamily="82" charset="0"/>
+            </a:endParaRPr>
           </a:p>
         </p:txBody>
       </p:sp>
@@ -6028,15 +6937,30 @@
             <p:ph idx="1"/>
           </p:nvPr>
         </p:nvSpPr>
-        <p:spPr/>
-        <p:txBody>
-          <a:bodyPr/>
+        <p:spPr>
+          <a:xfrm>
+            <a:off x="457200" y="2151504"/>
+            <a:ext cx="4762872" cy="629424"/>
+          </a:xfrm>
+        </p:spPr>
+        <p:txBody>
+          <a:bodyPr>
+            <a:normAutofit/>
+          </a:bodyPr>
           <a:lstStyle/>
           <a:p>
             <a:pPr marL="0" indent="0">
               <a:buNone/>
             </a:pPr>
-            <a:endParaRPr lang="fr-FR" dirty="0"/>
+            <a:r>
+              <a:rPr lang="fr-FR" u="sng" dirty="0" smtClean="0"/>
+              <a:t>Phase d’agrégation: Propri</a:t>
+            </a:r>
+            <a:r>
+              <a:rPr lang="fr-FR" u="sng" dirty="0" smtClean="0"/>
+              <a:t>étés</a:t>
+            </a:r>
+            <a:endParaRPr lang="fr-FR" u="sng" dirty="0"/>
           </a:p>
         </p:txBody>
       </p:sp>
@@ -6063,10 +6987,238 @@
           </a:p>
         </p:txBody>
       </p:sp>
+      <p:grpSp>
+        <p:nvGrpSpPr>
+          <p:cNvPr id="32" name="Groupe 31"/>
+          <p:cNvGrpSpPr/>
+          <p:nvPr/>
+        </p:nvGrpSpPr>
+        <p:grpSpPr>
+          <a:xfrm>
+            <a:off x="395536" y="2852936"/>
+            <a:ext cx="8127891" cy="1363722"/>
+            <a:chOff x="395536" y="2204864"/>
+            <a:chExt cx="6711826" cy="1055219"/>
+          </a:xfrm>
+        </p:grpSpPr>
+        <p:sp>
+          <p:nvSpPr>
+            <p:cNvPr id="36" name="Rectangle 35"/>
+            <p:cNvSpPr/>
+            <p:nvPr/>
+          </p:nvSpPr>
+          <p:spPr>
+            <a:xfrm>
+              <a:off x="395536" y="2204864"/>
+              <a:ext cx="2662590" cy="400110"/>
+            </a:xfrm>
+            <a:prstGeom prst="rect">
+              <a:avLst/>
+            </a:prstGeom>
+          </p:spPr>
+          <p:txBody>
+            <a:bodyPr wrap="none">
+              <a:spAutoFit/>
+            </a:bodyPr>
+            <a:lstStyle/>
+            <a:p>
+              <a:r>
+                <a:rPr lang="fr-FR" sz="2000" dirty="0" smtClean="0"/>
+                <a:t>Points clés de cette phase:</a:t>
+              </a:r>
+              <a:endParaRPr lang="fr-FR" sz="2000" dirty="0" smtClean="0"/>
+            </a:p>
+          </p:txBody>
+        </p:sp>
+        <p:sp>
+          <p:nvSpPr>
+            <p:cNvPr id="37" name="ZoneTexte 36"/>
+            <p:cNvSpPr txBox="1"/>
+            <p:nvPr/>
+          </p:nvSpPr>
+          <p:spPr>
+            <a:xfrm>
+              <a:off x="2870813" y="2236034"/>
+              <a:ext cx="4236549" cy="1024049"/>
+            </a:xfrm>
+            <a:prstGeom prst="rect">
+              <a:avLst/>
+            </a:prstGeom>
+            <a:noFill/>
+          </p:spPr>
+          <p:txBody>
+            <a:bodyPr wrap="none" rtlCol="0">
+              <a:spAutoFit/>
+            </a:bodyPr>
+            <a:lstStyle/>
+            <a:p>
+              <a:pPr marL="285750" indent="-285750">
+                <a:buFontTx/>
+                <a:buChar char="-"/>
+              </a:pPr>
+              <a:r>
+                <a:rPr lang="fr-FR" sz="2000" dirty="0" smtClean="0"/>
+                <a:t>Distance euclidienne.</a:t>
+              </a:r>
+            </a:p>
+            <a:p>
+              <a:pPr marL="285750" indent="-285750">
+                <a:buFontTx/>
+                <a:buChar char="-"/>
+              </a:pPr>
+              <a:r>
+                <a:rPr lang="fr-FR" sz="2000" dirty="0" smtClean="0"/>
+                <a:t>Sélection des 10 plus proches voisins.</a:t>
+              </a:r>
+            </a:p>
+            <a:p>
+              <a:pPr marL="285750" indent="-285750">
+                <a:buFontTx/>
+                <a:buChar char="-"/>
+              </a:pPr>
+              <a:r>
+                <a:rPr lang="fr-FR" sz="2000" dirty="0" smtClean="0"/>
+                <a:t>Arrêt à K * </a:t>
+              </a:r>
+              <a:r>
+                <a:rPr lang="fr-FR" sz="2000" dirty="0" err="1" smtClean="0"/>
+                <a:t>NB_de</a:t>
+              </a:r>
+              <a:r>
+                <a:rPr lang="fr-FR" sz="2000" dirty="0" err="1" smtClean="0"/>
+                <a:t>_</a:t>
+              </a:r>
+              <a:r>
+                <a:rPr lang="fr-FR" sz="2000" dirty="0" err="1" smtClean="0"/>
+                <a:t>classes</a:t>
+              </a:r>
+              <a:r>
+                <a:rPr lang="fr-FR" sz="2000" dirty="0" smtClean="0"/>
+                <a:t>.</a:t>
+              </a:r>
+            </a:p>
+            <a:p>
+              <a:pPr marL="285750" indent="-285750">
+                <a:buFontTx/>
+                <a:buChar char="-"/>
+              </a:pPr>
+              <a:r>
+                <a:rPr lang="fr-FR" sz="2000" dirty="0" err="1" smtClean="0"/>
+                <a:t>Nb_d’observations</a:t>
+              </a:r>
+              <a:r>
+                <a:rPr lang="fr-FR" sz="2000" dirty="0" smtClean="0"/>
+                <a:t>/2 par Niveau construit.</a:t>
+              </a:r>
+              <a:endParaRPr lang="fr-FR" sz="2000" dirty="0" smtClean="0"/>
+            </a:p>
+          </p:txBody>
+        </p:sp>
+      </p:grpSp>
+      <p:grpSp>
+        <p:nvGrpSpPr>
+          <p:cNvPr id="38" name="Groupe 37"/>
+          <p:cNvGrpSpPr/>
+          <p:nvPr/>
+        </p:nvGrpSpPr>
+        <p:grpSpPr>
+          <a:xfrm>
+            <a:off x="398263" y="4439381"/>
+            <a:ext cx="7985516" cy="748169"/>
+            <a:chOff x="395536" y="2204864"/>
+            <a:chExt cx="6594260" cy="578918"/>
+          </a:xfrm>
+        </p:grpSpPr>
+        <p:sp>
+          <p:nvSpPr>
+            <p:cNvPr id="39" name="Rectangle 38"/>
+            <p:cNvSpPr/>
+            <p:nvPr/>
+          </p:nvSpPr>
+          <p:spPr>
+            <a:xfrm>
+              <a:off x="395536" y="2204864"/>
+              <a:ext cx="1436240" cy="309597"/>
+            </a:xfrm>
+            <a:prstGeom prst="rect">
+              <a:avLst/>
+            </a:prstGeom>
+          </p:spPr>
+          <p:txBody>
+            <a:bodyPr wrap="none">
+              <a:spAutoFit/>
+            </a:bodyPr>
+            <a:lstStyle/>
+            <a:p>
+              <a:r>
+                <a:rPr lang="fr-FR" sz="2000" dirty="0" smtClean="0">
+                  <a:solidFill>
+                    <a:srgbClr val="FF0000"/>
+                  </a:solidFill>
+                </a:rPr>
+                <a:t>IMPORTANT:</a:t>
+              </a:r>
+              <a:endParaRPr lang="fr-FR" sz="2000" dirty="0" smtClean="0">
+                <a:solidFill>
+                  <a:srgbClr val="FF0000"/>
+                </a:solidFill>
+              </a:endParaRPr>
+            </a:p>
+          </p:txBody>
+        </p:sp>
+        <p:sp>
+          <p:nvSpPr>
+            <p:cNvPr id="40" name="ZoneTexte 39"/>
+            <p:cNvSpPr txBox="1"/>
+            <p:nvPr/>
+          </p:nvSpPr>
+          <p:spPr>
+            <a:xfrm>
+              <a:off x="2117698" y="2236034"/>
+              <a:ext cx="4872098" cy="547748"/>
+            </a:xfrm>
+            <a:prstGeom prst="rect">
+              <a:avLst/>
+            </a:prstGeom>
+            <a:noFill/>
+          </p:spPr>
+          <p:txBody>
+            <a:bodyPr wrap="none" rtlCol="0">
+              <a:spAutoFit/>
+            </a:bodyPr>
+            <a:lstStyle/>
+            <a:p>
+              <a:pPr marL="285750" indent="-285750">
+                <a:buFontTx/>
+                <a:buChar char="-"/>
+              </a:pPr>
+              <a:r>
+                <a:rPr lang="fr-FR" sz="2000" dirty="0" smtClean="0"/>
+                <a:t>Nb niveau ni trop élevés</a:t>
+              </a:r>
+              <a:r>
+                <a:rPr lang="fr-FR" sz="2000" dirty="0" smtClean="0"/>
+                <a:t>, ni trop faible.</a:t>
+              </a:r>
+            </a:p>
+            <a:p>
+              <a:pPr marL="285750" indent="-285750">
+                <a:buFontTx/>
+                <a:buChar char="-"/>
+              </a:pPr>
+              <a:r>
+                <a:rPr lang="fr-FR" sz="2000" dirty="0" smtClean="0"/>
+                <a:t>Préférer peu de niveau à une mauvaise agrégation</a:t>
+              </a:r>
+              <a:endParaRPr lang="fr-FR" sz="2000" dirty="0" smtClean="0"/>
+            </a:p>
+          </p:txBody>
+        </p:sp>
+      </p:grpSp>
     </p:spTree>
     <p:extLst>
       <p:ext uri="{BB962C8B-B14F-4D97-AF65-F5344CB8AC3E}">
-        <p14:creationId xmlns:p14="http://schemas.microsoft.com/office/powerpoint/2010/main" val="1193159331"/>
+        <p14:creationId xmlns:p14="http://schemas.microsoft.com/office/powerpoint/2010/main" val="3092538917"/>
       </p:ext>
     </p:extLst>
   </p:cSld>
@@ -6113,7 +7265,7 @@
         <p:spPr/>
         <p:txBody>
           <a:bodyPr>
-            <a:normAutofit fontScale="90000"/>
+            <a:normAutofit/>
           </a:bodyPr>
           <a:lstStyle/>
           <a:p>
@@ -6122,14 +7274,23 @@
               <a:rPr lang="fr-FR" dirty="0" smtClean="0">
                 <a:latin typeface="Algerian" pitchFamily="82" charset="0"/>
               </a:rPr>
-              <a:t>IV) Problèmes </a:t>
-            </a:r>
-            <a:r>
-              <a:rPr lang="fr-FR" dirty="0">
+              <a:t> </a:t>
+            </a:r>
+            <a:r>
+              <a:rPr lang="fr-FR" dirty="0" smtClean="0">
                 <a:latin typeface="Algerian" pitchFamily="82" charset="0"/>
               </a:rPr>
-              <a:t>rencontrés</a:t>
-            </a:r>
+              <a:t>Etude </a:t>
+            </a:r>
+            <a:r>
+              <a:rPr lang="fr-FR" dirty="0" smtClean="0">
+                <a:latin typeface="Algerian" pitchFamily="82" charset="0"/>
+              </a:rPr>
+              <a:t>théorique(suite)</a:t>
+            </a:r>
+            <a:endParaRPr lang="fr-FR" dirty="0">
+              <a:latin typeface="Algerian" pitchFamily="82" charset="0"/>
+            </a:endParaRPr>
           </a:p>
         </p:txBody>
       </p:sp>
@@ -6143,15 +7304,26 @@
             <p:ph idx="1"/>
           </p:nvPr>
         </p:nvSpPr>
-        <p:spPr/>
-        <p:txBody>
-          <a:bodyPr/>
+        <p:spPr>
+          <a:xfrm>
+            <a:off x="457200" y="1935480"/>
+            <a:ext cx="4546848" cy="629424"/>
+          </a:xfrm>
+        </p:spPr>
+        <p:txBody>
+          <a:bodyPr>
+            <a:normAutofit fontScale="85000" lnSpcReduction="10000"/>
+          </a:bodyPr>
           <a:lstStyle/>
           <a:p>
             <a:pPr marL="0" indent="0">
               <a:buNone/>
             </a:pPr>
-            <a:endParaRPr lang="fr-FR" dirty="0"/>
+            <a:r>
+              <a:rPr lang="fr-FR" u="sng" dirty="0" smtClean="0"/>
+              <a:t>Premier partitionnement: Aléatoire</a:t>
+            </a:r>
+            <a:endParaRPr lang="fr-FR" u="sng" dirty="0"/>
           </a:p>
         </p:txBody>
       </p:sp>
@@ -6181,7 +7353,7 @@
     </p:spTree>
     <p:extLst>
       <p:ext uri="{BB962C8B-B14F-4D97-AF65-F5344CB8AC3E}">
-        <p14:creationId xmlns:p14="http://schemas.microsoft.com/office/powerpoint/2010/main" val="1193159331"/>
+        <p14:creationId xmlns:p14="http://schemas.microsoft.com/office/powerpoint/2010/main" val="1587684509"/>
       </p:ext>
     </p:extLst>
   </p:cSld>
@@ -6237,7 +7409,19 @@
               <a:rPr lang="fr-FR" dirty="0" smtClean="0">
                 <a:latin typeface="Algerian" pitchFamily="82" charset="0"/>
               </a:rPr>
-              <a:t>V) Résultats</a:t>
+              <a:t> </a:t>
+            </a:r>
+            <a:r>
+              <a:rPr lang="fr-FR" dirty="0" smtClean="0">
+                <a:latin typeface="Algerian" pitchFamily="82" charset="0"/>
+              </a:rPr>
+              <a:t>Etude </a:t>
+            </a:r>
+            <a:r>
+              <a:rPr lang="fr-FR" dirty="0" smtClean="0">
+                <a:latin typeface="Algerian" pitchFamily="82" charset="0"/>
+              </a:rPr>
+              <a:t>théorique(suite)</a:t>
             </a:r>
             <a:endParaRPr lang="fr-FR" dirty="0">
               <a:latin typeface="Algerian" pitchFamily="82" charset="0"/>
@@ -6255,15 +7439,26 @@
             <p:ph idx="1"/>
           </p:nvPr>
         </p:nvSpPr>
-        <p:spPr/>
-        <p:txBody>
-          <a:bodyPr/>
+        <p:spPr>
+          <a:xfrm>
+            <a:off x="457200" y="1935480"/>
+            <a:ext cx="4834880" cy="629424"/>
+          </a:xfrm>
+        </p:spPr>
+        <p:txBody>
+          <a:bodyPr>
+            <a:normAutofit fontScale="85000" lnSpcReduction="10000"/>
+          </a:bodyPr>
           <a:lstStyle/>
           <a:p>
             <a:pPr marL="0" indent="0">
               <a:buNone/>
             </a:pPr>
-            <a:endParaRPr lang="fr-FR" dirty="0"/>
+            <a:r>
+              <a:rPr lang="fr-FR" u="sng" dirty="0" smtClean="0"/>
+              <a:t>Premier partitionnement:  Propriétés</a:t>
+            </a:r>
+            <a:endParaRPr lang="fr-FR" u="sng" dirty="0"/>
           </a:p>
         </p:txBody>
       </p:sp>
@@ -6290,10 +7485,113 @@
           </a:p>
         </p:txBody>
       </p:sp>
+      <p:grpSp>
+        <p:nvGrpSpPr>
+          <p:cNvPr id="6" name="Groupe 5"/>
+          <p:cNvGrpSpPr/>
+          <p:nvPr/>
+        </p:nvGrpSpPr>
+        <p:grpSpPr>
+          <a:xfrm>
+            <a:off x="363239" y="2924944"/>
+            <a:ext cx="6903617" cy="748169"/>
+            <a:chOff x="395536" y="2204864"/>
+            <a:chExt cx="5700852" cy="578918"/>
+          </a:xfrm>
+        </p:grpSpPr>
+        <p:sp>
+          <p:nvSpPr>
+            <p:cNvPr id="7" name="Rectangle 6"/>
+            <p:cNvSpPr/>
+            <p:nvPr/>
+          </p:nvSpPr>
+          <p:spPr>
+            <a:xfrm>
+              <a:off x="395536" y="2204864"/>
+              <a:ext cx="1436240" cy="309597"/>
+            </a:xfrm>
+            <a:prstGeom prst="rect">
+              <a:avLst/>
+            </a:prstGeom>
+          </p:spPr>
+          <p:txBody>
+            <a:bodyPr wrap="none">
+              <a:spAutoFit/>
+            </a:bodyPr>
+            <a:lstStyle/>
+            <a:p>
+              <a:r>
+                <a:rPr lang="fr-FR" sz="2000" dirty="0" smtClean="0">
+                  <a:solidFill>
+                    <a:srgbClr val="FF0000"/>
+                  </a:solidFill>
+                </a:rPr>
+                <a:t>IMPORTANT:</a:t>
+              </a:r>
+              <a:endParaRPr lang="fr-FR" sz="2000" dirty="0" smtClean="0">
+                <a:solidFill>
+                  <a:srgbClr val="FF0000"/>
+                </a:solidFill>
+              </a:endParaRPr>
+            </a:p>
+          </p:txBody>
+        </p:sp>
+        <p:sp>
+          <p:nvSpPr>
+            <p:cNvPr id="8" name="ZoneTexte 7"/>
+            <p:cNvSpPr txBox="1"/>
+            <p:nvPr/>
+          </p:nvSpPr>
+          <p:spPr>
+            <a:xfrm>
+              <a:off x="2117698" y="2236034"/>
+              <a:ext cx="3978690" cy="547748"/>
+            </a:xfrm>
+            <a:prstGeom prst="rect">
+              <a:avLst/>
+            </a:prstGeom>
+            <a:noFill/>
+          </p:spPr>
+          <p:txBody>
+            <a:bodyPr wrap="none" rtlCol="0">
+              <a:spAutoFit/>
+            </a:bodyPr>
+            <a:lstStyle/>
+            <a:p>
+              <a:pPr marL="285750" indent="-285750">
+                <a:buFontTx/>
+                <a:buChar char="-"/>
+              </a:pPr>
+              <a:r>
+                <a:rPr lang="fr-FR" sz="2000" dirty="0" smtClean="0"/>
+                <a:t>Conserver la MÊME première partition.</a:t>
+              </a:r>
+            </a:p>
+            <a:p>
+              <a:pPr marL="285750" indent="-285750">
+                <a:buFontTx/>
+                <a:buChar char="-"/>
+              </a:pPr>
+              <a:r>
+                <a:rPr lang="fr-FR" sz="2000" dirty="0" smtClean="0"/>
+                <a:t>Faire varier le germe pour chaque </a:t>
+              </a:r>
+              <a:r>
+                <a:rPr lang="fr-FR" sz="2000" dirty="0" err="1" smtClean="0"/>
+                <a:t>run</a:t>
+              </a:r>
+              <a:r>
+                <a:rPr lang="fr-FR" sz="2000" dirty="0" smtClean="0"/>
+                <a:t>.</a:t>
+              </a:r>
+            </a:p>
+          </p:txBody>
+        </p:sp>
+      </p:grpSp>
     </p:spTree>
     <p:extLst>
       <p:ext uri="{BB962C8B-B14F-4D97-AF65-F5344CB8AC3E}">
-        <p14:creationId xmlns:p14="http://schemas.microsoft.com/office/powerpoint/2010/main" val="1193159331"/>
+        <p14:creationId xmlns:p14="http://schemas.microsoft.com/office/powerpoint/2010/main" val="2355626647"/>
       </p:ext>
     </p:extLst>
   </p:cSld>
@@ -6349,14 +7647,11 @@
               <a:rPr lang="fr-FR" dirty="0" smtClean="0">
                 <a:latin typeface="Algerian" pitchFamily="82" charset="0"/>
               </a:rPr>
-              <a:t>VI) </a:t>
-            </a:r>
-            <a:r>
-              <a:rPr lang="fr-FR" dirty="0">
-                <a:latin typeface="Algerian" pitchFamily="82" charset="0"/>
-              </a:rPr>
-              <a:t>Conclusions </a:t>
-            </a:r>
+              <a:t>Etude théorique(suite)</a:t>
+            </a:r>
+            <a:endParaRPr lang="fr-FR" dirty="0">
+              <a:latin typeface="Algerian" pitchFamily="82" charset="0"/>
+            </a:endParaRPr>
           </a:p>
         </p:txBody>
       </p:sp>
@@ -6370,15 +7665,26 @@
             <p:ph idx="1"/>
           </p:nvPr>
         </p:nvSpPr>
-        <p:spPr/>
-        <p:txBody>
-          <a:bodyPr/>
+        <p:spPr>
+          <a:xfrm>
+            <a:off x="457200" y="1935480"/>
+            <a:ext cx="4330824" cy="629424"/>
+          </a:xfrm>
+        </p:spPr>
+        <p:txBody>
+          <a:bodyPr>
+            <a:normAutofit fontScale="92500"/>
+          </a:bodyPr>
           <a:lstStyle/>
           <a:p>
             <a:pPr marL="0" indent="0">
               <a:buNone/>
             </a:pPr>
-            <a:endParaRPr lang="fr-FR" dirty="0"/>
+            <a:r>
+              <a:rPr lang="fr-FR" u="sng" dirty="0" smtClean="0"/>
+              <a:t>Phase de raffinement: Principe</a:t>
+            </a:r>
+            <a:endParaRPr lang="fr-FR" u="sng" dirty="0"/>
           </a:p>
         </p:txBody>
       </p:sp>
@@ -6405,10 +7711,656 @@
           </a:p>
         </p:txBody>
       </p:sp>
+      <p:grpSp>
+        <p:nvGrpSpPr>
+          <p:cNvPr id="32" name="Groupe 31"/>
+          <p:cNvGrpSpPr/>
+          <p:nvPr/>
+        </p:nvGrpSpPr>
+        <p:grpSpPr>
+          <a:xfrm>
+            <a:off x="755576" y="2564904"/>
+            <a:ext cx="7632848" cy="3430939"/>
+            <a:chOff x="827584" y="2564904"/>
+            <a:chExt cx="7632848" cy="3430939"/>
+          </a:xfrm>
+        </p:grpSpPr>
+        <p:grpSp>
+          <p:nvGrpSpPr>
+            <p:cNvPr id="36" name="Groupe 35"/>
+            <p:cNvGrpSpPr/>
+            <p:nvPr/>
+          </p:nvGrpSpPr>
+          <p:grpSpPr>
+            <a:xfrm>
+              <a:off x="827584" y="2564904"/>
+              <a:ext cx="7632848" cy="720080"/>
+              <a:chOff x="961233" y="2420888"/>
+              <a:chExt cx="7128792" cy="720080"/>
+            </a:xfrm>
+          </p:grpSpPr>
+          <p:sp>
+            <p:nvSpPr>
+              <p:cNvPr id="59" name="Flèche droite 58"/>
+              <p:cNvSpPr/>
+              <p:nvPr/>
+            </p:nvSpPr>
+            <p:spPr>
+              <a:xfrm>
+                <a:off x="961233" y="2780928"/>
+                <a:ext cx="7128792" cy="360040"/>
+              </a:xfrm>
+              <a:prstGeom prst="rightArrow">
+                <a:avLst/>
+              </a:prstGeom>
+            </p:spPr>
+            <p:style>
+              <a:lnRef idx="2">
+                <a:schemeClr val="accent1">
+                  <a:shade val="50000"/>
+                </a:schemeClr>
+              </a:lnRef>
+              <a:fillRef idx="1">
+                <a:schemeClr val="accent1"/>
+              </a:fillRef>
+              <a:effectRef idx="0">
+                <a:schemeClr val="accent1"/>
+              </a:effectRef>
+              <a:fontRef idx="minor">
+                <a:schemeClr val="lt1"/>
+              </a:fontRef>
+            </p:style>
+            <p:txBody>
+              <a:bodyPr rtlCol="0" anchor="ctr"/>
+              <a:lstStyle/>
+              <a:p>
+                <a:pPr algn="ctr"/>
+                <a:endParaRPr lang="fr-FR"/>
+              </a:p>
+            </p:txBody>
+          </p:sp>
+          <p:sp>
+            <p:nvSpPr>
+              <p:cNvPr id="60" name="ZoneTexte 59"/>
+              <p:cNvSpPr txBox="1"/>
+              <p:nvPr/>
+            </p:nvSpPr>
+            <p:spPr>
+              <a:xfrm>
+                <a:off x="961233" y="2420888"/>
+                <a:ext cx="6707111" cy="369332"/>
+              </a:xfrm>
+              <a:prstGeom prst="rect">
+                <a:avLst/>
+              </a:prstGeom>
+              <a:noFill/>
+            </p:spPr>
+            <p:txBody>
+              <a:bodyPr wrap="square" rtlCol="0">
+                <a:spAutoFit/>
+              </a:bodyPr>
+              <a:lstStyle/>
+              <a:p>
+                <a:pPr algn="ctr"/>
+                <a:r>
+                  <a:rPr lang="fr-FR" dirty="0" smtClean="0"/>
+                  <a:t>Restitution des données par raffinement</a:t>
+                </a:r>
+                <a:endParaRPr lang="fr-FR" dirty="0"/>
+              </a:p>
+            </p:txBody>
+          </p:sp>
+        </p:grpSp>
+        <p:grpSp>
+          <p:nvGrpSpPr>
+            <p:cNvPr id="37" name="Groupe 36"/>
+            <p:cNvGrpSpPr/>
+            <p:nvPr/>
+          </p:nvGrpSpPr>
+          <p:grpSpPr>
+            <a:xfrm>
+              <a:off x="961233" y="5266471"/>
+              <a:ext cx="7128792" cy="729372"/>
+              <a:chOff x="961233" y="5331148"/>
+              <a:chExt cx="5480990" cy="729372"/>
+            </a:xfrm>
+          </p:grpSpPr>
+          <p:grpSp>
+            <p:nvGrpSpPr>
+              <p:cNvPr id="43" name="Groupe 42"/>
+              <p:cNvGrpSpPr/>
+              <p:nvPr/>
+            </p:nvGrpSpPr>
+            <p:grpSpPr>
+              <a:xfrm>
+                <a:off x="961233" y="5331148"/>
+                <a:ext cx="4104871" cy="729372"/>
+                <a:chOff x="1115616" y="5340440"/>
+                <a:chExt cx="4104871" cy="729372"/>
+              </a:xfrm>
+            </p:grpSpPr>
+            <p:grpSp>
+              <p:nvGrpSpPr>
+                <p:cNvPr id="50" name="Groupe 49"/>
+                <p:cNvGrpSpPr/>
+                <p:nvPr/>
+              </p:nvGrpSpPr>
+              <p:grpSpPr>
+                <a:xfrm>
+                  <a:off x="1115616" y="5349732"/>
+                  <a:ext cx="1296145" cy="720080"/>
+                  <a:chOff x="837949" y="2420888"/>
+                  <a:chExt cx="7252076" cy="720080"/>
+                </a:xfrm>
+              </p:grpSpPr>
+              <p:sp>
+                <p:nvSpPr>
+                  <p:cNvPr id="57" name="Flèche droite 56"/>
+                  <p:cNvSpPr/>
+                  <p:nvPr/>
+                </p:nvSpPr>
+                <p:spPr>
+                  <a:xfrm>
+                    <a:off x="961233" y="2780928"/>
+                    <a:ext cx="7128792" cy="360040"/>
+                  </a:xfrm>
+                  <a:prstGeom prst="rightArrow">
+                    <a:avLst/>
+                  </a:prstGeom>
+                </p:spPr>
+                <p:style>
+                  <a:lnRef idx="2">
+                    <a:schemeClr val="accent1">
+                      <a:shade val="50000"/>
+                    </a:schemeClr>
+                  </a:lnRef>
+                  <a:fillRef idx="1">
+                    <a:schemeClr val="accent1"/>
+                  </a:fillRef>
+                  <a:effectRef idx="0">
+                    <a:schemeClr val="accent1"/>
+                  </a:effectRef>
+                  <a:fontRef idx="minor">
+                    <a:schemeClr val="lt1"/>
+                  </a:fontRef>
+                </p:style>
+                <p:txBody>
+                  <a:bodyPr rtlCol="0" anchor="ctr"/>
+                  <a:lstStyle/>
+                  <a:p>
+                    <a:pPr algn="ctr"/>
+                    <a:endParaRPr lang="fr-FR"/>
+                  </a:p>
+                </p:txBody>
+              </p:sp>
+              <p:sp>
+                <p:nvSpPr>
+                  <p:cNvPr id="58" name="ZoneTexte 57"/>
+                  <p:cNvSpPr txBox="1"/>
+                  <p:nvPr/>
+                </p:nvSpPr>
+                <p:spPr>
+                  <a:xfrm>
+                    <a:off x="837949" y="2420888"/>
+                    <a:ext cx="7252074" cy="369332"/>
+                  </a:xfrm>
+                  <a:prstGeom prst="rect">
+                    <a:avLst/>
+                  </a:prstGeom>
+                  <a:noFill/>
+                </p:spPr>
+                <p:txBody>
+                  <a:bodyPr wrap="square" rtlCol="0">
+                    <a:spAutoFit/>
+                  </a:bodyPr>
+                  <a:lstStyle/>
+                  <a:p>
+                    <a:pPr algn="ctr"/>
+                    <a:r>
+                      <a:rPr lang="fr-FR" dirty="0" smtClean="0">
+                        <a:latin typeface="+mj-lt"/>
+                      </a:rPr>
+                      <a:t>Niveau 3</a:t>
+                    </a:r>
+                    <a:endParaRPr lang="fr-FR" dirty="0">
+                      <a:latin typeface="+mj-lt"/>
+                    </a:endParaRPr>
+                  </a:p>
+                </p:txBody>
+              </p:sp>
+            </p:grpSp>
+            <p:grpSp>
+              <p:nvGrpSpPr>
+                <p:cNvPr id="51" name="Groupe 50"/>
+                <p:cNvGrpSpPr/>
+                <p:nvPr/>
+              </p:nvGrpSpPr>
+              <p:grpSpPr>
+                <a:xfrm>
+                  <a:off x="2483767" y="5340440"/>
+                  <a:ext cx="1296145" cy="720080"/>
+                  <a:chOff x="837949" y="2420888"/>
+                  <a:chExt cx="7252076" cy="720080"/>
+                </a:xfrm>
+              </p:grpSpPr>
+              <p:sp>
+                <p:nvSpPr>
+                  <p:cNvPr id="55" name="Flèche droite 54"/>
+                  <p:cNvSpPr/>
+                  <p:nvPr/>
+                </p:nvSpPr>
+                <p:spPr>
+                  <a:xfrm>
+                    <a:off x="961233" y="2780928"/>
+                    <a:ext cx="7128792" cy="360040"/>
+                  </a:xfrm>
+                  <a:prstGeom prst="rightArrow">
+                    <a:avLst/>
+                  </a:prstGeom>
+                </p:spPr>
+                <p:style>
+                  <a:lnRef idx="2">
+                    <a:schemeClr val="accent1">
+                      <a:shade val="50000"/>
+                    </a:schemeClr>
+                  </a:lnRef>
+                  <a:fillRef idx="1">
+                    <a:schemeClr val="accent1"/>
+                  </a:fillRef>
+                  <a:effectRef idx="0">
+                    <a:schemeClr val="accent1"/>
+                  </a:effectRef>
+                  <a:fontRef idx="minor">
+                    <a:schemeClr val="lt1"/>
+                  </a:fontRef>
+                </p:style>
+                <p:txBody>
+                  <a:bodyPr rtlCol="0" anchor="ctr"/>
+                  <a:lstStyle/>
+                  <a:p>
+                    <a:pPr algn="ctr"/>
+                    <a:endParaRPr lang="fr-FR"/>
+                  </a:p>
+                </p:txBody>
+              </p:sp>
+              <p:sp>
+                <p:nvSpPr>
+                  <p:cNvPr id="56" name="ZoneTexte 55"/>
+                  <p:cNvSpPr txBox="1"/>
+                  <p:nvPr/>
+                </p:nvSpPr>
+                <p:spPr>
+                  <a:xfrm>
+                    <a:off x="837949" y="2420888"/>
+                    <a:ext cx="7252074" cy="369332"/>
+                  </a:xfrm>
+                  <a:prstGeom prst="rect">
+                    <a:avLst/>
+                  </a:prstGeom>
+                  <a:noFill/>
+                </p:spPr>
+                <p:txBody>
+                  <a:bodyPr wrap="square" rtlCol="0">
+                    <a:spAutoFit/>
+                  </a:bodyPr>
+                  <a:lstStyle/>
+                  <a:p>
+                    <a:pPr algn="ctr"/>
+                    <a:r>
+                      <a:rPr lang="fr-FR" dirty="0" smtClean="0">
+                        <a:latin typeface="+mj-lt"/>
+                      </a:rPr>
+                      <a:t>Niveau 2</a:t>
+                    </a:r>
+                    <a:endParaRPr lang="fr-FR" dirty="0">
+                      <a:latin typeface="+mj-lt"/>
+                    </a:endParaRPr>
+                  </a:p>
+                </p:txBody>
+              </p:sp>
+            </p:grpSp>
+            <p:grpSp>
+              <p:nvGrpSpPr>
+                <p:cNvPr id="52" name="Groupe 51"/>
+                <p:cNvGrpSpPr/>
+                <p:nvPr/>
+              </p:nvGrpSpPr>
+              <p:grpSpPr>
+                <a:xfrm>
+                  <a:off x="3877556" y="5340440"/>
+                  <a:ext cx="1342931" cy="720080"/>
+                  <a:chOff x="837949" y="2420888"/>
+                  <a:chExt cx="7513850" cy="720080"/>
+                </a:xfrm>
+              </p:grpSpPr>
+              <p:sp>
+                <p:nvSpPr>
+                  <p:cNvPr id="53" name="Flèche droite 52"/>
+                  <p:cNvSpPr/>
+                  <p:nvPr/>
+                </p:nvSpPr>
+                <p:spPr>
+                  <a:xfrm>
+                    <a:off x="961230" y="2780928"/>
+                    <a:ext cx="7390569" cy="360040"/>
+                  </a:xfrm>
+                  <a:prstGeom prst="rightArrow">
+                    <a:avLst/>
+                  </a:prstGeom>
+                </p:spPr>
+                <p:style>
+                  <a:lnRef idx="2">
+                    <a:schemeClr val="accent1">
+                      <a:shade val="50000"/>
+                    </a:schemeClr>
+                  </a:lnRef>
+                  <a:fillRef idx="1">
+                    <a:schemeClr val="accent1"/>
+                  </a:fillRef>
+                  <a:effectRef idx="0">
+                    <a:schemeClr val="accent1"/>
+                  </a:effectRef>
+                  <a:fontRef idx="minor">
+                    <a:schemeClr val="lt1"/>
+                  </a:fontRef>
+                </p:style>
+                <p:txBody>
+                  <a:bodyPr rtlCol="0" anchor="ctr"/>
+                  <a:lstStyle/>
+                  <a:p>
+                    <a:pPr algn="ctr"/>
+                    <a:endParaRPr lang="fr-FR"/>
+                  </a:p>
+                </p:txBody>
+              </p:sp>
+              <p:sp>
+                <p:nvSpPr>
+                  <p:cNvPr id="54" name="ZoneTexte 53"/>
+                  <p:cNvSpPr txBox="1"/>
+                  <p:nvPr/>
+                </p:nvSpPr>
+                <p:spPr>
+                  <a:xfrm>
+                    <a:off x="837949" y="2420888"/>
+                    <a:ext cx="7252074" cy="369332"/>
+                  </a:xfrm>
+                  <a:prstGeom prst="rect">
+                    <a:avLst/>
+                  </a:prstGeom>
+                  <a:noFill/>
+                </p:spPr>
+                <p:txBody>
+                  <a:bodyPr wrap="square" rtlCol="0">
+                    <a:spAutoFit/>
+                  </a:bodyPr>
+                  <a:lstStyle/>
+                  <a:p>
+                    <a:pPr algn="ctr"/>
+                    <a:r>
+                      <a:rPr lang="fr-FR" dirty="0" smtClean="0">
+                        <a:latin typeface="+mj-lt"/>
+                      </a:rPr>
+                      <a:t>Niveau 1</a:t>
+                    </a:r>
+                    <a:endParaRPr lang="fr-FR" dirty="0">
+                      <a:latin typeface="+mj-lt"/>
+                    </a:endParaRPr>
+                  </a:p>
+                </p:txBody>
+              </p:sp>
+            </p:grpSp>
+          </p:grpSp>
+          <p:grpSp>
+            <p:nvGrpSpPr>
+              <p:cNvPr id="44" name="Groupe 43"/>
+              <p:cNvGrpSpPr/>
+              <p:nvPr/>
+            </p:nvGrpSpPr>
+            <p:grpSpPr>
+              <a:xfrm>
+                <a:off x="5146078" y="5331148"/>
+                <a:ext cx="1296145" cy="720080"/>
+                <a:chOff x="837949" y="2420888"/>
+                <a:chExt cx="7252076" cy="720080"/>
+              </a:xfrm>
+            </p:grpSpPr>
+            <p:sp>
+              <p:nvSpPr>
+                <p:cNvPr id="45" name="Flèche droite 44"/>
+                <p:cNvSpPr/>
+                <p:nvPr/>
+              </p:nvSpPr>
+              <p:spPr>
+                <a:xfrm>
+                  <a:off x="961233" y="2780928"/>
+                  <a:ext cx="7128792" cy="360040"/>
+                </a:xfrm>
+                <a:prstGeom prst="rightArrow">
+                  <a:avLst/>
+                </a:prstGeom>
+              </p:spPr>
+              <p:style>
+                <a:lnRef idx="2">
+                  <a:schemeClr val="accent1">
+                    <a:shade val="50000"/>
+                  </a:schemeClr>
+                </a:lnRef>
+                <a:fillRef idx="1">
+                  <a:schemeClr val="accent1"/>
+                </a:fillRef>
+                <a:effectRef idx="0">
+                  <a:schemeClr val="accent1"/>
+                </a:effectRef>
+                <a:fontRef idx="minor">
+                  <a:schemeClr val="lt1"/>
+                </a:fontRef>
+              </p:style>
+              <p:txBody>
+                <a:bodyPr rtlCol="0" anchor="ctr"/>
+                <a:lstStyle/>
+                <a:p>
+                  <a:pPr algn="ctr"/>
+                  <a:endParaRPr lang="fr-FR"/>
+                </a:p>
+              </p:txBody>
+            </p:sp>
+            <p:sp>
+              <p:nvSpPr>
+                <p:cNvPr id="46" name="ZoneTexte 45"/>
+                <p:cNvSpPr txBox="1"/>
+                <p:nvPr/>
+              </p:nvSpPr>
+              <p:spPr>
+                <a:xfrm>
+                  <a:off x="837949" y="2420888"/>
+                  <a:ext cx="7252074" cy="369332"/>
+                </a:xfrm>
+                <a:prstGeom prst="rect">
+                  <a:avLst/>
+                </a:prstGeom>
+                <a:noFill/>
+              </p:spPr>
+              <p:txBody>
+                <a:bodyPr wrap="square" rtlCol="0">
+                  <a:spAutoFit/>
+                </a:bodyPr>
+                <a:lstStyle/>
+                <a:p>
+                  <a:pPr algn="ctr"/>
+                  <a:r>
+                    <a:rPr lang="fr-FR" dirty="0" smtClean="0">
+                      <a:latin typeface="+mj-lt"/>
+                    </a:rPr>
+                    <a:t>Niveau 0</a:t>
+                  </a:r>
+                  <a:endParaRPr lang="fr-FR" dirty="0">
+                    <a:latin typeface="+mj-lt"/>
+                  </a:endParaRPr>
+                </a:p>
+              </p:txBody>
+            </p:sp>
+          </p:grpSp>
+        </p:grpSp>
+        <p:cxnSp>
+          <p:nvCxnSpPr>
+            <p:cNvPr id="38" name="Connecteur droit 37"/>
+            <p:cNvCxnSpPr/>
+            <p:nvPr/>
+          </p:nvCxnSpPr>
+          <p:spPr>
+            <a:xfrm flipV="1">
+              <a:off x="2721466" y="3203686"/>
+              <a:ext cx="0" cy="2602845"/>
+            </a:xfrm>
+            <a:prstGeom prst="line">
+              <a:avLst/>
+            </a:prstGeom>
+            <a:ln w="38100"/>
+          </p:spPr>
+          <p:style>
+            <a:lnRef idx="1">
+              <a:schemeClr val="accent1"/>
+            </a:lnRef>
+            <a:fillRef idx="0">
+              <a:schemeClr val="accent1"/>
+            </a:fillRef>
+            <a:effectRef idx="0">
+              <a:schemeClr val="accent1"/>
+            </a:effectRef>
+            <a:fontRef idx="minor">
+              <a:schemeClr val="tx1"/>
+            </a:fontRef>
+          </p:style>
+        </p:cxnSp>
+        <p:cxnSp>
+          <p:nvCxnSpPr>
+            <p:cNvPr id="39" name="Connecteur droit 38"/>
+            <p:cNvCxnSpPr/>
+            <p:nvPr/>
+          </p:nvCxnSpPr>
+          <p:spPr>
+            <a:xfrm flipV="1">
+              <a:off x="4519470" y="3203686"/>
+              <a:ext cx="6159" cy="2612137"/>
+            </a:xfrm>
+            <a:prstGeom prst="line">
+              <a:avLst/>
+            </a:prstGeom>
+            <a:ln w="38100"/>
+          </p:spPr>
+          <p:style>
+            <a:lnRef idx="1">
+              <a:schemeClr val="accent1"/>
+            </a:lnRef>
+            <a:fillRef idx="0">
+              <a:schemeClr val="accent1"/>
+            </a:fillRef>
+            <a:effectRef idx="0">
+              <a:schemeClr val="accent1"/>
+            </a:effectRef>
+            <a:fontRef idx="minor">
+              <a:schemeClr val="tx1"/>
+            </a:fontRef>
+          </p:style>
+        </p:cxnSp>
+        <p:cxnSp>
+          <p:nvCxnSpPr>
+            <p:cNvPr id="40" name="Connecteur droit 39"/>
+            <p:cNvCxnSpPr/>
+            <p:nvPr/>
+          </p:nvCxnSpPr>
+          <p:spPr>
+            <a:xfrm flipV="1">
+              <a:off x="6375000" y="3203685"/>
+              <a:ext cx="0" cy="2602846"/>
+            </a:xfrm>
+            <a:prstGeom prst="line">
+              <a:avLst/>
+            </a:prstGeom>
+            <a:ln w="38100"/>
+          </p:spPr>
+          <p:style>
+            <a:lnRef idx="1">
+              <a:schemeClr val="accent1"/>
+            </a:lnRef>
+            <a:fillRef idx="0">
+              <a:schemeClr val="accent1"/>
+            </a:fillRef>
+            <a:effectRef idx="0">
+              <a:schemeClr val="accent1"/>
+            </a:effectRef>
+            <a:fontRef idx="minor">
+              <a:schemeClr val="tx1"/>
+            </a:fontRef>
+          </p:style>
+        </p:cxnSp>
+        <p:cxnSp>
+          <p:nvCxnSpPr>
+            <p:cNvPr id="41" name="Connecteur droit 40"/>
+            <p:cNvCxnSpPr/>
+            <p:nvPr/>
+          </p:nvCxnSpPr>
+          <p:spPr>
+            <a:xfrm flipV="1">
+              <a:off x="899592" y="3203685"/>
+              <a:ext cx="0" cy="2602845"/>
+            </a:xfrm>
+            <a:prstGeom prst="line">
+              <a:avLst/>
+            </a:prstGeom>
+            <a:ln w="38100"/>
+          </p:spPr>
+          <p:style>
+            <a:lnRef idx="1">
+              <a:schemeClr val="accent1"/>
+            </a:lnRef>
+            <a:fillRef idx="0">
+              <a:schemeClr val="accent1"/>
+            </a:fillRef>
+            <a:effectRef idx="0">
+              <a:schemeClr val="accent1"/>
+            </a:effectRef>
+            <a:fontRef idx="minor">
+              <a:schemeClr val="tx1"/>
+            </a:fontRef>
+          </p:style>
+        </p:cxnSp>
+        <p:cxnSp>
+          <p:nvCxnSpPr>
+            <p:cNvPr id="42" name="Connecteur droit 41"/>
+            <p:cNvCxnSpPr/>
+            <p:nvPr/>
+          </p:nvCxnSpPr>
+          <p:spPr>
+            <a:xfrm flipV="1">
+              <a:off x="8172400" y="3203686"/>
+              <a:ext cx="0" cy="2602845"/>
+            </a:xfrm>
+            <a:prstGeom prst="line">
+              <a:avLst/>
+            </a:prstGeom>
+            <a:ln w="38100"/>
+          </p:spPr>
+          <p:style>
+            <a:lnRef idx="1">
+              <a:schemeClr val="accent1"/>
+            </a:lnRef>
+            <a:fillRef idx="0">
+              <a:schemeClr val="accent1"/>
+            </a:fillRef>
+            <a:effectRef idx="0">
+              <a:schemeClr val="accent1"/>
+            </a:effectRef>
+            <a:fontRef idx="minor">
+              <a:schemeClr val="tx1"/>
+            </a:fontRef>
+          </p:style>
+        </p:cxnSp>
+      </p:grpSp>
     </p:spTree>
     <p:extLst>
       <p:ext uri="{BB962C8B-B14F-4D97-AF65-F5344CB8AC3E}">
-        <p14:creationId xmlns:p14="http://schemas.microsoft.com/office/powerpoint/2010/main" val="1193159331"/>
+        <p14:creationId xmlns:p14="http://schemas.microsoft.com/office/powerpoint/2010/main" val="2661364838"/>
       </p:ext>
     </p:extLst>
   </p:cSld>

--- a/PowerPoint/Présentation soutenance.pptx
+++ b/PowerPoint/Présentation soutenance.pptx
@@ -5,22 +5,24 @@
     <p:sldMasterId id="2147483672" r:id="rId1"/>
   </p:sldMasterIdLst>
   <p:notesMasterIdLst>
-    <p:notesMasterId r:id="rId15"/>
+    <p:notesMasterId r:id="rId17"/>
   </p:notesMasterIdLst>
   <p:sldIdLst>
     <p:sldId id="256" r:id="rId2"/>
     <p:sldId id="258" r:id="rId3"/>
     <p:sldId id="257" r:id="rId4"/>
     <p:sldId id="265" r:id="rId5"/>
-    <p:sldId id="264" r:id="rId6"/>
-    <p:sldId id="268" r:id="rId7"/>
-    <p:sldId id="266" r:id="rId8"/>
-    <p:sldId id="269" r:id="rId9"/>
-    <p:sldId id="267" r:id="rId10"/>
-    <p:sldId id="270" r:id="rId11"/>
-    <p:sldId id="262" r:id="rId12"/>
-    <p:sldId id="263" r:id="rId13"/>
-    <p:sldId id="271" r:id="rId14"/>
+    <p:sldId id="273" r:id="rId6"/>
+    <p:sldId id="264" r:id="rId7"/>
+    <p:sldId id="268" r:id="rId8"/>
+    <p:sldId id="266" r:id="rId9"/>
+    <p:sldId id="269" r:id="rId10"/>
+    <p:sldId id="267" r:id="rId11"/>
+    <p:sldId id="270" r:id="rId12"/>
+    <p:sldId id="262" r:id="rId13"/>
+    <p:sldId id="272" r:id="rId14"/>
+    <p:sldId id="263" r:id="rId15"/>
+    <p:sldId id="271" r:id="rId16"/>
   </p:sldIdLst>
   <p:sldSz cx="9144000" cy="6858000" type="screen4x3"/>
   <p:notesSz cx="6858000" cy="9144000"/>
@@ -122,6 +124,1133 @@
 </p:presentation>
 </file>
 
+<file path=ppt/charts/chart1.xml><?xml version="1.0" encoding="utf-8"?>
+<c:chartSpace xmlns:c="http://schemas.openxmlformats.org/drawingml/2006/chart" xmlns:a="http://schemas.openxmlformats.org/drawingml/2006/main" xmlns:r="http://schemas.openxmlformats.org/officeDocument/2006/relationships">
+  <c:date1904 val="0"/>
+  <c:lang val="fr-FR"/>
+  <c:roundedCorners val="0"/>
+  <mc:AlternateContent xmlns:mc="http://schemas.openxmlformats.org/markup-compatibility/2006">
+    <mc:Choice xmlns:c14="http://schemas.microsoft.com/office/drawing/2007/8/2/chart" Requires="c14">
+      <c14:style val="102"/>
+    </mc:Choice>
+    <mc:Fallback>
+      <c:style val="2"/>
+    </mc:Fallback>
+  </mc:AlternateContent>
+  <c:chart>
+    <c:title>
+      <c:tx>
+        <c:rich>
+          <a:bodyPr/>
+          <a:lstStyle/>
+          <a:p>
+            <a:pPr>
+              <a:defRPr/>
+            </a:pPr>
+            <a:r>
+              <a:rPr lang="fr-FR" sz="1800" b="1" i="0" u="none" strike="noStrike" baseline="0" dirty="0" smtClean="0">
+                <a:effectLst/>
+              </a:rPr>
+              <a:t>Temps </a:t>
+            </a:r>
+            <a:r>
+              <a:rPr lang="fr-FR" baseline="0" dirty="0" smtClean="0"/>
+              <a:t>des k-moyenne </a:t>
+            </a:r>
+            <a:r>
+              <a:rPr lang="fr-FR" baseline="0" dirty="0"/>
+              <a:t>par </a:t>
+            </a:r>
+            <a:r>
+              <a:rPr lang="fr-FR" baseline="0" dirty="0" err="1"/>
+              <a:t>run</a:t>
+            </a:r>
+            <a:r>
+              <a:rPr lang="fr-FR" baseline="0" dirty="0"/>
+              <a:t> et par </a:t>
+            </a:r>
+            <a:r>
+              <a:rPr lang="fr-FR" baseline="0" dirty="0" smtClean="0"/>
+              <a:t>niveau</a:t>
+            </a:r>
+            <a:endParaRPr lang="fr-FR" dirty="0"/>
+          </a:p>
+        </c:rich>
+      </c:tx>
+      <c:layout>
+        <c:manualLayout>
+          <c:xMode val="edge"/>
+          <c:yMode val="edge"/>
+          <c:x val="0.17407787266214692"/>
+          <c:y val="1.7075249144019106E-2"/>
+        </c:manualLayout>
+      </c:layout>
+      <c:overlay val="0"/>
+    </c:title>
+    <c:autoTitleDeleted val="0"/>
+    <c:plotArea>
+      <c:layout/>
+      <c:lineChart>
+        <c:grouping val="standard"/>
+        <c:varyColors val="0"/>
+        <c:ser>
+          <c:idx val="0"/>
+          <c:order val="0"/>
+          <c:tx>
+            <c:strRef>
+              <c:f>output_segmentation!$E$2</c:f>
+              <c:strCache>
+                <c:ptCount val="1"/>
+                <c:pt idx="0">
+                  <c:v>0</c:v>
+                </c:pt>
+              </c:strCache>
+            </c:strRef>
+          </c:tx>
+          <c:spPr>
+            <a:ln>
+              <a:solidFill>
+                <a:srgbClr val="FFC000"/>
+              </a:solidFill>
+            </a:ln>
+          </c:spPr>
+          <c:marker>
+            <c:symbol val="none"/>
+          </c:marker>
+          <c:cat>
+            <c:numRef>
+              <c:f>output_segmentation!$L$2:$L$11</c:f>
+              <c:numCache>
+                <c:formatCode>General</c:formatCode>
+                <c:ptCount val="10"/>
+                <c:pt idx="0">
+                  <c:v>0</c:v>
+                </c:pt>
+                <c:pt idx="1">
+                  <c:v>1</c:v>
+                </c:pt>
+                <c:pt idx="2">
+                  <c:v>2</c:v>
+                </c:pt>
+                <c:pt idx="3">
+                  <c:v>3</c:v>
+                </c:pt>
+                <c:pt idx="4">
+                  <c:v>4</c:v>
+                </c:pt>
+                <c:pt idx="5">
+                  <c:v>5</c:v>
+                </c:pt>
+                <c:pt idx="6">
+                  <c:v>6</c:v>
+                </c:pt>
+                <c:pt idx="7">
+                  <c:v>7</c:v>
+                </c:pt>
+                <c:pt idx="8">
+                  <c:v>8</c:v>
+                </c:pt>
+                <c:pt idx="9">
+                  <c:v>9</c:v>
+                </c:pt>
+              </c:numCache>
+            </c:numRef>
+          </c:cat>
+          <c:val>
+            <c:numRef>
+              <c:f>output_segmentation!$O$2:$O$11</c:f>
+              <c:numCache>
+                <c:formatCode>General</c:formatCode>
+                <c:ptCount val="10"/>
+                <c:pt idx="0">
+                  <c:v>5.9003399999999998E-2</c:v>
+                </c:pt>
+                <c:pt idx="1">
+                  <c:v>4.0002299999999998E-2</c:v>
+                </c:pt>
+                <c:pt idx="2">
+                  <c:v>4.1002200000000003E-2</c:v>
+                </c:pt>
+                <c:pt idx="3">
+                  <c:v>4.9002799999999999E-2</c:v>
+                </c:pt>
+                <c:pt idx="4">
+                  <c:v>3.6001999999999999E-2</c:v>
+                </c:pt>
+                <c:pt idx="5">
+                  <c:v>6.4003400000000002E-2</c:v>
+                </c:pt>
+                <c:pt idx="6">
+                  <c:v>5.1002899999999997E-2</c:v>
+                </c:pt>
+                <c:pt idx="7">
+                  <c:v>5.1002800000000001E-2</c:v>
+                </c:pt>
+                <c:pt idx="8">
+                  <c:v>5.1002800000000001E-2</c:v>
+                </c:pt>
+                <c:pt idx="9">
+                  <c:v>5.1002899999999997E-2</c:v>
+                </c:pt>
+              </c:numCache>
+            </c:numRef>
+          </c:val>
+          <c:smooth val="0"/>
+        </c:ser>
+        <c:ser>
+          <c:idx val="1"/>
+          <c:order val="1"/>
+          <c:tx>
+            <c:strRef>
+              <c:f>output_segmentation!$E$73</c:f>
+              <c:strCache>
+                <c:ptCount val="1"/>
+                <c:pt idx="0">
+                  <c:v>1</c:v>
+                </c:pt>
+              </c:strCache>
+            </c:strRef>
+          </c:tx>
+          <c:marker>
+            <c:symbol val="none"/>
+          </c:marker>
+          <c:cat>
+            <c:numRef>
+              <c:f>output_segmentation!$L$2:$L$11</c:f>
+              <c:numCache>
+                <c:formatCode>General</c:formatCode>
+                <c:ptCount val="10"/>
+                <c:pt idx="0">
+                  <c:v>0</c:v>
+                </c:pt>
+                <c:pt idx="1">
+                  <c:v>1</c:v>
+                </c:pt>
+                <c:pt idx="2">
+                  <c:v>2</c:v>
+                </c:pt>
+                <c:pt idx="3">
+                  <c:v>3</c:v>
+                </c:pt>
+                <c:pt idx="4">
+                  <c:v>4</c:v>
+                </c:pt>
+                <c:pt idx="5">
+                  <c:v>5</c:v>
+                </c:pt>
+                <c:pt idx="6">
+                  <c:v>6</c:v>
+                </c:pt>
+                <c:pt idx="7">
+                  <c:v>7</c:v>
+                </c:pt>
+                <c:pt idx="8">
+                  <c:v>8</c:v>
+                </c:pt>
+                <c:pt idx="9">
+                  <c:v>9</c:v>
+                </c:pt>
+              </c:numCache>
+            </c:numRef>
+          </c:cat>
+          <c:val>
+            <c:numRef>
+              <c:f>output_segmentation!$O$73:$O$81</c:f>
+              <c:numCache>
+                <c:formatCode>General</c:formatCode>
+                <c:ptCount val="9"/>
+                <c:pt idx="0">
+                  <c:v>5.5003200000000002E-2</c:v>
+                </c:pt>
+                <c:pt idx="1">
+                  <c:v>4.7002700000000001E-2</c:v>
+                </c:pt>
+                <c:pt idx="2">
+                  <c:v>4.4002399999999997E-2</c:v>
+                </c:pt>
+                <c:pt idx="3">
+                  <c:v>3.7002199999999999E-2</c:v>
+                </c:pt>
+                <c:pt idx="4">
+                  <c:v>4.2002499999999998E-2</c:v>
+                </c:pt>
+                <c:pt idx="5">
+                  <c:v>4.2002200000000003E-2</c:v>
+                </c:pt>
+                <c:pt idx="6">
+                  <c:v>4.7002599999999999E-2</c:v>
+                </c:pt>
+                <c:pt idx="7">
+                  <c:v>4.1002499999999997E-2</c:v>
+                </c:pt>
+                <c:pt idx="8">
+                  <c:v>4.2002499999999998E-2</c:v>
+                </c:pt>
+              </c:numCache>
+            </c:numRef>
+          </c:val>
+          <c:smooth val="0"/>
+        </c:ser>
+        <c:ser>
+          <c:idx val="2"/>
+          <c:order val="2"/>
+          <c:tx>
+            <c:strRef>
+              <c:f>output_segmentation!$E$143</c:f>
+              <c:strCache>
+                <c:ptCount val="1"/>
+                <c:pt idx="0">
+                  <c:v>2</c:v>
+                </c:pt>
+              </c:strCache>
+            </c:strRef>
+          </c:tx>
+          <c:spPr>
+            <a:ln>
+              <a:solidFill>
+                <a:srgbClr val="00B050"/>
+              </a:solidFill>
+            </a:ln>
+          </c:spPr>
+          <c:marker>
+            <c:symbol val="none"/>
+          </c:marker>
+          <c:cat>
+            <c:numRef>
+              <c:f>output_segmentation!$L$2:$L$11</c:f>
+              <c:numCache>
+                <c:formatCode>General</c:formatCode>
+                <c:ptCount val="10"/>
+                <c:pt idx="0">
+                  <c:v>0</c:v>
+                </c:pt>
+                <c:pt idx="1">
+                  <c:v>1</c:v>
+                </c:pt>
+                <c:pt idx="2">
+                  <c:v>2</c:v>
+                </c:pt>
+                <c:pt idx="3">
+                  <c:v>3</c:v>
+                </c:pt>
+                <c:pt idx="4">
+                  <c:v>4</c:v>
+                </c:pt>
+                <c:pt idx="5">
+                  <c:v>5</c:v>
+                </c:pt>
+                <c:pt idx="6">
+                  <c:v>6</c:v>
+                </c:pt>
+                <c:pt idx="7">
+                  <c:v>7</c:v>
+                </c:pt>
+                <c:pt idx="8">
+                  <c:v>8</c:v>
+                </c:pt>
+                <c:pt idx="9">
+                  <c:v>9</c:v>
+                </c:pt>
+              </c:numCache>
+            </c:numRef>
+          </c:cat>
+          <c:val>
+            <c:numRef>
+              <c:f>output_segmentation!$O$143:$O$151</c:f>
+              <c:numCache>
+                <c:formatCode>General</c:formatCode>
+                <c:ptCount val="9"/>
+                <c:pt idx="0">
+                  <c:v>8.7004999999999999E-2</c:v>
+                </c:pt>
+                <c:pt idx="1">
+                  <c:v>8.20047E-2</c:v>
+                </c:pt>
+                <c:pt idx="2">
+                  <c:v>6.80037E-2</c:v>
+                </c:pt>
+                <c:pt idx="3">
+                  <c:v>7.3004200000000005E-2</c:v>
+                </c:pt>
+                <c:pt idx="4">
+                  <c:v>4.3002400000000003E-2</c:v>
+                </c:pt>
+                <c:pt idx="5">
+                  <c:v>4.0002299999999998E-2</c:v>
+                </c:pt>
+                <c:pt idx="6">
+                  <c:v>7.6004500000000003E-2</c:v>
+                </c:pt>
+                <c:pt idx="7">
+                  <c:v>8.0004599999999995E-2</c:v>
+                </c:pt>
+                <c:pt idx="8">
+                  <c:v>8.0004500000000006E-2</c:v>
+                </c:pt>
+              </c:numCache>
+            </c:numRef>
+          </c:val>
+          <c:smooth val="0"/>
+        </c:ser>
+        <c:ser>
+          <c:idx val="3"/>
+          <c:order val="3"/>
+          <c:tx>
+            <c:strRef>
+              <c:f>output_segmentation!$E$212</c:f>
+              <c:strCache>
+                <c:ptCount val="1"/>
+                <c:pt idx="0">
+                  <c:v>3</c:v>
+                </c:pt>
+              </c:strCache>
+            </c:strRef>
+          </c:tx>
+          <c:marker>
+            <c:symbol val="none"/>
+          </c:marker>
+          <c:cat>
+            <c:numRef>
+              <c:f>output_segmentation!$L$2:$L$11</c:f>
+              <c:numCache>
+                <c:formatCode>General</c:formatCode>
+                <c:ptCount val="10"/>
+                <c:pt idx="0">
+                  <c:v>0</c:v>
+                </c:pt>
+                <c:pt idx="1">
+                  <c:v>1</c:v>
+                </c:pt>
+                <c:pt idx="2">
+                  <c:v>2</c:v>
+                </c:pt>
+                <c:pt idx="3">
+                  <c:v>3</c:v>
+                </c:pt>
+                <c:pt idx="4">
+                  <c:v>4</c:v>
+                </c:pt>
+                <c:pt idx="5">
+                  <c:v>5</c:v>
+                </c:pt>
+                <c:pt idx="6">
+                  <c:v>6</c:v>
+                </c:pt>
+                <c:pt idx="7">
+                  <c:v>7</c:v>
+                </c:pt>
+                <c:pt idx="8">
+                  <c:v>8</c:v>
+                </c:pt>
+                <c:pt idx="9">
+                  <c:v>9</c:v>
+                </c:pt>
+              </c:numCache>
+            </c:numRef>
+          </c:cat>
+          <c:val>
+            <c:numRef>
+              <c:f>output_segmentation!$O$212:$O$219</c:f>
+              <c:numCache>
+                <c:formatCode>General</c:formatCode>
+                <c:ptCount val="8"/>
+                <c:pt idx="0">
+                  <c:v>5.8003300000000001E-2</c:v>
+                </c:pt>
+                <c:pt idx="1">
+                  <c:v>4.6002599999999998E-2</c:v>
+                </c:pt>
+                <c:pt idx="2">
+                  <c:v>3.7002199999999999E-2</c:v>
+                </c:pt>
+                <c:pt idx="3">
+                  <c:v>4.7002599999999999E-2</c:v>
+                </c:pt>
+                <c:pt idx="4">
+                  <c:v>3.3002099999999999E-2</c:v>
+                </c:pt>
+                <c:pt idx="5">
+                  <c:v>4.3002400000000003E-2</c:v>
+                </c:pt>
+                <c:pt idx="6">
+                  <c:v>4.7002599999999999E-2</c:v>
+                </c:pt>
+                <c:pt idx="7">
+                  <c:v>4.9002400000000002E-2</c:v>
+                </c:pt>
+              </c:numCache>
+            </c:numRef>
+          </c:val>
+          <c:smooth val="0"/>
+        </c:ser>
+        <c:ser>
+          <c:idx val="6"/>
+          <c:order val="4"/>
+          <c:tx>
+            <c:strRef>
+              <c:f>output_segmentation!$E$423</c:f>
+              <c:strCache>
+                <c:ptCount val="1"/>
+                <c:pt idx="0">
+                  <c:v>6</c:v>
+                </c:pt>
+              </c:strCache>
+            </c:strRef>
+          </c:tx>
+          <c:spPr>
+            <a:ln>
+              <a:solidFill>
+                <a:srgbClr val="FF0000"/>
+              </a:solidFill>
+            </a:ln>
+          </c:spPr>
+          <c:marker>
+            <c:symbol val="none"/>
+          </c:marker>
+          <c:cat>
+            <c:numRef>
+              <c:f>output_segmentation!$L$2:$L$11</c:f>
+              <c:numCache>
+                <c:formatCode>General</c:formatCode>
+                <c:ptCount val="10"/>
+                <c:pt idx="0">
+                  <c:v>0</c:v>
+                </c:pt>
+                <c:pt idx="1">
+                  <c:v>1</c:v>
+                </c:pt>
+                <c:pt idx="2">
+                  <c:v>2</c:v>
+                </c:pt>
+                <c:pt idx="3">
+                  <c:v>3</c:v>
+                </c:pt>
+                <c:pt idx="4">
+                  <c:v>4</c:v>
+                </c:pt>
+                <c:pt idx="5">
+                  <c:v>5</c:v>
+                </c:pt>
+                <c:pt idx="6">
+                  <c:v>6</c:v>
+                </c:pt>
+                <c:pt idx="7">
+                  <c:v>7</c:v>
+                </c:pt>
+                <c:pt idx="8">
+                  <c:v>8</c:v>
+                </c:pt>
+                <c:pt idx="9">
+                  <c:v>9</c:v>
+                </c:pt>
+              </c:numCache>
+            </c:numRef>
+          </c:cat>
+          <c:val>
+            <c:numRef>
+              <c:f>output_segmentation!$O$423:$O$431</c:f>
+              <c:numCache>
+                <c:formatCode>General</c:formatCode>
+                <c:ptCount val="9"/>
+                <c:pt idx="0">
+                  <c:v>4.8002799999999998E-2</c:v>
+                </c:pt>
+                <c:pt idx="1">
+                  <c:v>3.6001999999999999E-2</c:v>
+                </c:pt>
+                <c:pt idx="2">
+                  <c:v>3.5001999999999998E-2</c:v>
+                </c:pt>
+                <c:pt idx="3">
+                  <c:v>3.5001999999999998E-2</c:v>
+                </c:pt>
+                <c:pt idx="4">
+                  <c:v>4.0002200000000002E-2</c:v>
+                </c:pt>
+                <c:pt idx="5">
+                  <c:v>4.1002400000000001E-2</c:v>
+                </c:pt>
+                <c:pt idx="6">
+                  <c:v>0.113007</c:v>
+                </c:pt>
+                <c:pt idx="7">
+                  <c:v>0.115007</c:v>
+                </c:pt>
+                <c:pt idx="8">
+                  <c:v>0.115007</c:v>
+                </c:pt>
+              </c:numCache>
+            </c:numRef>
+          </c:val>
+          <c:smooth val="0"/>
+        </c:ser>
+        <c:ser>
+          <c:idx val="7"/>
+          <c:order val="5"/>
+          <c:tx>
+            <c:strRef>
+              <c:f>output_segmentation!$E$494</c:f>
+              <c:strCache>
+                <c:ptCount val="1"/>
+                <c:pt idx="0">
+                  <c:v>7</c:v>
+                </c:pt>
+              </c:strCache>
+            </c:strRef>
+          </c:tx>
+          <c:spPr>
+            <a:ln>
+              <a:solidFill>
+                <a:schemeClr val="tx1">
+                  <a:lumMod val="95000"/>
+                  <a:lumOff val="5000"/>
+                </a:schemeClr>
+              </a:solidFill>
+            </a:ln>
+          </c:spPr>
+          <c:marker>
+            <c:symbol val="none"/>
+          </c:marker>
+          <c:cat>
+            <c:numRef>
+              <c:f>output_segmentation!$L$2:$L$11</c:f>
+              <c:numCache>
+                <c:formatCode>General</c:formatCode>
+                <c:ptCount val="10"/>
+                <c:pt idx="0">
+                  <c:v>0</c:v>
+                </c:pt>
+                <c:pt idx="1">
+                  <c:v>1</c:v>
+                </c:pt>
+                <c:pt idx="2">
+                  <c:v>2</c:v>
+                </c:pt>
+                <c:pt idx="3">
+                  <c:v>3</c:v>
+                </c:pt>
+                <c:pt idx="4">
+                  <c:v>4</c:v>
+                </c:pt>
+                <c:pt idx="5">
+                  <c:v>5</c:v>
+                </c:pt>
+                <c:pt idx="6">
+                  <c:v>6</c:v>
+                </c:pt>
+                <c:pt idx="7">
+                  <c:v>7</c:v>
+                </c:pt>
+                <c:pt idx="8">
+                  <c:v>8</c:v>
+                </c:pt>
+                <c:pt idx="9">
+                  <c:v>9</c:v>
+                </c:pt>
+              </c:numCache>
+            </c:numRef>
+          </c:cat>
+          <c:val>
+            <c:numRef>
+              <c:f>output_segmentation!$O$494:$O$503</c:f>
+              <c:numCache>
+                <c:formatCode>General</c:formatCode>
+                <c:ptCount val="10"/>
+                <c:pt idx="0">
+                  <c:v>9.9005700000000002E-2</c:v>
+                </c:pt>
+                <c:pt idx="1">
+                  <c:v>6.7003900000000005E-2</c:v>
+                </c:pt>
+                <c:pt idx="2">
+                  <c:v>7.9004500000000005E-2</c:v>
+                </c:pt>
+                <c:pt idx="3">
+                  <c:v>6.4003599999999994E-2</c:v>
+                </c:pt>
+                <c:pt idx="4">
+                  <c:v>4.9002799999999999E-2</c:v>
+                </c:pt>
+                <c:pt idx="5">
+                  <c:v>5.5003200000000002E-2</c:v>
+                </c:pt>
+                <c:pt idx="6">
+                  <c:v>5.70033E-2</c:v>
+                </c:pt>
+                <c:pt idx="7">
+                  <c:v>5.7003199999999997E-2</c:v>
+                </c:pt>
+                <c:pt idx="8">
+                  <c:v>5.2003000000000001E-2</c:v>
+                </c:pt>
+                <c:pt idx="9">
+                  <c:v>5.00028E-2</c:v>
+                </c:pt>
+              </c:numCache>
+            </c:numRef>
+          </c:val>
+          <c:smooth val="0"/>
+        </c:ser>
+        <c:ser>
+          <c:idx val="9"/>
+          <c:order val="6"/>
+          <c:tx>
+            <c:strRef>
+              <c:f>output_segmentation!$E$634</c:f>
+              <c:strCache>
+                <c:ptCount val="1"/>
+                <c:pt idx="0">
+                  <c:v>9</c:v>
+                </c:pt>
+              </c:strCache>
+            </c:strRef>
+          </c:tx>
+          <c:marker>
+            <c:symbol val="none"/>
+          </c:marker>
+          <c:cat>
+            <c:numRef>
+              <c:f>output_segmentation!$L$2:$L$11</c:f>
+              <c:numCache>
+                <c:formatCode>General</c:formatCode>
+                <c:ptCount val="10"/>
+                <c:pt idx="0">
+                  <c:v>0</c:v>
+                </c:pt>
+                <c:pt idx="1">
+                  <c:v>1</c:v>
+                </c:pt>
+                <c:pt idx="2">
+                  <c:v>2</c:v>
+                </c:pt>
+                <c:pt idx="3">
+                  <c:v>3</c:v>
+                </c:pt>
+                <c:pt idx="4">
+                  <c:v>4</c:v>
+                </c:pt>
+                <c:pt idx="5">
+                  <c:v>5</c:v>
+                </c:pt>
+                <c:pt idx="6">
+                  <c:v>6</c:v>
+                </c:pt>
+                <c:pt idx="7">
+                  <c:v>7</c:v>
+                </c:pt>
+                <c:pt idx="8">
+                  <c:v>8</c:v>
+                </c:pt>
+                <c:pt idx="9">
+                  <c:v>9</c:v>
+                </c:pt>
+              </c:numCache>
+            </c:numRef>
+          </c:cat>
+          <c:val>
+            <c:numRef>
+              <c:f>output_segmentation!$O$634:$O$642</c:f>
+              <c:numCache>
+                <c:formatCode>General</c:formatCode>
+                <c:ptCount val="9"/>
+                <c:pt idx="0">
+                  <c:v>4.8002799999999998E-2</c:v>
+                </c:pt>
+                <c:pt idx="1">
+                  <c:v>3.80022E-2</c:v>
+                </c:pt>
+                <c:pt idx="2">
+                  <c:v>2.9001800000000001E-2</c:v>
+                </c:pt>
+                <c:pt idx="3">
+                  <c:v>3.5001999999999998E-2</c:v>
+                </c:pt>
+                <c:pt idx="4">
+                  <c:v>3.9002200000000001E-2</c:v>
+                </c:pt>
+                <c:pt idx="5">
+                  <c:v>4.0002299999999998E-2</c:v>
+                </c:pt>
+                <c:pt idx="6">
+                  <c:v>4.0002299999999998E-2</c:v>
+                </c:pt>
+                <c:pt idx="7">
+                  <c:v>3.9002000000000002E-2</c:v>
+                </c:pt>
+                <c:pt idx="8">
+                  <c:v>4.2002499999999998E-2</c:v>
+                </c:pt>
+              </c:numCache>
+            </c:numRef>
+          </c:val>
+          <c:smooth val="0"/>
+        </c:ser>
+        <c:dLbls>
+          <c:showLegendKey val="0"/>
+          <c:showVal val="0"/>
+          <c:showCatName val="0"/>
+          <c:showSerName val="0"/>
+          <c:showPercent val="0"/>
+          <c:showBubbleSize val="0"/>
+        </c:dLbls>
+        <c:hiLowLines/>
+        <c:marker val="1"/>
+        <c:smooth val="0"/>
+        <c:axId val="126233600"/>
+        <c:axId val="115604800"/>
+      </c:lineChart>
+      <c:catAx>
+        <c:axId val="126233600"/>
+        <c:scaling>
+          <c:orientation val="minMax"/>
+        </c:scaling>
+        <c:delete val="0"/>
+        <c:axPos val="b"/>
+        <c:title>
+          <c:tx>
+            <c:rich>
+              <a:bodyPr/>
+              <a:lstStyle/>
+              <a:p>
+                <a:pPr>
+                  <a:defRPr/>
+                </a:pPr>
+                <a:r>
+                  <a:rPr lang="fr-FR"/>
+                  <a:t>niveau de lancement</a:t>
+                </a:r>
+              </a:p>
+            </c:rich>
+          </c:tx>
+          <c:overlay val="0"/>
+        </c:title>
+        <c:numFmt formatCode="General" sourceLinked="1"/>
+        <c:majorTickMark val="none"/>
+        <c:minorTickMark val="none"/>
+        <c:tickLblPos val="nextTo"/>
+        <c:crossAx val="115604800"/>
+        <c:crosses val="autoZero"/>
+        <c:auto val="1"/>
+        <c:lblAlgn val="ctr"/>
+        <c:lblOffset val="100"/>
+        <c:noMultiLvlLbl val="0"/>
+      </c:catAx>
+      <c:valAx>
+        <c:axId val="115604800"/>
+        <c:scaling>
+          <c:orientation val="minMax"/>
+        </c:scaling>
+        <c:delete val="0"/>
+        <c:axPos val="l"/>
+        <c:majorGridlines/>
+        <c:title>
+          <c:tx>
+            <c:rich>
+              <a:bodyPr/>
+              <a:lstStyle/>
+              <a:p>
+                <a:pPr>
+                  <a:defRPr/>
+                </a:pPr>
+                <a:r>
+                  <a:rPr lang="fr-FR"/>
+                  <a:t>temps en seconde</a:t>
+                </a:r>
+                <a:r>
+                  <a:rPr lang="fr-FR" baseline="0"/>
+                  <a:t> des k-moyennes (s)</a:t>
+                </a:r>
+              </a:p>
+            </c:rich>
+          </c:tx>
+          <c:overlay val="0"/>
+        </c:title>
+        <c:numFmt formatCode="General" sourceLinked="1"/>
+        <c:majorTickMark val="out"/>
+        <c:minorTickMark val="none"/>
+        <c:tickLblPos val="nextTo"/>
+        <c:crossAx val="126233600"/>
+        <c:crosses val="autoZero"/>
+        <c:crossBetween val="between"/>
+      </c:valAx>
+    </c:plotArea>
+    <c:plotVisOnly val="1"/>
+    <c:dispBlanksAs val="gap"/>
+    <c:showDLblsOverMax val="0"/>
+  </c:chart>
+  <c:externalData r:id="rId1">
+    <c:autoUpdate val="0"/>
+  </c:externalData>
+</c:chartSpace>
+</file>
+
+<file path=ppt/charts/chart2.xml><?xml version="1.0" encoding="utf-8"?>
+<c:chartSpace xmlns:c="http://schemas.openxmlformats.org/drawingml/2006/chart" xmlns:a="http://schemas.openxmlformats.org/drawingml/2006/main" xmlns:r="http://schemas.openxmlformats.org/officeDocument/2006/relationships">
+  <c:date1904 val="0"/>
+  <c:lang val="fr-FR"/>
+  <c:roundedCorners val="0"/>
+  <mc:AlternateContent xmlns:mc="http://schemas.openxmlformats.org/markup-compatibility/2006">
+    <mc:Choice xmlns:c14="http://schemas.microsoft.com/office/drawing/2007/8/2/chart" Requires="c14">
+      <c14:style val="102"/>
+    </mc:Choice>
+    <mc:Fallback>
+      <c:style val="2"/>
+    </mc:Fallback>
+  </mc:AlternateContent>
+  <c:chart>
+    <c:title>
+      <c:tx>
+        <c:rich>
+          <a:bodyPr/>
+          <a:lstStyle/>
+          <a:p>
+            <a:pPr>
+              <a:defRPr/>
+            </a:pPr>
+            <a:r>
+              <a:rPr lang="fr-FR" dirty="0" smtClean="0"/>
+              <a:t>Temps</a:t>
+            </a:r>
+            <a:r>
+              <a:rPr lang="fr-FR" baseline="0" dirty="0" smtClean="0"/>
+              <a:t> </a:t>
+            </a:r>
+            <a:r>
+              <a:rPr lang="fr-FR" baseline="0" dirty="0"/>
+              <a:t>des </a:t>
+            </a:r>
+            <a:r>
+              <a:rPr lang="fr-FR" baseline="0" dirty="0" smtClean="0"/>
+              <a:t>k-moyenne  </a:t>
+            </a:r>
+            <a:r>
+              <a:rPr lang="fr-FR" baseline="0" dirty="0"/>
+              <a:t>par niveau </a:t>
+            </a:r>
+            <a:r>
+              <a:rPr lang="fr-FR" baseline="0" dirty="0" smtClean="0"/>
+              <a:t>(Tendance)</a:t>
+            </a:r>
+            <a:endParaRPr lang="fr-FR" dirty="0"/>
+          </a:p>
+        </c:rich>
+      </c:tx>
+      <c:layout>
+        <c:manualLayout>
+          <c:xMode val="edge"/>
+          <c:yMode val="edge"/>
+          <c:x val="0.17407787266214692"/>
+          <c:y val="1.7075249144019106E-2"/>
+        </c:manualLayout>
+      </c:layout>
+      <c:overlay val="0"/>
+    </c:title>
+    <c:autoTitleDeleted val="0"/>
+    <c:plotArea>
+      <c:layout/>
+      <c:lineChart>
+        <c:grouping val="standard"/>
+        <c:varyColors val="0"/>
+        <c:ser>
+          <c:idx val="5"/>
+          <c:order val="0"/>
+          <c:tx>
+            <c:strRef>
+              <c:f>output_segmentation!$E$352</c:f>
+              <c:strCache>
+                <c:ptCount val="1"/>
+                <c:pt idx="0">
+                  <c:v>5</c:v>
+                </c:pt>
+              </c:strCache>
+            </c:strRef>
+          </c:tx>
+          <c:spPr>
+            <a:ln>
+              <a:solidFill>
+                <a:srgbClr val="7030A0"/>
+              </a:solidFill>
+            </a:ln>
+          </c:spPr>
+          <c:marker>
+            <c:symbol val="none"/>
+          </c:marker>
+          <c:cat>
+            <c:numRef>
+              <c:f>output_segmentation!$L$2:$L$11</c:f>
+              <c:numCache>
+                <c:formatCode>General</c:formatCode>
+                <c:ptCount val="10"/>
+                <c:pt idx="0">
+                  <c:v>0</c:v>
+                </c:pt>
+                <c:pt idx="1">
+                  <c:v>1</c:v>
+                </c:pt>
+                <c:pt idx="2">
+                  <c:v>2</c:v>
+                </c:pt>
+                <c:pt idx="3">
+                  <c:v>3</c:v>
+                </c:pt>
+                <c:pt idx="4">
+                  <c:v>4</c:v>
+                </c:pt>
+                <c:pt idx="5">
+                  <c:v>5</c:v>
+                </c:pt>
+                <c:pt idx="6">
+                  <c:v>6</c:v>
+                </c:pt>
+                <c:pt idx="7">
+                  <c:v>7</c:v>
+                </c:pt>
+                <c:pt idx="8">
+                  <c:v>8</c:v>
+                </c:pt>
+                <c:pt idx="9">
+                  <c:v>9</c:v>
+                </c:pt>
+              </c:numCache>
+            </c:numRef>
+          </c:cat>
+          <c:val>
+            <c:numRef>
+              <c:f>output_segmentation!$O$352:$O$360</c:f>
+              <c:numCache>
+                <c:formatCode>General</c:formatCode>
+                <c:ptCount val="9"/>
+                <c:pt idx="0">
+                  <c:v>9.5005400000000004E-2</c:v>
+                </c:pt>
+                <c:pt idx="1">
+                  <c:v>8.6004899999999995E-2</c:v>
+                </c:pt>
+                <c:pt idx="2">
+                  <c:v>7.00041E-2</c:v>
+                </c:pt>
+                <c:pt idx="3">
+                  <c:v>4.2002400000000002E-2</c:v>
+                </c:pt>
+                <c:pt idx="4">
+                  <c:v>4.8002799999999998E-2</c:v>
+                </c:pt>
+                <c:pt idx="5">
+                  <c:v>4.1002400000000001E-2</c:v>
+                </c:pt>
+                <c:pt idx="6">
+                  <c:v>4.0002299999999998E-2</c:v>
+                </c:pt>
+                <c:pt idx="7">
+                  <c:v>4.1002299999999998E-2</c:v>
+                </c:pt>
+                <c:pt idx="8">
+                  <c:v>4.3002600000000002E-2</c:v>
+                </c:pt>
+              </c:numCache>
+            </c:numRef>
+          </c:val>
+          <c:smooth val="0"/>
+        </c:ser>
+        <c:dLbls>
+          <c:showLegendKey val="0"/>
+          <c:showVal val="0"/>
+          <c:showCatName val="0"/>
+          <c:showSerName val="0"/>
+          <c:showPercent val="0"/>
+          <c:showBubbleSize val="0"/>
+        </c:dLbls>
+        <c:hiLowLines/>
+        <c:marker val="1"/>
+        <c:smooth val="0"/>
+        <c:axId val="135425536"/>
+        <c:axId val="121071872"/>
+      </c:lineChart>
+      <c:catAx>
+        <c:axId val="135425536"/>
+        <c:scaling>
+          <c:orientation val="minMax"/>
+        </c:scaling>
+        <c:delete val="0"/>
+        <c:axPos val="b"/>
+        <c:title>
+          <c:tx>
+            <c:rich>
+              <a:bodyPr/>
+              <a:lstStyle/>
+              <a:p>
+                <a:pPr>
+                  <a:defRPr/>
+                </a:pPr>
+                <a:r>
+                  <a:rPr lang="fr-FR"/>
+                  <a:t>niveau de lancement</a:t>
+                </a:r>
+              </a:p>
+            </c:rich>
+          </c:tx>
+          <c:overlay val="0"/>
+        </c:title>
+        <c:numFmt formatCode="General" sourceLinked="1"/>
+        <c:majorTickMark val="none"/>
+        <c:minorTickMark val="none"/>
+        <c:tickLblPos val="nextTo"/>
+        <c:crossAx val="121071872"/>
+        <c:crosses val="autoZero"/>
+        <c:auto val="1"/>
+        <c:lblAlgn val="ctr"/>
+        <c:lblOffset val="100"/>
+        <c:noMultiLvlLbl val="0"/>
+      </c:catAx>
+      <c:valAx>
+        <c:axId val="121071872"/>
+        <c:scaling>
+          <c:orientation val="minMax"/>
+        </c:scaling>
+        <c:delete val="0"/>
+        <c:axPos val="l"/>
+        <c:majorGridlines/>
+        <c:title>
+          <c:tx>
+            <c:rich>
+              <a:bodyPr/>
+              <a:lstStyle/>
+              <a:p>
+                <a:pPr>
+                  <a:defRPr/>
+                </a:pPr>
+                <a:r>
+                  <a:rPr lang="fr-FR"/>
+                  <a:t>temps en seconde</a:t>
+                </a:r>
+                <a:r>
+                  <a:rPr lang="fr-FR" baseline="0"/>
+                  <a:t> des k-moyennes (s)</a:t>
+                </a:r>
+              </a:p>
+            </c:rich>
+          </c:tx>
+          <c:overlay val="0"/>
+        </c:title>
+        <c:numFmt formatCode="General" sourceLinked="1"/>
+        <c:majorTickMark val="out"/>
+        <c:minorTickMark val="none"/>
+        <c:tickLblPos val="nextTo"/>
+        <c:crossAx val="135425536"/>
+        <c:crosses val="autoZero"/>
+        <c:crossBetween val="between"/>
+      </c:valAx>
+    </c:plotArea>
+    <c:plotVisOnly val="1"/>
+    <c:dispBlanksAs val="gap"/>
+    <c:showDLblsOverMax val="0"/>
+  </c:chart>
+  <c:externalData r:id="rId1">
+    <c:autoUpdate val="0"/>
+  </c:externalData>
+</c:chartSpace>
+</file>
+
 <file path=ppt/notesMasters/notesMaster1.xml><?xml version="1.0" encoding="utf-8"?>
 <p:notesMaster xmlns:a="http://schemas.openxmlformats.org/drawingml/2006/main" xmlns:r="http://schemas.openxmlformats.org/officeDocument/2006/relationships" xmlns:p="http://schemas.openxmlformats.org/presentationml/2006/main">
   <p:cSld>
@@ -204,7 +1333,7 @@
           <a:p>
             <a:fld id="{84153858-5C42-4737-9E63-98A692F29591}" type="datetimeFigureOut">
               <a:rPr lang="fr-FR" smtClean="0"/>
-              <a:t>09/03/2013</a:t>
+              <a:t>11/03/2013</a:t>
             </a:fld>
             <a:endParaRPr lang="fr-FR"/>
           </a:p>
@@ -516,6 +1645,54 @@
           <a:bodyPr/>
           <a:lstStyle/>
           <a:p>
+            <a:r>
+              <a:rPr lang="fr-FR" dirty="0" smtClean="0"/>
+              <a:t>Introduction</a:t>
+            </a:r>
+            <a:r>
+              <a:rPr lang="fr-FR" baseline="0" dirty="0" smtClean="0"/>
+              <a:t> : On parlera ici de l’importance du </a:t>
+            </a:r>
+            <a:r>
+              <a:rPr lang="fr-FR" baseline="0" dirty="0" err="1" smtClean="0"/>
+              <a:t>clustering</a:t>
+            </a:r>
+            <a:r>
+              <a:rPr lang="fr-FR" baseline="0" dirty="0" smtClean="0"/>
+              <a:t> dans le monde, les nombreux domaines qui en font usages</a:t>
+            </a:r>
+          </a:p>
+          <a:p>
+            <a:r>
+              <a:rPr lang="fr-FR" baseline="0" dirty="0" smtClean="0"/>
+              <a:t>Présentation : Ici on se placera dans le projet en expliquant les subtilités qui le définissent et surtout les objectifs a accomplir</a:t>
+            </a:r>
+          </a:p>
+          <a:p>
+            <a:r>
+              <a:rPr lang="fr-FR" baseline="0" dirty="0" smtClean="0"/>
+              <a:t>Etude théorique: On détaillera les phases de cette étude et surtout les points clés a vérifier pour valider les étapes afin de confirmer les objectifs.</a:t>
+            </a:r>
+          </a:p>
+          <a:p>
+            <a:r>
+              <a:rPr lang="fr-FR" baseline="0" dirty="0" smtClean="0"/>
+              <a:t>Résultats : </a:t>
+            </a:r>
+            <a:r>
+              <a:rPr lang="fr-FR" baseline="0" dirty="0" err="1" smtClean="0"/>
+              <a:t>serie</a:t>
+            </a:r>
+            <a:r>
+              <a:rPr lang="fr-FR" baseline="0" dirty="0" smtClean="0"/>
+              <a:t> de graphes issu de l’implémentation que nous avons faites et une tendance de ces derniers</a:t>
+            </a:r>
+          </a:p>
+          <a:p>
+            <a:r>
+              <a:rPr lang="fr-FR" baseline="0" dirty="0" smtClean="0"/>
+              <a:t>Conclusion : retour sur les objectifs et validations</a:t>
+            </a:r>
             <a:endParaRPr lang="fr-FR" dirty="0"/>
           </a:p>
         </p:txBody>
@@ -547,6 +1724,548 @@
     <p:extLst>
       <p:ext uri="{BB962C8B-B14F-4D97-AF65-F5344CB8AC3E}">
         <p14:creationId xmlns:p14="http://schemas.microsoft.com/office/powerpoint/2010/main" val="3994657738"/>
+      </p:ext>
+    </p:extLst>
+  </p:cSld>
+  <p:clrMapOvr>
+    <a:masterClrMapping/>
+  </p:clrMapOvr>
+</p:notes>
+</file>
+
+<file path=ppt/notesSlides/notesSlide10.xml><?xml version="1.0" encoding="utf-8"?>
+<p:notes xmlns:a="http://schemas.openxmlformats.org/drawingml/2006/main" xmlns:r="http://schemas.openxmlformats.org/officeDocument/2006/relationships" xmlns:p="http://schemas.openxmlformats.org/presentationml/2006/main">
+  <p:cSld>
+    <p:spTree>
+      <p:nvGrpSpPr>
+        <p:cNvPr id="1" name=""/>
+        <p:cNvGrpSpPr/>
+        <p:nvPr/>
+      </p:nvGrpSpPr>
+      <p:grpSpPr>
+        <a:xfrm>
+          <a:off x="0" y="0"/>
+          <a:ext cx="0" cy="0"/>
+          <a:chOff x="0" y="0"/>
+          <a:chExt cx="0" cy="0"/>
+        </a:xfrm>
+      </p:grpSpPr>
+      <p:sp>
+        <p:nvSpPr>
+          <p:cNvPr id="2" name="Espace réservé de l'image des diapositives 1"/>
+          <p:cNvSpPr>
+            <a:spLocks noGrp="1" noRot="1" noChangeAspect="1"/>
+          </p:cNvSpPr>
+          <p:nvPr>
+            <p:ph type="sldImg"/>
+          </p:nvPr>
+        </p:nvSpPr>
+        <p:spPr/>
+      </p:sp>
+      <p:sp>
+        <p:nvSpPr>
+          <p:cNvPr id="3" name="Espace réservé des commentaires 2"/>
+          <p:cNvSpPr>
+            <a:spLocks noGrp="1"/>
+          </p:cNvSpPr>
+          <p:nvPr>
+            <p:ph type="body" idx="1"/>
+          </p:nvPr>
+        </p:nvSpPr>
+        <p:spPr/>
+        <p:txBody>
+          <a:bodyPr/>
+          <a:lstStyle/>
+          <a:p>
+            <a:r>
+              <a:rPr lang="fr-FR" dirty="0" smtClean="0"/>
+              <a:t>On notera que</a:t>
+            </a:r>
+            <a:r>
+              <a:rPr lang="fr-FR" baseline="0" dirty="0" smtClean="0"/>
+              <a:t> cette phase </a:t>
+            </a:r>
+            <a:r>
+              <a:rPr lang="fr-FR" b="1" baseline="0" dirty="0" smtClean="0"/>
+              <a:t>dépends grandement de l’agrégation </a:t>
+            </a:r>
+            <a:r>
+              <a:rPr lang="fr-FR" baseline="0" dirty="0" smtClean="0"/>
+              <a:t>que l’on a fait. Et que par conséquent il est important de bien préparer les données dans le prétraitement pour tirer partie au maximum de la méthode multi-niveau.</a:t>
+            </a:r>
+          </a:p>
+          <a:p>
+            <a:endParaRPr lang="fr-FR" baseline="0" dirty="0" smtClean="0"/>
+          </a:p>
+          <a:p>
+            <a:r>
+              <a:rPr lang="fr-FR" baseline="0" dirty="0" smtClean="0"/>
+              <a:t>Le fait important dans cette partie est de bien vérifié qu’on utilise la bonne partition a chaque début de phase à savoir la partition obtenu lors de la fin de la phase précédente.</a:t>
+            </a:r>
+            <a:endParaRPr lang="fr-FR" dirty="0"/>
+          </a:p>
+        </p:txBody>
+      </p:sp>
+      <p:sp>
+        <p:nvSpPr>
+          <p:cNvPr id="4" name="Espace réservé du numéro de diapositive 3"/>
+          <p:cNvSpPr>
+            <a:spLocks noGrp="1"/>
+          </p:cNvSpPr>
+          <p:nvPr>
+            <p:ph type="sldNum" sz="quarter" idx="10"/>
+          </p:nvPr>
+        </p:nvSpPr>
+        <p:spPr/>
+        <p:txBody>
+          <a:bodyPr/>
+          <a:lstStyle/>
+          <a:p>
+            <a:fld id="{9CF81B6A-693D-4A09-9A1D-3BB859544963}" type="slidenum">
+              <a:rPr lang="fr-FR" smtClean="0"/>
+              <a:t>11</a:t>
+            </a:fld>
+            <a:endParaRPr lang="fr-FR"/>
+          </a:p>
+        </p:txBody>
+      </p:sp>
+    </p:spTree>
+    <p:extLst>
+      <p:ext uri="{BB962C8B-B14F-4D97-AF65-F5344CB8AC3E}">
+        <p14:creationId xmlns:p14="http://schemas.microsoft.com/office/powerpoint/2010/main" val="1125945939"/>
+      </p:ext>
+    </p:extLst>
+  </p:cSld>
+  <p:clrMapOvr>
+    <a:masterClrMapping/>
+  </p:clrMapOvr>
+</p:notes>
+</file>
+
+<file path=ppt/notesSlides/notesSlide11.xml><?xml version="1.0" encoding="utf-8"?>
+<p:notes xmlns:a="http://schemas.openxmlformats.org/drawingml/2006/main" xmlns:r="http://schemas.openxmlformats.org/officeDocument/2006/relationships" xmlns:p="http://schemas.openxmlformats.org/presentationml/2006/main">
+  <p:cSld>
+    <p:spTree>
+      <p:nvGrpSpPr>
+        <p:cNvPr id="1" name=""/>
+        <p:cNvGrpSpPr/>
+        <p:nvPr/>
+      </p:nvGrpSpPr>
+      <p:grpSpPr>
+        <a:xfrm>
+          <a:off x="0" y="0"/>
+          <a:ext cx="0" cy="0"/>
+          <a:chOff x="0" y="0"/>
+          <a:chExt cx="0" cy="0"/>
+        </a:xfrm>
+      </p:grpSpPr>
+      <p:sp>
+        <p:nvSpPr>
+          <p:cNvPr id="2" name="Espace réservé de l'image des diapositives 1"/>
+          <p:cNvSpPr>
+            <a:spLocks noGrp="1" noRot="1" noChangeAspect="1"/>
+          </p:cNvSpPr>
+          <p:nvPr>
+            <p:ph type="sldImg"/>
+          </p:nvPr>
+        </p:nvSpPr>
+        <p:spPr/>
+      </p:sp>
+      <p:sp>
+        <p:nvSpPr>
+          <p:cNvPr id="3" name="Espace réservé des commentaires 2"/>
+          <p:cNvSpPr>
+            <a:spLocks noGrp="1"/>
+          </p:cNvSpPr>
+          <p:nvPr>
+            <p:ph type="body" idx="1"/>
+          </p:nvPr>
+        </p:nvSpPr>
+        <p:spPr/>
+        <p:txBody>
+          <a:bodyPr/>
+          <a:lstStyle/>
+          <a:p>
+            <a:r>
+              <a:rPr lang="fr-FR" dirty="0" smtClean="0"/>
+              <a:t>Voici un exemple des résultats obtenus, on a ici 7 </a:t>
+            </a:r>
+            <a:r>
+              <a:rPr lang="fr-FR" dirty="0" err="1" smtClean="0"/>
+              <a:t>runs</a:t>
+            </a:r>
+            <a:r>
+              <a:rPr lang="fr-FR" dirty="0" smtClean="0"/>
+              <a:t> pour une instance de 2100 points(un</a:t>
+            </a:r>
+            <a:r>
+              <a:rPr lang="fr-FR" baseline="0" dirty="0" smtClean="0"/>
+              <a:t>e instance moyenne) pour 5 classes. On repère bien le coté stochastique de l’algorithme et donc l’</a:t>
+            </a:r>
+            <a:r>
+              <a:rPr lang="fr-FR" baseline="0" dirty="0" err="1" smtClean="0"/>
+              <a:t>interet</a:t>
+            </a:r>
+            <a:r>
+              <a:rPr lang="fr-FR" baseline="0" dirty="0" smtClean="0"/>
+              <a:t> d’effectuer </a:t>
+            </a:r>
+            <a:r>
+              <a:rPr lang="fr-FR" baseline="0" dirty="0" err="1" smtClean="0"/>
+              <a:t>plusieur</a:t>
+            </a:r>
+            <a:r>
+              <a:rPr lang="fr-FR" baseline="0" dirty="0" smtClean="0"/>
+              <a:t> </a:t>
+            </a:r>
+            <a:r>
+              <a:rPr lang="fr-FR" baseline="0" dirty="0" err="1" smtClean="0"/>
+              <a:t>run</a:t>
+            </a:r>
+            <a:r>
+              <a:rPr lang="fr-FR" baseline="0" dirty="0" smtClean="0"/>
+              <a:t> afin de pouvoir obtenir une tendance.</a:t>
+            </a:r>
+          </a:p>
+          <a:p>
+            <a:endParaRPr lang="fr-FR" baseline="0" dirty="0" smtClean="0"/>
+          </a:p>
+          <a:p>
+            <a:r>
+              <a:rPr lang="fr-FR" baseline="0" dirty="0" smtClean="0"/>
+              <a:t>Alors ce graphe rassemble la somme de tous les temps des résolutions des  k-moyennes lors du lancement d’une résolution au niveau X, par exemple la courbe rouge représente un </a:t>
+            </a:r>
+            <a:r>
+              <a:rPr lang="fr-FR" baseline="0" dirty="0" err="1" smtClean="0"/>
+              <a:t>run</a:t>
+            </a:r>
+            <a:r>
+              <a:rPr lang="fr-FR" baseline="0" dirty="0" smtClean="0"/>
+              <a:t> qui a construit 8 niveaux, on estime le temps du traitement au lancement a partir du 8eme niveau a 0.12s , a un lancement au 5eme niveau on a un temps de 0.04s au total. Sachant qu’au lancement au niveau 0 </a:t>
+            </a:r>
+            <a:r>
+              <a:rPr lang="fr-FR" baseline="0" dirty="0" err="1" smtClean="0"/>
+              <a:t>equivaut</a:t>
+            </a:r>
+            <a:r>
+              <a:rPr lang="fr-FR" baseline="0" dirty="0" smtClean="0"/>
+              <a:t> a l’application direct des </a:t>
+            </a:r>
+            <a:r>
+              <a:rPr lang="fr-FR" baseline="0" dirty="0" err="1" smtClean="0"/>
+              <a:t>k_moyennes</a:t>
+            </a:r>
+            <a:r>
+              <a:rPr lang="fr-FR" baseline="0" dirty="0" smtClean="0"/>
+              <a:t> sur les données du graphe initial (notre base de comparaison en somme).</a:t>
+            </a:r>
+          </a:p>
+          <a:p>
+            <a:endParaRPr lang="fr-FR" baseline="0" dirty="0" smtClean="0"/>
+          </a:p>
+          <a:p>
+            <a:endParaRPr lang="fr-FR" baseline="0" dirty="0" smtClean="0"/>
+          </a:p>
+          <a:p>
+            <a:r>
+              <a:rPr lang="fr-FR" baseline="0" dirty="0" smtClean="0"/>
+              <a:t> Ici on a clairement une tendance qui se dessine et qui est exploitable pour confirmer nos pensées sur le multi niveau.</a:t>
+            </a:r>
+            <a:endParaRPr lang="fr-FR" dirty="0"/>
+          </a:p>
+        </p:txBody>
+      </p:sp>
+      <p:sp>
+        <p:nvSpPr>
+          <p:cNvPr id="4" name="Espace réservé du numéro de diapositive 3"/>
+          <p:cNvSpPr>
+            <a:spLocks noGrp="1"/>
+          </p:cNvSpPr>
+          <p:nvPr>
+            <p:ph type="sldNum" sz="quarter" idx="10"/>
+          </p:nvPr>
+        </p:nvSpPr>
+        <p:spPr/>
+        <p:txBody>
+          <a:bodyPr/>
+          <a:lstStyle/>
+          <a:p>
+            <a:fld id="{9CF81B6A-693D-4A09-9A1D-3BB859544963}" type="slidenum">
+              <a:rPr lang="fr-FR" smtClean="0"/>
+              <a:t>12</a:t>
+            </a:fld>
+            <a:endParaRPr lang="fr-FR"/>
+          </a:p>
+        </p:txBody>
+      </p:sp>
+    </p:spTree>
+    <p:extLst>
+      <p:ext uri="{BB962C8B-B14F-4D97-AF65-F5344CB8AC3E}">
+        <p14:creationId xmlns:p14="http://schemas.microsoft.com/office/powerpoint/2010/main" val="1225693222"/>
+      </p:ext>
+    </p:extLst>
+  </p:cSld>
+  <p:clrMapOvr>
+    <a:masterClrMapping/>
+  </p:clrMapOvr>
+</p:notes>
+</file>
+
+<file path=ppt/notesSlides/notesSlide12.xml><?xml version="1.0" encoding="utf-8"?>
+<p:notes xmlns:a="http://schemas.openxmlformats.org/drawingml/2006/main" xmlns:r="http://schemas.openxmlformats.org/officeDocument/2006/relationships" xmlns:p="http://schemas.openxmlformats.org/presentationml/2006/main">
+  <p:cSld>
+    <p:spTree>
+      <p:nvGrpSpPr>
+        <p:cNvPr id="1" name=""/>
+        <p:cNvGrpSpPr/>
+        <p:nvPr/>
+      </p:nvGrpSpPr>
+      <p:grpSpPr>
+        <a:xfrm>
+          <a:off x="0" y="0"/>
+          <a:ext cx="0" cy="0"/>
+          <a:chOff x="0" y="0"/>
+          <a:chExt cx="0" cy="0"/>
+        </a:xfrm>
+      </p:grpSpPr>
+      <p:sp>
+        <p:nvSpPr>
+          <p:cNvPr id="2" name="Espace réservé de l'image des diapositives 1"/>
+          <p:cNvSpPr>
+            <a:spLocks noGrp="1" noRot="1" noChangeAspect="1"/>
+          </p:cNvSpPr>
+          <p:nvPr>
+            <p:ph type="sldImg"/>
+          </p:nvPr>
+        </p:nvSpPr>
+        <p:spPr/>
+      </p:sp>
+      <p:sp>
+        <p:nvSpPr>
+          <p:cNvPr id="3" name="Espace réservé des commentaires 2"/>
+          <p:cNvSpPr>
+            <a:spLocks noGrp="1"/>
+          </p:cNvSpPr>
+          <p:nvPr>
+            <p:ph type="body" idx="1"/>
+          </p:nvPr>
+        </p:nvSpPr>
+        <p:spPr/>
+        <p:txBody>
+          <a:bodyPr/>
+          <a:lstStyle/>
+          <a:p>
+            <a:r>
+              <a:rPr lang="fr-FR" dirty="0" smtClean="0"/>
+              <a:t>Voici la tendance légitime</a:t>
+            </a:r>
+            <a:r>
+              <a:rPr lang="fr-FR" baseline="0" dirty="0" smtClean="0"/>
+              <a:t> qu’on tire de nos observations qui nous permet de conclure une baisse du temps de calcul des lors que l’on augmente le nombre de niveau, jusqu’à ce que l’on stagne sur une durée qui semble </a:t>
+            </a:r>
+            <a:r>
+              <a:rPr lang="fr-FR" baseline="0" dirty="0" err="1" smtClean="0"/>
+              <a:t>etre</a:t>
+            </a:r>
+            <a:r>
+              <a:rPr lang="fr-FR" baseline="0" dirty="0" smtClean="0"/>
+              <a:t> une borne supérieure de niveau. Un point intéressant qu’une optimisation futur pourrait exploiter pour rendre encore plus efficace cette méthode. </a:t>
+            </a:r>
+            <a:endParaRPr lang="fr-FR" dirty="0"/>
+          </a:p>
+        </p:txBody>
+      </p:sp>
+      <p:sp>
+        <p:nvSpPr>
+          <p:cNvPr id="4" name="Espace réservé du numéro de diapositive 3"/>
+          <p:cNvSpPr>
+            <a:spLocks noGrp="1"/>
+          </p:cNvSpPr>
+          <p:nvPr>
+            <p:ph type="sldNum" sz="quarter" idx="10"/>
+          </p:nvPr>
+        </p:nvSpPr>
+        <p:spPr/>
+        <p:txBody>
+          <a:bodyPr/>
+          <a:lstStyle/>
+          <a:p>
+            <a:fld id="{9CF81B6A-693D-4A09-9A1D-3BB859544963}" type="slidenum">
+              <a:rPr lang="fr-FR" smtClean="0"/>
+              <a:t>13</a:t>
+            </a:fld>
+            <a:endParaRPr lang="fr-FR"/>
+          </a:p>
+        </p:txBody>
+      </p:sp>
+    </p:spTree>
+    <p:extLst>
+      <p:ext uri="{BB962C8B-B14F-4D97-AF65-F5344CB8AC3E}">
+        <p14:creationId xmlns:p14="http://schemas.microsoft.com/office/powerpoint/2010/main" val="1225693222"/>
+      </p:ext>
+    </p:extLst>
+  </p:cSld>
+  <p:clrMapOvr>
+    <a:masterClrMapping/>
+  </p:clrMapOvr>
+</p:notes>
+</file>
+
+<file path=ppt/notesSlides/notesSlide13.xml><?xml version="1.0" encoding="utf-8"?>
+<p:notes xmlns:a="http://schemas.openxmlformats.org/drawingml/2006/main" xmlns:r="http://schemas.openxmlformats.org/officeDocument/2006/relationships" xmlns:p="http://schemas.openxmlformats.org/presentationml/2006/main">
+  <p:cSld>
+    <p:spTree>
+      <p:nvGrpSpPr>
+        <p:cNvPr id="1" name=""/>
+        <p:cNvGrpSpPr/>
+        <p:nvPr/>
+      </p:nvGrpSpPr>
+      <p:grpSpPr>
+        <a:xfrm>
+          <a:off x="0" y="0"/>
+          <a:ext cx="0" cy="0"/>
+          <a:chOff x="0" y="0"/>
+          <a:chExt cx="0" cy="0"/>
+        </a:xfrm>
+      </p:grpSpPr>
+      <p:sp>
+        <p:nvSpPr>
+          <p:cNvPr id="2" name="Espace réservé de l'image des diapositives 1"/>
+          <p:cNvSpPr>
+            <a:spLocks noGrp="1" noRot="1" noChangeAspect="1"/>
+          </p:cNvSpPr>
+          <p:nvPr>
+            <p:ph type="sldImg"/>
+          </p:nvPr>
+        </p:nvSpPr>
+        <p:spPr/>
+      </p:sp>
+      <p:sp>
+        <p:nvSpPr>
+          <p:cNvPr id="3" name="Espace réservé des commentaires 2"/>
+          <p:cNvSpPr>
+            <a:spLocks noGrp="1"/>
+          </p:cNvSpPr>
+          <p:nvPr>
+            <p:ph type="body" idx="1"/>
+          </p:nvPr>
+        </p:nvSpPr>
+        <p:spPr/>
+        <p:txBody>
+          <a:bodyPr/>
+          <a:lstStyle/>
+          <a:p>
+            <a:r>
+              <a:rPr lang="fr-FR" dirty="0" smtClean="0"/>
+              <a:t>D’</a:t>
+            </a:r>
+            <a:r>
+              <a:rPr lang="fr-FR" dirty="0" err="1" smtClean="0"/>
+              <a:t>apres</a:t>
+            </a:r>
+            <a:r>
+              <a:rPr lang="fr-FR" dirty="0" smtClean="0"/>
+              <a:t> cette tendance on peut conclure </a:t>
+            </a:r>
+            <a:r>
+              <a:rPr lang="fr-FR" dirty="0" err="1" smtClean="0"/>
+              <a:t>aisement</a:t>
+            </a:r>
+            <a:r>
+              <a:rPr lang="fr-FR" dirty="0" smtClean="0"/>
+              <a:t> que</a:t>
+            </a:r>
+            <a:r>
+              <a:rPr lang="fr-FR" baseline="0" dirty="0" smtClean="0"/>
+              <a:t> les </a:t>
+            </a:r>
+            <a:r>
+              <a:rPr lang="fr-FR" b="1" baseline="0" dirty="0" smtClean="0"/>
+              <a:t>recherches dans ce domaine est légitime</a:t>
+            </a:r>
+            <a:r>
+              <a:rPr lang="fr-FR" baseline="0" dirty="0" smtClean="0"/>
+              <a:t>, d’autant que la </a:t>
+            </a:r>
+            <a:r>
+              <a:rPr lang="fr-FR" b="1" baseline="0" dirty="0" smtClean="0"/>
+              <a:t>théorie valide une tel méthode sur des graphes dis creux </a:t>
+            </a:r>
+            <a:r>
+              <a:rPr lang="fr-FR" baseline="0" dirty="0" smtClean="0"/>
+              <a:t>et que </a:t>
+            </a:r>
+            <a:r>
+              <a:rPr lang="fr-FR" b="1" baseline="0" dirty="0" smtClean="0"/>
+              <a:t>nos données construit plutôt des graphes complets</a:t>
+            </a:r>
+            <a:r>
+              <a:rPr lang="fr-FR" baseline="0" dirty="0" smtClean="0"/>
+              <a:t>. Cependant dans cette étude nous ne considérons pas </a:t>
+            </a:r>
+            <a:r>
+              <a:rPr lang="fr-FR" b="1" baseline="0" dirty="0" smtClean="0"/>
+              <a:t>le temps des </a:t>
+            </a:r>
+            <a:r>
+              <a:rPr lang="fr-FR" b="1" baseline="0" dirty="0" err="1" smtClean="0"/>
+              <a:t>prémière</a:t>
+            </a:r>
+            <a:r>
+              <a:rPr lang="fr-FR" b="1" baseline="0" dirty="0" smtClean="0"/>
+              <a:t> phases </a:t>
+            </a:r>
+            <a:r>
+              <a:rPr lang="fr-FR" baseline="0" dirty="0" smtClean="0"/>
+              <a:t>(agrégation et partitionnement initial) comme étant partie prenante de la méthode générale. Donc il nous reste dans le futur de cette méthode à optimiser au </a:t>
+            </a:r>
+            <a:r>
+              <a:rPr lang="fr-FR" baseline="0" dirty="0" err="1" smtClean="0"/>
+              <a:t>mieu</a:t>
+            </a:r>
+            <a:r>
+              <a:rPr lang="fr-FR" baseline="0" dirty="0" smtClean="0"/>
+              <a:t> ces </a:t>
+            </a:r>
+            <a:r>
+              <a:rPr lang="fr-FR" baseline="0" dirty="0" err="1" smtClean="0"/>
+              <a:t>premieres</a:t>
+            </a:r>
+            <a:r>
+              <a:rPr lang="fr-FR" baseline="0" dirty="0" smtClean="0"/>
+              <a:t> phase pour rendre l’algorithme général bien plus efficace que l’application direct des K-moyennes sur le graphe initial.</a:t>
+            </a:r>
+            <a:endParaRPr lang="fr-FR" dirty="0"/>
+          </a:p>
+        </p:txBody>
+      </p:sp>
+      <p:sp>
+        <p:nvSpPr>
+          <p:cNvPr id="4" name="Espace réservé du numéro de diapositive 3"/>
+          <p:cNvSpPr>
+            <a:spLocks noGrp="1"/>
+          </p:cNvSpPr>
+          <p:nvPr>
+            <p:ph type="sldNum" sz="quarter" idx="10"/>
+          </p:nvPr>
+        </p:nvSpPr>
+        <p:spPr/>
+        <p:txBody>
+          <a:bodyPr/>
+          <a:lstStyle/>
+          <a:p>
+            <a:fld id="{9CF81B6A-693D-4A09-9A1D-3BB859544963}" type="slidenum">
+              <a:rPr lang="fr-FR" smtClean="0"/>
+              <a:t>14</a:t>
+            </a:fld>
+            <a:endParaRPr lang="fr-FR"/>
+          </a:p>
+        </p:txBody>
+      </p:sp>
+    </p:spTree>
+    <p:extLst>
+      <p:ext uri="{BB962C8B-B14F-4D97-AF65-F5344CB8AC3E}">
+        <p14:creationId xmlns:p14="http://schemas.microsoft.com/office/powerpoint/2010/main" val="656848499"/>
       </p:ext>
     </p:extLst>
   </p:cSld>
@@ -600,13 +2319,392 @@
           <a:bodyPr/>
           <a:lstStyle/>
           <a:p>
+            <a:endParaRPr lang="fr-FR" dirty="0" smtClean="0"/>
+          </a:p>
+          <a:p>
+            <a:endParaRPr lang="fr-FR" dirty="0" smtClean="0"/>
+          </a:p>
+          <a:p>
             <a:r>
               <a:rPr lang="fr-FR" dirty="0" smtClean="0"/>
-              <a:t>K variant de 20</a:t>
+              <a:t>Exemple de partitionnement en imagerie basé sur la colorimétrie</a:t>
             </a:r>
             <a:r>
               <a:rPr lang="fr-FR" baseline="0" dirty="0" smtClean="0"/>
-              <a:t> , 10 , 5 pour conserver un nb de niveau raisonnable suivant la valeur du Nb de classes</a:t>
+              <a:t> de l’image</a:t>
+            </a:r>
+            <a:endParaRPr lang="fr-FR" dirty="0"/>
+          </a:p>
+        </p:txBody>
+      </p:sp>
+      <p:sp>
+        <p:nvSpPr>
+          <p:cNvPr id="4" name="Espace réservé du numéro de diapositive 3"/>
+          <p:cNvSpPr>
+            <a:spLocks noGrp="1"/>
+          </p:cNvSpPr>
+          <p:nvPr>
+            <p:ph type="sldNum" sz="quarter" idx="10"/>
+          </p:nvPr>
+        </p:nvSpPr>
+        <p:spPr/>
+        <p:txBody>
+          <a:bodyPr/>
+          <a:lstStyle/>
+          <a:p>
+            <a:fld id="{9CF81B6A-693D-4A09-9A1D-3BB859544963}" type="slidenum">
+              <a:rPr lang="fr-FR" smtClean="0"/>
+              <a:t>3</a:t>
+            </a:fld>
+            <a:endParaRPr lang="fr-FR"/>
+          </a:p>
+        </p:txBody>
+      </p:sp>
+    </p:spTree>
+    <p:extLst>
+      <p:ext uri="{BB962C8B-B14F-4D97-AF65-F5344CB8AC3E}">
+        <p14:creationId xmlns:p14="http://schemas.microsoft.com/office/powerpoint/2010/main" val="1451519408"/>
+      </p:ext>
+    </p:extLst>
+  </p:cSld>
+  <p:clrMapOvr>
+    <a:masterClrMapping/>
+  </p:clrMapOvr>
+</p:notes>
+</file>
+
+<file path=ppt/notesSlides/notesSlide3.xml><?xml version="1.0" encoding="utf-8"?>
+<p:notes xmlns:a="http://schemas.openxmlformats.org/drawingml/2006/main" xmlns:r="http://schemas.openxmlformats.org/officeDocument/2006/relationships" xmlns:p="http://schemas.openxmlformats.org/presentationml/2006/main">
+  <p:cSld>
+    <p:spTree>
+      <p:nvGrpSpPr>
+        <p:cNvPr id="1" name=""/>
+        <p:cNvGrpSpPr/>
+        <p:nvPr/>
+      </p:nvGrpSpPr>
+      <p:grpSpPr>
+        <a:xfrm>
+          <a:off x="0" y="0"/>
+          <a:ext cx="0" cy="0"/>
+          <a:chOff x="0" y="0"/>
+          <a:chExt cx="0" cy="0"/>
+        </a:xfrm>
+      </p:grpSpPr>
+      <p:sp>
+        <p:nvSpPr>
+          <p:cNvPr id="2" name="Espace réservé de l'image des diapositives 1"/>
+          <p:cNvSpPr>
+            <a:spLocks noGrp="1" noRot="1" noChangeAspect="1"/>
+          </p:cNvSpPr>
+          <p:nvPr>
+            <p:ph type="sldImg"/>
+          </p:nvPr>
+        </p:nvSpPr>
+        <p:spPr/>
+      </p:sp>
+      <p:sp>
+        <p:nvSpPr>
+          <p:cNvPr id="3" name="Espace réservé des commentaires 2"/>
+          <p:cNvSpPr>
+            <a:spLocks noGrp="1"/>
+          </p:cNvSpPr>
+          <p:nvPr>
+            <p:ph type="body" idx="1"/>
+          </p:nvPr>
+        </p:nvSpPr>
+        <p:spPr/>
+        <p:txBody>
+          <a:bodyPr/>
+          <a:lstStyle/>
+          <a:p>
+            <a:r>
+              <a:rPr lang="fr-FR" dirty="0" smtClean="0"/>
+              <a:t>Notre projet se dotera de la dernière</a:t>
+            </a:r>
+            <a:r>
+              <a:rPr lang="fr-FR" baseline="0" dirty="0" smtClean="0"/>
+              <a:t> version du langage </a:t>
+            </a:r>
+            <a:r>
+              <a:rPr lang="fr-FR" b="1" baseline="0" dirty="0" smtClean="0"/>
+              <a:t>C++ a savoir la </a:t>
+            </a:r>
+            <a:r>
+              <a:rPr lang="fr-FR" b="1" baseline="0" dirty="0" err="1" smtClean="0"/>
+              <a:t>verison</a:t>
+            </a:r>
+            <a:r>
+              <a:rPr lang="fr-FR" b="1" baseline="0" dirty="0" smtClean="0"/>
+              <a:t> 11 </a:t>
+            </a:r>
+            <a:r>
+              <a:rPr lang="fr-FR" baseline="0" dirty="0" smtClean="0"/>
+              <a:t>, nous chercherons à adapter une bibliothèque préexistante qui partitionne une série de données en K classes par la méthode des </a:t>
+            </a:r>
+            <a:r>
+              <a:rPr lang="fr-FR" b="1" baseline="0" dirty="0" smtClean="0"/>
+              <a:t>k-moyennes</a:t>
+            </a:r>
+            <a:r>
+              <a:rPr lang="fr-FR" b="0" baseline="0" dirty="0" smtClean="0"/>
+              <a:t> en une nouvelle méthode qui utilisera le principe de </a:t>
+            </a:r>
+            <a:r>
+              <a:rPr lang="fr-FR" b="1" baseline="0" dirty="0" smtClean="0"/>
+              <a:t>Multi-niveaux</a:t>
+            </a:r>
+            <a:r>
+              <a:rPr lang="fr-FR" b="0" baseline="0" dirty="0" smtClean="0"/>
+              <a:t>. Nous noterons que cet algorithme est une </a:t>
+            </a:r>
+            <a:r>
+              <a:rPr lang="fr-FR" b="1" baseline="0" dirty="0" smtClean="0"/>
+              <a:t>heuristique</a:t>
+            </a:r>
+            <a:r>
+              <a:rPr lang="fr-FR" b="0" baseline="0" dirty="0" smtClean="0"/>
+              <a:t> et que par conséquent</a:t>
+            </a:r>
+            <a:r>
+              <a:rPr lang="fr-FR" b="1" baseline="0" dirty="0" smtClean="0"/>
+              <a:t> </a:t>
+            </a:r>
+            <a:r>
+              <a:rPr lang="fr-FR" b="0" baseline="0" dirty="0" smtClean="0"/>
+              <a:t>les résultats seront issus de plusieurs </a:t>
+            </a:r>
+            <a:r>
+              <a:rPr lang="fr-FR" b="0" baseline="0" dirty="0" err="1" smtClean="0"/>
+              <a:t>run</a:t>
+            </a:r>
+            <a:r>
+              <a:rPr lang="fr-FR" b="0" baseline="0" dirty="0" smtClean="0"/>
+              <a:t> afin de pouvoir tirer une tendance afin de pouvoir conclure. Par ailleurs, les données que nous chercherons a partitionner sont le fruit de </a:t>
+            </a:r>
+            <a:r>
+              <a:rPr lang="fr-FR" b="1" baseline="0" dirty="0" smtClean="0"/>
+              <a:t>données réelles </a:t>
+            </a:r>
+            <a:r>
+              <a:rPr lang="fr-FR" b="0" baseline="0" dirty="0" smtClean="0"/>
+              <a:t> qui ont certaines propriétés que l’on exploitera pas pour </a:t>
+            </a:r>
+            <a:r>
+              <a:rPr lang="fr-FR" b="0" baseline="0" dirty="0" err="1" smtClean="0"/>
+              <a:t>accelérer</a:t>
+            </a:r>
+            <a:r>
+              <a:rPr lang="fr-FR" b="0" baseline="0" dirty="0" smtClean="0"/>
+              <a:t> les méthodes (par exemple un pré-partitionnement).</a:t>
+            </a:r>
+            <a:endParaRPr lang="fr-FR" b="1" baseline="0" dirty="0" smtClean="0"/>
+          </a:p>
+        </p:txBody>
+      </p:sp>
+      <p:sp>
+        <p:nvSpPr>
+          <p:cNvPr id="4" name="Espace réservé du numéro de diapositive 3"/>
+          <p:cNvSpPr>
+            <a:spLocks noGrp="1"/>
+          </p:cNvSpPr>
+          <p:nvPr>
+            <p:ph type="sldNum" sz="quarter" idx="10"/>
+          </p:nvPr>
+        </p:nvSpPr>
+        <p:spPr/>
+        <p:txBody>
+          <a:bodyPr/>
+          <a:lstStyle/>
+          <a:p>
+            <a:fld id="{9CF81B6A-693D-4A09-9A1D-3BB859544963}" type="slidenum">
+              <a:rPr lang="fr-FR" smtClean="0"/>
+              <a:t>4</a:t>
+            </a:fld>
+            <a:endParaRPr lang="fr-FR"/>
+          </a:p>
+        </p:txBody>
+      </p:sp>
+    </p:spTree>
+    <p:extLst>
+      <p:ext uri="{BB962C8B-B14F-4D97-AF65-F5344CB8AC3E}">
+        <p14:creationId xmlns:p14="http://schemas.microsoft.com/office/powerpoint/2010/main" val="797247537"/>
+      </p:ext>
+    </p:extLst>
+  </p:cSld>
+  <p:clrMapOvr>
+    <a:masterClrMapping/>
+  </p:clrMapOvr>
+</p:notes>
+</file>
+
+<file path=ppt/notesSlides/notesSlide4.xml><?xml version="1.0" encoding="utf-8"?>
+<p:notes xmlns:a="http://schemas.openxmlformats.org/drawingml/2006/main" xmlns:r="http://schemas.openxmlformats.org/officeDocument/2006/relationships" xmlns:p="http://schemas.openxmlformats.org/presentationml/2006/main">
+  <p:cSld>
+    <p:spTree>
+      <p:nvGrpSpPr>
+        <p:cNvPr id="1" name=""/>
+        <p:cNvGrpSpPr/>
+        <p:nvPr/>
+      </p:nvGrpSpPr>
+      <p:grpSpPr>
+        <a:xfrm>
+          <a:off x="0" y="0"/>
+          <a:ext cx="0" cy="0"/>
+          <a:chOff x="0" y="0"/>
+          <a:chExt cx="0" cy="0"/>
+        </a:xfrm>
+      </p:grpSpPr>
+      <p:sp>
+        <p:nvSpPr>
+          <p:cNvPr id="2" name="Espace réservé de l'image des diapositives 1"/>
+          <p:cNvSpPr>
+            <a:spLocks noGrp="1" noRot="1" noChangeAspect="1"/>
+          </p:cNvSpPr>
+          <p:nvPr>
+            <p:ph type="sldImg"/>
+          </p:nvPr>
+        </p:nvSpPr>
+        <p:spPr/>
+      </p:sp>
+      <p:sp>
+        <p:nvSpPr>
+          <p:cNvPr id="3" name="Espace réservé des commentaires 2"/>
+          <p:cNvSpPr>
+            <a:spLocks noGrp="1"/>
+          </p:cNvSpPr>
+          <p:nvPr>
+            <p:ph type="body" idx="1"/>
+          </p:nvPr>
+        </p:nvSpPr>
+        <p:spPr/>
+        <p:txBody>
+          <a:bodyPr/>
+          <a:lstStyle/>
+          <a:p>
+            <a:r>
+              <a:rPr lang="fr-FR" dirty="0" smtClean="0"/>
+              <a:t>Petite phrase de transition</a:t>
+            </a:r>
+            <a:r>
+              <a:rPr lang="fr-FR" baseline="0" dirty="0" smtClean="0"/>
+              <a:t> pour annoncer l’étude théorique</a:t>
+            </a:r>
+            <a:endParaRPr lang="fr-FR" dirty="0"/>
+          </a:p>
+        </p:txBody>
+      </p:sp>
+      <p:sp>
+        <p:nvSpPr>
+          <p:cNvPr id="4" name="Espace réservé du numéro de diapositive 3"/>
+          <p:cNvSpPr>
+            <a:spLocks noGrp="1"/>
+          </p:cNvSpPr>
+          <p:nvPr>
+            <p:ph type="sldNum" sz="quarter" idx="10"/>
+          </p:nvPr>
+        </p:nvSpPr>
+        <p:spPr/>
+        <p:txBody>
+          <a:bodyPr/>
+          <a:lstStyle/>
+          <a:p>
+            <a:fld id="{9CF81B6A-693D-4A09-9A1D-3BB859544963}" type="slidenum">
+              <a:rPr lang="fr-FR" smtClean="0"/>
+              <a:t>5</a:t>
+            </a:fld>
+            <a:endParaRPr lang="fr-FR"/>
+          </a:p>
+        </p:txBody>
+      </p:sp>
+    </p:spTree>
+    <p:extLst>
+      <p:ext uri="{BB962C8B-B14F-4D97-AF65-F5344CB8AC3E}">
+        <p14:creationId xmlns:p14="http://schemas.microsoft.com/office/powerpoint/2010/main" val="952848584"/>
+      </p:ext>
+    </p:extLst>
+  </p:cSld>
+  <p:clrMapOvr>
+    <a:masterClrMapping/>
+  </p:clrMapOvr>
+</p:notes>
+</file>
+
+<file path=ppt/notesSlides/notesSlide5.xml><?xml version="1.0" encoding="utf-8"?>
+<p:notes xmlns:a="http://schemas.openxmlformats.org/drawingml/2006/main" xmlns:r="http://schemas.openxmlformats.org/officeDocument/2006/relationships" xmlns:p="http://schemas.openxmlformats.org/presentationml/2006/main">
+  <p:cSld>
+    <p:spTree>
+      <p:nvGrpSpPr>
+        <p:cNvPr id="1" name=""/>
+        <p:cNvGrpSpPr/>
+        <p:nvPr/>
+      </p:nvGrpSpPr>
+      <p:grpSpPr>
+        <a:xfrm>
+          <a:off x="0" y="0"/>
+          <a:ext cx="0" cy="0"/>
+          <a:chOff x="0" y="0"/>
+          <a:chExt cx="0" cy="0"/>
+        </a:xfrm>
+      </p:grpSpPr>
+      <p:sp>
+        <p:nvSpPr>
+          <p:cNvPr id="2" name="Espace réservé de l'image des diapositives 1"/>
+          <p:cNvSpPr>
+            <a:spLocks noGrp="1" noRot="1" noChangeAspect="1"/>
+          </p:cNvSpPr>
+          <p:nvPr>
+            <p:ph type="sldImg"/>
+          </p:nvPr>
+        </p:nvSpPr>
+        <p:spPr/>
+      </p:sp>
+      <p:sp>
+        <p:nvSpPr>
+          <p:cNvPr id="3" name="Espace réservé des commentaires 2"/>
+          <p:cNvSpPr>
+            <a:spLocks noGrp="1"/>
+          </p:cNvSpPr>
+          <p:nvPr>
+            <p:ph type="body" idx="1"/>
+          </p:nvPr>
+        </p:nvSpPr>
+        <p:spPr/>
+        <p:txBody>
+          <a:bodyPr/>
+          <a:lstStyle/>
+          <a:p>
+            <a:r>
+              <a:rPr lang="fr-FR" dirty="0" smtClean="0"/>
+              <a:t>Comme le décrit le</a:t>
+            </a:r>
+            <a:r>
+              <a:rPr lang="fr-FR" baseline="0" dirty="0" smtClean="0"/>
+              <a:t> rapport le principe du multi-</a:t>
+            </a:r>
+            <a:r>
+              <a:rPr lang="fr-FR" baseline="0" dirty="0" err="1" smtClean="0"/>
+              <a:t>level</a:t>
+            </a:r>
+            <a:r>
+              <a:rPr lang="fr-FR" baseline="0" dirty="0" smtClean="0"/>
+              <a:t> est un prétraitement des données avant le partitionnement par une méthode d’agrégation des données afin d’accélérer la résolution des k-moyenne car on le rappel, cette méthode est bien plus rapide sur des graphes de petite taille.</a:t>
+            </a:r>
+          </a:p>
+          <a:p>
+            <a:endParaRPr lang="fr-FR" baseline="0" dirty="0" smtClean="0"/>
+          </a:p>
+          <a:p>
+            <a:r>
+              <a:rPr lang="fr-FR" baseline="0" dirty="0" smtClean="0"/>
+              <a:t>Voici un exemple simple afin de décrire ce phénomène basé sur une réduction par 3 étapes afin de construire 4 niveaux. Le choix de la réduction est régis par une fonction qui définit a chaque étapes quel point sont a fusionner, cette fonction peut </a:t>
+            </a:r>
+            <a:r>
+              <a:rPr lang="fr-FR" baseline="0" dirty="0" err="1" smtClean="0"/>
+              <a:t>etre</a:t>
+            </a:r>
+            <a:r>
+              <a:rPr lang="fr-FR" baseline="0" dirty="0" smtClean="0"/>
+              <a:t> basé sur des distances ou sur d’autres propriétés des observations. On lancera par la suite, à chaque niveau , en remontant jusqu’au graphe initial, notre phase de partitionnement appelé : raffinement.   </a:t>
             </a:r>
             <a:endParaRPr lang="fr-FR" dirty="0"/>
           </a:p>
@@ -638,7 +2736,571 @@
     </p:spTree>
     <p:extLst>
       <p:ext uri="{BB962C8B-B14F-4D97-AF65-F5344CB8AC3E}">
+        <p14:creationId xmlns:p14="http://schemas.microsoft.com/office/powerpoint/2010/main" val="2576028669"/>
+      </p:ext>
+    </p:extLst>
+  </p:cSld>
+  <p:clrMapOvr>
+    <a:masterClrMapping/>
+  </p:clrMapOvr>
+</p:notes>
+</file>
+
+<file path=ppt/notesSlides/notesSlide6.xml><?xml version="1.0" encoding="utf-8"?>
+<p:notes xmlns:a="http://schemas.openxmlformats.org/drawingml/2006/main" xmlns:r="http://schemas.openxmlformats.org/officeDocument/2006/relationships" xmlns:p="http://schemas.openxmlformats.org/presentationml/2006/main">
+  <p:cSld>
+    <p:spTree>
+      <p:nvGrpSpPr>
+        <p:cNvPr id="1" name=""/>
+        <p:cNvGrpSpPr/>
+        <p:nvPr/>
+      </p:nvGrpSpPr>
+      <p:grpSpPr>
+        <a:xfrm>
+          <a:off x="0" y="0"/>
+          <a:ext cx="0" cy="0"/>
+          <a:chOff x="0" y="0"/>
+          <a:chExt cx="0" cy="0"/>
+        </a:xfrm>
+      </p:grpSpPr>
+      <p:sp>
+        <p:nvSpPr>
+          <p:cNvPr id="2" name="Espace réservé de l'image des diapositives 1"/>
+          <p:cNvSpPr>
+            <a:spLocks noGrp="1" noRot="1" noChangeAspect="1"/>
+          </p:cNvSpPr>
+          <p:nvPr>
+            <p:ph type="sldImg"/>
+          </p:nvPr>
+        </p:nvSpPr>
+        <p:spPr/>
+      </p:sp>
+      <p:sp>
+        <p:nvSpPr>
+          <p:cNvPr id="3" name="Espace réservé des commentaires 2"/>
+          <p:cNvSpPr>
+            <a:spLocks noGrp="1"/>
+          </p:cNvSpPr>
+          <p:nvPr>
+            <p:ph type="body" idx="1"/>
+          </p:nvPr>
+        </p:nvSpPr>
+        <p:spPr/>
+        <p:txBody>
+          <a:bodyPr/>
+          <a:lstStyle/>
+          <a:p>
+            <a:r>
+              <a:rPr lang="fr-FR" dirty="0" smtClean="0"/>
+              <a:t>Dans</a:t>
+            </a:r>
+            <a:r>
+              <a:rPr lang="fr-FR" baseline="0" dirty="0" smtClean="0"/>
+              <a:t> notre cas, on se basera sur une </a:t>
+            </a:r>
+            <a:r>
+              <a:rPr lang="fr-FR" b="1" baseline="0" dirty="0" smtClean="0"/>
+              <a:t>distance euclidienne</a:t>
+            </a:r>
+            <a:r>
+              <a:rPr lang="fr-FR" b="0" baseline="0" dirty="0" smtClean="0"/>
+              <a:t>, en sélectionnant </a:t>
+            </a:r>
+            <a:r>
+              <a:rPr lang="fr-FR" b="1" baseline="0" dirty="0" smtClean="0"/>
+              <a:t>les H plus proches voisins</a:t>
+            </a:r>
+            <a:r>
+              <a:rPr lang="fr-FR" b="0" baseline="0" dirty="0" smtClean="0"/>
+              <a:t> avec comme point d’</a:t>
+            </a:r>
+            <a:r>
+              <a:rPr lang="fr-FR" b="0" baseline="0" dirty="0" err="1" smtClean="0"/>
+              <a:t>arret</a:t>
+            </a:r>
+            <a:r>
+              <a:rPr lang="fr-FR" b="0" baseline="0" dirty="0" smtClean="0"/>
+              <a:t> un nb de point restant inférieur </a:t>
+            </a:r>
+            <a:r>
+              <a:rPr lang="fr-FR" b="1" baseline="0" dirty="0" smtClean="0"/>
+              <a:t>a K * le </a:t>
+            </a:r>
+            <a:r>
+              <a:rPr lang="fr-FR" b="1" baseline="0" dirty="0" err="1" smtClean="0"/>
+              <a:t>Nb_de</a:t>
+            </a:r>
+            <a:r>
+              <a:rPr lang="fr-FR" b="1" baseline="0" dirty="0" smtClean="0"/>
+              <a:t> classe </a:t>
+            </a:r>
+            <a:r>
+              <a:rPr lang="fr-FR" b="0" baseline="0" dirty="0" smtClean="0"/>
+              <a:t>qu’on souhaiterais construire , où H et K seraient des valeurs en fonction du nombre total des observations. Dans l’état , on </a:t>
+            </a:r>
+            <a:r>
+              <a:rPr lang="fr-FR" b="0" baseline="0" dirty="0" err="1" smtClean="0"/>
+              <a:t>reduit</a:t>
+            </a:r>
+            <a:r>
+              <a:rPr lang="fr-FR" b="0" baseline="0" dirty="0" smtClean="0"/>
+              <a:t> par deux le nombre de données par niveau.</a:t>
+            </a:r>
+            <a:endParaRPr lang="fr-FR" b="1" dirty="0" smtClean="0"/>
+          </a:p>
+          <a:p>
+            <a:endParaRPr lang="fr-FR" dirty="0" smtClean="0"/>
+          </a:p>
+          <a:p>
+            <a:r>
+              <a:rPr lang="fr-FR" dirty="0" smtClean="0"/>
+              <a:t>Cependant</a:t>
+            </a:r>
+            <a:r>
+              <a:rPr lang="fr-FR" baseline="0" dirty="0" smtClean="0"/>
+              <a:t>, dans cette étape il est important de choisir </a:t>
+            </a:r>
+            <a:r>
+              <a:rPr lang="fr-FR" b="1" baseline="0" dirty="0" smtClean="0"/>
+              <a:t>H et K de manière a avoir un Nb de niveau convenable </a:t>
+            </a:r>
+            <a:r>
+              <a:rPr lang="fr-FR" b="0" baseline="0" dirty="0" smtClean="0"/>
+              <a:t> car il faut </a:t>
+            </a:r>
+            <a:r>
+              <a:rPr lang="fr-FR" b="0" baseline="0" dirty="0" err="1" smtClean="0"/>
+              <a:t>mieu</a:t>
+            </a:r>
+            <a:r>
+              <a:rPr lang="fr-FR" b="0" baseline="0" dirty="0" smtClean="0"/>
+              <a:t> </a:t>
+            </a:r>
+            <a:r>
+              <a:rPr lang="fr-FR" b="0" baseline="0" dirty="0" err="1" smtClean="0"/>
+              <a:t>préferer</a:t>
+            </a:r>
+            <a:r>
+              <a:rPr lang="fr-FR" b="0" baseline="0" dirty="0" smtClean="0"/>
+              <a:t> </a:t>
+            </a:r>
+            <a:r>
+              <a:rPr lang="fr-FR" b="1" baseline="0" dirty="0" smtClean="0"/>
+              <a:t>peu de niveau que effectuer une mauvaise agrégation</a:t>
+            </a:r>
+            <a:r>
+              <a:rPr lang="fr-FR" b="0" baseline="0" dirty="0" smtClean="0"/>
+              <a:t> qui pénaliserait grandement la suite du processus .</a:t>
+            </a:r>
+            <a:endParaRPr lang="fr-FR" b="1" dirty="0" smtClean="0"/>
+          </a:p>
+        </p:txBody>
+      </p:sp>
+      <p:sp>
+        <p:nvSpPr>
+          <p:cNvPr id="4" name="Espace réservé du numéro de diapositive 3"/>
+          <p:cNvSpPr>
+            <a:spLocks noGrp="1"/>
+          </p:cNvSpPr>
+          <p:nvPr>
+            <p:ph type="sldNum" sz="quarter" idx="10"/>
+          </p:nvPr>
+        </p:nvSpPr>
+        <p:spPr/>
+        <p:txBody>
+          <a:bodyPr/>
+          <a:lstStyle/>
+          <a:p>
+            <a:fld id="{9CF81B6A-693D-4A09-9A1D-3BB859544963}" type="slidenum">
+              <a:rPr lang="fr-FR" smtClean="0"/>
+              <a:t>7</a:t>
+            </a:fld>
+            <a:endParaRPr lang="fr-FR"/>
+          </a:p>
+        </p:txBody>
+      </p:sp>
+    </p:spTree>
+    <p:extLst>
+      <p:ext uri="{BB962C8B-B14F-4D97-AF65-F5344CB8AC3E}">
         <p14:creationId xmlns:p14="http://schemas.microsoft.com/office/powerpoint/2010/main" val="914776798"/>
+      </p:ext>
+    </p:extLst>
+  </p:cSld>
+  <p:clrMapOvr>
+    <a:masterClrMapping/>
+  </p:clrMapOvr>
+</p:notes>
+</file>
+
+<file path=ppt/notesSlides/notesSlide7.xml><?xml version="1.0" encoding="utf-8"?>
+<p:notes xmlns:a="http://schemas.openxmlformats.org/drawingml/2006/main" xmlns:r="http://schemas.openxmlformats.org/officeDocument/2006/relationships" xmlns:p="http://schemas.openxmlformats.org/presentationml/2006/main">
+  <p:cSld>
+    <p:spTree>
+      <p:nvGrpSpPr>
+        <p:cNvPr id="1" name=""/>
+        <p:cNvGrpSpPr/>
+        <p:nvPr/>
+      </p:nvGrpSpPr>
+      <p:grpSpPr>
+        <a:xfrm>
+          <a:off x="0" y="0"/>
+          <a:ext cx="0" cy="0"/>
+          <a:chOff x="0" y="0"/>
+          <a:chExt cx="0" cy="0"/>
+        </a:xfrm>
+      </p:grpSpPr>
+      <p:sp>
+        <p:nvSpPr>
+          <p:cNvPr id="2" name="Espace réservé de l'image des diapositives 1"/>
+          <p:cNvSpPr>
+            <a:spLocks noGrp="1" noRot="1" noChangeAspect="1"/>
+          </p:cNvSpPr>
+          <p:nvPr>
+            <p:ph type="sldImg"/>
+          </p:nvPr>
+        </p:nvSpPr>
+        <p:spPr/>
+      </p:sp>
+      <p:sp>
+        <p:nvSpPr>
+          <p:cNvPr id="3" name="Espace réservé des commentaires 2"/>
+          <p:cNvSpPr>
+            <a:spLocks noGrp="1"/>
+          </p:cNvSpPr>
+          <p:nvPr>
+            <p:ph type="body" idx="1"/>
+          </p:nvPr>
+        </p:nvSpPr>
+        <p:spPr/>
+        <p:txBody>
+          <a:bodyPr/>
+          <a:lstStyle/>
+          <a:p>
+            <a:r>
+              <a:rPr lang="fr-FR" dirty="0" smtClean="0"/>
+              <a:t>Ensuite</a:t>
+            </a:r>
+            <a:r>
+              <a:rPr lang="fr-FR" baseline="0" dirty="0" smtClean="0"/>
+              <a:t> on génère aléatoirement une partition sans prendre garde de la valeur de l’objectif, On pourrait ici tiré partit des caractéristique des données réelles pour avoir une bonne approche de partitionnement initial mais ce n’est pas notre travail de ces 6 derniers mois. Un point d’optimisation pour le futur.</a:t>
+            </a:r>
+            <a:endParaRPr lang="fr-FR" dirty="0"/>
+          </a:p>
+        </p:txBody>
+      </p:sp>
+      <p:sp>
+        <p:nvSpPr>
+          <p:cNvPr id="4" name="Espace réservé du numéro de diapositive 3"/>
+          <p:cNvSpPr>
+            <a:spLocks noGrp="1"/>
+          </p:cNvSpPr>
+          <p:nvPr>
+            <p:ph type="sldNum" sz="quarter" idx="10"/>
+          </p:nvPr>
+        </p:nvSpPr>
+        <p:spPr/>
+        <p:txBody>
+          <a:bodyPr/>
+          <a:lstStyle/>
+          <a:p>
+            <a:fld id="{9CF81B6A-693D-4A09-9A1D-3BB859544963}" type="slidenum">
+              <a:rPr lang="fr-FR" smtClean="0"/>
+              <a:t>8</a:t>
+            </a:fld>
+            <a:endParaRPr lang="fr-FR"/>
+          </a:p>
+        </p:txBody>
+      </p:sp>
+    </p:spTree>
+    <p:extLst>
+      <p:ext uri="{BB962C8B-B14F-4D97-AF65-F5344CB8AC3E}">
+        <p14:creationId xmlns:p14="http://schemas.microsoft.com/office/powerpoint/2010/main" val="2887335302"/>
+      </p:ext>
+    </p:extLst>
+  </p:cSld>
+  <p:clrMapOvr>
+    <a:masterClrMapping/>
+  </p:clrMapOvr>
+</p:notes>
+</file>
+
+<file path=ppt/notesSlides/notesSlide8.xml><?xml version="1.0" encoding="utf-8"?>
+<p:notes xmlns:a="http://schemas.openxmlformats.org/drawingml/2006/main" xmlns:r="http://schemas.openxmlformats.org/officeDocument/2006/relationships" xmlns:p="http://schemas.openxmlformats.org/presentationml/2006/main">
+  <p:cSld>
+    <p:spTree>
+      <p:nvGrpSpPr>
+        <p:cNvPr id="1" name=""/>
+        <p:cNvGrpSpPr/>
+        <p:nvPr/>
+      </p:nvGrpSpPr>
+      <p:grpSpPr>
+        <a:xfrm>
+          <a:off x="0" y="0"/>
+          <a:ext cx="0" cy="0"/>
+          <a:chOff x="0" y="0"/>
+          <a:chExt cx="0" cy="0"/>
+        </a:xfrm>
+      </p:grpSpPr>
+      <p:sp>
+        <p:nvSpPr>
+          <p:cNvPr id="2" name="Espace réservé de l'image des diapositives 1"/>
+          <p:cNvSpPr>
+            <a:spLocks noGrp="1" noRot="1" noChangeAspect="1"/>
+          </p:cNvSpPr>
+          <p:nvPr>
+            <p:ph type="sldImg"/>
+          </p:nvPr>
+        </p:nvSpPr>
+        <p:spPr/>
+      </p:sp>
+      <p:sp>
+        <p:nvSpPr>
+          <p:cNvPr id="3" name="Espace réservé des commentaires 2"/>
+          <p:cNvSpPr>
+            <a:spLocks noGrp="1"/>
+          </p:cNvSpPr>
+          <p:nvPr>
+            <p:ph type="body" idx="1"/>
+          </p:nvPr>
+        </p:nvSpPr>
+        <p:spPr/>
+        <p:txBody>
+          <a:bodyPr/>
+          <a:lstStyle/>
+          <a:p>
+            <a:r>
+              <a:rPr lang="fr-FR" dirty="0" smtClean="0"/>
+              <a:t>Par contre… Dans cette partie</a:t>
+            </a:r>
+            <a:r>
+              <a:rPr lang="fr-FR" baseline="0" dirty="0" smtClean="0"/>
+              <a:t> il faut vérifier qu’on conserve bien entendu </a:t>
+            </a:r>
+            <a:r>
+              <a:rPr lang="fr-FR" b="1" baseline="0" dirty="0" smtClean="0"/>
+              <a:t>la même partition</a:t>
+            </a:r>
+            <a:r>
+              <a:rPr lang="fr-FR" baseline="0" dirty="0" smtClean="0"/>
+              <a:t> quand on effectue les tests sur un </a:t>
+            </a:r>
+            <a:r>
+              <a:rPr lang="fr-FR" baseline="0" dirty="0" err="1" smtClean="0"/>
+              <a:t>meme</a:t>
+            </a:r>
+            <a:r>
+              <a:rPr lang="fr-FR" baseline="0" dirty="0" smtClean="0"/>
+              <a:t> </a:t>
+            </a:r>
+            <a:r>
+              <a:rPr lang="fr-FR" baseline="0" dirty="0" err="1" smtClean="0"/>
+              <a:t>run</a:t>
+            </a:r>
+            <a:r>
+              <a:rPr lang="fr-FR" baseline="0" dirty="0" smtClean="0"/>
+              <a:t> pour tester l’influence du niveau de départ.</a:t>
+            </a:r>
+          </a:p>
+          <a:p>
+            <a:r>
+              <a:rPr lang="fr-FR" baseline="0" dirty="0" smtClean="0"/>
+              <a:t>Et </a:t>
+            </a:r>
+            <a:r>
+              <a:rPr lang="fr-FR" baseline="0" dirty="0" err="1" smtClean="0"/>
+              <a:t>biensur</a:t>
+            </a:r>
+            <a:r>
+              <a:rPr lang="fr-FR" baseline="0" dirty="0" smtClean="0"/>
+              <a:t>, faire le faire varier pour les autres </a:t>
+            </a:r>
+            <a:r>
+              <a:rPr lang="fr-FR" baseline="0" dirty="0" err="1" smtClean="0"/>
+              <a:t>runs</a:t>
+            </a:r>
+            <a:r>
+              <a:rPr lang="fr-FR" baseline="0" dirty="0" smtClean="0"/>
+              <a:t>.</a:t>
+            </a:r>
+            <a:endParaRPr lang="fr-FR" dirty="0"/>
+          </a:p>
+        </p:txBody>
+      </p:sp>
+      <p:sp>
+        <p:nvSpPr>
+          <p:cNvPr id="4" name="Espace réservé du numéro de diapositive 3"/>
+          <p:cNvSpPr>
+            <a:spLocks noGrp="1"/>
+          </p:cNvSpPr>
+          <p:nvPr>
+            <p:ph type="sldNum" sz="quarter" idx="10"/>
+          </p:nvPr>
+        </p:nvSpPr>
+        <p:spPr/>
+        <p:txBody>
+          <a:bodyPr/>
+          <a:lstStyle/>
+          <a:p>
+            <a:fld id="{9CF81B6A-693D-4A09-9A1D-3BB859544963}" type="slidenum">
+              <a:rPr lang="fr-FR" smtClean="0"/>
+              <a:t>9</a:t>
+            </a:fld>
+            <a:endParaRPr lang="fr-FR"/>
+          </a:p>
+        </p:txBody>
+      </p:sp>
+    </p:spTree>
+    <p:extLst>
+      <p:ext uri="{BB962C8B-B14F-4D97-AF65-F5344CB8AC3E}">
+        <p14:creationId xmlns:p14="http://schemas.microsoft.com/office/powerpoint/2010/main" val="1946990060"/>
+      </p:ext>
+    </p:extLst>
+  </p:cSld>
+  <p:clrMapOvr>
+    <a:masterClrMapping/>
+  </p:clrMapOvr>
+</p:notes>
+</file>
+
+<file path=ppt/notesSlides/notesSlide9.xml><?xml version="1.0" encoding="utf-8"?>
+<p:notes xmlns:a="http://schemas.openxmlformats.org/drawingml/2006/main" xmlns:r="http://schemas.openxmlformats.org/officeDocument/2006/relationships" xmlns:p="http://schemas.openxmlformats.org/presentationml/2006/main">
+  <p:cSld>
+    <p:spTree>
+      <p:nvGrpSpPr>
+        <p:cNvPr id="1" name=""/>
+        <p:cNvGrpSpPr/>
+        <p:nvPr/>
+      </p:nvGrpSpPr>
+      <p:grpSpPr>
+        <a:xfrm>
+          <a:off x="0" y="0"/>
+          <a:ext cx="0" cy="0"/>
+          <a:chOff x="0" y="0"/>
+          <a:chExt cx="0" cy="0"/>
+        </a:xfrm>
+      </p:grpSpPr>
+      <p:sp>
+        <p:nvSpPr>
+          <p:cNvPr id="2" name="Espace réservé de l'image des diapositives 1"/>
+          <p:cNvSpPr>
+            <a:spLocks noGrp="1" noRot="1" noChangeAspect="1"/>
+          </p:cNvSpPr>
+          <p:nvPr>
+            <p:ph type="sldImg"/>
+          </p:nvPr>
+        </p:nvSpPr>
+        <p:spPr/>
+      </p:sp>
+      <p:sp>
+        <p:nvSpPr>
+          <p:cNvPr id="3" name="Espace réservé des commentaires 2"/>
+          <p:cNvSpPr>
+            <a:spLocks noGrp="1"/>
+          </p:cNvSpPr>
+          <p:nvPr>
+            <p:ph type="body" idx="1"/>
+          </p:nvPr>
+        </p:nvSpPr>
+        <p:spPr/>
+        <p:txBody>
+          <a:bodyPr/>
+          <a:lstStyle/>
+          <a:p>
+            <a:r>
+              <a:rPr lang="fr-FR" dirty="0" smtClean="0"/>
+              <a:t>Dans cette partie,</a:t>
+            </a:r>
+            <a:r>
+              <a:rPr lang="fr-FR" baseline="0" dirty="0" smtClean="0"/>
+              <a:t> on va expliquer ce qui se passe lors de la phase de raffinement</a:t>
+            </a:r>
+          </a:p>
+          <a:p>
+            <a:endParaRPr lang="fr-FR" baseline="0" dirty="0" smtClean="0"/>
+          </a:p>
+          <a:p>
+            <a:r>
+              <a:rPr lang="fr-FR" baseline="0" dirty="0" smtClean="0"/>
+              <a:t>On démarre a un niveau , ici 3 , et on applique sur le graphe actuel la méthode des K-moyenne pour obtenir un « bon partitionnement  » pour ce graphe. Ensuite on passe au graphe de niveau 2 en désagrégeant de la </a:t>
+            </a:r>
+            <a:r>
+              <a:rPr lang="fr-FR" baseline="0" dirty="0" err="1" smtClean="0"/>
+              <a:t>meme</a:t>
+            </a:r>
+            <a:r>
+              <a:rPr lang="fr-FR" baseline="0" dirty="0" smtClean="0"/>
+              <a:t> manière qu’on était passer du graphe du niveau 2 au niveau 3 lors de l’agrégation, et on colle sur ce nouveau graphe le </a:t>
+            </a:r>
+            <a:r>
+              <a:rPr lang="fr-FR" baseline="0" dirty="0" err="1" smtClean="0"/>
+              <a:t>meme</a:t>
+            </a:r>
+            <a:r>
+              <a:rPr lang="fr-FR" baseline="0" dirty="0" smtClean="0"/>
+              <a:t> </a:t>
+            </a:r>
+            <a:r>
+              <a:rPr lang="fr-FR" baseline="0" dirty="0" err="1" smtClean="0"/>
+              <a:t>partionnement</a:t>
+            </a:r>
+            <a:r>
+              <a:rPr lang="fr-FR" baseline="0" dirty="0" smtClean="0"/>
+              <a:t> qu’on a trouvé au niveau précédents en considérant que tous les points d’un super sommet appartienne a la même classe que le </a:t>
+            </a:r>
+            <a:r>
+              <a:rPr lang="fr-FR" baseline="0" dirty="0" err="1" smtClean="0"/>
+              <a:t>supersommet</a:t>
+            </a:r>
+            <a:r>
+              <a:rPr lang="fr-FR" baseline="0" dirty="0" smtClean="0"/>
+              <a:t>. La dessus on réapplique les k-moyennes qui remodifie(mais de manière légère) le </a:t>
+            </a:r>
+            <a:r>
+              <a:rPr lang="fr-FR" baseline="0" dirty="0" err="1" smtClean="0"/>
+              <a:t>partionnement</a:t>
+            </a:r>
+            <a:r>
+              <a:rPr lang="fr-FR" baseline="0" dirty="0" smtClean="0"/>
+              <a:t> en </a:t>
+            </a:r>
+            <a:r>
+              <a:rPr lang="fr-FR" baseline="0" dirty="0" err="1" smtClean="0"/>
+              <a:t>réaffectuant</a:t>
+            </a:r>
+            <a:r>
+              <a:rPr lang="fr-FR" baseline="0" dirty="0" smtClean="0"/>
+              <a:t> les points a la meilleur classe qui lui convient. Ainsi de suite jusqu’au graphe initial.</a:t>
+            </a:r>
+          </a:p>
+        </p:txBody>
+      </p:sp>
+      <p:sp>
+        <p:nvSpPr>
+          <p:cNvPr id="4" name="Espace réservé du numéro de diapositive 3"/>
+          <p:cNvSpPr>
+            <a:spLocks noGrp="1"/>
+          </p:cNvSpPr>
+          <p:nvPr>
+            <p:ph type="sldNum" sz="quarter" idx="10"/>
+          </p:nvPr>
+        </p:nvSpPr>
+        <p:spPr/>
+        <p:txBody>
+          <a:bodyPr/>
+          <a:lstStyle/>
+          <a:p>
+            <a:fld id="{9CF81B6A-693D-4A09-9A1D-3BB859544963}" type="slidenum">
+              <a:rPr lang="fr-FR" smtClean="0"/>
+              <a:t>10</a:t>
+            </a:fld>
+            <a:endParaRPr lang="fr-FR"/>
+          </a:p>
+        </p:txBody>
+      </p:sp>
+    </p:spTree>
+    <p:extLst>
+      <p:ext uri="{BB962C8B-B14F-4D97-AF65-F5344CB8AC3E}">
+        <p14:creationId xmlns:p14="http://schemas.microsoft.com/office/powerpoint/2010/main" val="606698287"/>
       </p:ext>
     </p:extLst>
   </p:cSld>
@@ -816,7 +3478,7 @@
           <a:p>
             <a:fld id="{5BECF28A-961C-40F0-86FE-D4A0F2B923EB}" type="datetime1">
               <a:rPr lang="fr-FR" smtClean="0"/>
-              <a:t>09/03/2013</a:t>
+              <a:t>11/03/2013</a:t>
             </a:fld>
             <a:endParaRPr lang="fr-FR"/>
           </a:p>
@@ -981,7 +3643,7 @@
           <a:p>
             <a:fld id="{E2310903-8430-42A3-B46F-82CCB2319E4A}" type="datetime1">
               <a:rPr lang="fr-FR" smtClean="0"/>
-              <a:t>09/03/2013</a:t>
+              <a:t>11/03/2013</a:t>
             </a:fld>
             <a:endParaRPr lang="fr-FR"/>
           </a:p>
@@ -1156,7 +3818,7 @@
           <a:p>
             <a:fld id="{045E1E8F-362E-460D-913B-5B41815CAA38}" type="datetime1">
               <a:rPr lang="fr-FR" smtClean="0"/>
-              <a:t>09/03/2013</a:t>
+              <a:t>11/03/2013</a:t>
             </a:fld>
             <a:endParaRPr lang="fr-FR"/>
           </a:p>
@@ -1321,7 +3983,7 @@
           <a:p>
             <a:fld id="{3F4A6872-72A1-4990-8DA5-AC8DCC02B2FD}" type="datetime1">
               <a:rPr lang="fr-FR" smtClean="0"/>
-              <a:t>09/03/2013</a:t>
+              <a:t>11/03/2013</a:t>
             </a:fld>
             <a:endParaRPr lang="fr-FR"/>
           </a:p>
@@ -1558,7 +4220,7 @@
           <a:p>
             <a:fld id="{AC87282C-A0EE-4936-97ED-C33B1869C294}" type="datetime1">
               <a:rPr lang="fr-FR" smtClean="0"/>
-              <a:t>09/03/2013</a:t>
+              <a:t>11/03/2013</a:t>
             </a:fld>
             <a:endParaRPr lang="fr-FR"/>
           </a:p>
@@ -1822,7 +4484,7 @@
           <a:p>
             <a:fld id="{99C3405A-D10A-4026-8896-0D3B0948454F}" type="datetime1">
               <a:rPr lang="fr-FR" smtClean="0"/>
-              <a:t>09/03/2013</a:t>
+              <a:t>11/03/2013</a:t>
             </a:fld>
             <a:endParaRPr lang="fr-FR"/>
           </a:p>
@@ -2200,7 +4862,7 @@
           <a:p>
             <a:fld id="{F604A74B-D6CD-40A9-84C3-6A9AA6563B56}" type="datetime1">
               <a:rPr lang="fr-FR" smtClean="0"/>
-              <a:t>09/03/2013</a:t>
+              <a:t>11/03/2013</a:t>
             </a:fld>
             <a:endParaRPr lang="fr-FR"/>
           </a:p>
@@ -2350,7 +5012,7 @@
           <a:p>
             <a:fld id="{3B1D31FE-F265-4900-8B57-8612E78ED14D}" type="datetime1">
               <a:rPr lang="fr-FR" smtClean="0"/>
-              <a:t>09/03/2013</a:t>
+              <a:t>11/03/2013</a:t>
             </a:fld>
             <a:endParaRPr lang="fr-FR"/>
           </a:p>
@@ -2440,7 +5102,7 @@
           <a:p>
             <a:fld id="{6D584B46-F975-4E4E-956E-44838D900733}" type="datetime1">
               <a:rPr lang="fr-FR" smtClean="0"/>
-              <a:t>09/03/2013</a:t>
+              <a:t>11/03/2013</a:t>
             </a:fld>
             <a:endParaRPr lang="fr-FR"/>
           </a:p>
@@ -2701,7 +5363,7 @@
           <a:p>
             <a:fld id="{8FA4A58C-1EEA-4F98-BA38-043E0512F7C6}" type="datetime1">
               <a:rPr lang="fr-FR" smtClean="0"/>
-              <a:t>09/03/2013</a:t>
+              <a:t>11/03/2013</a:t>
             </a:fld>
             <a:endParaRPr lang="fr-FR"/>
           </a:p>
@@ -2989,7 +5651,7 @@
           <a:p>
             <a:fld id="{F7900F7D-A084-41D0-9278-2618F8CF30C3}" type="datetime1">
               <a:rPr lang="fr-FR" smtClean="0"/>
-              <a:t>09/03/2013</a:t>
+              <a:t>11/03/2013</a:t>
             </a:fld>
             <a:endParaRPr lang="fr-FR"/>
           </a:p>
@@ -3763,7 +6425,7 @@
           <a:p>
             <a:fld id="{68FFDFF1-D346-4B45-99D2-B2FA1CC82298}" type="datetime1">
               <a:rPr lang="fr-FR" smtClean="0"/>
-              <a:t>09/03/2013</a:t>
+              <a:t>11/03/2013</a:t>
             </a:fld>
             <a:endParaRPr lang="fr-FR"/>
           </a:p>
@@ -4504,15 +7166,15 @@
         </p:nvSpPr>
         <p:spPr>
           <a:xfrm>
-            <a:off x="4211960" y="4848361"/>
-            <a:ext cx="4572000" cy="1200329"/>
+            <a:off x="3419872" y="4848361"/>
+            <a:ext cx="5148064" cy="923330"/>
           </a:xfrm>
           <a:prstGeom prst="rect">
             <a:avLst/>
           </a:prstGeom>
         </p:spPr>
         <p:txBody>
-          <a:bodyPr>
+          <a:bodyPr wrap="square">
             <a:spAutoFit/>
           </a:bodyPr>
           <a:lstStyle/>
@@ -4520,7 +7182,7 @@
             <a:pPr algn="r"/>
             <a:r>
               <a:rPr lang="fr-FR" dirty="0" smtClean="0"/>
-              <a:t>Encadré (tuteur ISIMA) par Philippe MAHEY  Proposé et Encadré par M. Manuel Ruiz</a:t>
+              <a:t>Encadré (tuteur ISIMA) par M. Philippe MAHEY  Proposé et Encadré par M. Manuel Ruiz</a:t>
             </a:r>
           </a:p>
           <a:p>
@@ -4651,6 +7313,895 @@
             <a:fld id="{A6C779B1-47AE-4282-925F-478598739DA8}" type="slidenum">
               <a:rPr lang="fr-FR" sz="2000" smtClean="0"/>
               <a:t>10</a:t>
+            </a:fld>
+            <a:endParaRPr lang="fr-FR" sz="2000" dirty="0"/>
+          </a:p>
+        </p:txBody>
+      </p:sp>
+      <p:grpSp>
+        <p:nvGrpSpPr>
+          <p:cNvPr id="32" name="Groupe 31"/>
+          <p:cNvGrpSpPr/>
+          <p:nvPr/>
+        </p:nvGrpSpPr>
+        <p:grpSpPr>
+          <a:xfrm>
+            <a:off x="251520" y="2564904"/>
+            <a:ext cx="8568952" cy="3430939"/>
+            <a:chOff x="827584" y="2564904"/>
+            <a:chExt cx="7632848" cy="3430939"/>
+          </a:xfrm>
+        </p:grpSpPr>
+        <p:grpSp>
+          <p:nvGrpSpPr>
+            <p:cNvPr id="36" name="Groupe 35"/>
+            <p:cNvGrpSpPr/>
+            <p:nvPr/>
+          </p:nvGrpSpPr>
+          <p:grpSpPr>
+            <a:xfrm>
+              <a:off x="827584" y="2564904"/>
+              <a:ext cx="7632848" cy="720080"/>
+              <a:chOff x="961233" y="2420888"/>
+              <a:chExt cx="7128792" cy="720080"/>
+            </a:xfrm>
+          </p:grpSpPr>
+          <p:sp>
+            <p:nvSpPr>
+              <p:cNvPr id="59" name="Flèche droite 58"/>
+              <p:cNvSpPr/>
+              <p:nvPr/>
+            </p:nvSpPr>
+            <p:spPr>
+              <a:xfrm>
+                <a:off x="961233" y="2780928"/>
+                <a:ext cx="7128792" cy="360040"/>
+              </a:xfrm>
+              <a:prstGeom prst="rightArrow">
+                <a:avLst/>
+              </a:prstGeom>
+            </p:spPr>
+            <p:style>
+              <a:lnRef idx="2">
+                <a:schemeClr val="accent1">
+                  <a:shade val="50000"/>
+                </a:schemeClr>
+              </a:lnRef>
+              <a:fillRef idx="1">
+                <a:schemeClr val="accent1"/>
+              </a:fillRef>
+              <a:effectRef idx="0">
+                <a:schemeClr val="accent1"/>
+              </a:effectRef>
+              <a:fontRef idx="minor">
+                <a:schemeClr val="lt1"/>
+              </a:fontRef>
+            </p:style>
+            <p:txBody>
+              <a:bodyPr rtlCol="0" anchor="ctr"/>
+              <a:lstStyle/>
+              <a:p>
+                <a:pPr algn="ctr"/>
+                <a:endParaRPr lang="fr-FR"/>
+              </a:p>
+            </p:txBody>
+          </p:sp>
+          <p:sp>
+            <p:nvSpPr>
+              <p:cNvPr id="60" name="ZoneTexte 59"/>
+              <p:cNvSpPr txBox="1"/>
+              <p:nvPr/>
+            </p:nvSpPr>
+            <p:spPr>
+              <a:xfrm>
+                <a:off x="961233" y="2420888"/>
+                <a:ext cx="6707111" cy="369332"/>
+              </a:xfrm>
+              <a:prstGeom prst="rect">
+                <a:avLst/>
+              </a:prstGeom>
+              <a:noFill/>
+            </p:spPr>
+            <p:txBody>
+              <a:bodyPr wrap="square" rtlCol="0">
+                <a:spAutoFit/>
+              </a:bodyPr>
+              <a:lstStyle/>
+              <a:p>
+                <a:pPr algn="ctr"/>
+                <a:r>
+                  <a:rPr lang="fr-FR" dirty="0" smtClean="0"/>
+                  <a:t>Restitution des données par raffinement</a:t>
+                </a:r>
+                <a:endParaRPr lang="fr-FR" dirty="0"/>
+              </a:p>
+            </p:txBody>
+          </p:sp>
+        </p:grpSp>
+        <p:grpSp>
+          <p:nvGrpSpPr>
+            <p:cNvPr id="37" name="Groupe 36"/>
+            <p:cNvGrpSpPr/>
+            <p:nvPr/>
+          </p:nvGrpSpPr>
+          <p:grpSpPr>
+            <a:xfrm>
+              <a:off x="961233" y="5266471"/>
+              <a:ext cx="7128792" cy="729372"/>
+              <a:chOff x="961233" y="5331148"/>
+              <a:chExt cx="5480990" cy="729372"/>
+            </a:xfrm>
+          </p:grpSpPr>
+          <p:grpSp>
+            <p:nvGrpSpPr>
+              <p:cNvPr id="43" name="Groupe 42"/>
+              <p:cNvGrpSpPr/>
+              <p:nvPr/>
+            </p:nvGrpSpPr>
+            <p:grpSpPr>
+              <a:xfrm>
+                <a:off x="961233" y="5331148"/>
+                <a:ext cx="4104871" cy="729372"/>
+                <a:chOff x="1115616" y="5340440"/>
+                <a:chExt cx="4104871" cy="729372"/>
+              </a:xfrm>
+            </p:grpSpPr>
+            <p:grpSp>
+              <p:nvGrpSpPr>
+                <p:cNvPr id="50" name="Groupe 49"/>
+                <p:cNvGrpSpPr/>
+                <p:nvPr/>
+              </p:nvGrpSpPr>
+              <p:grpSpPr>
+                <a:xfrm>
+                  <a:off x="1115616" y="5349732"/>
+                  <a:ext cx="1296145" cy="720080"/>
+                  <a:chOff x="837949" y="2420888"/>
+                  <a:chExt cx="7252076" cy="720080"/>
+                </a:xfrm>
+              </p:grpSpPr>
+              <p:sp>
+                <p:nvSpPr>
+                  <p:cNvPr id="57" name="Flèche droite 56"/>
+                  <p:cNvSpPr/>
+                  <p:nvPr/>
+                </p:nvSpPr>
+                <p:spPr>
+                  <a:xfrm>
+                    <a:off x="961233" y="2780928"/>
+                    <a:ext cx="7128792" cy="360040"/>
+                  </a:xfrm>
+                  <a:prstGeom prst="rightArrow">
+                    <a:avLst/>
+                  </a:prstGeom>
+                </p:spPr>
+                <p:style>
+                  <a:lnRef idx="2">
+                    <a:schemeClr val="accent1">
+                      <a:shade val="50000"/>
+                    </a:schemeClr>
+                  </a:lnRef>
+                  <a:fillRef idx="1">
+                    <a:schemeClr val="accent1"/>
+                  </a:fillRef>
+                  <a:effectRef idx="0">
+                    <a:schemeClr val="accent1"/>
+                  </a:effectRef>
+                  <a:fontRef idx="minor">
+                    <a:schemeClr val="lt1"/>
+                  </a:fontRef>
+                </p:style>
+                <p:txBody>
+                  <a:bodyPr rtlCol="0" anchor="ctr"/>
+                  <a:lstStyle/>
+                  <a:p>
+                    <a:pPr algn="ctr"/>
+                    <a:endParaRPr lang="fr-FR"/>
+                  </a:p>
+                </p:txBody>
+              </p:sp>
+              <p:sp>
+                <p:nvSpPr>
+                  <p:cNvPr id="58" name="ZoneTexte 57"/>
+                  <p:cNvSpPr txBox="1"/>
+                  <p:nvPr/>
+                </p:nvSpPr>
+                <p:spPr>
+                  <a:xfrm>
+                    <a:off x="837949" y="2420888"/>
+                    <a:ext cx="7252074" cy="369332"/>
+                  </a:xfrm>
+                  <a:prstGeom prst="rect">
+                    <a:avLst/>
+                  </a:prstGeom>
+                  <a:noFill/>
+                </p:spPr>
+                <p:txBody>
+                  <a:bodyPr wrap="square" rtlCol="0">
+                    <a:spAutoFit/>
+                  </a:bodyPr>
+                  <a:lstStyle/>
+                  <a:p>
+                    <a:pPr algn="ctr"/>
+                    <a:r>
+                      <a:rPr lang="fr-FR" dirty="0" smtClean="0">
+                        <a:latin typeface="+mj-lt"/>
+                      </a:rPr>
+                      <a:t>Niveau 3</a:t>
+                    </a:r>
+                    <a:endParaRPr lang="fr-FR" dirty="0">
+                      <a:latin typeface="+mj-lt"/>
+                    </a:endParaRPr>
+                  </a:p>
+                </p:txBody>
+              </p:sp>
+            </p:grpSp>
+            <p:grpSp>
+              <p:nvGrpSpPr>
+                <p:cNvPr id="51" name="Groupe 50"/>
+                <p:cNvGrpSpPr/>
+                <p:nvPr/>
+              </p:nvGrpSpPr>
+              <p:grpSpPr>
+                <a:xfrm>
+                  <a:off x="2483767" y="5340440"/>
+                  <a:ext cx="1296145" cy="720080"/>
+                  <a:chOff x="837949" y="2420888"/>
+                  <a:chExt cx="7252076" cy="720080"/>
+                </a:xfrm>
+              </p:grpSpPr>
+              <p:sp>
+                <p:nvSpPr>
+                  <p:cNvPr id="55" name="Flèche droite 54"/>
+                  <p:cNvSpPr/>
+                  <p:nvPr/>
+                </p:nvSpPr>
+                <p:spPr>
+                  <a:xfrm>
+                    <a:off x="961233" y="2780928"/>
+                    <a:ext cx="7128792" cy="360040"/>
+                  </a:xfrm>
+                  <a:prstGeom prst="rightArrow">
+                    <a:avLst/>
+                  </a:prstGeom>
+                </p:spPr>
+                <p:style>
+                  <a:lnRef idx="2">
+                    <a:schemeClr val="accent1">
+                      <a:shade val="50000"/>
+                    </a:schemeClr>
+                  </a:lnRef>
+                  <a:fillRef idx="1">
+                    <a:schemeClr val="accent1"/>
+                  </a:fillRef>
+                  <a:effectRef idx="0">
+                    <a:schemeClr val="accent1"/>
+                  </a:effectRef>
+                  <a:fontRef idx="minor">
+                    <a:schemeClr val="lt1"/>
+                  </a:fontRef>
+                </p:style>
+                <p:txBody>
+                  <a:bodyPr rtlCol="0" anchor="ctr"/>
+                  <a:lstStyle/>
+                  <a:p>
+                    <a:pPr algn="ctr"/>
+                    <a:endParaRPr lang="fr-FR"/>
+                  </a:p>
+                </p:txBody>
+              </p:sp>
+              <p:sp>
+                <p:nvSpPr>
+                  <p:cNvPr id="56" name="ZoneTexte 55"/>
+                  <p:cNvSpPr txBox="1"/>
+                  <p:nvPr/>
+                </p:nvSpPr>
+                <p:spPr>
+                  <a:xfrm>
+                    <a:off x="837949" y="2420888"/>
+                    <a:ext cx="7252074" cy="369332"/>
+                  </a:xfrm>
+                  <a:prstGeom prst="rect">
+                    <a:avLst/>
+                  </a:prstGeom>
+                  <a:noFill/>
+                </p:spPr>
+                <p:txBody>
+                  <a:bodyPr wrap="square" rtlCol="0">
+                    <a:spAutoFit/>
+                  </a:bodyPr>
+                  <a:lstStyle/>
+                  <a:p>
+                    <a:pPr algn="ctr"/>
+                    <a:r>
+                      <a:rPr lang="fr-FR" dirty="0" smtClean="0">
+                        <a:latin typeface="+mj-lt"/>
+                      </a:rPr>
+                      <a:t>Niveau 2</a:t>
+                    </a:r>
+                    <a:endParaRPr lang="fr-FR" dirty="0">
+                      <a:latin typeface="+mj-lt"/>
+                    </a:endParaRPr>
+                  </a:p>
+                </p:txBody>
+              </p:sp>
+            </p:grpSp>
+            <p:grpSp>
+              <p:nvGrpSpPr>
+                <p:cNvPr id="52" name="Groupe 51"/>
+                <p:cNvGrpSpPr/>
+                <p:nvPr/>
+              </p:nvGrpSpPr>
+              <p:grpSpPr>
+                <a:xfrm>
+                  <a:off x="3877556" y="5340440"/>
+                  <a:ext cx="1342931" cy="720080"/>
+                  <a:chOff x="837949" y="2420888"/>
+                  <a:chExt cx="7513850" cy="720080"/>
+                </a:xfrm>
+              </p:grpSpPr>
+              <p:sp>
+                <p:nvSpPr>
+                  <p:cNvPr id="53" name="Flèche droite 52"/>
+                  <p:cNvSpPr/>
+                  <p:nvPr/>
+                </p:nvSpPr>
+                <p:spPr>
+                  <a:xfrm>
+                    <a:off x="961230" y="2780928"/>
+                    <a:ext cx="7390569" cy="360040"/>
+                  </a:xfrm>
+                  <a:prstGeom prst="rightArrow">
+                    <a:avLst/>
+                  </a:prstGeom>
+                </p:spPr>
+                <p:style>
+                  <a:lnRef idx="2">
+                    <a:schemeClr val="accent1">
+                      <a:shade val="50000"/>
+                    </a:schemeClr>
+                  </a:lnRef>
+                  <a:fillRef idx="1">
+                    <a:schemeClr val="accent1"/>
+                  </a:fillRef>
+                  <a:effectRef idx="0">
+                    <a:schemeClr val="accent1"/>
+                  </a:effectRef>
+                  <a:fontRef idx="minor">
+                    <a:schemeClr val="lt1"/>
+                  </a:fontRef>
+                </p:style>
+                <p:txBody>
+                  <a:bodyPr rtlCol="0" anchor="ctr"/>
+                  <a:lstStyle/>
+                  <a:p>
+                    <a:pPr algn="ctr"/>
+                    <a:endParaRPr lang="fr-FR"/>
+                  </a:p>
+                </p:txBody>
+              </p:sp>
+              <p:sp>
+                <p:nvSpPr>
+                  <p:cNvPr id="54" name="ZoneTexte 53"/>
+                  <p:cNvSpPr txBox="1"/>
+                  <p:nvPr/>
+                </p:nvSpPr>
+                <p:spPr>
+                  <a:xfrm>
+                    <a:off x="837949" y="2420888"/>
+                    <a:ext cx="7252074" cy="369332"/>
+                  </a:xfrm>
+                  <a:prstGeom prst="rect">
+                    <a:avLst/>
+                  </a:prstGeom>
+                  <a:noFill/>
+                </p:spPr>
+                <p:txBody>
+                  <a:bodyPr wrap="square" rtlCol="0">
+                    <a:spAutoFit/>
+                  </a:bodyPr>
+                  <a:lstStyle/>
+                  <a:p>
+                    <a:pPr algn="ctr"/>
+                    <a:r>
+                      <a:rPr lang="fr-FR" dirty="0" smtClean="0">
+                        <a:latin typeface="+mj-lt"/>
+                      </a:rPr>
+                      <a:t>Niveau 1</a:t>
+                    </a:r>
+                    <a:endParaRPr lang="fr-FR" dirty="0">
+                      <a:latin typeface="+mj-lt"/>
+                    </a:endParaRPr>
+                  </a:p>
+                </p:txBody>
+              </p:sp>
+            </p:grpSp>
+          </p:grpSp>
+          <p:grpSp>
+            <p:nvGrpSpPr>
+              <p:cNvPr id="44" name="Groupe 43"/>
+              <p:cNvGrpSpPr/>
+              <p:nvPr/>
+            </p:nvGrpSpPr>
+            <p:grpSpPr>
+              <a:xfrm>
+                <a:off x="5146078" y="5331148"/>
+                <a:ext cx="1296145" cy="720080"/>
+                <a:chOff x="837949" y="2420888"/>
+                <a:chExt cx="7252076" cy="720080"/>
+              </a:xfrm>
+            </p:grpSpPr>
+            <p:sp>
+              <p:nvSpPr>
+                <p:cNvPr id="45" name="Flèche droite 44"/>
+                <p:cNvSpPr/>
+                <p:nvPr/>
+              </p:nvSpPr>
+              <p:spPr>
+                <a:xfrm>
+                  <a:off x="961233" y="2780928"/>
+                  <a:ext cx="7128792" cy="360040"/>
+                </a:xfrm>
+                <a:prstGeom prst="rightArrow">
+                  <a:avLst/>
+                </a:prstGeom>
+              </p:spPr>
+              <p:style>
+                <a:lnRef idx="2">
+                  <a:schemeClr val="accent1">
+                    <a:shade val="50000"/>
+                  </a:schemeClr>
+                </a:lnRef>
+                <a:fillRef idx="1">
+                  <a:schemeClr val="accent1"/>
+                </a:fillRef>
+                <a:effectRef idx="0">
+                  <a:schemeClr val="accent1"/>
+                </a:effectRef>
+                <a:fontRef idx="minor">
+                  <a:schemeClr val="lt1"/>
+                </a:fontRef>
+              </p:style>
+              <p:txBody>
+                <a:bodyPr rtlCol="0" anchor="ctr"/>
+                <a:lstStyle/>
+                <a:p>
+                  <a:pPr algn="ctr"/>
+                  <a:endParaRPr lang="fr-FR"/>
+                </a:p>
+              </p:txBody>
+            </p:sp>
+            <p:sp>
+              <p:nvSpPr>
+                <p:cNvPr id="46" name="ZoneTexte 45"/>
+                <p:cNvSpPr txBox="1"/>
+                <p:nvPr/>
+              </p:nvSpPr>
+              <p:spPr>
+                <a:xfrm>
+                  <a:off x="837949" y="2420888"/>
+                  <a:ext cx="7252074" cy="369332"/>
+                </a:xfrm>
+                <a:prstGeom prst="rect">
+                  <a:avLst/>
+                </a:prstGeom>
+                <a:noFill/>
+              </p:spPr>
+              <p:txBody>
+                <a:bodyPr wrap="square" rtlCol="0">
+                  <a:spAutoFit/>
+                </a:bodyPr>
+                <a:lstStyle/>
+                <a:p>
+                  <a:pPr algn="ctr"/>
+                  <a:r>
+                    <a:rPr lang="fr-FR" dirty="0" smtClean="0">
+                      <a:latin typeface="+mj-lt"/>
+                    </a:rPr>
+                    <a:t>Niveau 0</a:t>
+                  </a:r>
+                  <a:endParaRPr lang="fr-FR" dirty="0">
+                    <a:latin typeface="+mj-lt"/>
+                  </a:endParaRPr>
+                </a:p>
+              </p:txBody>
+            </p:sp>
+          </p:grpSp>
+        </p:grpSp>
+        <p:cxnSp>
+          <p:nvCxnSpPr>
+            <p:cNvPr id="38" name="Connecteur droit 37"/>
+            <p:cNvCxnSpPr/>
+            <p:nvPr/>
+          </p:nvCxnSpPr>
+          <p:spPr>
+            <a:xfrm flipV="1">
+              <a:off x="2721466" y="3203686"/>
+              <a:ext cx="0" cy="2602845"/>
+            </a:xfrm>
+            <a:prstGeom prst="line">
+              <a:avLst/>
+            </a:prstGeom>
+            <a:ln w="38100"/>
+          </p:spPr>
+          <p:style>
+            <a:lnRef idx="1">
+              <a:schemeClr val="accent1"/>
+            </a:lnRef>
+            <a:fillRef idx="0">
+              <a:schemeClr val="accent1"/>
+            </a:fillRef>
+            <a:effectRef idx="0">
+              <a:schemeClr val="accent1"/>
+            </a:effectRef>
+            <a:fontRef idx="minor">
+              <a:schemeClr val="tx1"/>
+            </a:fontRef>
+          </p:style>
+        </p:cxnSp>
+        <p:cxnSp>
+          <p:nvCxnSpPr>
+            <p:cNvPr id="39" name="Connecteur droit 38"/>
+            <p:cNvCxnSpPr/>
+            <p:nvPr/>
+          </p:nvCxnSpPr>
+          <p:spPr>
+            <a:xfrm flipV="1">
+              <a:off x="4519470" y="3203686"/>
+              <a:ext cx="6159" cy="2612137"/>
+            </a:xfrm>
+            <a:prstGeom prst="line">
+              <a:avLst/>
+            </a:prstGeom>
+            <a:ln w="38100"/>
+          </p:spPr>
+          <p:style>
+            <a:lnRef idx="1">
+              <a:schemeClr val="accent1"/>
+            </a:lnRef>
+            <a:fillRef idx="0">
+              <a:schemeClr val="accent1"/>
+            </a:fillRef>
+            <a:effectRef idx="0">
+              <a:schemeClr val="accent1"/>
+            </a:effectRef>
+            <a:fontRef idx="minor">
+              <a:schemeClr val="tx1"/>
+            </a:fontRef>
+          </p:style>
+        </p:cxnSp>
+        <p:cxnSp>
+          <p:nvCxnSpPr>
+            <p:cNvPr id="40" name="Connecteur droit 39"/>
+            <p:cNvCxnSpPr/>
+            <p:nvPr/>
+          </p:nvCxnSpPr>
+          <p:spPr>
+            <a:xfrm flipV="1">
+              <a:off x="6375000" y="3203685"/>
+              <a:ext cx="0" cy="2602846"/>
+            </a:xfrm>
+            <a:prstGeom prst="line">
+              <a:avLst/>
+            </a:prstGeom>
+            <a:ln w="38100"/>
+          </p:spPr>
+          <p:style>
+            <a:lnRef idx="1">
+              <a:schemeClr val="accent1"/>
+            </a:lnRef>
+            <a:fillRef idx="0">
+              <a:schemeClr val="accent1"/>
+            </a:fillRef>
+            <a:effectRef idx="0">
+              <a:schemeClr val="accent1"/>
+            </a:effectRef>
+            <a:fontRef idx="minor">
+              <a:schemeClr val="tx1"/>
+            </a:fontRef>
+          </p:style>
+        </p:cxnSp>
+        <p:cxnSp>
+          <p:nvCxnSpPr>
+            <p:cNvPr id="41" name="Connecteur droit 40"/>
+            <p:cNvCxnSpPr/>
+            <p:nvPr/>
+          </p:nvCxnSpPr>
+          <p:spPr>
+            <a:xfrm flipV="1">
+              <a:off x="899592" y="3203685"/>
+              <a:ext cx="0" cy="2602845"/>
+            </a:xfrm>
+            <a:prstGeom prst="line">
+              <a:avLst/>
+            </a:prstGeom>
+            <a:ln w="38100"/>
+          </p:spPr>
+          <p:style>
+            <a:lnRef idx="1">
+              <a:schemeClr val="accent1"/>
+            </a:lnRef>
+            <a:fillRef idx="0">
+              <a:schemeClr val="accent1"/>
+            </a:fillRef>
+            <a:effectRef idx="0">
+              <a:schemeClr val="accent1"/>
+            </a:effectRef>
+            <a:fontRef idx="minor">
+              <a:schemeClr val="tx1"/>
+            </a:fontRef>
+          </p:style>
+        </p:cxnSp>
+        <p:cxnSp>
+          <p:nvCxnSpPr>
+            <p:cNvPr id="42" name="Connecteur droit 41"/>
+            <p:cNvCxnSpPr/>
+            <p:nvPr/>
+          </p:nvCxnSpPr>
+          <p:spPr>
+            <a:xfrm flipV="1">
+              <a:off x="8172400" y="3203686"/>
+              <a:ext cx="0" cy="2602845"/>
+            </a:xfrm>
+            <a:prstGeom prst="line">
+              <a:avLst/>
+            </a:prstGeom>
+            <a:ln w="38100"/>
+          </p:spPr>
+          <p:style>
+            <a:lnRef idx="1">
+              <a:schemeClr val="accent1"/>
+            </a:lnRef>
+            <a:fillRef idx="0">
+              <a:schemeClr val="accent1"/>
+            </a:fillRef>
+            <a:effectRef idx="0">
+              <a:schemeClr val="accent1"/>
+            </a:effectRef>
+            <a:fontRef idx="minor">
+              <a:schemeClr val="tx1"/>
+            </a:fontRef>
+          </p:style>
+        </p:cxnSp>
+      </p:grpSp>
+      <p:pic>
+        <p:nvPicPr>
+          <p:cNvPr id="5" name="Image 4"/>
+          <p:cNvPicPr>
+            <a:picLocks noChangeAspect="1"/>
+          </p:cNvPicPr>
+          <p:nvPr/>
+        </p:nvPicPr>
+        <p:blipFill>
+          <a:blip r:embed="rId3" cstate="print">
+            <a:extLst>
+              <a:ext uri="{28A0092B-C50C-407E-A947-70E740481C1C}">
+                <a14:useLocalDpi xmlns:a14="http://schemas.microsoft.com/office/drawing/2010/main" val="0"/>
+              </a:ext>
+            </a:extLst>
+          </a:blip>
+          <a:stretch>
+            <a:fillRect/>
+          </a:stretch>
+        </p:blipFill>
+        <p:spPr>
+          <a:xfrm>
+            <a:off x="459105" y="3470659"/>
+            <a:ext cx="1809652" cy="1809652"/>
+          </a:xfrm>
+          <a:prstGeom prst="rect">
+            <a:avLst/>
+          </a:prstGeom>
+        </p:spPr>
+      </p:pic>
+      <p:pic>
+        <p:nvPicPr>
+          <p:cNvPr id="6" name="Image 5"/>
+          <p:cNvPicPr>
+            <a:picLocks noChangeAspect="1"/>
+          </p:cNvPicPr>
+          <p:nvPr/>
+        </p:nvPicPr>
+        <p:blipFill>
+          <a:blip r:embed="rId4" cstate="print">
+            <a:extLst>
+              <a:ext uri="{28A0092B-C50C-407E-A947-70E740481C1C}">
+                <a14:useLocalDpi xmlns:a14="http://schemas.microsoft.com/office/drawing/2010/main" val="0"/>
+              </a:ext>
+            </a:extLst>
+          </a:blip>
+          <a:stretch>
+            <a:fillRect/>
+          </a:stretch>
+        </p:blipFill>
+        <p:spPr>
+          <a:xfrm>
+            <a:off x="2580580" y="3549533"/>
+            <a:ext cx="1701981" cy="1701981"/>
+          </a:xfrm>
+          <a:prstGeom prst="rect">
+            <a:avLst/>
+          </a:prstGeom>
+        </p:spPr>
+      </p:pic>
+      <p:pic>
+        <p:nvPicPr>
+          <p:cNvPr id="7" name="Image 6"/>
+          <p:cNvPicPr>
+            <a:picLocks noChangeAspect="1"/>
+          </p:cNvPicPr>
+          <p:nvPr/>
+        </p:nvPicPr>
+        <p:blipFill>
+          <a:blip r:embed="rId5" cstate="print">
+            <a:extLst>
+              <a:ext uri="{28A0092B-C50C-407E-A947-70E740481C1C}">
+                <a14:useLocalDpi xmlns:a14="http://schemas.microsoft.com/office/drawing/2010/main" val="0"/>
+              </a:ext>
+            </a:extLst>
+          </a:blip>
+          <a:stretch>
+            <a:fillRect/>
+          </a:stretch>
+        </p:blipFill>
+        <p:spPr>
+          <a:xfrm>
+            <a:off x="4600751" y="3549533"/>
+            <a:ext cx="1726230" cy="1726230"/>
+          </a:xfrm>
+          <a:prstGeom prst="rect">
+            <a:avLst/>
+          </a:prstGeom>
+        </p:spPr>
+      </p:pic>
+      <p:pic>
+        <p:nvPicPr>
+          <p:cNvPr id="8" name="Image 7"/>
+          <p:cNvPicPr>
+            <a:picLocks noChangeAspect="1"/>
+          </p:cNvPicPr>
+          <p:nvPr/>
+        </p:nvPicPr>
+        <p:blipFill>
+          <a:blip r:embed="rId6" cstate="print">
+            <a:extLst>
+              <a:ext uri="{28A0092B-C50C-407E-A947-70E740481C1C}">
+                <a14:useLocalDpi xmlns:a14="http://schemas.microsoft.com/office/drawing/2010/main" val="0"/>
+              </a:ext>
+            </a:extLst>
+          </a:blip>
+          <a:stretch>
+            <a:fillRect/>
+          </a:stretch>
+        </p:blipFill>
+        <p:spPr>
+          <a:xfrm>
+            <a:off x="6626382" y="3519614"/>
+            <a:ext cx="1731900" cy="1731900"/>
+          </a:xfrm>
+          <a:prstGeom prst="rect">
+            <a:avLst/>
+          </a:prstGeom>
+        </p:spPr>
+      </p:pic>
+    </p:spTree>
+    <p:extLst>
+      <p:ext uri="{BB962C8B-B14F-4D97-AF65-F5344CB8AC3E}">
+        <p14:creationId xmlns:p14="http://schemas.microsoft.com/office/powerpoint/2010/main" val="2661364838"/>
+      </p:ext>
+    </p:extLst>
+  </p:cSld>
+  <p:clrMapOvr>
+    <a:masterClrMapping/>
+  </p:clrMapOvr>
+  <p:timing>
+    <p:tnLst>
+      <p:par>
+        <p:cTn id="1" dur="indefinite" restart="never" nodeType="tmRoot"/>
+      </p:par>
+    </p:tnLst>
+  </p:timing>
+</p:sld>
+</file>
+
+<file path=ppt/slides/slide11.xml><?xml version="1.0" encoding="utf-8"?>
+<p:sld xmlns:a="http://schemas.openxmlformats.org/drawingml/2006/main" xmlns:r="http://schemas.openxmlformats.org/officeDocument/2006/relationships" xmlns:p="http://schemas.openxmlformats.org/presentationml/2006/main">
+  <p:cSld>
+    <p:spTree>
+      <p:nvGrpSpPr>
+        <p:cNvPr id="1" name=""/>
+        <p:cNvGrpSpPr/>
+        <p:nvPr/>
+      </p:nvGrpSpPr>
+      <p:grpSpPr>
+        <a:xfrm>
+          <a:off x="0" y="0"/>
+          <a:ext cx="0" cy="0"/>
+          <a:chOff x="0" y="0"/>
+          <a:chExt cx="0" cy="0"/>
+        </a:xfrm>
+      </p:grpSpPr>
+      <p:sp>
+        <p:nvSpPr>
+          <p:cNvPr id="2" name="Titre 1"/>
+          <p:cNvSpPr>
+            <a:spLocks noGrp="1"/>
+          </p:cNvSpPr>
+          <p:nvPr>
+            <p:ph type="title"/>
+          </p:nvPr>
+        </p:nvSpPr>
+        <p:spPr/>
+        <p:txBody>
+          <a:bodyPr>
+            <a:normAutofit/>
+          </a:bodyPr>
+          <a:lstStyle/>
+          <a:p>
+            <a:pPr marL="0" indent="0" algn="ctr"/>
+            <a:r>
+              <a:rPr lang="fr-FR" dirty="0" smtClean="0">
+                <a:latin typeface="Algerian" pitchFamily="82" charset="0"/>
+              </a:rPr>
+              <a:t>Etude théorique(suite)</a:t>
+            </a:r>
+            <a:endParaRPr lang="fr-FR" dirty="0">
+              <a:latin typeface="Algerian" pitchFamily="82" charset="0"/>
+            </a:endParaRPr>
+          </a:p>
+        </p:txBody>
+      </p:sp>
+      <p:sp>
+        <p:nvSpPr>
+          <p:cNvPr id="3" name="Espace réservé du contenu 2"/>
+          <p:cNvSpPr>
+            <a:spLocks noGrp="1"/>
+          </p:cNvSpPr>
+          <p:nvPr>
+            <p:ph idx="1"/>
+          </p:nvPr>
+        </p:nvSpPr>
+        <p:spPr>
+          <a:xfrm>
+            <a:off x="457200" y="1935480"/>
+            <a:ext cx="4330824" cy="629424"/>
+          </a:xfrm>
+        </p:spPr>
+        <p:txBody>
+          <a:bodyPr>
+            <a:normAutofit fontScale="92500"/>
+          </a:bodyPr>
+          <a:lstStyle/>
+          <a:p>
+            <a:pPr marL="0" indent="0">
+              <a:buNone/>
+            </a:pPr>
+            <a:r>
+              <a:rPr lang="fr-FR" u="sng" dirty="0" smtClean="0"/>
+              <a:t>Phase de raffinement: Principe</a:t>
+            </a:r>
+            <a:endParaRPr lang="fr-FR" u="sng" dirty="0"/>
+          </a:p>
+        </p:txBody>
+      </p:sp>
+      <p:sp>
+        <p:nvSpPr>
+          <p:cNvPr id="4" name="Espace réservé du numéro de diapositive 3"/>
+          <p:cNvSpPr>
+            <a:spLocks noGrp="1"/>
+          </p:cNvSpPr>
+          <p:nvPr>
+            <p:ph type="sldNum" sz="quarter" idx="12"/>
+          </p:nvPr>
+        </p:nvSpPr>
+        <p:spPr/>
+        <p:txBody>
+          <a:bodyPr/>
+          <a:lstStyle/>
+          <a:p>
+            <a:fld id="{A6C779B1-47AE-4282-925F-478598739DA8}" type="slidenum">
+              <a:rPr lang="fr-FR" sz="2000" smtClean="0"/>
+              <a:t>11</a:t>
             </a:fld>
             <a:endParaRPr lang="fr-FR" sz="2000" dirty="0"/>
           </a:p>
@@ -4695,7 +8246,6 @@
                 <a:rPr lang="fr-FR" sz="2000" dirty="0" smtClean="0"/>
                 <a:t>Points clés de cette phase:</a:t>
               </a:r>
-              <a:endParaRPr lang="fr-FR" sz="2000" dirty="0" smtClean="0"/>
             </a:p>
           </p:txBody>
         </p:sp>
@@ -4725,7 +8275,6 @@
                 <a:rPr lang="fr-FR" sz="2000" dirty="0" smtClean="0"/>
                 <a:t>-   Dépendance forte de l’agrégation.</a:t>
               </a:r>
-              <a:endParaRPr lang="fr-FR" sz="2000" dirty="0" smtClean="0"/>
             </a:p>
           </p:txBody>
         </p:sp>
@@ -4773,11 +8322,6 @@
                 </a:rPr>
                 <a:t>IMPORTANT:</a:t>
               </a:r>
-              <a:endParaRPr lang="fr-FR" sz="2000" dirty="0" smtClean="0">
-                <a:solidFill>
-                  <a:srgbClr val="FF0000"/>
-                </a:solidFill>
-              </a:endParaRPr>
             </a:p>
           </p:txBody>
         </p:sp>
@@ -4846,102 +8390,6 @@
 </p:sld>
 </file>
 
-<file path=ppt/slides/slide11.xml><?xml version="1.0" encoding="utf-8"?>
-<p:sld xmlns:a="http://schemas.openxmlformats.org/drawingml/2006/main" xmlns:r="http://schemas.openxmlformats.org/officeDocument/2006/relationships" xmlns:p="http://schemas.openxmlformats.org/presentationml/2006/main">
-  <p:cSld>
-    <p:spTree>
-      <p:nvGrpSpPr>
-        <p:cNvPr id="1" name=""/>
-        <p:cNvGrpSpPr/>
-        <p:nvPr/>
-      </p:nvGrpSpPr>
-      <p:grpSpPr>
-        <a:xfrm>
-          <a:off x="0" y="0"/>
-          <a:ext cx="0" cy="0"/>
-          <a:chOff x="0" y="0"/>
-          <a:chExt cx="0" cy="0"/>
-        </a:xfrm>
-      </p:grpSpPr>
-      <p:sp>
-        <p:nvSpPr>
-          <p:cNvPr id="2" name="Titre 1"/>
-          <p:cNvSpPr>
-            <a:spLocks noGrp="1"/>
-          </p:cNvSpPr>
-          <p:nvPr>
-            <p:ph type="title"/>
-          </p:nvPr>
-        </p:nvSpPr>
-        <p:spPr/>
-        <p:txBody>
-          <a:bodyPr>
-            <a:normAutofit/>
-          </a:bodyPr>
-          <a:lstStyle/>
-          <a:p>
-            <a:pPr marL="0" indent="0" algn="ctr"/>
-            <a:r>
-              <a:rPr lang="fr-FR" dirty="0" smtClean="0">
-                <a:latin typeface="Algerian" pitchFamily="82" charset="0"/>
-              </a:rPr>
-              <a:t> </a:t>
-            </a:r>
-            <a:r>
-              <a:rPr lang="fr-FR" dirty="0" smtClean="0">
-                <a:latin typeface="Algerian" pitchFamily="82" charset="0"/>
-              </a:rPr>
-              <a:t>Résultats</a:t>
-            </a:r>
-            <a:endParaRPr lang="fr-FR" dirty="0">
-              <a:latin typeface="Algerian" pitchFamily="82" charset="0"/>
-            </a:endParaRPr>
-          </a:p>
-        </p:txBody>
-      </p:sp>
-      <p:sp>
-        <p:nvSpPr>
-          <p:cNvPr id="4" name="Espace réservé du numéro de diapositive 3"/>
-          <p:cNvSpPr>
-            <a:spLocks noGrp="1"/>
-          </p:cNvSpPr>
-          <p:nvPr>
-            <p:ph type="sldNum" sz="quarter" idx="12"/>
-          </p:nvPr>
-        </p:nvSpPr>
-        <p:spPr/>
-        <p:txBody>
-          <a:bodyPr/>
-          <a:lstStyle/>
-          <a:p>
-            <a:fld id="{A6C779B1-47AE-4282-925F-478598739DA8}" type="slidenum">
-              <a:rPr lang="fr-FR" sz="2000" smtClean="0"/>
-              <a:t>11</a:t>
-            </a:fld>
-            <a:endParaRPr lang="fr-FR" sz="2000" dirty="0"/>
-          </a:p>
-        </p:txBody>
-      </p:sp>
-    </p:spTree>
-    <p:extLst>
-      <p:ext uri="{BB962C8B-B14F-4D97-AF65-F5344CB8AC3E}">
-        <p14:creationId xmlns:p14="http://schemas.microsoft.com/office/powerpoint/2010/main" val="1193159331"/>
-      </p:ext>
-    </p:extLst>
-  </p:cSld>
-  <p:clrMapOvr>
-    <a:masterClrMapping/>
-  </p:clrMapOvr>
-  <p:timing>
-    <p:tnLst>
-      <p:par>
-        <p:cTn id="1" dur="indefinite" restart="never" nodeType="tmRoot"/>
-      </p:par>
-    </p:tnLst>
-  </p:timing>
-</p:sld>
-</file>
-
 <file path=ppt/slides/slide12.xml><?xml version="1.0" encoding="utf-8"?>
 <p:sld xmlns:a="http://schemas.openxmlformats.org/drawingml/2006/main" xmlns:r="http://schemas.openxmlformats.org/officeDocument/2006/relationships" xmlns:p="http://schemas.openxmlformats.org/presentationml/2006/main">
   <p:cSld>
@@ -4969,7 +8417,12 @@
             <p:ph type="title"/>
           </p:nvPr>
         </p:nvSpPr>
-        <p:spPr/>
+        <p:spPr>
+          <a:xfrm>
+            <a:off x="467544" y="332656"/>
+            <a:ext cx="8229600" cy="1143000"/>
+          </a:xfrm>
+        </p:spPr>
         <p:txBody>
           <a:bodyPr>
             <a:normAutofit/>
@@ -4981,14 +8434,11 @@
               <a:rPr lang="fr-FR" dirty="0" smtClean="0">
                 <a:latin typeface="Algerian" pitchFamily="82" charset="0"/>
               </a:rPr>
-              <a:t> </a:t>
-            </a:r>
-            <a:r>
-              <a:rPr lang="fr-FR" dirty="0">
-                <a:latin typeface="Algerian" pitchFamily="82" charset="0"/>
-              </a:rPr>
-              <a:t>Conclusions </a:t>
-            </a:r>
+              <a:t> Résultats</a:t>
+            </a:r>
+            <a:endParaRPr lang="fr-FR" dirty="0">
+              <a:latin typeface="Algerian" pitchFamily="82" charset="0"/>
+            </a:endParaRPr>
           </a:p>
         </p:txBody>
       </p:sp>
@@ -5015,6 +8465,30 @@
           </a:p>
         </p:txBody>
       </p:sp>
+      <p:graphicFrame>
+        <p:nvGraphicFramePr>
+          <p:cNvPr id="5" name="Graphique 4"/>
+          <p:cNvGraphicFramePr>
+            <a:graphicFrameLocks/>
+          </p:cNvGraphicFramePr>
+          <p:nvPr>
+            <p:extLst>
+              <p:ext uri="{D42A27DB-BD31-4B8C-83A1-F6EECF244321}">
+                <p14:modId xmlns:p14="http://schemas.microsoft.com/office/powerpoint/2010/main" val="3191938568"/>
+              </p:ext>
+            </p:extLst>
+          </p:nvPr>
+        </p:nvGraphicFramePr>
+        <p:xfrm>
+          <a:off x="107504" y="1844824"/>
+          <a:ext cx="9036496" cy="3718833"/>
+        </p:xfrm>
+        <a:graphic>
+          <a:graphicData uri="http://schemas.openxmlformats.org/drawingml/2006/chart">
+            <c:chart xmlns:c="http://schemas.openxmlformats.org/drawingml/2006/chart" xmlns:r="http://schemas.openxmlformats.org/officeDocument/2006/relationships" r:id="rId3"/>
+          </a:graphicData>
+        </a:graphic>
+      </p:graphicFrame>
     </p:spTree>
     <p:extLst>
       <p:ext uri="{BB962C8B-B14F-4D97-AF65-F5344CB8AC3E}">
@@ -5036,6 +8510,365 @@
 </file>
 
 <file path=ppt/slides/slide13.xml><?xml version="1.0" encoding="utf-8"?>
+<p:sld xmlns:a="http://schemas.openxmlformats.org/drawingml/2006/main" xmlns:r="http://schemas.openxmlformats.org/officeDocument/2006/relationships" xmlns:p="http://schemas.openxmlformats.org/presentationml/2006/main">
+  <p:cSld>
+    <p:spTree>
+      <p:nvGrpSpPr>
+        <p:cNvPr id="1" name=""/>
+        <p:cNvGrpSpPr/>
+        <p:nvPr/>
+      </p:nvGrpSpPr>
+      <p:grpSpPr>
+        <a:xfrm>
+          <a:off x="0" y="0"/>
+          <a:ext cx="0" cy="0"/>
+          <a:chOff x="0" y="0"/>
+          <a:chExt cx="0" cy="0"/>
+        </a:xfrm>
+      </p:grpSpPr>
+      <p:sp>
+        <p:nvSpPr>
+          <p:cNvPr id="2" name="Titre 1"/>
+          <p:cNvSpPr>
+            <a:spLocks noGrp="1"/>
+          </p:cNvSpPr>
+          <p:nvPr>
+            <p:ph type="title"/>
+          </p:nvPr>
+        </p:nvSpPr>
+        <p:spPr>
+          <a:xfrm>
+            <a:off x="467544" y="332656"/>
+            <a:ext cx="8229600" cy="1143000"/>
+          </a:xfrm>
+        </p:spPr>
+        <p:txBody>
+          <a:bodyPr>
+            <a:normAutofit/>
+          </a:bodyPr>
+          <a:lstStyle/>
+          <a:p>
+            <a:pPr marL="0" indent="0" algn="ctr"/>
+            <a:r>
+              <a:rPr lang="fr-FR" dirty="0" smtClean="0">
+                <a:latin typeface="Algerian" pitchFamily="82" charset="0"/>
+              </a:rPr>
+              <a:t> Résultats(suite)</a:t>
+            </a:r>
+            <a:endParaRPr lang="fr-FR" dirty="0">
+              <a:latin typeface="Algerian" pitchFamily="82" charset="0"/>
+            </a:endParaRPr>
+          </a:p>
+        </p:txBody>
+      </p:sp>
+      <p:sp>
+        <p:nvSpPr>
+          <p:cNvPr id="4" name="Espace réservé du numéro de diapositive 3"/>
+          <p:cNvSpPr>
+            <a:spLocks noGrp="1"/>
+          </p:cNvSpPr>
+          <p:nvPr>
+            <p:ph type="sldNum" sz="quarter" idx="12"/>
+          </p:nvPr>
+        </p:nvSpPr>
+        <p:spPr/>
+        <p:txBody>
+          <a:bodyPr/>
+          <a:lstStyle/>
+          <a:p>
+            <a:fld id="{A6C779B1-47AE-4282-925F-478598739DA8}" type="slidenum">
+              <a:rPr lang="fr-FR" sz="2000" smtClean="0"/>
+              <a:t>13</a:t>
+            </a:fld>
+            <a:endParaRPr lang="fr-FR" sz="2000" dirty="0"/>
+          </a:p>
+        </p:txBody>
+      </p:sp>
+      <p:graphicFrame>
+        <p:nvGraphicFramePr>
+          <p:cNvPr id="5" name="Graphique 4"/>
+          <p:cNvGraphicFramePr>
+            <a:graphicFrameLocks/>
+          </p:cNvGraphicFramePr>
+          <p:nvPr>
+            <p:extLst>
+              <p:ext uri="{D42A27DB-BD31-4B8C-83A1-F6EECF244321}">
+                <p14:modId xmlns:p14="http://schemas.microsoft.com/office/powerpoint/2010/main" val="3347296366"/>
+              </p:ext>
+            </p:extLst>
+          </p:nvPr>
+        </p:nvGraphicFramePr>
+        <p:xfrm>
+          <a:off x="107504" y="1844824"/>
+          <a:ext cx="9036496" cy="3718833"/>
+        </p:xfrm>
+        <a:graphic>
+          <a:graphicData uri="http://schemas.openxmlformats.org/drawingml/2006/chart">
+            <c:chart xmlns:c="http://schemas.openxmlformats.org/drawingml/2006/chart" xmlns:r="http://schemas.openxmlformats.org/officeDocument/2006/relationships" r:id="rId3"/>
+          </a:graphicData>
+        </a:graphic>
+      </p:graphicFrame>
+    </p:spTree>
+    <p:extLst>
+      <p:ext uri="{BB962C8B-B14F-4D97-AF65-F5344CB8AC3E}">
+        <p14:creationId xmlns:p14="http://schemas.microsoft.com/office/powerpoint/2010/main" val="2764124058"/>
+      </p:ext>
+    </p:extLst>
+  </p:cSld>
+  <p:clrMapOvr>
+    <a:masterClrMapping/>
+  </p:clrMapOvr>
+  <p:timing>
+    <p:tnLst>
+      <p:par>
+        <p:cTn id="1" dur="indefinite" restart="never" nodeType="tmRoot"/>
+      </p:par>
+    </p:tnLst>
+  </p:timing>
+</p:sld>
+</file>
+
+<file path=ppt/slides/slide14.xml><?xml version="1.0" encoding="utf-8"?>
+<p:sld xmlns:a="http://schemas.openxmlformats.org/drawingml/2006/main" xmlns:r="http://schemas.openxmlformats.org/officeDocument/2006/relationships" xmlns:p="http://schemas.openxmlformats.org/presentationml/2006/main">
+  <p:cSld>
+    <p:spTree>
+      <p:nvGrpSpPr>
+        <p:cNvPr id="1" name=""/>
+        <p:cNvGrpSpPr/>
+        <p:nvPr/>
+      </p:nvGrpSpPr>
+      <p:grpSpPr>
+        <a:xfrm>
+          <a:off x="0" y="0"/>
+          <a:ext cx="0" cy="0"/>
+          <a:chOff x="0" y="0"/>
+          <a:chExt cx="0" cy="0"/>
+        </a:xfrm>
+      </p:grpSpPr>
+      <p:sp>
+        <p:nvSpPr>
+          <p:cNvPr id="2" name="Titre 1"/>
+          <p:cNvSpPr>
+            <a:spLocks noGrp="1"/>
+          </p:cNvSpPr>
+          <p:nvPr>
+            <p:ph type="title"/>
+          </p:nvPr>
+        </p:nvSpPr>
+        <p:spPr/>
+        <p:txBody>
+          <a:bodyPr>
+            <a:normAutofit/>
+          </a:bodyPr>
+          <a:lstStyle/>
+          <a:p>
+            <a:pPr marL="0" indent="0" algn="ctr"/>
+            <a:r>
+              <a:rPr lang="fr-FR" dirty="0" smtClean="0">
+                <a:latin typeface="Algerian" pitchFamily="82" charset="0"/>
+              </a:rPr>
+              <a:t> </a:t>
+            </a:r>
+            <a:r>
+              <a:rPr lang="fr-FR" dirty="0">
+                <a:latin typeface="Algerian" pitchFamily="82" charset="0"/>
+              </a:rPr>
+              <a:t>Conclusions </a:t>
+            </a:r>
+          </a:p>
+        </p:txBody>
+      </p:sp>
+      <p:sp>
+        <p:nvSpPr>
+          <p:cNvPr id="4" name="Espace réservé du numéro de diapositive 3"/>
+          <p:cNvSpPr>
+            <a:spLocks noGrp="1"/>
+          </p:cNvSpPr>
+          <p:nvPr>
+            <p:ph type="sldNum" sz="quarter" idx="12"/>
+          </p:nvPr>
+        </p:nvSpPr>
+        <p:spPr/>
+        <p:txBody>
+          <a:bodyPr/>
+          <a:lstStyle/>
+          <a:p>
+            <a:fld id="{A6C779B1-47AE-4282-925F-478598739DA8}" type="slidenum">
+              <a:rPr lang="fr-FR" sz="2000" smtClean="0"/>
+              <a:t>14</a:t>
+            </a:fld>
+            <a:endParaRPr lang="fr-FR" sz="2000" dirty="0"/>
+          </a:p>
+        </p:txBody>
+      </p:sp>
+      <p:sp>
+        <p:nvSpPr>
+          <p:cNvPr id="3" name="ZoneTexte 2"/>
+          <p:cNvSpPr txBox="1"/>
+          <p:nvPr/>
+        </p:nvSpPr>
+        <p:spPr>
+          <a:xfrm>
+            <a:off x="683568" y="2267580"/>
+            <a:ext cx="7848872" cy="369332"/>
+          </a:xfrm>
+          <a:prstGeom prst="rect">
+            <a:avLst/>
+          </a:prstGeom>
+          <a:noFill/>
+        </p:spPr>
+        <p:txBody>
+          <a:bodyPr wrap="square" rtlCol="0">
+            <a:spAutoFit/>
+          </a:bodyPr>
+          <a:lstStyle/>
+          <a:p>
+            <a:r>
+              <a:rPr lang="fr-FR" u="sng" dirty="0" smtClean="0"/>
+              <a:t>Objectif:</a:t>
+            </a:r>
+            <a:r>
+              <a:rPr lang="fr-FR" dirty="0" smtClean="0"/>
+              <a:t> Confirmer l’intérêt de poursuivre les recherches sur le multi-niveaux</a:t>
+            </a:r>
+            <a:endParaRPr lang="fr-FR" u="sng" dirty="0"/>
+          </a:p>
+        </p:txBody>
+      </p:sp>
+      <p:grpSp>
+        <p:nvGrpSpPr>
+          <p:cNvPr id="6" name="Groupe 5"/>
+          <p:cNvGrpSpPr/>
+          <p:nvPr/>
+        </p:nvGrpSpPr>
+        <p:grpSpPr>
+          <a:xfrm>
+            <a:off x="683568" y="3082027"/>
+            <a:ext cx="7776864" cy="1477328"/>
+            <a:chOff x="395536" y="2204864"/>
+            <a:chExt cx="5410413" cy="1477328"/>
+          </a:xfrm>
+        </p:grpSpPr>
+        <p:sp>
+          <p:nvSpPr>
+            <p:cNvPr id="7" name="Rectangle 6"/>
+            <p:cNvSpPr/>
+            <p:nvPr/>
+          </p:nvSpPr>
+          <p:spPr>
+            <a:xfrm>
+              <a:off x="395536" y="2204864"/>
+              <a:ext cx="1290603" cy="369332"/>
+            </a:xfrm>
+            <a:prstGeom prst="rect">
+              <a:avLst/>
+            </a:prstGeom>
+          </p:spPr>
+          <p:txBody>
+            <a:bodyPr wrap="none">
+              <a:spAutoFit/>
+            </a:bodyPr>
+            <a:lstStyle/>
+            <a:p>
+              <a:r>
+                <a:rPr lang="fr-FR" dirty="0" smtClean="0"/>
+                <a:t>Conclusions:</a:t>
+              </a:r>
+            </a:p>
+          </p:txBody>
+        </p:sp>
+        <p:sp>
+          <p:nvSpPr>
+            <p:cNvPr id="8" name="ZoneTexte 7"/>
+            <p:cNvSpPr txBox="1"/>
+            <p:nvPr/>
+          </p:nvSpPr>
+          <p:spPr>
+            <a:xfrm>
+              <a:off x="1540046" y="2204864"/>
+              <a:ext cx="4265903" cy="1477328"/>
+            </a:xfrm>
+            <a:prstGeom prst="rect">
+              <a:avLst/>
+            </a:prstGeom>
+            <a:noFill/>
+          </p:spPr>
+          <p:txBody>
+            <a:bodyPr wrap="square" rtlCol="0">
+              <a:spAutoFit/>
+            </a:bodyPr>
+            <a:lstStyle/>
+            <a:p>
+              <a:pPr marL="285750" indent="-285750">
+                <a:buFontTx/>
+                <a:buChar char="-"/>
+              </a:pPr>
+              <a:r>
+                <a:rPr lang="fr-FR" dirty="0" smtClean="0"/>
+                <a:t>La courbe de tendance incite à  poursuivre les recherches</a:t>
+              </a:r>
+            </a:p>
+            <a:p>
+              <a:pPr marL="285750" indent="-285750">
+                <a:buFontTx/>
+                <a:buChar char="-"/>
+              </a:pPr>
+              <a:r>
+                <a:rPr lang="fr-FR" dirty="0" smtClean="0"/>
+                <a:t>La théorie =&gt; graphes creux</a:t>
+              </a:r>
+            </a:p>
+            <a:p>
+              <a:pPr marL="285750" indent="-285750">
+                <a:buFontTx/>
+                <a:buChar char="-"/>
+              </a:pPr>
+              <a:r>
+                <a:rPr lang="fr-FR" dirty="0" smtClean="0"/>
+                <a:t>Tests =&gt; graphes complets </a:t>
+              </a:r>
+            </a:p>
+            <a:p>
+              <a:pPr marL="285750" indent="-285750">
+                <a:buFontTx/>
+                <a:buChar char="-"/>
+              </a:pPr>
+              <a:r>
+                <a:rPr lang="fr-FR" dirty="0" smtClean="0"/>
+                <a:t>Le temps de l’agrégation n’est pas prise en compte</a:t>
+              </a:r>
+            </a:p>
+            <a:p>
+              <a:pPr marL="285750" indent="-285750">
+                <a:buFontTx/>
+                <a:buChar char="-"/>
+              </a:pPr>
+              <a:endParaRPr lang="fr-FR" dirty="0" smtClean="0"/>
+            </a:p>
+          </p:txBody>
+        </p:sp>
+      </p:grpSp>
+    </p:spTree>
+    <p:extLst>
+      <p:ext uri="{BB962C8B-B14F-4D97-AF65-F5344CB8AC3E}">
+        <p14:creationId xmlns:p14="http://schemas.microsoft.com/office/powerpoint/2010/main" val="1193159331"/>
+      </p:ext>
+    </p:extLst>
+  </p:cSld>
+  <p:clrMapOvr>
+    <a:masterClrMapping/>
+  </p:clrMapOvr>
+  <p:timing>
+    <p:tnLst>
+      <p:par>
+        <p:cTn id="1" dur="indefinite" restart="never" nodeType="tmRoot"/>
+      </p:par>
+    </p:tnLst>
+  </p:timing>
+</p:sld>
+</file>
+
+<file path=ppt/slides/slide15.xml><?xml version="1.0" encoding="utf-8"?>
 <p:sld xmlns:a="http://schemas.openxmlformats.org/drawingml/2006/main" xmlns:r="http://schemas.openxmlformats.org/officeDocument/2006/relationships" xmlns:p="http://schemas.openxmlformats.org/presentationml/2006/main">
   <p:cSld>
     <p:bg>
@@ -5068,8 +8901,8 @@
         </p:nvSpPr>
         <p:spPr>
           <a:xfrm>
-            <a:off x="755576" y="1404059"/>
-            <a:ext cx="7632848" cy="4401205"/>
+            <a:off x="755576" y="1987093"/>
+            <a:ext cx="7632848" cy="3170099"/>
           </a:xfrm>
           <a:prstGeom prst="rect">
             <a:avLst/>
@@ -5126,33 +8959,6 @@
           <a:p>
             <a:pPr algn="ctr"/>
             <a:endParaRPr lang="fr-FR" sz="4000" dirty="0" smtClean="0">
-              <a:solidFill>
-                <a:schemeClr val="bg1"/>
-              </a:solidFill>
-              <a:latin typeface="Algerian" pitchFamily="82" charset="0"/>
-            </a:endParaRPr>
-          </a:p>
-          <a:p>
-            <a:pPr algn="ctr"/>
-            <a:endParaRPr lang="fr-FR" sz="4000" dirty="0">
-              <a:solidFill>
-                <a:schemeClr val="bg1"/>
-              </a:solidFill>
-              <a:latin typeface="Algerian" pitchFamily="82" charset="0"/>
-            </a:endParaRPr>
-          </a:p>
-          <a:p>
-            <a:pPr algn="ctr"/>
-            <a:r>
-              <a:rPr lang="fr-FR" sz="4000" dirty="0" smtClean="0">
-                <a:solidFill>
-                  <a:schemeClr val="bg1"/>
-                </a:solidFill>
-                <a:latin typeface="Algerian" pitchFamily="82" charset="0"/>
-              </a:rPr>
-              <a:t>OU DES COMMENTAIRES ?</a:t>
-            </a:r>
-            <a:endParaRPr lang="fr-FR" sz="4000" dirty="0">
               <a:solidFill>
                 <a:schemeClr val="bg1"/>
               </a:solidFill>
@@ -5608,13 +9414,7 @@
               <a:rPr lang="fr-FR" sz="4000" dirty="0" smtClean="0">
                 <a:latin typeface="Algerian" pitchFamily="82" charset="0"/>
               </a:rPr>
-              <a:t> </a:t>
-            </a:r>
-            <a:r>
-              <a:rPr lang="fr-FR" sz="4000" dirty="0" smtClean="0">
-                <a:latin typeface="Algerian" pitchFamily="82" charset="0"/>
-              </a:rPr>
-              <a:t>Introduction</a:t>
+              <a:t> Introduction</a:t>
             </a:r>
             <a:endParaRPr lang="fr-FR" sz="4000" dirty="0">
               <a:latin typeface="Algerian" pitchFamily="82" charset="0"/>
@@ -5633,7 +9433,7 @@
           </p:nvPr>
         </p:nvPicPr>
         <p:blipFill>
-          <a:blip r:embed="rId2" cstate="print">
+          <a:blip r:embed="rId3" cstate="print">
             <a:extLst>
               <a:ext uri="{28A0092B-C50C-407E-A947-70E740481C1C}">
                 <a14:useLocalDpi xmlns:a14="http://schemas.microsoft.com/office/drawing/2010/main" val="0"/>
@@ -5916,9 +9716,9 @@
         <p:grpSpPr>
           <a:xfrm>
             <a:off x="395536" y="2204864"/>
-            <a:ext cx="6138354" cy="1754326"/>
+            <a:ext cx="5289084" cy="1477328"/>
             <a:chOff x="395536" y="2204864"/>
-            <a:chExt cx="5410412" cy="1754326"/>
+            <a:chExt cx="4661856" cy="1477328"/>
           </a:xfrm>
         </p:grpSpPr>
         <p:sp>
@@ -5958,7 +9758,7 @@
           <p:spPr>
             <a:xfrm>
               <a:off x="3210217" y="2204864"/>
-              <a:ext cx="2595731" cy="1754326"/>
+              <a:ext cx="1847175" cy="1477328"/>
             </a:xfrm>
             <a:prstGeom prst="rect">
               <a:avLst/>
@@ -6014,16 +9814,6 @@
               </a:pPr>
               <a:r>
                 <a:rPr lang="fr-FR" dirty="0" smtClean="0"/>
-                <a:t>Pas d’algorithme spectral</a:t>
-              </a:r>
-            </a:p>
-            <a:p>
-              <a:pPr marL="285750" indent="-285750">
-                <a:buFontTx/>
-                <a:buChar char="-"/>
-              </a:pPr>
-              <a:r>
-                <a:rPr lang="fr-FR" dirty="0" smtClean="0"/>
                 <a:t>Heuristique</a:t>
               </a:r>
             </a:p>
@@ -6049,7 +9839,7 @@
           <p:nvPr/>
         </p:nvPicPr>
         <p:blipFill>
-          <a:blip r:embed="rId2">
+          <a:blip r:embed="rId3">
             <a:extLst>
               <a:ext uri="{28A0092B-C50C-407E-A947-70E740481C1C}">
                 <a14:useLocalDpi xmlns:a14="http://schemas.microsoft.com/office/drawing/2010/main" val="0"/>
@@ -6062,8 +9852,8 @@
         </p:blipFill>
         <p:spPr>
           <a:xfrm>
-            <a:off x="2313384" y="4149080"/>
-            <a:ext cx="4202832" cy="2101416"/>
+            <a:off x="2040931" y="4075733"/>
+            <a:ext cx="4536504" cy="2268252"/>
           </a:xfrm>
           <a:prstGeom prst="rect">
             <a:avLst/>
@@ -6109,6 +9899,146 @@
       </p:grpSpPr>
       <p:sp>
         <p:nvSpPr>
+          <p:cNvPr id="4" name="Espace réservé du numéro de diapositive 3"/>
+          <p:cNvSpPr>
+            <a:spLocks noGrp="1"/>
+          </p:cNvSpPr>
+          <p:nvPr>
+            <p:ph type="sldNum" sz="quarter" idx="12"/>
+          </p:nvPr>
+        </p:nvSpPr>
+        <p:spPr/>
+        <p:txBody>
+          <a:bodyPr/>
+          <a:lstStyle/>
+          <a:p>
+            <a:fld id="{A6C779B1-47AE-4282-925F-478598739DA8}" type="slidenum">
+              <a:rPr lang="fr-FR" smtClean="0"/>
+              <a:t>5</a:t>
+            </a:fld>
+            <a:endParaRPr lang="fr-FR"/>
+          </a:p>
+        </p:txBody>
+      </p:sp>
+      <p:sp>
+        <p:nvSpPr>
+          <p:cNvPr id="5" name="Titre 1"/>
+          <p:cNvSpPr>
+            <a:spLocks noGrp="1"/>
+          </p:cNvSpPr>
+          <p:nvPr>
+            <p:ph type="title"/>
+          </p:nvPr>
+        </p:nvSpPr>
+        <p:spPr/>
+        <p:txBody>
+          <a:bodyPr>
+            <a:noAutofit/>
+          </a:bodyPr>
+          <a:lstStyle/>
+          <a:p>
+            <a:pPr marL="0" indent="0" algn="ctr"/>
+            <a:r>
+              <a:rPr lang="fr-FR" sz="4000" dirty="0" smtClean="0">
+                <a:latin typeface="Algerian" pitchFamily="82" charset="0"/>
+              </a:rPr>
+              <a:t>Objectif</a:t>
+            </a:r>
+            <a:endParaRPr lang="fr-FR" sz="4000" dirty="0">
+              <a:latin typeface="Algerian" pitchFamily="82" charset="0"/>
+            </a:endParaRPr>
+          </a:p>
+        </p:txBody>
+      </p:sp>
+      <p:sp>
+        <p:nvSpPr>
+          <p:cNvPr id="7" name="ZoneTexte 6"/>
+          <p:cNvSpPr txBox="1"/>
+          <p:nvPr/>
+        </p:nvSpPr>
+        <p:spPr>
+          <a:xfrm>
+            <a:off x="179512" y="2780928"/>
+            <a:ext cx="8820472" cy="1477328"/>
+          </a:xfrm>
+          <a:prstGeom prst="rect">
+            <a:avLst/>
+          </a:prstGeom>
+          <a:noFill/>
+        </p:spPr>
+        <p:txBody>
+          <a:bodyPr wrap="square" rtlCol="0">
+            <a:spAutoFit/>
+          </a:bodyPr>
+          <a:lstStyle/>
+          <a:p>
+            <a:pPr algn="ctr"/>
+            <a:r>
+              <a:rPr lang="fr-FR" sz="3000" b="1" dirty="0" smtClean="0">
+                <a:solidFill>
+                  <a:srgbClr val="FF0000"/>
+                </a:solidFill>
+              </a:rPr>
+              <a:t>Valider l’utilisation de la méthode Multi-niveau pour le partitionnement de </a:t>
+            </a:r>
+          </a:p>
+          <a:p>
+            <a:pPr algn="ctr"/>
+            <a:r>
+              <a:rPr lang="fr-FR" sz="3000" b="1" dirty="0" smtClean="0">
+                <a:solidFill>
+                  <a:srgbClr val="FF0000"/>
+                </a:solidFill>
+              </a:rPr>
+              <a:t>données</a:t>
+            </a:r>
+            <a:endParaRPr lang="fr-FR" sz="3000" b="1" dirty="0">
+              <a:solidFill>
+                <a:srgbClr val="FF0000"/>
+              </a:solidFill>
+            </a:endParaRPr>
+          </a:p>
+        </p:txBody>
+      </p:sp>
+    </p:spTree>
+    <p:extLst>
+      <p:ext uri="{BB962C8B-B14F-4D97-AF65-F5344CB8AC3E}">
+        <p14:creationId xmlns:p14="http://schemas.microsoft.com/office/powerpoint/2010/main" val="4191206384"/>
+      </p:ext>
+    </p:extLst>
+  </p:cSld>
+  <p:clrMapOvr>
+    <a:masterClrMapping/>
+  </p:clrMapOvr>
+  <p:timing>
+    <p:tnLst>
+      <p:par>
+        <p:cTn id="1" dur="indefinite" restart="never" nodeType="tmRoot"/>
+      </p:par>
+    </p:tnLst>
+  </p:timing>
+</p:sld>
+</file>
+
+<file path=ppt/slides/slide6.xml><?xml version="1.0" encoding="utf-8"?>
+<p:sld xmlns:a="http://schemas.openxmlformats.org/drawingml/2006/main" xmlns:r="http://schemas.openxmlformats.org/officeDocument/2006/relationships" xmlns:p="http://schemas.openxmlformats.org/presentationml/2006/main">
+  <p:cSld>
+    <p:spTree>
+      <p:nvGrpSpPr>
+        <p:cNvPr id="1" name=""/>
+        <p:cNvGrpSpPr/>
+        <p:nvPr/>
+      </p:nvGrpSpPr>
+      <p:grpSpPr>
+        <a:xfrm>
+          <a:off x="0" y="0"/>
+          <a:ext cx="0" cy="0"/>
+          <a:chOff x="0" y="0"/>
+          <a:chExt cx="0" cy="0"/>
+        </a:xfrm>
+      </p:grpSpPr>
+      <p:sp>
+        <p:nvSpPr>
           <p:cNvPr id="2" name="Titre 1"/>
           <p:cNvSpPr>
             <a:spLocks noGrp="1"/>
@@ -6129,13 +10059,7 @@
               <a:rPr lang="fr-FR" dirty="0" smtClean="0">
                 <a:latin typeface="Algerian" pitchFamily="82" charset="0"/>
               </a:rPr>
-              <a:t> </a:t>
-            </a:r>
-            <a:r>
-              <a:rPr lang="fr-FR" dirty="0" smtClean="0">
-                <a:latin typeface="Algerian" pitchFamily="82" charset="0"/>
-              </a:rPr>
-              <a:t>Etude </a:t>
+              <a:t> Etude </a:t>
             </a:r>
             <a:r>
               <a:rPr lang="fr-FR" dirty="0">
@@ -6196,7 +10120,7 @@
           <a:p>
             <a:fld id="{A6C779B1-47AE-4282-925F-478598739DA8}" type="slidenum">
               <a:rPr lang="fr-FR" sz="2000" smtClean="0"/>
-              <a:t>5</a:t>
+              <a:t>6</a:t>
             </a:fld>
             <a:endParaRPr lang="fr-FR" sz="2000" dirty="0"/>
           </a:p>
@@ -6210,8 +10134,8 @@
         </p:nvGrpSpPr>
         <p:grpSpPr>
           <a:xfrm>
-            <a:off x="755576" y="2564904"/>
-            <a:ext cx="7632848" cy="3430939"/>
+            <a:off x="395536" y="2564904"/>
+            <a:ext cx="8448464" cy="3430939"/>
             <a:chOff x="827584" y="2564904"/>
             <a:chExt cx="7632848" cy="3430939"/>
           </a:xfrm>
@@ -6848,6 +10772,126 @@
           </p:style>
         </p:cxnSp>
       </p:grpSp>
+      <p:pic>
+        <p:nvPicPr>
+          <p:cNvPr id="11" name="Image 10"/>
+          <p:cNvPicPr>
+            <a:picLocks noChangeAspect="1"/>
+          </p:cNvPicPr>
+          <p:nvPr/>
+        </p:nvPicPr>
+        <p:blipFill>
+          <a:blip r:embed="rId3" cstate="print">
+            <a:extLst>
+              <a:ext uri="{28A0092B-C50C-407E-A947-70E740481C1C}">
+                <a14:useLocalDpi xmlns:a14="http://schemas.microsoft.com/office/drawing/2010/main" val="0"/>
+              </a:ext>
+            </a:extLst>
+          </a:blip>
+          <a:stretch>
+            <a:fillRect/>
+          </a:stretch>
+        </p:blipFill>
+        <p:spPr>
+          <a:xfrm>
+            <a:off x="691107" y="3511050"/>
+            <a:ext cx="1718315" cy="1718315"/>
+          </a:xfrm>
+          <a:prstGeom prst="rect">
+            <a:avLst/>
+          </a:prstGeom>
+        </p:spPr>
+      </p:pic>
+      <p:pic>
+        <p:nvPicPr>
+          <p:cNvPr id="12" name="Image 11"/>
+          <p:cNvPicPr>
+            <a:picLocks noChangeAspect="1"/>
+          </p:cNvPicPr>
+          <p:nvPr/>
+        </p:nvPicPr>
+        <p:blipFill>
+          <a:blip r:embed="rId4" cstate="print">
+            <a:extLst>
+              <a:ext uri="{28A0092B-C50C-407E-A947-70E740481C1C}">
+                <a14:useLocalDpi xmlns:a14="http://schemas.microsoft.com/office/drawing/2010/main" val="0"/>
+              </a:ext>
+            </a:extLst>
+          </a:blip>
+          <a:stretch>
+            <a:fillRect/>
+          </a:stretch>
+        </p:blipFill>
+        <p:spPr>
+          <a:xfrm>
+            <a:off x="2577268" y="3396129"/>
+            <a:ext cx="1862261" cy="1862261"/>
+          </a:xfrm>
+          <a:prstGeom prst="rect">
+            <a:avLst/>
+          </a:prstGeom>
+        </p:spPr>
+      </p:pic>
+      <p:pic>
+        <p:nvPicPr>
+          <p:cNvPr id="13" name="Image 12"/>
+          <p:cNvPicPr>
+            <a:picLocks noChangeAspect="1"/>
+          </p:cNvPicPr>
+          <p:nvPr/>
+        </p:nvPicPr>
+        <p:blipFill>
+          <a:blip r:embed="rId5" cstate="print">
+            <a:extLst>
+              <a:ext uri="{28A0092B-C50C-407E-A947-70E740481C1C}">
+                <a14:useLocalDpi xmlns:a14="http://schemas.microsoft.com/office/drawing/2010/main" val="0"/>
+              </a:ext>
+            </a:extLst>
+          </a:blip>
+          <a:stretch>
+            <a:fillRect/>
+          </a:stretch>
+        </p:blipFill>
+        <p:spPr>
+          <a:xfrm>
+            <a:off x="4740663" y="3471130"/>
+            <a:ext cx="1712261" cy="1712261"/>
+          </a:xfrm>
+          <a:prstGeom prst="rect">
+            <a:avLst/>
+          </a:prstGeom>
+        </p:spPr>
+      </p:pic>
+      <p:pic>
+        <p:nvPicPr>
+          <p:cNvPr id="21" name="Image 20"/>
+          <p:cNvPicPr>
+            <a:picLocks noChangeAspect="1"/>
+          </p:cNvPicPr>
+          <p:nvPr/>
+        </p:nvPicPr>
+        <p:blipFill>
+          <a:blip r:embed="rId6" cstate="print">
+            <a:extLst>
+              <a:ext uri="{28A0092B-C50C-407E-A947-70E740481C1C}">
+                <a14:useLocalDpi xmlns:a14="http://schemas.microsoft.com/office/drawing/2010/main" val="0"/>
+              </a:ext>
+            </a:extLst>
+          </a:blip>
+          <a:stretch>
+            <a:fillRect/>
+          </a:stretch>
+        </p:blipFill>
+        <p:spPr>
+          <a:xfrm>
+            <a:off x="6687137" y="3471130"/>
+            <a:ext cx="1686061" cy="1686061"/>
+          </a:xfrm>
+          <a:prstGeom prst="rect">
+            <a:avLst/>
+          </a:prstGeom>
+        </p:spPr>
+      </p:pic>
     </p:spTree>
     <p:extLst>
       <p:ext uri="{BB962C8B-B14F-4D97-AF65-F5344CB8AC3E}">
@@ -6868,7 +10912,7 @@
 </p:sld>
 </file>
 
-<file path=ppt/slides/slide6.xml><?xml version="1.0" encoding="utf-8"?>
+<file path=ppt/slides/slide7.xml><?xml version="1.0" encoding="utf-8"?>
 <p:sld xmlns:a="http://schemas.openxmlformats.org/drawingml/2006/main" xmlns:r="http://schemas.openxmlformats.org/officeDocument/2006/relationships" xmlns:p="http://schemas.openxmlformats.org/presentationml/2006/main">
   <p:cSld>
     <p:spTree>
@@ -6907,19 +10951,7 @@
               <a:rPr lang="fr-FR" dirty="0" smtClean="0">
                 <a:latin typeface="Algerian" pitchFamily="82" charset="0"/>
               </a:rPr>
-              <a:t> </a:t>
-            </a:r>
-            <a:r>
-              <a:rPr lang="fr-FR" dirty="0" smtClean="0">
-                <a:latin typeface="Algerian" pitchFamily="82" charset="0"/>
-              </a:rPr>
-              <a:t>Etude </a:t>
-            </a:r>
-            <a:r>
-              <a:rPr lang="fr-FR" dirty="0" smtClean="0">
-                <a:latin typeface="Algerian" pitchFamily="82" charset="0"/>
-              </a:rPr>
-              <a:t>théorique(suite)</a:t>
+              <a:t> Etude théorique(suite)</a:t>
             </a:r>
             <a:endParaRPr lang="fr-FR" dirty="0">
               <a:latin typeface="Algerian" pitchFamily="82" charset="0"/>
@@ -6954,11 +10986,7 @@
             </a:pPr>
             <a:r>
               <a:rPr lang="fr-FR" u="sng" dirty="0" smtClean="0"/>
-              <a:t>Phase d’agrégation: Propri</a:t>
-            </a:r>
-            <a:r>
-              <a:rPr lang="fr-FR" u="sng" dirty="0" smtClean="0"/>
-              <a:t>étés</a:t>
+              <a:t>Phase d’agrégation: Propriétés</a:t>
             </a:r>
             <a:endParaRPr lang="fr-FR" u="sng" dirty="0"/>
           </a:p>
@@ -6981,7 +11009,7 @@
           <a:p>
             <a:fld id="{A6C779B1-47AE-4282-925F-478598739DA8}" type="slidenum">
               <a:rPr lang="fr-FR" sz="2000" smtClean="0"/>
-              <a:t>6</a:t>
+              <a:t>7</a:t>
             </a:fld>
             <a:endParaRPr lang="fr-FR" sz="2000" dirty="0"/>
           </a:p>
@@ -7026,7 +11054,6 @@
                 <a:rPr lang="fr-FR" sz="2000" dirty="0" smtClean="0"/>
                 <a:t>Points clés de cette phase:</a:t>
               </a:r>
-              <a:endParaRPr lang="fr-FR" sz="2000" dirty="0" smtClean="0"/>
             </a:p>
           </p:txBody>
         </p:sp>
@@ -7068,7 +11095,15 @@
               </a:pPr>
               <a:r>
                 <a:rPr lang="fr-FR" sz="2000" dirty="0" smtClean="0"/>
-                <a:t>Sélection des 10 plus proches voisins.</a:t>
+                <a:t>Sélection des </a:t>
+              </a:r>
+              <a:r>
+                <a:rPr lang="fr-FR" sz="2000" dirty="0"/>
+                <a:t>H</a:t>
+              </a:r>
+              <a:r>
+                <a:rPr lang="fr-FR" sz="2000" dirty="0" smtClean="0"/>
+                <a:t> plus proches voisins.</a:t>
               </a:r>
             </a:p>
             <a:p>
@@ -7082,15 +11117,7 @@
               </a:r>
               <a:r>
                 <a:rPr lang="fr-FR" sz="2000" dirty="0" err="1" smtClean="0"/>
-                <a:t>NB_de</a:t>
-              </a:r>
-              <a:r>
-                <a:rPr lang="fr-FR" sz="2000" dirty="0" err="1" smtClean="0"/>
-                <a:t>_</a:t>
-              </a:r>
-              <a:r>
-                <a:rPr lang="fr-FR" sz="2000" dirty="0" err="1" smtClean="0"/>
-                <a:t>classes</a:t>
+                <a:t>NB_de_classes</a:t>
               </a:r>
               <a:r>
                 <a:rPr lang="fr-FR" sz="2000" dirty="0" smtClean="0"/>
@@ -7110,7 +11137,6 @@
                 <a:rPr lang="fr-FR" sz="2000" dirty="0" smtClean="0"/>
                 <a:t>/2 par Niveau construit.</a:t>
               </a:r>
-              <a:endParaRPr lang="fr-FR" sz="2000" dirty="0" smtClean="0"/>
             </a:p>
           </p:txBody>
         </p:sp>
@@ -7158,11 +11184,6 @@
                 </a:rPr>
                 <a:t>IMPORTANT:</a:t>
               </a:r>
-              <a:endParaRPr lang="fr-FR" sz="2000" dirty="0" smtClean="0">
-                <a:solidFill>
-                  <a:srgbClr val="FF0000"/>
-                </a:solidFill>
-              </a:endParaRPr>
             </a:p>
           </p:txBody>
         </p:sp>
@@ -7194,11 +11215,7 @@
               </a:pPr>
               <a:r>
                 <a:rPr lang="fr-FR" sz="2000" dirty="0" smtClean="0"/>
-                <a:t>Nb niveau ni trop élevés</a:t>
-              </a:r>
-              <a:r>
-                <a:rPr lang="fr-FR" sz="2000" dirty="0" smtClean="0"/>
-                <a:t>, ni trop faible.</a:t>
+                <a:t>Nb niveau ni trop élevés, ni trop faible.</a:t>
               </a:r>
             </a:p>
             <a:p>
@@ -7210,7 +11227,6 @@
                 <a:rPr lang="fr-FR" sz="2000" dirty="0" smtClean="0"/>
                 <a:t>Préférer peu de niveau à une mauvaise agrégation</a:t>
               </a:r>
-              <a:endParaRPr lang="fr-FR" sz="2000" dirty="0" smtClean="0"/>
             </a:p>
           </p:txBody>
         </p:sp>
@@ -7219,141 +11235,6 @@
     <p:extLst>
       <p:ext uri="{BB962C8B-B14F-4D97-AF65-F5344CB8AC3E}">
         <p14:creationId xmlns:p14="http://schemas.microsoft.com/office/powerpoint/2010/main" val="3092538917"/>
-      </p:ext>
-    </p:extLst>
-  </p:cSld>
-  <p:clrMapOvr>
-    <a:masterClrMapping/>
-  </p:clrMapOvr>
-  <p:timing>
-    <p:tnLst>
-      <p:par>
-        <p:cTn id="1" dur="indefinite" restart="never" nodeType="tmRoot"/>
-      </p:par>
-    </p:tnLst>
-  </p:timing>
-</p:sld>
-</file>
-
-<file path=ppt/slides/slide7.xml><?xml version="1.0" encoding="utf-8"?>
-<p:sld xmlns:a="http://schemas.openxmlformats.org/drawingml/2006/main" xmlns:r="http://schemas.openxmlformats.org/officeDocument/2006/relationships" xmlns:p="http://schemas.openxmlformats.org/presentationml/2006/main">
-  <p:cSld>
-    <p:spTree>
-      <p:nvGrpSpPr>
-        <p:cNvPr id="1" name=""/>
-        <p:cNvGrpSpPr/>
-        <p:nvPr/>
-      </p:nvGrpSpPr>
-      <p:grpSpPr>
-        <a:xfrm>
-          <a:off x="0" y="0"/>
-          <a:ext cx="0" cy="0"/>
-          <a:chOff x="0" y="0"/>
-          <a:chExt cx="0" cy="0"/>
-        </a:xfrm>
-      </p:grpSpPr>
-      <p:sp>
-        <p:nvSpPr>
-          <p:cNvPr id="2" name="Titre 1"/>
-          <p:cNvSpPr>
-            <a:spLocks noGrp="1"/>
-          </p:cNvSpPr>
-          <p:nvPr>
-            <p:ph type="title"/>
-          </p:nvPr>
-        </p:nvSpPr>
-        <p:spPr/>
-        <p:txBody>
-          <a:bodyPr>
-            <a:normAutofit/>
-          </a:bodyPr>
-          <a:lstStyle/>
-          <a:p>
-            <a:pPr marL="0" indent="0" algn="ctr"/>
-            <a:r>
-              <a:rPr lang="fr-FR" dirty="0" smtClean="0">
-                <a:latin typeface="Algerian" pitchFamily="82" charset="0"/>
-              </a:rPr>
-              <a:t> </a:t>
-            </a:r>
-            <a:r>
-              <a:rPr lang="fr-FR" dirty="0" smtClean="0">
-                <a:latin typeface="Algerian" pitchFamily="82" charset="0"/>
-              </a:rPr>
-              <a:t>Etude </a:t>
-            </a:r>
-            <a:r>
-              <a:rPr lang="fr-FR" dirty="0" smtClean="0">
-                <a:latin typeface="Algerian" pitchFamily="82" charset="0"/>
-              </a:rPr>
-              <a:t>théorique(suite)</a:t>
-            </a:r>
-            <a:endParaRPr lang="fr-FR" dirty="0">
-              <a:latin typeface="Algerian" pitchFamily="82" charset="0"/>
-            </a:endParaRPr>
-          </a:p>
-        </p:txBody>
-      </p:sp>
-      <p:sp>
-        <p:nvSpPr>
-          <p:cNvPr id="3" name="Espace réservé du contenu 2"/>
-          <p:cNvSpPr>
-            <a:spLocks noGrp="1"/>
-          </p:cNvSpPr>
-          <p:nvPr>
-            <p:ph idx="1"/>
-          </p:nvPr>
-        </p:nvSpPr>
-        <p:spPr>
-          <a:xfrm>
-            <a:off x="457200" y="1935480"/>
-            <a:ext cx="4546848" cy="629424"/>
-          </a:xfrm>
-        </p:spPr>
-        <p:txBody>
-          <a:bodyPr>
-            <a:normAutofit fontScale="85000" lnSpcReduction="10000"/>
-          </a:bodyPr>
-          <a:lstStyle/>
-          <a:p>
-            <a:pPr marL="0" indent="0">
-              <a:buNone/>
-            </a:pPr>
-            <a:r>
-              <a:rPr lang="fr-FR" u="sng" dirty="0" smtClean="0"/>
-              <a:t>Premier partitionnement: Aléatoire</a:t>
-            </a:r>
-            <a:endParaRPr lang="fr-FR" u="sng" dirty="0"/>
-          </a:p>
-        </p:txBody>
-      </p:sp>
-      <p:sp>
-        <p:nvSpPr>
-          <p:cNvPr id="4" name="Espace réservé du numéro de diapositive 3"/>
-          <p:cNvSpPr>
-            <a:spLocks noGrp="1"/>
-          </p:cNvSpPr>
-          <p:nvPr>
-            <p:ph type="sldNum" sz="quarter" idx="12"/>
-          </p:nvPr>
-        </p:nvSpPr>
-        <p:spPr/>
-        <p:txBody>
-          <a:bodyPr/>
-          <a:lstStyle/>
-          <a:p>
-            <a:fld id="{A6C779B1-47AE-4282-925F-478598739DA8}" type="slidenum">
-              <a:rPr lang="fr-FR" sz="2000" smtClean="0"/>
-              <a:t>7</a:t>
-            </a:fld>
-            <a:endParaRPr lang="fr-FR" sz="2000" dirty="0"/>
-          </a:p>
-        </p:txBody>
-      </p:sp>
-    </p:spTree>
-    <p:extLst>
-      <p:ext uri="{BB962C8B-B14F-4D97-AF65-F5344CB8AC3E}">
-        <p14:creationId xmlns:p14="http://schemas.microsoft.com/office/powerpoint/2010/main" val="1587684509"/>
       </p:ext>
     </p:extLst>
   </p:cSld>
@@ -7409,19 +11290,7 @@
               <a:rPr lang="fr-FR" dirty="0" smtClean="0">
                 <a:latin typeface="Algerian" pitchFamily="82" charset="0"/>
               </a:rPr>
-              <a:t> </a:t>
-            </a:r>
-            <a:r>
-              <a:rPr lang="fr-FR" dirty="0" smtClean="0">
-                <a:latin typeface="Algerian" pitchFamily="82" charset="0"/>
-              </a:rPr>
-              <a:t>Etude </a:t>
-            </a:r>
-            <a:r>
-              <a:rPr lang="fr-FR" dirty="0" smtClean="0">
-                <a:latin typeface="Algerian" pitchFamily="82" charset="0"/>
-              </a:rPr>
-              <a:t>théorique(suite)</a:t>
+              <a:t> Etude théorique(suite)</a:t>
             </a:r>
             <a:endParaRPr lang="fr-FR" dirty="0">
               <a:latin typeface="Algerian" pitchFamily="82" charset="0"/>
@@ -7442,7 +11311,7 @@
         <p:spPr>
           <a:xfrm>
             <a:off x="457200" y="1935480"/>
-            <a:ext cx="4834880" cy="629424"/>
+            <a:ext cx="4546848" cy="629424"/>
           </a:xfrm>
         </p:spPr>
         <p:txBody>
@@ -7456,7 +11325,7 @@
             </a:pPr>
             <a:r>
               <a:rPr lang="fr-FR" u="sng" dirty="0" smtClean="0"/>
-              <a:t>Premier partitionnement:  Propriétés</a:t>
+              <a:t>Premier partitionnement: Aléatoire</a:t>
             </a:r>
             <a:endParaRPr lang="fr-FR" u="sng" dirty="0"/>
           </a:p>
@@ -7485,113 +11354,40 @@
           </a:p>
         </p:txBody>
       </p:sp>
-      <p:grpSp>
-        <p:nvGrpSpPr>
-          <p:cNvPr id="6" name="Groupe 5"/>
-          <p:cNvGrpSpPr/>
+      <p:pic>
+        <p:nvPicPr>
+          <p:cNvPr id="6" name="Image 5"/>
+          <p:cNvPicPr>
+            <a:picLocks noChangeAspect="1"/>
+          </p:cNvPicPr>
           <p:nvPr/>
-        </p:nvGrpSpPr>
-        <p:grpSpPr>
+        </p:nvPicPr>
+        <p:blipFill>
+          <a:blip r:embed="rId3">
+            <a:extLst>
+              <a:ext uri="{28A0092B-C50C-407E-A947-70E740481C1C}">
+                <a14:useLocalDpi xmlns:a14="http://schemas.microsoft.com/office/drawing/2010/main" val="0"/>
+              </a:ext>
+            </a:extLst>
+          </a:blip>
+          <a:stretch>
+            <a:fillRect/>
+          </a:stretch>
+        </p:blipFill>
+        <p:spPr>
           <a:xfrm>
-            <a:off x="363239" y="2924944"/>
-            <a:ext cx="6903617" cy="748169"/>
-            <a:chOff x="395536" y="2204864"/>
-            <a:chExt cx="5700852" cy="578918"/>
+            <a:off x="2699792" y="2708920"/>
+            <a:ext cx="3096344" cy="3167524"/>
           </a:xfrm>
-        </p:grpSpPr>
-        <p:sp>
-          <p:nvSpPr>
-            <p:cNvPr id="7" name="Rectangle 6"/>
-            <p:cNvSpPr/>
-            <p:nvPr/>
-          </p:nvSpPr>
-          <p:spPr>
-            <a:xfrm>
-              <a:off x="395536" y="2204864"/>
-              <a:ext cx="1436240" cy="309597"/>
-            </a:xfrm>
-            <a:prstGeom prst="rect">
-              <a:avLst/>
-            </a:prstGeom>
-          </p:spPr>
-          <p:txBody>
-            <a:bodyPr wrap="none">
-              <a:spAutoFit/>
-            </a:bodyPr>
-            <a:lstStyle/>
-            <a:p>
-              <a:r>
-                <a:rPr lang="fr-FR" sz="2000" dirty="0" smtClean="0">
-                  <a:solidFill>
-                    <a:srgbClr val="FF0000"/>
-                  </a:solidFill>
-                </a:rPr>
-                <a:t>IMPORTANT:</a:t>
-              </a:r>
-              <a:endParaRPr lang="fr-FR" sz="2000" dirty="0" smtClean="0">
-                <a:solidFill>
-                  <a:srgbClr val="FF0000"/>
-                </a:solidFill>
-              </a:endParaRPr>
-            </a:p>
-          </p:txBody>
-        </p:sp>
-        <p:sp>
-          <p:nvSpPr>
-            <p:cNvPr id="8" name="ZoneTexte 7"/>
-            <p:cNvSpPr txBox="1"/>
-            <p:nvPr/>
-          </p:nvSpPr>
-          <p:spPr>
-            <a:xfrm>
-              <a:off x="2117698" y="2236034"/>
-              <a:ext cx="3978690" cy="547748"/>
-            </a:xfrm>
-            <a:prstGeom prst="rect">
-              <a:avLst/>
-            </a:prstGeom>
-            <a:noFill/>
-          </p:spPr>
-          <p:txBody>
-            <a:bodyPr wrap="none" rtlCol="0">
-              <a:spAutoFit/>
-            </a:bodyPr>
-            <a:lstStyle/>
-            <a:p>
-              <a:pPr marL="285750" indent="-285750">
-                <a:buFontTx/>
-                <a:buChar char="-"/>
-              </a:pPr>
-              <a:r>
-                <a:rPr lang="fr-FR" sz="2000" dirty="0" smtClean="0"/>
-                <a:t>Conserver la MÊME première partition.</a:t>
-              </a:r>
-            </a:p>
-            <a:p>
-              <a:pPr marL="285750" indent="-285750">
-                <a:buFontTx/>
-                <a:buChar char="-"/>
-              </a:pPr>
-              <a:r>
-                <a:rPr lang="fr-FR" sz="2000" dirty="0" smtClean="0"/>
-                <a:t>Faire varier le germe pour chaque </a:t>
-              </a:r>
-              <a:r>
-                <a:rPr lang="fr-FR" sz="2000" dirty="0" err="1" smtClean="0"/>
-                <a:t>run</a:t>
-              </a:r>
-              <a:r>
-                <a:rPr lang="fr-FR" sz="2000" dirty="0" smtClean="0"/>
-                <a:t>.</a:t>
-              </a:r>
-            </a:p>
-          </p:txBody>
-        </p:sp>
-      </p:grpSp>
+          <a:prstGeom prst="rect">
+            <a:avLst/>
+          </a:prstGeom>
+        </p:spPr>
+      </p:pic>
     </p:spTree>
     <p:extLst>
       <p:ext uri="{BB962C8B-B14F-4D97-AF65-F5344CB8AC3E}">
-        <p14:creationId xmlns:p14="http://schemas.microsoft.com/office/powerpoint/2010/main" val="2355626647"/>
+        <p14:creationId xmlns:p14="http://schemas.microsoft.com/office/powerpoint/2010/main" val="1587684509"/>
       </p:ext>
     </p:extLst>
   </p:cSld>
@@ -7647,7 +11443,7 @@
               <a:rPr lang="fr-FR" dirty="0" smtClean="0">
                 <a:latin typeface="Algerian" pitchFamily="82" charset="0"/>
               </a:rPr>
-              <a:t>Etude théorique(suite)</a:t>
+              <a:t> Etude théorique(suite)</a:t>
             </a:r>
             <a:endParaRPr lang="fr-FR" dirty="0">
               <a:latin typeface="Algerian" pitchFamily="82" charset="0"/>
@@ -7668,12 +11464,12 @@
         <p:spPr>
           <a:xfrm>
             <a:off x="457200" y="1935480"/>
-            <a:ext cx="4330824" cy="629424"/>
+            <a:ext cx="4834880" cy="629424"/>
           </a:xfrm>
         </p:spPr>
         <p:txBody>
           <a:bodyPr>
-            <a:normAutofit fontScale="92500"/>
+            <a:normAutofit fontScale="85000" lnSpcReduction="10000"/>
           </a:bodyPr>
           <a:lstStyle/>
           <a:p>
@@ -7682,7 +11478,7 @@
             </a:pPr>
             <a:r>
               <a:rPr lang="fr-FR" u="sng" dirty="0" smtClean="0"/>
-              <a:t>Phase de raffinement: Principe</a:t>
+              <a:t>Premier partitionnement:  Propriétés</a:t>
             </a:r>
             <a:endParaRPr lang="fr-FR" u="sng" dirty="0"/>
           </a:p>
@@ -7713,654 +11509,106 @@
       </p:sp>
       <p:grpSp>
         <p:nvGrpSpPr>
-          <p:cNvPr id="32" name="Groupe 31"/>
+          <p:cNvPr id="6" name="Groupe 5"/>
           <p:cNvGrpSpPr/>
           <p:nvPr/>
         </p:nvGrpSpPr>
         <p:grpSpPr>
           <a:xfrm>
-            <a:off x="755576" y="2564904"/>
-            <a:ext cx="7632848" cy="3430939"/>
-            <a:chOff x="827584" y="2564904"/>
-            <a:chExt cx="7632848" cy="3430939"/>
+            <a:off x="363239" y="2924944"/>
+            <a:ext cx="7956664" cy="748169"/>
+            <a:chOff x="395536" y="2204864"/>
+            <a:chExt cx="6570432" cy="578918"/>
           </a:xfrm>
         </p:grpSpPr>
-        <p:grpSp>
-          <p:nvGrpSpPr>
-            <p:cNvPr id="36" name="Groupe 35"/>
-            <p:cNvGrpSpPr/>
+        <p:sp>
+          <p:nvSpPr>
+            <p:cNvPr id="7" name="Rectangle 6"/>
+            <p:cNvSpPr/>
             <p:nvPr/>
-          </p:nvGrpSpPr>
-          <p:grpSpPr>
+          </p:nvSpPr>
+          <p:spPr>
             <a:xfrm>
-              <a:off x="827584" y="2564904"/>
-              <a:ext cx="7632848" cy="720080"/>
-              <a:chOff x="961233" y="2420888"/>
-              <a:chExt cx="7128792" cy="720080"/>
+              <a:off x="395536" y="2204864"/>
+              <a:ext cx="1436240" cy="309597"/>
             </a:xfrm>
-          </p:grpSpPr>
-          <p:sp>
-            <p:nvSpPr>
-              <p:cNvPr id="59" name="Flèche droite 58"/>
-              <p:cNvSpPr/>
-              <p:nvPr/>
-            </p:nvSpPr>
-            <p:spPr>
-              <a:xfrm>
-                <a:off x="961233" y="2780928"/>
-                <a:ext cx="7128792" cy="360040"/>
-              </a:xfrm>
-              <a:prstGeom prst="rightArrow">
-                <a:avLst/>
-              </a:prstGeom>
-            </p:spPr>
-            <p:style>
-              <a:lnRef idx="2">
-                <a:schemeClr val="accent1">
-                  <a:shade val="50000"/>
-                </a:schemeClr>
-              </a:lnRef>
-              <a:fillRef idx="1">
-                <a:schemeClr val="accent1"/>
-              </a:fillRef>
-              <a:effectRef idx="0">
-                <a:schemeClr val="accent1"/>
-              </a:effectRef>
-              <a:fontRef idx="minor">
-                <a:schemeClr val="lt1"/>
-              </a:fontRef>
-            </p:style>
-            <p:txBody>
-              <a:bodyPr rtlCol="0" anchor="ctr"/>
-              <a:lstStyle/>
-              <a:p>
-                <a:pPr algn="ctr"/>
-                <a:endParaRPr lang="fr-FR"/>
-              </a:p>
-            </p:txBody>
-          </p:sp>
-          <p:sp>
-            <p:nvSpPr>
-              <p:cNvPr id="60" name="ZoneTexte 59"/>
-              <p:cNvSpPr txBox="1"/>
-              <p:nvPr/>
-            </p:nvSpPr>
-            <p:spPr>
-              <a:xfrm>
-                <a:off x="961233" y="2420888"/>
-                <a:ext cx="6707111" cy="369332"/>
-              </a:xfrm>
-              <a:prstGeom prst="rect">
-                <a:avLst/>
-              </a:prstGeom>
-              <a:noFill/>
-            </p:spPr>
-            <p:txBody>
-              <a:bodyPr wrap="square" rtlCol="0">
-                <a:spAutoFit/>
-              </a:bodyPr>
-              <a:lstStyle/>
-              <a:p>
-                <a:pPr algn="ctr"/>
-                <a:r>
-                  <a:rPr lang="fr-FR" dirty="0" smtClean="0"/>
-                  <a:t>Restitution des données par raffinement</a:t>
-                </a:r>
-                <a:endParaRPr lang="fr-FR" dirty="0"/>
-              </a:p>
-            </p:txBody>
-          </p:sp>
-        </p:grpSp>
-        <p:grpSp>
-          <p:nvGrpSpPr>
-            <p:cNvPr id="37" name="Groupe 36"/>
-            <p:cNvGrpSpPr/>
-            <p:nvPr/>
-          </p:nvGrpSpPr>
-          <p:grpSpPr>
-            <a:xfrm>
-              <a:off x="961233" y="5266471"/>
-              <a:ext cx="7128792" cy="729372"/>
-              <a:chOff x="961233" y="5331148"/>
-              <a:chExt cx="5480990" cy="729372"/>
-            </a:xfrm>
-          </p:grpSpPr>
-          <p:grpSp>
-            <p:nvGrpSpPr>
-              <p:cNvPr id="43" name="Groupe 42"/>
-              <p:cNvGrpSpPr/>
-              <p:nvPr/>
-            </p:nvGrpSpPr>
-            <p:grpSpPr>
-              <a:xfrm>
-                <a:off x="961233" y="5331148"/>
-                <a:ext cx="4104871" cy="729372"/>
-                <a:chOff x="1115616" y="5340440"/>
-                <a:chExt cx="4104871" cy="729372"/>
-              </a:xfrm>
-            </p:grpSpPr>
-            <p:grpSp>
-              <p:nvGrpSpPr>
-                <p:cNvPr id="50" name="Groupe 49"/>
-                <p:cNvGrpSpPr/>
-                <p:nvPr/>
-              </p:nvGrpSpPr>
-              <p:grpSpPr>
-                <a:xfrm>
-                  <a:off x="1115616" y="5349732"/>
-                  <a:ext cx="1296145" cy="720080"/>
-                  <a:chOff x="837949" y="2420888"/>
-                  <a:chExt cx="7252076" cy="720080"/>
-                </a:xfrm>
-              </p:grpSpPr>
-              <p:sp>
-                <p:nvSpPr>
-                  <p:cNvPr id="57" name="Flèche droite 56"/>
-                  <p:cNvSpPr/>
-                  <p:nvPr/>
-                </p:nvSpPr>
-                <p:spPr>
-                  <a:xfrm>
-                    <a:off x="961233" y="2780928"/>
-                    <a:ext cx="7128792" cy="360040"/>
-                  </a:xfrm>
-                  <a:prstGeom prst="rightArrow">
-                    <a:avLst/>
-                  </a:prstGeom>
-                </p:spPr>
-                <p:style>
-                  <a:lnRef idx="2">
-                    <a:schemeClr val="accent1">
-                      <a:shade val="50000"/>
-                    </a:schemeClr>
-                  </a:lnRef>
-                  <a:fillRef idx="1">
-                    <a:schemeClr val="accent1"/>
-                  </a:fillRef>
-                  <a:effectRef idx="0">
-                    <a:schemeClr val="accent1"/>
-                  </a:effectRef>
-                  <a:fontRef idx="minor">
-                    <a:schemeClr val="lt1"/>
-                  </a:fontRef>
-                </p:style>
-                <p:txBody>
-                  <a:bodyPr rtlCol="0" anchor="ctr"/>
-                  <a:lstStyle/>
-                  <a:p>
-                    <a:pPr algn="ctr"/>
-                    <a:endParaRPr lang="fr-FR"/>
-                  </a:p>
-                </p:txBody>
-              </p:sp>
-              <p:sp>
-                <p:nvSpPr>
-                  <p:cNvPr id="58" name="ZoneTexte 57"/>
-                  <p:cNvSpPr txBox="1"/>
-                  <p:nvPr/>
-                </p:nvSpPr>
-                <p:spPr>
-                  <a:xfrm>
-                    <a:off x="837949" y="2420888"/>
-                    <a:ext cx="7252074" cy="369332"/>
-                  </a:xfrm>
-                  <a:prstGeom prst="rect">
-                    <a:avLst/>
-                  </a:prstGeom>
-                  <a:noFill/>
-                </p:spPr>
-                <p:txBody>
-                  <a:bodyPr wrap="square" rtlCol="0">
-                    <a:spAutoFit/>
-                  </a:bodyPr>
-                  <a:lstStyle/>
-                  <a:p>
-                    <a:pPr algn="ctr"/>
-                    <a:r>
-                      <a:rPr lang="fr-FR" dirty="0" smtClean="0">
-                        <a:latin typeface="+mj-lt"/>
-                      </a:rPr>
-                      <a:t>Niveau 3</a:t>
-                    </a:r>
-                    <a:endParaRPr lang="fr-FR" dirty="0">
-                      <a:latin typeface="+mj-lt"/>
-                    </a:endParaRPr>
-                  </a:p>
-                </p:txBody>
-              </p:sp>
-            </p:grpSp>
-            <p:grpSp>
-              <p:nvGrpSpPr>
-                <p:cNvPr id="51" name="Groupe 50"/>
-                <p:cNvGrpSpPr/>
-                <p:nvPr/>
-              </p:nvGrpSpPr>
-              <p:grpSpPr>
-                <a:xfrm>
-                  <a:off x="2483767" y="5340440"/>
-                  <a:ext cx="1296145" cy="720080"/>
-                  <a:chOff x="837949" y="2420888"/>
-                  <a:chExt cx="7252076" cy="720080"/>
-                </a:xfrm>
-              </p:grpSpPr>
-              <p:sp>
-                <p:nvSpPr>
-                  <p:cNvPr id="55" name="Flèche droite 54"/>
-                  <p:cNvSpPr/>
-                  <p:nvPr/>
-                </p:nvSpPr>
-                <p:spPr>
-                  <a:xfrm>
-                    <a:off x="961233" y="2780928"/>
-                    <a:ext cx="7128792" cy="360040"/>
-                  </a:xfrm>
-                  <a:prstGeom prst="rightArrow">
-                    <a:avLst/>
-                  </a:prstGeom>
-                </p:spPr>
-                <p:style>
-                  <a:lnRef idx="2">
-                    <a:schemeClr val="accent1">
-                      <a:shade val="50000"/>
-                    </a:schemeClr>
-                  </a:lnRef>
-                  <a:fillRef idx="1">
-                    <a:schemeClr val="accent1"/>
-                  </a:fillRef>
-                  <a:effectRef idx="0">
-                    <a:schemeClr val="accent1"/>
-                  </a:effectRef>
-                  <a:fontRef idx="minor">
-                    <a:schemeClr val="lt1"/>
-                  </a:fontRef>
-                </p:style>
-                <p:txBody>
-                  <a:bodyPr rtlCol="0" anchor="ctr"/>
-                  <a:lstStyle/>
-                  <a:p>
-                    <a:pPr algn="ctr"/>
-                    <a:endParaRPr lang="fr-FR"/>
-                  </a:p>
-                </p:txBody>
-              </p:sp>
-              <p:sp>
-                <p:nvSpPr>
-                  <p:cNvPr id="56" name="ZoneTexte 55"/>
-                  <p:cNvSpPr txBox="1"/>
-                  <p:nvPr/>
-                </p:nvSpPr>
-                <p:spPr>
-                  <a:xfrm>
-                    <a:off x="837949" y="2420888"/>
-                    <a:ext cx="7252074" cy="369332"/>
-                  </a:xfrm>
-                  <a:prstGeom prst="rect">
-                    <a:avLst/>
-                  </a:prstGeom>
-                  <a:noFill/>
-                </p:spPr>
-                <p:txBody>
-                  <a:bodyPr wrap="square" rtlCol="0">
-                    <a:spAutoFit/>
-                  </a:bodyPr>
-                  <a:lstStyle/>
-                  <a:p>
-                    <a:pPr algn="ctr"/>
-                    <a:r>
-                      <a:rPr lang="fr-FR" dirty="0" smtClean="0">
-                        <a:latin typeface="+mj-lt"/>
-                      </a:rPr>
-                      <a:t>Niveau 2</a:t>
-                    </a:r>
-                    <a:endParaRPr lang="fr-FR" dirty="0">
-                      <a:latin typeface="+mj-lt"/>
-                    </a:endParaRPr>
-                  </a:p>
-                </p:txBody>
-              </p:sp>
-            </p:grpSp>
-            <p:grpSp>
-              <p:nvGrpSpPr>
-                <p:cNvPr id="52" name="Groupe 51"/>
-                <p:cNvGrpSpPr/>
-                <p:nvPr/>
-              </p:nvGrpSpPr>
-              <p:grpSpPr>
-                <a:xfrm>
-                  <a:off x="3877556" y="5340440"/>
-                  <a:ext cx="1342931" cy="720080"/>
-                  <a:chOff x="837949" y="2420888"/>
-                  <a:chExt cx="7513850" cy="720080"/>
-                </a:xfrm>
-              </p:grpSpPr>
-              <p:sp>
-                <p:nvSpPr>
-                  <p:cNvPr id="53" name="Flèche droite 52"/>
-                  <p:cNvSpPr/>
-                  <p:nvPr/>
-                </p:nvSpPr>
-                <p:spPr>
-                  <a:xfrm>
-                    <a:off x="961230" y="2780928"/>
-                    <a:ext cx="7390569" cy="360040"/>
-                  </a:xfrm>
-                  <a:prstGeom prst="rightArrow">
-                    <a:avLst/>
-                  </a:prstGeom>
-                </p:spPr>
-                <p:style>
-                  <a:lnRef idx="2">
-                    <a:schemeClr val="accent1">
-                      <a:shade val="50000"/>
-                    </a:schemeClr>
-                  </a:lnRef>
-                  <a:fillRef idx="1">
-                    <a:schemeClr val="accent1"/>
-                  </a:fillRef>
-                  <a:effectRef idx="0">
-                    <a:schemeClr val="accent1"/>
-                  </a:effectRef>
-                  <a:fontRef idx="minor">
-                    <a:schemeClr val="lt1"/>
-                  </a:fontRef>
-                </p:style>
-                <p:txBody>
-                  <a:bodyPr rtlCol="0" anchor="ctr"/>
-                  <a:lstStyle/>
-                  <a:p>
-                    <a:pPr algn="ctr"/>
-                    <a:endParaRPr lang="fr-FR"/>
-                  </a:p>
-                </p:txBody>
-              </p:sp>
-              <p:sp>
-                <p:nvSpPr>
-                  <p:cNvPr id="54" name="ZoneTexte 53"/>
-                  <p:cNvSpPr txBox="1"/>
-                  <p:nvPr/>
-                </p:nvSpPr>
-                <p:spPr>
-                  <a:xfrm>
-                    <a:off x="837949" y="2420888"/>
-                    <a:ext cx="7252074" cy="369332"/>
-                  </a:xfrm>
-                  <a:prstGeom prst="rect">
-                    <a:avLst/>
-                  </a:prstGeom>
-                  <a:noFill/>
-                </p:spPr>
-                <p:txBody>
-                  <a:bodyPr wrap="square" rtlCol="0">
-                    <a:spAutoFit/>
-                  </a:bodyPr>
-                  <a:lstStyle/>
-                  <a:p>
-                    <a:pPr algn="ctr"/>
-                    <a:r>
-                      <a:rPr lang="fr-FR" dirty="0" smtClean="0">
-                        <a:latin typeface="+mj-lt"/>
-                      </a:rPr>
-                      <a:t>Niveau 1</a:t>
-                    </a:r>
-                    <a:endParaRPr lang="fr-FR" dirty="0">
-                      <a:latin typeface="+mj-lt"/>
-                    </a:endParaRPr>
-                  </a:p>
-                </p:txBody>
-              </p:sp>
-            </p:grpSp>
-          </p:grpSp>
-          <p:grpSp>
-            <p:nvGrpSpPr>
-              <p:cNvPr id="44" name="Groupe 43"/>
-              <p:cNvGrpSpPr/>
-              <p:nvPr/>
-            </p:nvGrpSpPr>
-            <p:grpSpPr>
-              <a:xfrm>
-                <a:off x="5146078" y="5331148"/>
-                <a:ext cx="1296145" cy="720080"/>
-                <a:chOff x="837949" y="2420888"/>
-                <a:chExt cx="7252076" cy="720080"/>
-              </a:xfrm>
-            </p:grpSpPr>
-            <p:sp>
-              <p:nvSpPr>
-                <p:cNvPr id="45" name="Flèche droite 44"/>
-                <p:cNvSpPr/>
-                <p:nvPr/>
-              </p:nvSpPr>
-              <p:spPr>
-                <a:xfrm>
-                  <a:off x="961233" y="2780928"/>
-                  <a:ext cx="7128792" cy="360040"/>
-                </a:xfrm>
-                <a:prstGeom prst="rightArrow">
-                  <a:avLst/>
-                </a:prstGeom>
-              </p:spPr>
-              <p:style>
-                <a:lnRef idx="2">
-                  <a:schemeClr val="accent1">
-                    <a:shade val="50000"/>
-                  </a:schemeClr>
-                </a:lnRef>
-                <a:fillRef idx="1">
-                  <a:schemeClr val="accent1"/>
-                </a:fillRef>
-                <a:effectRef idx="0">
-                  <a:schemeClr val="accent1"/>
-                </a:effectRef>
-                <a:fontRef idx="minor">
-                  <a:schemeClr val="lt1"/>
-                </a:fontRef>
-              </p:style>
-              <p:txBody>
-                <a:bodyPr rtlCol="0" anchor="ctr"/>
-                <a:lstStyle/>
-                <a:p>
-                  <a:pPr algn="ctr"/>
-                  <a:endParaRPr lang="fr-FR"/>
-                </a:p>
-              </p:txBody>
-            </p:sp>
-            <p:sp>
-              <p:nvSpPr>
-                <p:cNvPr id="46" name="ZoneTexte 45"/>
-                <p:cNvSpPr txBox="1"/>
-                <p:nvPr/>
-              </p:nvSpPr>
-              <p:spPr>
-                <a:xfrm>
-                  <a:off x="837949" y="2420888"/>
-                  <a:ext cx="7252074" cy="369332"/>
-                </a:xfrm>
-                <a:prstGeom prst="rect">
-                  <a:avLst/>
-                </a:prstGeom>
-                <a:noFill/>
-              </p:spPr>
-              <p:txBody>
-                <a:bodyPr wrap="square" rtlCol="0">
-                  <a:spAutoFit/>
-                </a:bodyPr>
-                <a:lstStyle/>
-                <a:p>
-                  <a:pPr algn="ctr"/>
-                  <a:r>
-                    <a:rPr lang="fr-FR" dirty="0" smtClean="0">
-                      <a:latin typeface="+mj-lt"/>
-                    </a:rPr>
-                    <a:t>Niveau 0</a:t>
-                  </a:r>
-                  <a:endParaRPr lang="fr-FR" dirty="0">
-                    <a:latin typeface="+mj-lt"/>
-                  </a:endParaRPr>
-                </a:p>
-              </p:txBody>
-            </p:sp>
-          </p:grpSp>
-        </p:grpSp>
-        <p:cxnSp>
-          <p:nvCxnSpPr>
-            <p:cNvPr id="38" name="Connecteur droit 37"/>
-            <p:cNvCxnSpPr/>
-            <p:nvPr/>
-          </p:nvCxnSpPr>
-          <p:spPr>
-            <a:xfrm flipV="1">
-              <a:off x="2721466" y="3203686"/>
-              <a:ext cx="0" cy="2602845"/>
-            </a:xfrm>
-            <a:prstGeom prst="line">
+            <a:prstGeom prst="rect">
               <a:avLst/>
             </a:prstGeom>
-            <a:ln w="38100"/>
           </p:spPr>
-          <p:style>
-            <a:lnRef idx="1">
-              <a:schemeClr val="accent1"/>
-            </a:lnRef>
-            <a:fillRef idx="0">
-              <a:schemeClr val="accent1"/>
-            </a:fillRef>
-            <a:effectRef idx="0">
-              <a:schemeClr val="accent1"/>
-            </a:effectRef>
-            <a:fontRef idx="minor">
-              <a:schemeClr val="tx1"/>
-            </a:fontRef>
-          </p:style>
-        </p:cxnSp>
-        <p:cxnSp>
-          <p:nvCxnSpPr>
-            <p:cNvPr id="39" name="Connecteur droit 38"/>
-            <p:cNvCxnSpPr/>
+          <p:txBody>
+            <a:bodyPr wrap="none">
+              <a:spAutoFit/>
+            </a:bodyPr>
+            <a:lstStyle/>
+            <a:p>
+              <a:r>
+                <a:rPr lang="fr-FR" sz="2000" dirty="0" smtClean="0">
+                  <a:solidFill>
+                    <a:srgbClr val="FF0000"/>
+                  </a:solidFill>
+                </a:rPr>
+                <a:t>IMPORTANT:</a:t>
+              </a:r>
+            </a:p>
+          </p:txBody>
+        </p:sp>
+        <p:sp>
+          <p:nvSpPr>
+            <p:cNvPr id="8" name="ZoneTexte 7"/>
+            <p:cNvSpPr txBox="1"/>
             <p:nvPr/>
-          </p:nvCxnSpPr>
+          </p:nvSpPr>
           <p:spPr>
-            <a:xfrm flipV="1">
-              <a:off x="4519470" y="3203686"/>
-              <a:ext cx="6159" cy="2612137"/>
+            <a:xfrm>
+              <a:off x="2117698" y="2236034"/>
+              <a:ext cx="4848270" cy="547748"/>
             </a:xfrm>
-            <a:prstGeom prst="line">
+            <a:prstGeom prst="rect">
               <a:avLst/>
             </a:prstGeom>
-            <a:ln w="38100"/>
+            <a:noFill/>
           </p:spPr>
-          <p:style>
-            <a:lnRef idx="1">
-              <a:schemeClr val="accent1"/>
-            </a:lnRef>
-            <a:fillRef idx="0">
-              <a:schemeClr val="accent1"/>
-            </a:fillRef>
-            <a:effectRef idx="0">
-              <a:schemeClr val="accent1"/>
-            </a:effectRef>
-            <a:fontRef idx="minor">
-              <a:schemeClr val="tx1"/>
-            </a:fontRef>
-          </p:style>
-        </p:cxnSp>
-        <p:cxnSp>
-          <p:nvCxnSpPr>
-            <p:cNvPr id="40" name="Connecteur droit 39"/>
-            <p:cNvCxnSpPr/>
-            <p:nvPr/>
-          </p:nvCxnSpPr>
-          <p:spPr>
-            <a:xfrm flipV="1">
-              <a:off x="6375000" y="3203685"/>
-              <a:ext cx="0" cy="2602846"/>
-            </a:xfrm>
-            <a:prstGeom prst="line">
-              <a:avLst/>
-            </a:prstGeom>
-            <a:ln w="38100"/>
-          </p:spPr>
-          <p:style>
-            <a:lnRef idx="1">
-              <a:schemeClr val="accent1"/>
-            </a:lnRef>
-            <a:fillRef idx="0">
-              <a:schemeClr val="accent1"/>
-            </a:fillRef>
-            <a:effectRef idx="0">
-              <a:schemeClr val="accent1"/>
-            </a:effectRef>
-            <a:fontRef idx="minor">
-              <a:schemeClr val="tx1"/>
-            </a:fontRef>
-          </p:style>
-        </p:cxnSp>
-        <p:cxnSp>
-          <p:nvCxnSpPr>
-            <p:cNvPr id="41" name="Connecteur droit 40"/>
-            <p:cNvCxnSpPr/>
-            <p:nvPr/>
-          </p:nvCxnSpPr>
-          <p:spPr>
-            <a:xfrm flipV="1">
-              <a:off x="899592" y="3203685"/>
-              <a:ext cx="0" cy="2602845"/>
-            </a:xfrm>
-            <a:prstGeom prst="line">
-              <a:avLst/>
-            </a:prstGeom>
-            <a:ln w="38100"/>
-          </p:spPr>
-          <p:style>
-            <a:lnRef idx="1">
-              <a:schemeClr val="accent1"/>
-            </a:lnRef>
-            <a:fillRef idx="0">
-              <a:schemeClr val="accent1"/>
-            </a:fillRef>
-            <a:effectRef idx="0">
-              <a:schemeClr val="accent1"/>
-            </a:effectRef>
-            <a:fontRef idx="minor">
-              <a:schemeClr val="tx1"/>
-            </a:fontRef>
-          </p:style>
-        </p:cxnSp>
-        <p:cxnSp>
-          <p:nvCxnSpPr>
-            <p:cNvPr id="42" name="Connecteur droit 41"/>
-            <p:cNvCxnSpPr/>
-            <p:nvPr/>
-          </p:nvCxnSpPr>
-          <p:spPr>
-            <a:xfrm flipV="1">
-              <a:off x="8172400" y="3203686"/>
-              <a:ext cx="0" cy="2602845"/>
-            </a:xfrm>
-            <a:prstGeom prst="line">
-              <a:avLst/>
-            </a:prstGeom>
-            <a:ln w="38100"/>
-          </p:spPr>
-          <p:style>
-            <a:lnRef idx="1">
-              <a:schemeClr val="accent1"/>
-            </a:lnRef>
-            <a:fillRef idx="0">
-              <a:schemeClr val="accent1"/>
-            </a:fillRef>
-            <a:effectRef idx="0">
-              <a:schemeClr val="accent1"/>
-            </a:effectRef>
-            <a:fontRef idx="minor">
-              <a:schemeClr val="tx1"/>
-            </a:fontRef>
-          </p:style>
-        </p:cxnSp>
+          <p:txBody>
+            <a:bodyPr wrap="none" rtlCol="0">
+              <a:spAutoFit/>
+            </a:bodyPr>
+            <a:lstStyle/>
+            <a:p>
+              <a:pPr marL="285750" indent="-285750">
+                <a:buFontTx/>
+                <a:buChar char="-"/>
+              </a:pPr>
+              <a:r>
+                <a:rPr lang="fr-FR" sz="2000" dirty="0" smtClean="0"/>
+                <a:t>Conserver la MÊME première partition.</a:t>
+              </a:r>
+            </a:p>
+            <a:p>
+              <a:pPr marL="285750" indent="-285750">
+                <a:buFontTx/>
+                <a:buChar char="-"/>
+              </a:pPr>
+              <a:r>
+                <a:rPr lang="fr-FR" sz="2000" dirty="0" smtClean="0"/>
+                <a:t>Faire varier le partitionnement pour chaque </a:t>
+              </a:r>
+              <a:r>
+                <a:rPr lang="fr-FR" sz="2000" dirty="0" err="1" smtClean="0"/>
+                <a:t>run</a:t>
+              </a:r>
+              <a:r>
+                <a:rPr lang="fr-FR" sz="2000" dirty="0" smtClean="0"/>
+                <a:t>.</a:t>
+              </a:r>
+            </a:p>
+          </p:txBody>
+        </p:sp>
       </p:grpSp>
     </p:spTree>
     <p:extLst>
       <p:ext uri="{BB962C8B-B14F-4D97-AF65-F5344CB8AC3E}">
-        <p14:creationId xmlns:p14="http://schemas.microsoft.com/office/powerpoint/2010/main" val="2661364838"/>
+        <p14:creationId xmlns:p14="http://schemas.microsoft.com/office/powerpoint/2010/main" val="2355626647"/>
       </p:ext>
     </p:extLst>
   </p:cSld>
